--- a/spring15/slidesS15/pulverizer.pptx
+++ b/spring15/slidesS15/pulverizer.pptx
@@ -5,10 +5,10 @@
     <p:sldMasterId id="2147483650" r:id="rId1"/>
   </p:sldMasterIdLst>
   <p:notesMasterIdLst>
-    <p:notesMasterId r:id="rId25"/>
+    <p:notesMasterId r:id="rId27"/>
   </p:notesMasterIdLst>
   <p:handoutMasterIdLst>
-    <p:handoutMasterId r:id="rId26"/>
+    <p:handoutMasterId r:id="rId28"/>
   </p:handoutMasterIdLst>
   <p:sldIdLst>
     <p:sldId id="728" r:id="rId2"/>
@@ -20,25 +20,27 @@
     <p:sldId id="907" r:id="rId8"/>
     <p:sldId id="905" r:id="rId9"/>
     <p:sldId id="912" r:id="rId10"/>
-    <p:sldId id="898" r:id="rId11"/>
-    <p:sldId id="915" r:id="rId12"/>
-    <p:sldId id="914" r:id="rId13"/>
-    <p:sldId id="880" r:id="rId14"/>
-    <p:sldId id="900" r:id="rId15"/>
-    <p:sldId id="916" r:id="rId16"/>
-    <p:sldId id="917" r:id="rId17"/>
-    <p:sldId id="874" r:id="rId18"/>
-    <p:sldId id="820" r:id="rId19"/>
-    <p:sldId id="821" r:id="rId20"/>
-    <p:sldId id="854" r:id="rId21"/>
-    <p:sldId id="822" r:id="rId22"/>
-    <p:sldId id="879" r:id="rId23"/>
-    <p:sldId id="877" r:id="rId24"/>
+    <p:sldId id="918" r:id="rId11"/>
+    <p:sldId id="919" r:id="rId12"/>
+    <p:sldId id="880" r:id="rId13"/>
+    <p:sldId id="916" r:id="rId14"/>
+    <p:sldId id="917" r:id="rId15"/>
+    <p:sldId id="898" r:id="rId16"/>
+    <p:sldId id="915" r:id="rId17"/>
+    <p:sldId id="914" r:id="rId18"/>
+    <p:sldId id="900" r:id="rId19"/>
+    <p:sldId id="874" r:id="rId20"/>
+    <p:sldId id="820" r:id="rId21"/>
+    <p:sldId id="821" r:id="rId22"/>
+    <p:sldId id="854" r:id="rId23"/>
+    <p:sldId id="822" r:id="rId24"/>
+    <p:sldId id="879" r:id="rId25"/>
+    <p:sldId id="877" r:id="rId26"/>
   </p:sldIdLst>
   <p:sldSz cx="9144000" cy="6858000" type="screen4x3"/>
   <p:notesSz cx="9601200" cy="7315200"/>
   <p:custDataLst>
-    <p:tags r:id="rId28"/>
+    <p:tags r:id="rId30"/>
   </p:custDataLst>
   <p:defaultTextStyle>
     <a:defPPr>
@@ -1161,6 +1163,100 @@
       </p:grpSpPr>
       <p:sp>
         <p:nvSpPr>
+          <p:cNvPr id="68610" name="Rectangle 7"/>
+          <p:cNvSpPr>
+            <a:spLocks noGrp="1" noChangeArrowheads="1"/>
+          </p:cNvSpPr>
+          <p:nvPr>
+            <p:ph type="sldNum" sz="quarter" idx="5"/>
+          </p:nvPr>
+        </p:nvSpPr>
+        <p:spPr>
+          <a:noFill/>
+        </p:spPr>
+        <p:txBody>
+          <a:bodyPr/>
+          <a:lstStyle/>
+          <a:p>
+            <a:fld id="{2C9CF9AA-5D80-4D6C-B41D-D753E8B204F1}" type="slidenum">
+              <a:rPr lang="en-US" smtClean="0">
+                <a:latin typeface="Times New Roman" pitchFamily="8" charset="0"/>
+              </a:rPr>
+              <a:pPr/>
+              <a:t>12</a:t>
+            </a:fld>
+            <a:endParaRPr lang="en-US" smtClean="0">
+              <a:latin typeface="Times New Roman" pitchFamily="8" charset="0"/>
+            </a:endParaRPr>
+          </a:p>
+        </p:txBody>
+      </p:sp>
+      <p:sp>
+        <p:nvSpPr>
+          <p:cNvPr id="68611" name="Rectangle 2"/>
+          <p:cNvSpPr>
+            <a:spLocks noGrp="1" noRot="1" noChangeAspect="1" noChangeArrowheads="1" noTextEdit="1"/>
+          </p:cNvSpPr>
+          <p:nvPr>
+            <p:ph type="sldImg"/>
+          </p:nvPr>
+        </p:nvSpPr>
+        <p:spPr>
+          <a:ln/>
+        </p:spPr>
+      </p:sp>
+      <p:sp>
+        <p:nvSpPr>
+          <p:cNvPr id="68612" name="Rectangle 3"/>
+          <p:cNvSpPr>
+            <a:spLocks noGrp="1" noChangeArrowheads="1"/>
+          </p:cNvSpPr>
+          <p:nvPr>
+            <p:ph type="body" idx="1"/>
+          </p:nvPr>
+        </p:nvSpPr>
+        <p:spPr>
+          <a:noFill/>
+          <a:ln/>
+        </p:spPr>
+        <p:txBody>
+          <a:bodyPr/>
+          <a:lstStyle/>
+          <a:p>
+            <a:pPr eaLnBrk="1" hangingPunct="1"/>
+            <a:endParaRPr lang="en-US" smtClean="0">
+              <a:latin typeface="Times New Roman" pitchFamily="8" charset="0"/>
+            </a:endParaRPr>
+          </a:p>
+        </p:txBody>
+      </p:sp>
+    </p:spTree>
+  </p:cSld>
+  <p:clrMapOvr>
+    <a:masterClrMapping/>
+  </p:clrMapOvr>
+</p:notes>
+</file>
+
+<file path=ppt/notesSlides/notesSlide13.xml><?xml version="1.0" encoding="utf-8"?>
+<p:notes xmlns:a="http://schemas.openxmlformats.org/drawingml/2006/main" xmlns:r="http://schemas.openxmlformats.org/officeDocument/2006/relationships" xmlns:p="http://schemas.openxmlformats.org/presentationml/2006/main">
+  <p:cSld>
+    <p:spTree>
+      <p:nvGrpSpPr>
+        <p:cNvPr id="1" name=""/>
+        <p:cNvGrpSpPr/>
+        <p:nvPr/>
+      </p:nvGrpSpPr>
+      <p:grpSpPr>
+        <a:xfrm>
+          <a:off x="0" y="0"/>
+          <a:ext cx="0" cy="0"/>
+          <a:chOff x="0" y="0"/>
+          <a:chExt cx="0" cy="0"/>
+        </a:xfrm>
+      </p:grpSpPr>
+      <p:sp>
+        <p:nvSpPr>
           <p:cNvPr id="65538" name="Rectangle 7"/>
           <p:cNvSpPr>
             <a:spLocks noGrp="1" noChangeArrowheads="1"/>
@@ -1181,7 +1277,7 @@
                 <a:latin typeface="Times New Roman" pitchFamily="8" charset="0"/>
               </a:rPr>
               <a:pPr/>
-              <a:t>12</a:t>
+              <a:t>15</a:t>
             </a:fld>
             <a:endParaRPr lang="en-US" smtClean="0">
               <a:latin typeface="Times New Roman" pitchFamily="8" charset="0"/>
@@ -1236,7 +1332,7 @@
 </p:notes>
 </file>
 
-<file path=ppt/notesSlides/notesSlide13.xml><?xml version="1.0" encoding="utf-8"?>
+<file path=ppt/notesSlides/notesSlide14.xml><?xml version="1.0" encoding="utf-8"?>
 <p:notes xmlns:a="http://schemas.openxmlformats.org/drawingml/2006/main" xmlns:r="http://schemas.openxmlformats.org/officeDocument/2006/relationships" xmlns:p="http://schemas.openxmlformats.org/presentationml/2006/main">
   <p:cSld>
     <p:spTree>
@@ -1255,7 +1351,7 @@
       </p:grpSpPr>
       <p:sp>
         <p:nvSpPr>
-          <p:cNvPr id="68610" name="Rectangle 7"/>
+          <p:cNvPr id="65538" name="Rectangle 7"/>
           <p:cNvSpPr>
             <a:spLocks noGrp="1" noChangeArrowheads="1"/>
           </p:cNvSpPr>
@@ -1270,12 +1366,12 @@
           <a:bodyPr/>
           <a:lstStyle/>
           <a:p>
-            <a:fld id="{2C9CF9AA-5D80-4D6C-B41D-D753E8B204F1}" type="slidenum">
+            <a:fld id="{EEC78EEE-97B5-4226-9E7C-A9D1AB189F42}" type="slidenum">
               <a:rPr lang="en-US" smtClean="0">
                 <a:latin typeface="Times New Roman" pitchFamily="8" charset="0"/>
               </a:rPr>
               <a:pPr/>
-              <a:t>13</a:t>
+              <a:t>16</a:t>
             </a:fld>
             <a:endParaRPr lang="en-US" smtClean="0">
               <a:latin typeface="Times New Roman" pitchFamily="8" charset="0"/>
@@ -1285,7 +1381,7 @@
       </p:sp>
       <p:sp>
         <p:nvSpPr>
-          <p:cNvPr id="68611" name="Rectangle 2"/>
+          <p:cNvPr id="65539" name="Rectangle 2"/>
           <p:cNvSpPr>
             <a:spLocks noGrp="1" noRot="1" noChangeAspect="1" noChangeArrowheads="1" noTextEdit="1"/>
           </p:cNvSpPr>
@@ -1299,7 +1395,7 @@
       </p:sp>
       <p:sp>
         <p:nvSpPr>
-          <p:cNvPr id="68612" name="Rectangle 3"/>
+          <p:cNvPr id="65540" name="Rectangle 3"/>
           <p:cNvSpPr>
             <a:spLocks noGrp="1" noChangeArrowheads="1"/>
           </p:cNvSpPr>
@@ -1330,7 +1426,101 @@
 </p:notes>
 </file>
 
-<file path=ppt/notesSlides/notesSlide14.xml><?xml version="1.0" encoding="utf-8"?>
+<file path=ppt/notesSlides/notesSlide15.xml><?xml version="1.0" encoding="utf-8"?>
+<p:notes xmlns:a="http://schemas.openxmlformats.org/drawingml/2006/main" xmlns:r="http://schemas.openxmlformats.org/officeDocument/2006/relationships" xmlns:p="http://schemas.openxmlformats.org/presentationml/2006/main">
+  <p:cSld>
+    <p:spTree>
+      <p:nvGrpSpPr>
+        <p:cNvPr id="1" name=""/>
+        <p:cNvGrpSpPr/>
+        <p:nvPr/>
+      </p:nvGrpSpPr>
+      <p:grpSpPr>
+        <a:xfrm>
+          <a:off x="0" y="0"/>
+          <a:ext cx="0" cy="0"/>
+          <a:chOff x="0" y="0"/>
+          <a:chExt cx="0" cy="0"/>
+        </a:xfrm>
+      </p:grpSpPr>
+      <p:sp>
+        <p:nvSpPr>
+          <p:cNvPr id="65538" name="Rectangle 7"/>
+          <p:cNvSpPr>
+            <a:spLocks noGrp="1" noChangeArrowheads="1"/>
+          </p:cNvSpPr>
+          <p:nvPr>
+            <p:ph type="sldNum" sz="quarter" idx="5"/>
+          </p:nvPr>
+        </p:nvSpPr>
+        <p:spPr>
+          <a:noFill/>
+        </p:spPr>
+        <p:txBody>
+          <a:bodyPr/>
+          <a:lstStyle/>
+          <a:p>
+            <a:fld id="{EEC78EEE-97B5-4226-9E7C-A9D1AB189F42}" type="slidenum">
+              <a:rPr lang="en-US" smtClean="0">
+                <a:latin typeface="Times New Roman" pitchFamily="8" charset="0"/>
+              </a:rPr>
+              <a:pPr/>
+              <a:t>17</a:t>
+            </a:fld>
+            <a:endParaRPr lang="en-US" smtClean="0">
+              <a:latin typeface="Times New Roman" pitchFamily="8" charset="0"/>
+            </a:endParaRPr>
+          </a:p>
+        </p:txBody>
+      </p:sp>
+      <p:sp>
+        <p:nvSpPr>
+          <p:cNvPr id="65539" name="Rectangle 2"/>
+          <p:cNvSpPr>
+            <a:spLocks noGrp="1" noRot="1" noChangeAspect="1" noChangeArrowheads="1" noTextEdit="1"/>
+          </p:cNvSpPr>
+          <p:nvPr>
+            <p:ph type="sldImg"/>
+          </p:nvPr>
+        </p:nvSpPr>
+        <p:spPr>
+          <a:ln/>
+        </p:spPr>
+      </p:sp>
+      <p:sp>
+        <p:nvSpPr>
+          <p:cNvPr id="65540" name="Rectangle 3"/>
+          <p:cNvSpPr>
+            <a:spLocks noGrp="1" noChangeArrowheads="1"/>
+          </p:cNvSpPr>
+          <p:nvPr>
+            <p:ph type="body" idx="1"/>
+          </p:nvPr>
+        </p:nvSpPr>
+        <p:spPr>
+          <a:noFill/>
+          <a:ln/>
+        </p:spPr>
+        <p:txBody>
+          <a:bodyPr/>
+          <a:lstStyle/>
+          <a:p>
+            <a:pPr eaLnBrk="1" hangingPunct="1"/>
+            <a:endParaRPr lang="en-US" smtClean="0">
+              <a:latin typeface="Times New Roman" pitchFamily="8" charset="0"/>
+            </a:endParaRPr>
+          </a:p>
+        </p:txBody>
+      </p:sp>
+    </p:spTree>
+  </p:cSld>
+  <p:clrMapOvr>
+    <a:masterClrMapping/>
+  </p:clrMapOvr>
+</p:notes>
+</file>
+
+<file path=ppt/notesSlides/notesSlide16.xml><?xml version="1.0" encoding="utf-8"?>
 <p:notes xmlns:a="http://schemas.openxmlformats.org/drawingml/2006/main" xmlns:r="http://schemas.openxmlformats.org/officeDocument/2006/relationships" xmlns:p="http://schemas.openxmlformats.org/presentationml/2006/main">
   <p:cSld>
     <p:spTree>
@@ -1369,7 +1559,7 @@
                 <a:latin typeface="Times New Roman" pitchFamily="8" charset="0"/>
               </a:rPr>
               <a:pPr/>
-              <a:t>17</a:t>
+              <a:t>19</a:t>
             </a:fld>
             <a:endParaRPr lang="en-US" smtClean="0">
               <a:latin typeface="Times New Roman" pitchFamily="8" charset="0"/>
@@ -1424,7 +1614,7 @@
 </p:notes>
 </file>
 
-<file path=ppt/notesSlides/notesSlide15.xml><?xml version="1.0" encoding="utf-8"?>
+<file path=ppt/notesSlides/notesSlide17.xml><?xml version="1.0" encoding="utf-8"?>
 <p:notes xmlns:a="http://schemas.openxmlformats.org/drawingml/2006/main" xmlns:r="http://schemas.openxmlformats.org/officeDocument/2006/relationships" xmlns:p="http://schemas.openxmlformats.org/presentationml/2006/main">
   <p:cSld>
     <p:spTree>
@@ -1463,7 +1653,7 @@
                 <a:latin typeface="Times New Roman" pitchFamily="8" charset="0"/>
               </a:rPr>
               <a:pPr/>
-              <a:t>18</a:t>
+              <a:t>20</a:t>
             </a:fld>
             <a:endParaRPr lang="en-US" smtClean="0">
               <a:latin typeface="Times New Roman" pitchFamily="8" charset="0"/>
@@ -1518,7 +1708,7 @@
 </p:notes>
 </file>
 
-<file path=ppt/notesSlides/notesSlide16.xml><?xml version="1.0" encoding="utf-8"?>
+<file path=ppt/notesSlides/notesSlide18.xml><?xml version="1.0" encoding="utf-8"?>
 <p:notes xmlns:a="http://schemas.openxmlformats.org/drawingml/2006/main" xmlns:r="http://schemas.openxmlformats.org/officeDocument/2006/relationships" xmlns:p="http://schemas.openxmlformats.org/presentationml/2006/main">
   <p:cSld>
     <p:spTree>
@@ -1557,7 +1747,7 @@
                 <a:latin typeface="Times New Roman" pitchFamily="8" charset="0"/>
               </a:rPr>
               <a:pPr/>
-              <a:t>19</a:t>
+              <a:t>21</a:t>
             </a:fld>
             <a:endParaRPr lang="en-US" smtClean="0">
               <a:latin typeface="Times New Roman" pitchFamily="8" charset="0"/>
@@ -1612,7 +1802,7 @@
 </p:notes>
 </file>
 
-<file path=ppt/notesSlides/notesSlide17.xml><?xml version="1.0" encoding="utf-8"?>
+<file path=ppt/notesSlides/notesSlide19.xml><?xml version="1.0" encoding="utf-8"?>
 <p:notes xmlns:a="http://schemas.openxmlformats.org/drawingml/2006/main" xmlns:r="http://schemas.openxmlformats.org/officeDocument/2006/relationships" xmlns:p="http://schemas.openxmlformats.org/presentationml/2006/main">
   <p:cSld>
     <p:spTree>
@@ -1651,7 +1841,7 @@
                 <a:latin typeface="Times New Roman" pitchFamily="8" charset="0"/>
               </a:rPr>
               <a:pPr/>
-              <a:t>20</a:t>
+              <a:t>22</a:t>
             </a:fld>
             <a:endParaRPr lang="en-US" smtClean="0">
               <a:latin typeface="Times New Roman" pitchFamily="8" charset="0"/>
@@ -1676,194 +1866,6 @@
       <p:sp>
         <p:nvSpPr>
           <p:cNvPr id="61444" name="Rectangle 3"/>
-          <p:cNvSpPr>
-            <a:spLocks noGrp="1" noChangeArrowheads="1"/>
-          </p:cNvSpPr>
-          <p:nvPr>
-            <p:ph type="body" idx="1"/>
-          </p:nvPr>
-        </p:nvSpPr>
-        <p:spPr>
-          <a:noFill/>
-          <a:ln/>
-        </p:spPr>
-        <p:txBody>
-          <a:bodyPr/>
-          <a:lstStyle/>
-          <a:p>
-            <a:pPr eaLnBrk="1" hangingPunct="1"/>
-            <a:endParaRPr lang="en-US" smtClean="0">
-              <a:latin typeface="Times New Roman" pitchFamily="8" charset="0"/>
-            </a:endParaRPr>
-          </a:p>
-        </p:txBody>
-      </p:sp>
-    </p:spTree>
-  </p:cSld>
-  <p:clrMapOvr>
-    <a:masterClrMapping/>
-  </p:clrMapOvr>
-</p:notes>
-</file>
-
-<file path=ppt/notesSlides/notesSlide18.xml><?xml version="1.0" encoding="utf-8"?>
-<p:notes xmlns:a="http://schemas.openxmlformats.org/drawingml/2006/main" xmlns:r="http://schemas.openxmlformats.org/officeDocument/2006/relationships" xmlns:p="http://schemas.openxmlformats.org/presentationml/2006/main">
-  <p:cSld>
-    <p:spTree>
-      <p:nvGrpSpPr>
-        <p:cNvPr id="1" name=""/>
-        <p:cNvGrpSpPr/>
-        <p:nvPr/>
-      </p:nvGrpSpPr>
-      <p:grpSpPr>
-        <a:xfrm>
-          <a:off x="0" y="0"/>
-          <a:ext cx="0" cy="0"/>
-          <a:chOff x="0" y="0"/>
-          <a:chExt cx="0" cy="0"/>
-        </a:xfrm>
-      </p:grpSpPr>
-      <p:sp>
-        <p:nvSpPr>
-          <p:cNvPr id="61442" name="Rectangle 7"/>
-          <p:cNvSpPr>
-            <a:spLocks noGrp="1" noChangeArrowheads="1"/>
-          </p:cNvSpPr>
-          <p:nvPr>
-            <p:ph type="sldNum" sz="quarter" idx="5"/>
-          </p:nvPr>
-        </p:nvSpPr>
-        <p:spPr>
-          <a:noFill/>
-        </p:spPr>
-        <p:txBody>
-          <a:bodyPr/>
-          <a:lstStyle/>
-          <a:p>
-            <a:fld id="{633011C0-825D-44C0-998E-D3D100C2C20D}" type="slidenum">
-              <a:rPr lang="en-US" smtClean="0">
-                <a:latin typeface="Times New Roman" pitchFamily="8" charset="0"/>
-              </a:rPr>
-              <a:pPr/>
-              <a:t>21</a:t>
-            </a:fld>
-            <a:endParaRPr lang="en-US" smtClean="0">
-              <a:latin typeface="Times New Roman" pitchFamily="8" charset="0"/>
-            </a:endParaRPr>
-          </a:p>
-        </p:txBody>
-      </p:sp>
-      <p:sp>
-        <p:nvSpPr>
-          <p:cNvPr id="61443" name="Rectangle 2"/>
-          <p:cNvSpPr>
-            <a:spLocks noGrp="1" noRot="1" noChangeAspect="1" noChangeArrowheads="1" noTextEdit="1"/>
-          </p:cNvSpPr>
-          <p:nvPr>
-            <p:ph type="sldImg"/>
-          </p:nvPr>
-        </p:nvSpPr>
-        <p:spPr>
-          <a:ln/>
-        </p:spPr>
-      </p:sp>
-      <p:sp>
-        <p:nvSpPr>
-          <p:cNvPr id="61444" name="Rectangle 3"/>
-          <p:cNvSpPr>
-            <a:spLocks noGrp="1" noChangeArrowheads="1"/>
-          </p:cNvSpPr>
-          <p:nvPr>
-            <p:ph type="body" idx="1"/>
-          </p:nvPr>
-        </p:nvSpPr>
-        <p:spPr>
-          <a:noFill/>
-          <a:ln/>
-        </p:spPr>
-        <p:txBody>
-          <a:bodyPr/>
-          <a:lstStyle/>
-          <a:p>
-            <a:pPr eaLnBrk="1" hangingPunct="1"/>
-            <a:endParaRPr lang="en-US" smtClean="0">
-              <a:latin typeface="Times New Roman" pitchFamily="8" charset="0"/>
-            </a:endParaRPr>
-          </a:p>
-        </p:txBody>
-      </p:sp>
-    </p:spTree>
-  </p:cSld>
-  <p:clrMapOvr>
-    <a:masterClrMapping/>
-  </p:clrMapOvr>
-</p:notes>
-</file>
-
-<file path=ppt/notesSlides/notesSlide19.xml><?xml version="1.0" encoding="utf-8"?>
-<p:notes xmlns:a="http://schemas.openxmlformats.org/drawingml/2006/main" xmlns:r="http://schemas.openxmlformats.org/officeDocument/2006/relationships" xmlns:p="http://schemas.openxmlformats.org/presentationml/2006/main">
-  <p:cSld>
-    <p:spTree>
-      <p:nvGrpSpPr>
-        <p:cNvPr id="1" name=""/>
-        <p:cNvGrpSpPr/>
-        <p:nvPr/>
-      </p:nvGrpSpPr>
-      <p:grpSpPr>
-        <a:xfrm>
-          <a:off x="0" y="0"/>
-          <a:ext cx="0" cy="0"/>
-          <a:chOff x="0" y="0"/>
-          <a:chExt cx="0" cy="0"/>
-        </a:xfrm>
-      </p:grpSpPr>
-      <p:sp>
-        <p:nvSpPr>
-          <p:cNvPr id="65538" name="Rectangle 7"/>
-          <p:cNvSpPr>
-            <a:spLocks noGrp="1" noChangeArrowheads="1"/>
-          </p:cNvSpPr>
-          <p:nvPr>
-            <p:ph type="sldNum" sz="quarter" idx="5"/>
-          </p:nvPr>
-        </p:nvSpPr>
-        <p:spPr>
-          <a:noFill/>
-        </p:spPr>
-        <p:txBody>
-          <a:bodyPr/>
-          <a:lstStyle/>
-          <a:p>
-            <a:fld id="{EEC78EEE-97B5-4226-9E7C-A9D1AB189F42}" type="slidenum">
-              <a:rPr lang="en-US" smtClean="0">
-                <a:latin typeface="Times New Roman" pitchFamily="8" charset="0"/>
-              </a:rPr>
-              <a:pPr/>
-              <a:t>22</a:t>
-            </a:fld>
-            <a:endParaRPr lang="en-US" smtClean="0">
-              <a:latin typeface="Times New Roman" pitchFamily="8" charset="0"/>
-            </a:endParaRPr>
-          </a:p>
-        </p:txBody>
-      </p:sp>
-      <p:sp>
-        <p:nvSpPr>
-          <p:cNvPr id="65539" name="Rectangle 2"/>
-          <p:cNvSpPr>
-            <a:spLocks noGrp="1" noRot="1" noChangeAspect="1" noChangeArrowheads="1" noTextEdit="1"/>
-          </p:cNvSpPr>
-          <p:nvPr>
-            <p:ph type="sldImg"/>
-          </p:nvPr>
-        </p:nvSpPr>
-        <p:spPr>
-          <a:ln/>
-        </p:spPr>
-      </p:sp>
-      <p:sp>
-        <p:nvSpPr>
-          <p:cNvPr id="65540" name="Rectangle 3"/>
           <p:cNvSpPr>
             <a:spLocks noGrp="1" noChangeArrowheads="1"/>
           </p:cNvSpPr>
@@ -2007,6 +2009,100 @@
       </p:grpSpPr>
       <p:sp>
         <p:nvSpPr>
+          <p:cNvPr id="61442" name="Rectangle 7"/>
+          <p:cNvSpPr>
+            <a:spLocks noGrp="1" noChangeArrowheads="1"/>
+          </p:cNvSpPr>
+          <p:nvPr>
+            <p:ph type="sldNum" sz="quarter" idx="5"/>
+          </p:nvPr>
+        </p:nvSpPr>
+        <p:spPr>
+          <a:noFill/>
+        </p:spPr>
+        <p:txBody>
+          <a:bodyPr/>
+          <a:lstStyle/>
+          <a:p>
+            <a:fld id="{633011C0-825D-44C0-998E-D3D100C2C20D}" type="slidenum">
+              <a:rPr lang="en-US" smtClean="0">
+                <a:latin typeface="Times New Roman" pitchFamily="8" charset="0"/>
+              </a:rPr>
+              <a:pPr/>
+              <a:t>23</a:t>
+            </a:fld>
+            <a:endParaRPr lang="en-US" smtClean="0">
+              <a:latin typeface="Times New Roman" pitchFamily="8" charset="0"/>
+            </a:endParaRPr>
+          </a:p>
+        </p:txBody>
+      </p:sp>
+      <p:sp>
+        <p:nvSpPr>
+          <p:cNvPr id="61443" name="Rectangle 2"/>
+          <p:cNvSpPr>
+            <a:spLocks noGrp="1" noRot="1" noChangeAspect="1" noChangeArrowheads="1" noTextEdit="1"/>
+          </p:cNvSpPr>
+          <p:nvPr>
+            <p:ph type="sldImg"/>
+          </p:nvPr>
+        </p:nvSpPr>
+        <p:spPr>
+          <a:ln/>
+        </p:spPr>
+      </p:sp>
+      <p:sp>
+        <p:nvSpPr>
+          <p:cNvPr id="61444" name="Rectangle 3"/>
+          <p:cNvSpPr>
+            <a:spLocks noGrp="1" noChangeArrowheads="1"/>
+          </p:cNvSpPr>
+          <p:nvPr>
+            <p:ph type="body" idx="1"/>
+          </p:nvPr>
+        </p:nvSpPr>
+        <p:spPr>
+          <a:noFill/>
+          <a:ln/>
+        </p:spPr>
+        <p:txBody>
+          <a:bodyPr/>
+          <a:lstStyle/>
+          <a:p>
+            <a:pPr eaLnBrk="1" hangingPunct="1"/>
+            <a:endParaRPr lang="en-US" smtClean="0">
+              <a:latin typeface="Times New Roman" pitchFamily="8" charset="0"/>
+            </a:endParaRPr>
+          </a:p>
+        </p:txBody>
+      </p:sp>
+    </p:spTree>
+  </p:cSld>
+  <p:clrMapOvr>
+    <a:masterClrMapping/>
+  </p:clrMapOvr>
+</p:notes>
+</file>
+
+<file path=ppt/notesSlides/notesSlide21.xml><?xml version="1.0" encoding="utf-8"?>
+<p:notes xmlns:a="http://schemas.openxmlformats.org/drawingml/2006/main" xmlns:r="http://schemas.openxmlformats.org/officeDocument/2006/relationships" xmlns:p="http://schemas.openxmlformats.org/presentationml/2006/main">
+  <p:cSld>
+    <p:spTree>
+      <p:nvGrpSpPr>
+        <p:cNvPr id="1" name=""/>
+        <p:cNvGrpSpPr/>
+        <p:nvPr/>
+      </p:nvGrpSpPr>
+      <p:grpSpPr>
+        <a:xfrm>
+          <a:off x="0" y="0"/>
+          <a:ext cx="0" cy="0"/>
+          <a:chOff x="0" y="0"/>
+          <a:chExt cx="0" cy="0"/>
+        </a:xfrm>
+      </p:grpSpPr>
+      <p:sp>
+        <p:nvSpPr>
           <p:cNvPr id="65538" name="Rectangle 7"/>
           <p:cNvSpPr>
             <a:spLocks noGrp="1" noChangeArrowheads="1"/>
@@ -2027,7 +2123,101 @@
                 <a:latin typeface="Times New Roman" pitchFamily="8" charset="0"/>
               </a:rPr>
               <a:pPr/>
-              <a:t>23</a:t>
+              <a:t>24</a:t>
+            </a:fld>
+            <a:endParaRPr lang="en-US" smtClean="0">
+              <a:latin typeface="Times New Roman" pitchFamily="8" charset="0"/>
+            </a:endParaRPr>
+          </a:p>
+        </p:txBody>
+      </p:sp>
+      <p:sp>
+        <p:nvSpPr>
+          <p:cNvPr id="65539" name="Rectangle 2"/>
+          <p:cNvSpPr>
+            <a:spLocks noGrp="1" noRot="1" noChangeAspect="1" noChangeArrowheads="1" noTextEdit="1"/>
+          </p:cNvSpPr>
+          <p:nvPr>
+            <p:ph type="sldImg"/>
+          </p:nvPr>
+        </p:nvSpPr>
+        <p:spPr>
+          <a:ln/>
+        </p:spPr>
+      </p:sp>
+      <p:sp>
+        <p:nvSpPr>
+          <p:cNvPr id="65540" name="Rectangle 3"/>
+          <p:cNvSpPr>
+            <a:spLocks noGrp="1" noChangeArrowheads="1"/>
+          </p:cNvSpPr>
+          <p:nvPr>
+            <p:ph type="body" idx="1"/>
+          </p:nvPr>
+        </p:nvSpPr>
+        <p:spPr>
+          <a:noFill/>
+          <a:ln/>
+        </p:spPr>
+        <p:txBody>
+          <a:bodyPr/>
+          <a:lstStyle/>
+          <a:p>
+            <a:pPr eaLnBrk="1" hangingPunct="1"/>
+            <a:endParaRPr lang="en-US" smtClean="0">
+              <a:latin typeface="Times New Roman" pitchFamily="8" charset="0"/>
+            </a:endParaRPr>
+          </a:p>
+        </p:txBody>
+      </p:sp>
+    </p:spTree>
+  </p:cSld>
+  <p:clrMapOvr>
+    <a:masterClrMapping/>
+  </p:clrMapOvr>
+</p:notes>
+</file>
+
+<file path=ppt/notesSlides/notesSlide22.xml><?xml version="1.0" encoding="utf-8"?>
+<p:notes xmlns:a="http://schemas.openxmlformats.org/drawingml/2006/main" xmlns:r="http://schemas.openxmlformats.org/officeDocument/2006/relationships" xmlns:p="http://schemas.openxmlformats.org/presentationml/2006/main">
+  <p:cSld>
+    <p:spTree>
+      <p:nvGrpSpPr>
+        <p:cNvPr id="1" name=""/>
+        <p:cNvGrpSpPr/>
+        <p:nvPr/>
+      </p:nvGrpSpPr>
+      <p:grpSpPr>
+        <a:xfrm>
+          <a:off x="0" y="0"/>
+          <a:ext cx="0" cy="0"/>
+          <a:chOff x="0" y="0"/>
+          <a:chExt cx="0" cy="0"/>
+        </a:xfrm>
+      </p:grpSpPr>
+      <p:sp>
+        <p:nvSpPr>
+          <p:cNvPr id="65538" name="Rectangle 7"/>
+          <p:cNvSpPr>
+            <a:spLocks noGrp="1" noChangeArrowheads="1"/>
+          </p:cNvSpPr>
+          <p:nvPr>
+            <p:ph type="sldNum" sz="quarter" idx="5"/>
+          </p:nvPr>
+        </p:nvSpPr>
+        <p:spPr>
+          <a:noFill/>
+        </p:spPr>
+        <p:txBody>
+          <a:bodyPr/>
+          <a:lstStyle/>
+          <a:p>
+            <a:fld id="{EEC78EEE-97B5-4226-9E7C-A9D1AB189F42}" type="slidenum">
+              <a:rPr lang="en-US" smtClean="0">
+                <a:latin typeface="Times New Roman" pitchFamily="8" charset="0"/>
+              </a:rPr>
+              <a:pPr/>
+              <a:t>25</a:t>
             </a:fld>
             <a:endParaRPr lang="en-US" smtClean="0">
               <a:latin typeface="Times New Roman" pitchFamily="8" charset="0"/>
@@ -3647,22 +3837,7 @@
                 <a:uFillTx/>
                 <a:latin typeface="Comic Sans MS" pitchFamily="66" charset="0"/>
               </a:rPr>
-              <a:t>March </a:t>
-            </a:r>
-            <a:r>
-              <a:rPr kumimoji="0" lang="en-US" sz="1200" b="0" i="0" u="none" strike="noStrike" kern="1200" cap="none" spc="0" normalizeH="0" baseline="0" noProof="0" smtClean="0">
-                <a:ln>
-                  <a:noFill/>
-                </a:ln>
-                <a:solidFill>
-                  <a:schemeClr val="tx1"/>
-                </a:solidFill>
-                <a:effectLst/>
-                <a:uLnTx/>
-                <a:uFillTx/>
-                <a:latin typeface="Comic Sans MS" pitchFamily="66" charset="0"/>
-              </a:rPr>
-              <a:t>4, 2015</a:t>
+              <a:t>March 4, 2015</a:t>
             </a:r>
             <a:endParaRPr kumimoji="0" lang="en-US" sz="1200" b="0" i="0" u="none" strike="noStrike" kern="1200" cap="none" spc="0" normalizeH="0" baseline="0" noProof="0" dirty="0">
               <a:ln>
@@ -4337,7 +4512,7 @@
         </p:nvSpPr>
         <p:spPr bwMode="auto">
           <a:xfrm>
-            <a:off x="152400" y="1166842"/>
+            <a:off x="152400" y="914400"/>
             <a:ext cx="8915400" cy="4585871"/>
           </a:xfrm>
           <a:prstGeom prst="rect">
@@ -4564,8 +4739,8 @@
         </p:nvSpPr>
         <p:spPr bwMode="auto">
           <a:xfrm>
-            <a:off x="3962400" y="1683127"/>
-            <a:ext cx="4953000" cy="4108073"/>
+            <a:off x="3962400" y="1371600"/>
+            <a:ext cx="4953000" cy="4524315"/>
           </a:xfrm>
           <a:prstGeom prst="rect">
             <a:avLst/>
@@ -4601,6 +4776,4091 @@
               <a:t> 1</a:t>
             </a:r>
             <a:r>
+              <a:rPr lang="en-US" sz="3600" dirty="0" smtClean="0">
+                <a:solidFill>
+                  <a:srgbClr val="0000FF"/>
+                </a:solidFill>
+              </a:rPr>
+              <a:t>·a</a:t>
+            </a:r>
+            <a:r>
+              <a:rPr lang="en-US" sz="3200" dirty="0" smtClean="0"/>
+              <a:t> </a:t>
+            </a:r>
+            <a:r>
+              <a:rPr lang="en-US" sz="3200" dirty="0"/>
+              <a:t>+ </a:t>
+            </a:r>
+            <a:r>
+              <a:rPr lang="en-US" sz="3200" dirty="0">
+                <a:solidFill>
+                  <a:srgbClr val="FF00FF"/>
+                </a:solidFill>
+              </a:rPr>
+              <a:t>-1</a:t>
+            </a:r>
+            <a:r>
+              <a:rPr lang="en-US" sz="3200" dirty="0" smtClean="0"/>
+              <a:t>·</a:t>
+            </a:r>
+            <a:r>
+              <a:rPr lang="en-US" sz="3200" dirty="0">
+                <a:solidFill>
+                  <a:srgbClr val="0000CC"/>
+                </a:solidFill>
+              </a:rPr>
+              <a:t>b</a:t>
+            </a:r>
+            <a:endParaRPr lang="en-US" sz="3200" dirty="0"/>
+          </a:p>
+          <a:p>
+            <a:r>
+              <a:rPr lang="en-US" sz="3200" dirty="0" smtClean="0"/>
+              <a:t>so   87 </a:t>
+            </a:r>
+            <a:r>
+              <a:rPr lang="en-US" sz="3200" dirty="0"/>
+              <a:t>= </a:t>
+            </a:r>
+            <a:r>
+              <a:rPr lang="en-US" sz="3200" dirty="0">
+                <a:solidFill>
+                  <a:srgbClr val="FF00FF"/>
+                </a:solidFill>
+              </a:rPr>
+              <a:t>1</a:t>
+            </a:r>
+            <a:r>
+              <a:rPr lang="en-US" sz="3200" dirty="0" smtClean="0"/>
+              <a:t>·</a:t>
+            </a:r>
+            <a:r>
+              <a:rPr lang="en-US" sz="3600" dirty="0">
+                <a:solidFill>
+                  <a:srgbClr val="0000CC"/>
+                </a:solidFill>
+              </a:rPr>
+              <a:t>b</a:t>
+            </a:r>
+            <a:r>
+              <a:rPr lang="en-US" sz="3200" dirty="0" smtClean="0"/>
+              <a:t> </a:t>
+            </a:r>
+            <a:r>
+              <a:rPr lang="en-US" sz="3200" dirty="0">
+                <a:solidFill>
+                  <a:srgbClr val="FF00FF"/>
+                </a:solidFill>
+              </a:rPr>
+              <a:t>–</a:t>
+            </a:r>
+            <a:r>
+              <a:rPr lang="en-US" sz="2400" dirty="0">
+                <a:solidFill>
+                  <a:srgbClr val="FF00FF"/>
+                </a:solidFill>
+              </a:rPr>
+              <a:t> </a:t>
+            </a:r>
+            <a:r>
+              <a:rPr lang="en-US" sz="3200" dirty="0">
+                <a:solidFill>
+                  <a:srgbClr val="FF00FF"/>
+                </a:solidFill>
+              </a:rPr>
+              <a:t>1</a:t>
+            </a:r>
+            <a:r>
+              <a:rPr lang="en-US" sz="3200" dirty="0"/>
+              <a:t>·406</a:t>
+            </a:r>
+            <a:endParaRPr lang="en-US" sz="2400" dirty="0"/>
+          </a:p>
+          <a:p>
+            <a:r>
+              <a:rPr lang="en-US" sz="3200" dirty="0" smtClean="0">
+                <a:solidFill>
+                  <a:srgbClr val="0000E5"/>
+                </a:solidFill>
+              </a:rPr>
+              <a:t>         </a:t>
+            </a:r>
+            <a:r>
+              <a:rPr lang="en-US" sz="3200" dirty="0" smtClean="0">
+                <a:solidFill>
+                  <a:srgbClr val="0000E5"/>
+                </a:solidFill>
+              </a:rPr>
+              <a:t> </a:t>
+            </a:r>
+            <a:r>
+              <a:rPr lang="en-US" sz="3200" dirty="0" smtClean="0"/>
+              <a:t> </a:t>
+            </a:r>
+            <a:r>
+              <a:rPr lang="en-US" sz="3200" dirty="0" smtClean="0"/>
+              <a:t>=</a:t>
+            </a:r>
+            <a:r>
+              <a:rPr lang="en-US" sz="3200" dirty="0" smtClean="0">
+                <a:solidFill>
+                  <a:srgbClr val="0000E5"/>
+                </a:solidFill>
+              </a:rPr>
+              <a:t> </a:t>
+            </a:r>
+            <a:r>
+              <a:rPr lang="en-US" sz="3200" dirty="0" smtClean="0">
+                <a:solidFill>
+                  <a:srgbClr val="FF00FF"/>
+                </a:solidFill>
+              </a:rPr>
+              <a:t>-</a:t>
+            </a:r>
+            <a:r>
+              <a:rPr lang="en-US" sz="3200" dirty="0">
+                <a:solidFill>
+                  <a:srgbClr val="FF00FF"/>
+                </a:solidFill>
+              </a:rPr>
+              <a:t>1</a:t>
+            </a:r>
+            <a:r>
+              <a:rPr lang="en-US" sz="3200" dirty="0" smtClean="0"/>
+              <a:t>·</a:t>
+            </a:r>
+            <a:r>
+              <a:rPr lang="en-US" sz="3600" dirty="0" smtClean="0">
+                <a:solidFill>
+                  <a:srgbClr val="0000CC"/>
+                </a:solidFill>
+              </a:rPr>
+              <a:t>a</a:t>
+            </a:r>
+            <a:r>
+              <a:rPr lang="en-US" sz="3200" dirty="0" smtClean="0"/>
+              <a:t> </a:t>
+            </a:r>
+            <a:r>
+              <a:rPr lang="en-US" sz="3200" dirty="0"/>
+              <a:t>+ </a:t>
+            </a:r>
+            <a:r>
+              <a:rPr lang="en-US" sz="3200" dirty="0">
+                <a:solidFill>
+                  <a:srgbClr val="FF00FF"/>
+                </a:solidFill>
+              </a:rPr>
+              <a:t>2</a:t>
+            </a:r>
+            <a:r>
+              <a:rPr lang="en-US" sz="3200" dirty="0" smtClean="0"/>
+              <a:t>∙</a:t>
+            </a:r>
+            <a:r>
+              <a:rPr lang="en-US" sz="3600" dirty="0">
+                <a:solidFill>
+                  <a:srgbClr val="0000CC"/>
+                </a:solidFill>
+              </a:rPr>
+              <a:t>b</a:t>
+            </a:r>
+            <a:endParaRPr lang="en-US" sz="3200" dirty="0"/>
+          </a:p>
+          <a:p>
+            <a:r>
+              <a:rPr lang="en-US" sz="3200" dirty="0" smtClean="0"/>
+              <a:t>so   </a:t>
+            </a:r>
+            <a:r>
+              <a:rPr lang="en-US" sz="3200" dirty="0"/>
+              <a:t>58 = </a:t>
+            </a:r>
+            <a:r>
+              <a:rPr lang="en-US" sz="3200" dirty="0">
+                <a:solidFill>
+                  <a:srgbClr val="FF00FF"/>
+                </a:solidFill>
+              </a:rPr>
+              <a:t>1</a:t>
+            </a:r>
+            <a:r>
+              <a:rPr lang="en-US" sz="3200" dirty="0"/>
+              <a:t>·406 - </a:t>
+            </a:r>
+            <a:r>
+              <a:rPr lang="en-US" sz="3200" dirty="0">
+                <a:solidFill>
+                  <a:srgbClr val="FF00FF"/>
+                </a:solidFill>
+              </a:rPr>
+              <a:t>4</a:t>
+            </a:r>
+            <a:r>
+              <a:rPr lang="en-US" sz="3200" dirty="0"/>
+              <a:t>·87</a:t>
+            </a:r>
+          </a:p>
+          <a:p>
+            <a:r>
+              <a:rPr lang="en-US" sz="3200" dirty="0" smtClean="0"/>
+              <a:t>           = </a:t>
+            </a:r>
+            <a:r>
+              <a:rPr lang="en-US" sz="3200" dirty="0">
+                <a:solidFill>
+                  <a:srgbClr val="FF00FF"/>
+                </a:solidFill>
+              </a:rPr>
+              <a:t>5</a:t>
+            </a:r>
+            <a:r>
+              <a:rPr lang="en-US" sz="3200" dirty="0" smtClean="0"/>
+              <a:t>·</a:t>
+            </a:r>
+            <a:r>
+              <a:rPr lang="en-US" sz="3600" dirty="0" smtClean="0">
+                <a:solidFill>
+                  <a:srgbClr val="0000CC"/>
+                </a:solidFill>
+              </a:rPr>
+              <a:t>a</a:t>
+            </a:r>
+            <a:r>
+              <a:rPr lang="en-US" sz="3200" dirty="0" smtClean="0"/>
+              <a:t> </a:t>
+            </a:r>
+            <a:r>
+              <a:rPr lang="en-US" sz="3200" dirty="0"/>
+              <a:t>+ </a:t>
+            </a:r>
+            <a:r>
+              <a:rPr lang="en-US" sz="3200" dirty="0">
+                <a:solidFill>
+                  <a:srgbClr val="FF00FF"/>
+                </a:solidFill>
+              </a:rPr>
+              <a:t>-9</a:t>
+            </a:r>
+            <a:r>
+              <a:rPr lang="en-US" sz="3200" dirty="0" smtClean="0"/>
+              <a:t>·</a:t>
+            </a:r>
+            <a:r>
+              <a:rPr lang="en-US" sz="3600" dirty="0" smtClean="0">
+                <a:solidFill>
+                  <a:srgbClr val="0000CC"/>
+                </a:solidFill>
+              </a:rPr>
+              <a:t>b</a:t>
+            </a:r>
+            <a:endParaRPr lang="en-US" sz="3200" dirty="0"/>
+          </a:p>
+          <a:p>
+            <a:r>
+              <a:rPr lang="en-US" sz="3200" dirty="0" smtClean="0"/>
+              <a:t>so   29 </a:t>
+            </a:r>
+            <a:r>
+              <a:rPr lang="en-US" sz="3200" dirty="0"/>
+              <a:t>= </a:t>
+            </a:r>
+            <a:r>
+              <a:rPr lang="en-US" sz="3200" dirty="0">
+                <a:solidFill>
+                  <a:srgbClr val="FF00FF"/>
+                </a:solidFill>
+              </a:rPr>
+              <a:t>1</a:t>
+            </a:r>
+            <a:r>
+              <a:rPr lang="en-US" sz="3200" dirty="0"/>
+              <a:t>·87 </a:t>
+            </a:r>
+            <a:r>
+              <a:rPr lang="en-US" sz="3200" dirty="0">
+                <a:solidFill>
+                  <a:srgbClr val="FF00FF"/>
+                </a:solidFill>
+              </a:rPr>
+              <a:t>– 1</a:t>
+            </a:r>
+            <a:r>
+              <a:rPr lang="en-US" sz="3200" dirty="0"/>
+              <a:t>·58</a:t>
+            </a:r>
+          </a:p>
+          <a:p>
+            <a:r>
+              <a:rPr lang="en-US" sz="3200" dirty="0" smtClean="0"/>
+              <a:t>     </a:t>
+            </a:r>
+            <a:r>
+              <a:rPr lang="en-US" sz="3200" dirty="0" smtClean="0"/>
+              <a:t>      </a:t>
+            </a:r>
+            <a:r>
+              <a:rPr lang="en-US" sz="3200" dirty="0"/>
+              <a:t>= </a:t>
+            </a:r>
+            <a:r>
+              <a:rPr lang="en-US" sz="3200" dirty="0">
+                <a:solidFill>
+                  <a:srgbClr val="FF00FF"/>
+                </a:solidFill>
+              </a:rPr>
+              <a:t>-</a:t>
+            </a:r>
+            <a:r>
+              <a:rPr lang="en-US" sz="3200" dirty="0" smtClean="0">
+                <a:solidFill>
+                  <a:srgbClr val="FF00FF"/>
+                </a:solidFill>
+              </a:rPr>
+              <a:t>6</a:t>
+            </a:r>
+            <a:r>
+              <a:rPr lang="en-US" sz="3200" dirty="0"/>
+              <a:t>·</a:t>
+            </a:r>
+            <a:r>
+              <a:rPr lang="en-US" sz="3600" dirty="0">
+                <a:solidFill>
+                  <a:srgbClr val="0000CC"/>
+                </a:solidFill>
+              </a:rPr>
+              <a:t>a</a:t>
+            </a:r>
+            <a:r>
+              <a:rPr lang="en-US" sz="3200" dirty="0" smtClean="0"/>
+              <a:t> </a:t>
+            </a:r>
+            <a:r>
+              <a:rPr lang="en-US" sz="3200" dirty="0"/>
+              <a:t>+ </a:t>
+            </a:r>
+            <a:r>
+              <a:rPr lang="en-US" sz="3200" dirty="0">
+                <a:solidFill>
+                  <a:srgbClr val="FF00FF"/>
+                </a:solidFill>
+              </a:rPr>
+              <a:t>11</a:t>
+            </a:r>
+            <a:r>
+              <a:rPr lang="en-US" sz="3200" dirty="0" smtClean="0"/>
+              <a:t>∙</a:t>
+            </a:r>
+            <a:r>
+              <a:rPr lang="en-US" sz="3600" dirty="0">
+                <a:solidFill>
+                  <a:srgbClr val="0000CC"/>
+                </a:solidFill>
+              </a:rPr>
+              <a:t>b</a:t>
+            </a:r>
+            <a:endParaRPr lang="en-US" sz="3200" dirty="0" smtClean="0"/>
+          </a:p>
+          <a:p>
+            <a:r>
+              <a:rPr lang="en-US" sz="3200" dirty="0" smtClean="0"/>
+              <a:t>       done</a:t>
+            </a:r>
+            <a:r>
+              <a:rPr lang="en-US" sz="3200" dirty="0"/>
+              <a:t>, </a:t>
+            </a:r>
+            <a:r>
+              <a:rPr lang="en-US" sz="4400" dirty="0" err="1">
+                <a:solidFill>
+                  <a:srgbClr val="008000"/>
+                </a:solidFill>
+              </a:rPr>
+              <a:t>gcd</a:t>
+            </a:r>
+            <a:r>
+              <a:rPr lang="en-US" sz="4400" dirty="0">
+                <a:solidFill>
+                  <a:srgbClr val="008000"/>
+                </a:solidFill>
+              </a:rPr>
+              <a:t> = 29</a:t>
+            </a:r>
+            <a:endParaRPr lang="en-US" sz="3200" dirty="0">
+              <a:solidFill>
+                <a:srgbClr val="008000"/>
+              </a:solidFill>
+            </a:endParaRPr>
+          </a:p>
+        </p:txBody>
+      </p:sp>
+      <p:sp>
+        <p:nvSpPr>
+          <p:cNvPr id="7" name="Oval 6"/>
+          <p:cNvSpPr/>
+          <p:nvPr/>
+        </p:nvSpPr>
+        <p:spPr bwMode="auto">
+          <a:xfrm>
+            <a:off x="5257800" y="4495800"/>
+            <a:ext cx="3124200" cy="838200"/>
+          </a:xfrm>
+          <a:prstGeom prst="ellipse">
+            <a:avLst/>
+          </a:prstGeom>
+          <a:noFill/>
+          <a:ln w="50800" cap="flat" cmpd="sng" algn="ctr">
+            <a:solidFill>
+              <a:srgbClr val="0000FF"/>
+            </a:solidFill>
+            <a:prstDash val="sysDash"/>
+            <a:round/>
+            <a:headEnd type="none" w="med" len="med"/>
+            <a:tailEnd type="none" w="lg" len="lg"/>
+          </a:ln>
+          <a:effectLst/>
+        </p:spPr>
+        <p:txBody>
+          <a:bodyPr vert="horz" wrap="square" lIns="91440" tIns="45720" rIns="91440" bIns="45720" numCol="1" rtlCol="0" anchor="t" anchorCtr="0" compatLnSpc="1">
+            <a:prstTxWarp prst="textNoShape">
+              <a:avLst/>
+            </a:prstTxWarp>
+          </a:bodyPr>
+          <a:lstStyle/>
+          <a:p>
+            <a:pPr marL="0" marR="0" indent="0" algn="l" defTabSz="914400" rtl="0" eaLnBrk="1" fontAlgn="base" latinLnBrk="0" hangingPunct="1">
+              <a:lnSpc>
+                <a:spcPct val="100000"/>
+              </a:lnSpc>
+              <a:spcBef>
+                <a:spcPct val="0"/>
+              </a:spcBef>
+              <a:spcAft>
+                <a:spcPct val="0"/>
+              </a:spcAft>
+              <a:buClrTx/>
+              <a:buSzTx/>
+              <a:buFontTx/>
+              <a:buNone/>
+              <a:tabLst/>
+            </a:pPr>
+            <a:endParaRPr kumimoji="0" lang="en-US" sz="4000" b="0" i="0" u="none" strike="noStrike" cap="none" normalizeH="0" baseline="0" smtClean="0">
+              <a:ln>
+                <a:noFill/>
+              </a:ln>
+              <a:solidFill>
+                <a:schemeClr val="tx1"/>
+              </a:solidFill>
+              <a:effectLst/>
+              <a:latin typeface="Comic Sans MS" pitchFamily="66" charset="0"/>
+            </a:endParaRPr>
+          </a:p>
+        </p:txBody>
+      </p:sp>
+    </p:spTree>
+    <p:extLst>
+      <p:ext uri="{BB962C8B-B14F-4D97-AF65-F5344CB8AC3E}">
+        <p14:creationId xmlns:p14="http://schemas.microsoft.com/office/powerpoint/2010/main" val="2374712199"/>
+      </p:ext>
+    </p:extLst>
+  </p:cSld>
+  <p:clrMapOvr>
+    <a:masterClrMapping/>
+  </p:clrMapOvr>
+  <p:transition xmlns:p14="http://schemas.microsoft.com/office/powerpoint/2010/main" spd="slow" advClick="0">
+    <p:fade thruBlk="1"/>
+  </p:transition>
+  <p:timing>
+    <p:tnLst>
+      <p:par>
+        <p:cTn xmlns:p14="http://schemas.microsoft.com/office/powerpoint/2010/main" id="1" dur="indefinite" restart="never" nodeType="tmRoot">
+          <p:childTnLst>
+            <p:seq concurrent="1" nextAc="seek">
+              <p:cTn id="2" dur="indefinite" nodeType="mainSeq">
+                <p:childTnLst>
+                  <p:par>
+                    <p:cTn id="3" fill="hold">
+                      <p:stCondLst>
+                        <p:cond delay="indefinite"/>
+                      </p:stCondLst>
+                      <p:childTnLst>
+                        <p:par>
+                          <p:cTn id="4" fill="hold">
+                            <p:stCondLst>
+                              <p:cond delay="0"/>
+                            </p:stCondLst>
+                            <p:childTnLst>
+                              <p:par>
+                                <p:cTn id="5" presetID="22" presetClass="entr" presetSubtype="8" fill="hold" grpId="0" nodeType="clickEffect">
+                                  <p:stCondLst>
+                                    <p:cond delay="0"/>
+                                  </p:stCondLst>
+                                  <p:childTnLst>
+                                    <p:set>
+                                      <p:cBhvr>
+                                        <p:cTn id="6" dur="1" fill="hold">
+                                          <p:stCondLst>
+                                            <p:cond delay="0"/>
+                                          </p:stCondLst>
+                                        </p:cTn>
+                                        <p:tgtEl>
+                                          <p:spTgt spid="6">
+                                            <p:txEl>
+                                              <p:pRg st="1" end="1"/>
+                                            </p:txEl>
+                                          </p:spTgt>
+                                        </p:tgtEl>
+                                        <p:attrNameLst>
+                                          <p:attrName>style.visibility</p:attrName>
+                                        </p:attrNameLst>
+                                      </p:cBhvr>
+                                      <p:to>
+                                        <p:strVal val="visible"/>
+                                      </p:to>
+                                    </p:set>
+                                    <p:animEffect transition="in" filter="wipe(left)">
+                                      <p:cBhvr>
+                                        <p:cTn id="7" dur="500"/>
+                                        <p:tgtEl>
+                                          <p:spTgt spid="6">
+                                            <p:txEl>
+                                              <p:pRg st="1" end="1"/>
+                                            </p:txEl>
+                                          </p:spTgt>
+                                        </p:tgtEl>
+                                      </p:cBhvr>
+                                    </p:animEffect>
+                                  </p:childTnLst>
+                                </p:cTn>
+                              </p:par>
+                            </p:childTnLst>
+                          </p:cTn>
+                        </p:par>
+                      </p:childTnLst>
+                    </p:cTn>
+                  </p:par>
+                  <p:par>
+                    <p:cTn id="8" fill="hold">
+                      <p:stCondLst>
+                        <p:cond delay="indefinite"/>
+                      </p:stCondLst>
+                      <p:childTnLst>
+                        <p:par>
+                          <p:cTn id="9" fill="hold">
+                            <p:stCondLst>
+                              <p:cond delay="0"/>
+                            </p:stCondLst>
+                            <p:childTnLst>
+                              <p:par>
+                                <p:cTn id="10" presetID="22" presetClass="entr" presetSubtype="8" fill="hold" grpId="0" nodeType="clickEffect">
+                                  <p:stCondLst>
+                                    <p:cond delay="0"/>
+                                  </p:stCondLst>
+                                  <p:childTnLst>
+                                    <p:set>
+                                      <p:cBhvr>
+                                        <p:cTn id="11" dur="1" fill="hold">
+                                          <p:stCondLst>
+                                            <p:cond delay="0"/>
+                                          </p:stCondLst>
+                                        </p:cTn>
+                                        <p:tgtEl>
+                                          <p:spTgt spid="5">
+                                            <p:txEl>
+                                              <p:pRg st="0" end="0"/>
+                                            </p:txEl>
+                                          </p:spTgt>
+                                        </p:tgtEl>
+                                        <p:attrNameLst>
+                                          <p:attrName>style.visibility</p:attrName>
+                                        </p:attrNameLst>
+                                      </p:cBhvr>
+                                      <p:to>
+                                        <p:strVal val="visible"/>
+                                      </p:to>
+                                    </p:set>
+                                    <p:animEffect transition="in" filter="wipe(left)">
+                                      <p:cBhvr>
+                                        <p:cTn id="12" dur="500"/>
+                                        <p:tgtEl>
+                                          <p:spTgt spid="5">
+                                            <p:txEl>
+                                              <p:pRg st="0" end="0"/>
+                                            </p:txEl>
+                                          </p:spTgt>
+                                        </p:tgtEl>
+                                      </p:cBhvr>
+                                    </p:animEffect>
+                                  </p:childTnLst>
+                                </p:cTn>
+                              </p:par>
+                            </p:childTnLst>
+                          </p:cTn>
+                        </p:par>
+                      </p:childTnLst>
+                    </p:cTn>
+                  </p:par>
+                  <p:par>
+                    <p:cTn id="13" fill="hold">
+                      <p:stCondLst>
+                        <p:cond delay="indefinite"/>
+                      </p:stCondLst>
+                      <p:childTnLst>
+                        <p:par>
+                          <p:cTn id="14" fill="hold">
+                            <p:stCondLst>
+                              <p:cond delay="0"/>
+                            </p:stCondLst>
+                            <p:childTnLst>
+                              <p:par>
+                                <p:cTn id="15" presetID="22" presetClass="entr" presetSubtype="8" fill="hold" grpId="0" nodeType="clickEffect">
+                                  <p:stCondLst>
+                                    <p:cond delay="0"/>
+                                  </p:stCondLst>
+                                  <p:childTnLst>
+                                    <p:set>
+                                      <p:cBhvr>
+                                        <p:cTn id="16" dur="1" fill="hold">
+                                          <p:stCondLst>
+                                            <p:cond delay="0"/>
+                                          </p:stCondLst>
+                                        </p:cTn>
+                                        <p:tgtEl>
+                                          <p:spTgt spid="6">
+                                            <p:txEl>
+                                              <p:pRg st="2" end="2"/>
+                                            </p:txEl>
+                                          </p:spTgt>
+                                        </p:tgtEl>
+                                        <p:attrNameLst>
+                                          <p:attrName>style.visibility</p:attrName>
+                                        </p:attrNameLst>
+                                      </p:cBhvr>
+                                      <p:to>
+                                        <p:strVal val="visible"/>
+                                      </p:to>
+                                    </p:set>
+                                    <p:animEffect transition="in" filter="wipe(left)">
+                                      <p:cBhvr>
+                                        <p:cTn id="17" dur="500"/>
+                                        <p:tgtEl>
+                                          <p:spTgt spid="6">
+                                            <p:txEl>
+                                              <p:pRg st="2" end="2"/>
+                                            </p:txEl>
+                                          </p:spTgt>
+                                        </p:tgtEl>
+                                      </p:cBhvr>
+                                    </p:animEffect>
+                                  </p:childTnLst>
+                                </p:cTn>
+                              </p:par>
+                            </p:childTnLst>
+                          </p:cTn>
+                        </p:par>
+                      </p:childTnLst>
+                    </p:cTn>
+                  </p:par>
+                  <p:par>
+                    <p:cTn id="18" fill="hold">
+                      <p:stCondLst>
+                        <p:cond delay="indefinite"/>
+                      </p:stCondLst>
+                      <p:childTnLst>
+                        <p:par>
+                          <p:cTn id="19" fill="hold">
+                            <p:stCondLst>
+                              <p:cond delay="0"/>
+                            </p:stCondLst>
+                            <p:childTnLst>
+                              <p:par>
+                                <p:cTn id="20" presetID="22" presetClass="entr" presetSubtype="8" fill="hold" grpId="0" nodeType="clickEffect">
+                                  <p:stCondLst>
+                                    <p:cond delay="0"/>
+                                  </p:stCondLst>
+                                  <p:childTnLst>
+                                    <p:set>
+                                      <p:cBhvr>
+                                        <p:cTn id="21" dur="1" fill="hold">
+                                          <p:stCondLst>
+                                            <p:cond delay="0"/>
+                                          </p:stCondLst>
+                                        </p:cTn>
+                                        <p:tgtEl>
+                                          <p:spTgt spid="5">
+                                            <p:txEl>
+                                              <p:pRg st="1" end="1"/>
+                                            </p:txEl>
+                                          </p:spTgt>
+                                        </p:tgtEl>
+                                        <p:attrNameLst>
+                                          <p:attrName>style.visibility</p:attrName>
+                                        </p:attrNameLst>
+                                      </p:cBhvr>
+                                      <p:to>
+                                        <p:strVal val="visible"/>
+                                      </p:to>
+                                    </p:set>
+                                    <p:animEffect transition="in" filter="wipe(left)">
+                                      <p:cBhvr>
+                                        <p:cTn id="22" dur="500"/>
+                                        <p:tgtEl>
+                                          <p:spTgt spid="5">
+                                            <p:txEl>
+                                              <p:pRg st="1" end="1"/>
+                                            </p:txEl>
+                                          </p:spTgt>
+                                        </p:tgtEl>
+                                      </p:cBhvr>
+                                    </p:animEffect>
+                                  </p:childTnLst>
+                                </p:cTn>
+                              </p:par>
+                            </p:childTnLst>
+                          </p:cTn>
+                        </p:par>
+                      </p:childTnLst>
+                    </p:cTn>
+                  </p:par>
+                  <p:par>
+                    <p:cTn id="23" fill="hold">
+                      <p:stCondLst>
+                        <p:cond delay="indefinite"/>
+                      </p:stCondLst>
+                      <p:childTnLst>
+                        <p:par>
+                          <p:cTn id="24" fill="hold">
+                            <p:stCondLst>
+                              <p:cond delay="0"/>
+                            </p:stCondLst>
+                            <p:childTnLst>
+                              <p:par>
+                                <p:cTn id="25" presetID="22" presetClass="entr" presetSubtype="8" fill="hold" grpId="0" nodeType="clickEffect">
+                                  <p:stCondLst>
+                                    <p:cond delay="0"/>
+                                  </p:stCondLst>
+                                  <p:childTnLst>
+                                    <p:set>
+                                      <p:cBhvr>
+                                        <p:cTn id="26" dur="1" fill="hold">
+                                          <p:stCondLst>
+                                            <p:cond delay="0"/>
+                                          </p:stCondLst>
+                                        </p:cTn>
+                                        <p:tgtEl>
+                                          <p:spTgt spid="5">
+                                            <p:txEl>
+                                              <p:pRg st="2" end="2"/>
+                                            </p:txEl>
+                                          </p:spTgt>
+                                        </p:tgtEl>
+                                        <p:attrNameLst>
+                                          <p:attrName>style.visibility</p:attrName>
+                                        </p:attrNameLst>
+                                      </p:cBhvr>
+                                      <p:to>
+                                        <p:strVal val="visible"/>
+                                      </p:to>
+                                    </p:set>
+                                    <p:animEffect transition="in" filter="wipe(left)">
+                                      <p:cBhvr>
+                                        <p:cTn id="27" dur="500"/>
+                                        <p:tgtEl>
+                                          <p:spTgt spid="5">
+                                            <p:txEl>
+                                              <p:pRg st="2" end="2"/>
+                                            </p:txEl>
+                                          </p:spTgt>
+                                        </p:tgtEl>
+                                      </p:cBhvr>
+                                    </p:animEffect>
+                                  </p:childTnLst>
+                                </p:cTn>
+                              </p:par>
+                            </p:childTnLst>
+                          </p:cTn>
+                        </p:par>
+                      </p:childTnLst>
+                    </p:cTn>
+                  </p:par>
+                  <p:par>
+                    <p:cTn id="28" fill="hold">
+                      <p:stCondLst>
+                        <p:cond delay="indefinite"/>
+                      </p:stCondLst>
+                      <p:childTnLst>
+                        <p:par>
+                          <p:cTn id="29" fill="hold">
+                            <p:stCondLst>
+                              <p:cond delay="0"/>
+                            </p:stCondLst>
+                            <p:childTnLst>
+                              <p:par>
+                                <p:cTn id="30" presetID="22" presetClass="entr" presetSubtype="8" fill="hold" grpId="0" nodeType="clickEffect">
+                                  <p:stCondLst>
+                                    <p:cond delay="0"/>
+                                  </p:stCondLst>
+                                  <p:childTnLst>
+                                    <p:set>
+                                      <p:cBhvr>
+                                        <p:cTn id="31" dur="1" fill="hold">
+                                          <p:stCondLst>
+                                            <p:cond delay="0"/>
+                                          </p:stCondLst>
+                                        </p:cTn>
+                                        <p:tgtEl>
+                                          <p:spTgt spid="6">
+                                            <p:txEl>
+                                              <p:pRg st="4" end="4"/>
+                                            </p:txEl>
+                                          </p:spTgt>
+                                        </p:tgtEl>
+                                        <p:attrNameLst>
+                                          <p:attrName>style.visibility</p:attrName>
+                                        </p:attrNameLst>
+                                      </p:cBhvr>
+                                      <p:to>
+                                        <p:strVal val="visible"/>
+                                      </p:to>
+                                    </p:set>
+                                    <p:animEffect transition="in" filter="wipe(left)">
+                                      <p:cBhvr>
+                                        <p:cTn id="32" dur="500"/>
+                                        <p:tgtEl>
+                                          <p:spTgt spid="6">
+                                            <p:txEl>
+                                              <p:pRg st="4" end="4"/>
+                                            </p:txEl>
+                                          </p:spTgt>
+                                        </p:tgtEl>
+                                      </p:cBhvr>
+                                    </p:animEffect>
+                                  </p:childTnLst>
+                                </p:cTn>
+                              </p:par>
+                            </p:childTnLst>
+                          </p:cTn>
+                        </p:par>
+                      </p:childTnLst>
+                    </p:cTn>
+                  </p:par>
+                  <p:par>
+                    <p:cTn id="33" fill="hold">
+                      <p:stCondLst>
+                        <p:cond delay="indefinite"/>
+                      </p:stCondLst>
+                      <p:childTnLst>
+                        <p:par>
+                          <p:cTn id="34" fill="hold">
+                            <p:stCondLst>
+                              <p:cond delay="0"/>
+                            </p:stCondLst>
+                            <p:childTnLst>
+                              <p:par>
+                                <p:cTn id="35" presetID="22" presetClass="entr" presetSubtype="8" fill="hold" grpId="0" nodeType="clickEffect">
+                                  <p:stCondLst>
+                                    <p:cond delay="0"/>
+                                  </p:stCondLst>
+                                  <p:childTnLst>
+                                    <p:set>
+                                      <p:cBhvr>
+                                        <p:cTn id="36" dur="1" fill="hold">
+                                          <p:stCondLst>
+                                            <p:cond delay="0"/>
+                                          </p:stCondLst>
+                                        </p:cTn>
+                                        <p:tgtEl>
+                                          <p:spTgt spid="5">
+                                            <p:txEl>
+                                              <p:pRg st="3" end="3"/>
+                                            </p:txEl>
+                                          </p:spTgt>
+                                        </p:tgtEl>
+                                        <p:attrNameLst>
+                                          <p:attrName>style.visibility</p:attrName>
+                                        </p:attrNameLst>
+                                      </p:cBhvr>
+                                      <p:to>
+                                        <p:strVal val="visible"/>
+                                      </p:to>
+                                    </p:set>
+                                    <p:animEffect transition="in" filter="wipe(left)">
+                                      <p:cBhvr>
+                                        <p:cTn id="37" dur="500"/>
+                                        <p:tgtEl>
+                                          <p:spTgt spid="5">
+                                            <p:txEl>
+                                              <p:pRg st="3" end="3"/>
+                                            </p:txEl>
+                                          </p:spTgt>
+                                        </p:tgtEl>
+                                      </p:cBhvr>
+                                    </p:animEffect>
+                                  </p:childTnLst>
+                                </p:cTn>
+                              </p:par>
+                            </p:childTnLst>
+                          </p:cTn>
+                        </p:par>
+                      </p:childTnLst>
+                    </p:cTn>
+                  </p:par>
+                  <p:par>
+                    <p:cTn id="38" fill="hold">
+                      <p:stCondLst>
+                        <p:cond delay="indefinite"/>
+                      </p:stCondLst>
+                      <p:childTnLst>
+                        <p:par>
+                          <p:cTn id="39" fill="hold">
+                            <p:stCondLst>
+                              <p:cond delay="0"/>
+                            </p:stCondLst>
+                            <p:childTnLst>
+                              <p:par>
+                                <p:cTn id="40" presetID="22" presetClass="entr" presetSubtype="8" fill="hold" grpId="0" nodeType="clickEffect">
+                                  <p:stCondLst>
+                                    <p:cond delay="0"/>
+                                  </p:stCondLst>
+                                  <p:childTnLst>
+                                    <p:set>
+                                      <p:cBhvr>
+                                        <p:cTn id="41" dur="1" fill="hold">
+                                          <p:stCondLst>
+                                            <p:cond delay="0"/>
+                                          </p:stCondLst>
+                                        </p:cTn>
+                                        <p:tgtEl>
+                                          <p:spTgt spid="5">
+                                            <p:txEl>
+                                              <p:pRg st="4" end="4"/>
+                                            </p:txEl>
+                                          </p:spTgt>
+                                        </p:tgtEl>
+                                        <p:attrNameLst>
+                                          <p:attrName>style.visibility</p:attrName>
+                                        </p:attrNameLst>
+                                      </p:cBhvr>
+                                      <p:to>
+                                        <p:strVal val="visible"/>
+                                      </p:to>
+                                    </p:set>
+                                    <p:animEffect transition="in" filter="wipe(left)">
+                                      <p:cBhvr>
+                                        <p:cTn id="42" dur="500"/>
+                                        <p:tgtEl>
+                                          <p:spTgt spid="5">
+                                            <p:txEl>
+                                              <p:pRg st="4" end="4"/>
+                                            </p:txEl>
+                                          </p:spTgt>
+                                        </p:tgtEl>
+                                      </p:cBhvr>
+                                    </p:animEffect>
+                                  </p:childTnLst>
+                                </p:cTn>
+                              </p:par>
+                            </p:childTnLst>
+                          </p:cTn>
+                        </p:par>
+                      </p:childTnLst>
+                    </p:cTn>
+                  </p:par>
+                  <p:par>
+                    <p:cTn id="43" fill="hold">
+                      <p:stCondLst>
+                        <p:cond delay="indefinite"/>
+                      </p:stCondLst>
+                      <p:childTnLst>
+                        <p:par>
+                          <p:cTn id="44" fill="hold">
+                            <p:stCondLst>
+                              <p:cond delay="0"/>
+                            </p:stCondLst>
+                            <p:childTnLst>
+                              <p:par>
+                                <p:cTn id="45" presetID="22" presetClass="entr" presetSubtype="8" fill="hold" grpId="0" nodeType="clickEffect">
+                                  <p:stCondLst>
+                                    <p:cond delay="0"/>
+                                  </p:stCondLst>
+                                  <p:childTnLst>
+                                    <p:set>
+                                      <p:cBhvr>
+                                        <p:cTn id="46" dur="1" fill="hold">
+                                          <p:stCondLst>
+                                            <p:cond delay="0"/>
+                                          </p:stCondLst>
+                                        </p:cTn>
+                                        <p:tgtEl>
+                                          <p:spTgt spid="6">
+                                            <p:txEl>
+                                              <p:pRg st="6" end="6"/>
+                                            </p:txEl>
+                                          </p:spTgt>
+                                        </p:tgtEl>
+                                        <p:attrNameLst>
+                                          <p:attrName>style.visibility</p:attrName>
+                                        </p:attrNameLst>
+                                      </p:cBhvr>
+                                      <p:to>
+                                        <p:strVal val="visible"/>
+                                      </p:to>
+                                    </p:set>
+                                    <p:animEffect transition="in" filter="wipe(left)">
+                                      <p:cBhvr>
+                                        <p:cTn id="47" dur="500"/>
+                                        <p:tgtEl>
+                                          <p:spTgt spid="6">
+                                            <p:txEl>
+                                              <p:pRg st="6" end="6"/>
+                                            </p:txEl>
+                                          </p:spTgt>
+                                        </p:tgtEl>
+                                      </p:cBhvr>
+                                    </p:animEffect>
+                                  </p:childTnLst>
+                                </p:cTn>
+                              </p:par>
+                            </p:childTnLst>
+                          </p:cTn>
+                        </p:par>
+                      </p:childTnLst>
+                    </p:cTn>
+                  </p:par>
+                  <p:par>
+                    <p:cTn id="48" fill="hold">
+                      <p:stCondLst>
+                        <p:cond delay="indefinite"/>
+                      </p:stCondLst>
+                      <p:childTnLst>
+                        <p:par>
+                          <p:cTn id="49" fill="hold">
+                            <p:stCondLst>
+                              <p:cond delay="0"/>
+                            </p:stCondLst>
+                            <p:childTnLst>
+                              <p:par>
+                                <p:cTn id="50" presetID="22" presetClass="entr" presetSubtype="8" fill="hold" grpId="0" nodeType="clickEffect">
+                                  <p:stCondLst>
+                                    <p:cond delay="0"/>
+                                  </p:stCondLst>
+                                  <p:childTnLst>
+                                    <p:set>
+                                      <p:cBhvr>
+                                        <p:cTn id="51" dur="1" fill="hold">
+                                          <p:stCondLst>
+                                            <p:cond delay="0"/>
+                                          </p:stCondLst>
+                                        </p:cTn>
+                                        <p:tgtEl>
+                                          <p:spTgt spid="5">
+                                            <p:txEl>
+                                              <p:pRg st="5" end="5"/>
+                                            </p:txEl>
+                                          </p:spTgt>
+                                        </p:tgtEl>
+                                        <p:attrNameLst>
+                                          <p:attrName>style.visibility</p:attrName>
+                                        </p:attrNameLst>
+                                      </p:cBhvr>
+                                      <p:to>
+                                        <p:strVal val="visible"/>
+                                      </p:to>
+                                    </p:set>
+                                    <p:animEffect transition="in" filter="wipe(left)">
+                                      <p:cBhvr>
+                                        <p:cTn id="52" dur="500"/>
+                                        <p:tgtEl>
+                                          <p:spTgt spid="5">
+                                            <p:txEl>
+                                              <p:pRg st="5" end="5"/>
+                                            </p:txEl>
+                                          </p:spTgt>
+                                        </p:tgtEl>
+                                      </p:cBhvr>
+                                    </p:animEffect>
+                                  </p:childTnLst>
+                                </p:cTn>
+                              </p:par>
+                            </p:childTnLst>
+                          </p:cTn>
+                        </p:par>
+                      </p:childTnLst>
+                    </p:cTn>
+                  </p:par>
+                  <p:par>
+                    <p:cTn id="53" fill="hold">
+                      <p:stCondLst>
+                        <p:cond delay="indefinite"/>
+                      </p:stCondLst>
+                      <p:childTnLst>
+                        <p:par>
+                          <p:cTn id="54" fill="hold">
+                            <p:stCondLst>
+                              <p:cond delay="0"/>
+                            </p:stCondLst>
+                            <p:childTnLst>
+                              <p:par>
+                                <p:cTn id="55" presetID="22" presetClass="entr" presetSubtype="8" fill="hold" grpId="0" nodeType="clickEffect">
+                                  <p:stCondLst>
+                                    <p:cond delay="0"/>
+                                  </p:stCondLst>
+                                  <p:childTnLst>
+                                    <p:set>
+                                      <p:cBhvr>
+                                        <p:cTn id="56" dur="1" fill="hold">
+                                          <p:stCondLst>
+                                            <p:cond delay="0"/>
+                                          </p:stCondLst>
+                                        </p:cTn>
+                                        <p:tgtEl>
+                                          <p:spTgt spid="5">
+                                            <p:txEl>
+                                              <p:pRg st="6" end="6"/>
+                                            </p:txEl>
+                                          </p:spTgt>
+                                        </p:tgtEl>
+                                        <p:attrNameLst>
+                                          <p:attrName>style.visibility</p:attrName>
+                                        </p:attrNameLst>
+                                      </p:cBhvr>
+                                      <p:to>
+                                        <p:strVal val="visible"/>
+                                      </p:to>
+                                    </p:set>
+                                    <p:animEffect transition="in" filter="wipe(left)">
+                                      <p:cBhvr>
+                                        <p:cTn id="57" dur="500"/>
+                                        <p:tgtEl>
+                                          <p:spTgt spid="5">
+                                            <p:txEl>
+                                              <p:pRg st="6" end="6"/>
+                                            </p:txEl>
+                                          </p:spTgt>
+                                        </p:tgtEl>
+                                      </p:cBhvr>
+                                    </p:animEffect>
+                                  </p:childTnLst>
+                                </p:cTn>
+                              </p:par>
+                            </p:childTnLst>
+                          </p:cTn>
+                        </p:par>
+                      </p:childTnLst>
+                    </p:cTn>
+                  </p:par>
+                  <p:par>
+                    <p:cTn id="58" fill="hold">
+                      <p:stCondLst>
+                        <p:cond delay="indefinite"/>
+                      </p:stCondLst>
+                      <p:childTnLst>
+                        <p:par>
+                          <p:cTn id="59" fill="hold">
+                            <p:stCondLst>
+                              <p:cond delay="0"/>
+                            </p:stCondLst>
+                            <p:childTnLst>
+                              <p:par>
+                                <p:cTn id="60" presetID="22" presetClass="entr" presetSubtype="8" fill="hold" grpId="0" nodeType="clickEffect">
+                                  <p:stCondLst>
+                                    <p:cond delay="0"/>
+                                  </p:stCondLst>
+                                  <p:childTnLst>
+                                    <p:set>
+                                      <p:cBhvr>
+                                        <p:cTn id="61" dur="1" fill="hold">
+                                          <p:stCondLst>
+                                            <p:cond delay="0"/>
+                                          </p:stCondLst>
+                                        </p:cTn>
+                                        <p:tgtEl>
+                                          <p:spTgt spid="6">
+                                            <p:txEl>
+                                              <p:pRg st="8" end="8"/>
+                                            </p:txEl>
+                                          </p:spTgt>
+                                        </p:tgtEl>
+                                        <p:attrNameLst>
+                                          <p:attrName>style.visibility</p:attrName>
+                                        </p:attrNameLst>
+                                      </p:cBhvr>
+                                      <p:to>
+                                        <p:strVal val="visible"/>
+                                      </p:to>
+                                    </p:set>
+                                    <p:animEffect transition="in" filter="wipe(left)">
+                                      <p:cBhvr>
+                                        <p:cTn id="62" dur="500"/>
+                                        <p:tgtEl>
+                                          <p:spTgt spid="6">
+                                            <p:txEl>
+                                              <p:pRg st="8" end="8"/>
+                                            </p:txEl>
+                                          </p:spTgt>
+                                        </p:tgtEl>
+                                      </p:cBhvr>
+                                    </p:animEffect>
+                                  </p:childTnLst>
+                                </p:cTn>
+                              </p:par>
+                            </p:childTnLst>
+                          </p:cTn>
+                        </p:par>
+                      </p:childTnLst>
+                    </p:cTn>
+                  </p:par>
+                  <p:par>
+                    <p:cTn id="63" fill="hold">
+                      <p:stCondLst>
+                        <p:cond delay="indefinite"/>
+                      </p:stCondLst>
+                      <p:childTnLst>
+                        <p:par>
+                          <p:cTn id="64" fill="hold">
+                            <p:stCondLst>
+                              <p:cond delay="0"/>
+                            </p:stCondLst>
+                            <p:childTnLst>
+                              <p:par>
+                                <p:cTn id="65" presetID="22" presetClass="entr" presetSubtype="8" fill="hold" grpId="0" nodeType="clickEffect">
+                                  <p:stCondLst>
+                                    <p:cond delay="0"/>
+                                  </p:stCondLst>
+                                  <p:childTnLst>
+                                    <p:set>
+                                      <p:cBhvr>
+                                        <p:cTn id="66" dur="1" fill="hold">
+                                          <p:stCondLst>
+                                            <p:cond delay="0"/>
+                                          </p:stCondLst>
+                                        </p:cTn>
+                                        <p:tgtEl>
+                                          <p:spTgt spid="5">
+                                            <p:txEl>
+                                              <p:pRg st="7" end="7"/>
+                                            </p:txEl>
+                                          </p:spTgt>
+                                        </p:tgtEl>
+                                        <p:attrNameLst>
+                                          <p:attrName>style.visibility</p:attrName>
+                                        </p:attrNameLst>
+                                      </p:cBhvr>
+                                      <p:to>
+                                        <p:strVal val="visible"/>
+                                      </p:to>
+                                    </p:set>
+                                    <p:animEffect transition="in" filter="wipe(left)">
+                                      <p:cBhvr>
+                                        <p:cTn id="67" dur="500"/>
+                                        <p:tgtEl>
+                                          <p:spTgt spid="5">
+                                            <p:txEl>
+                                              <p:pRg st="7" end="7"/>
+                                            </p:txEl>
+                                          </p:spTgt>
+                                        </p:tgtEl>
+                                      </p:cBhvr>
+                                    </p:animEffect>
+                                  </p:childTnLst>
+                                </p:cTn>
+                              </p:par>
+                            </p:childTnLst>
+                          </p:cTn>
+                        </p:par>
+                      </p:childTnLst>
+                    </p:cTn>
+                  </p:par>
+                  <p:par>
+                    <p:cTn id="68" fill="hold">
+                      <p:stCondLst>
+                        <p:cond delay="indefinite"/>
+                      </p:stCondLst>
+                      <p:childTnLst>
+                        <p:par>
+                          <p:cTn id="69" fill="hold">
+                            <p:stCondLst>
+                              <p:cond delay="0"/>
+                            </p:stCondLst>
+                            <p:childTnLst>
+                              <p:par>
+                                <p:cTn id="70" presetID="23" presetClass="entr" presetSubtype="16" fill="hold" grpId="0" nodeType="clickEffect">
+                                  <p:stCondLst>
+                                    <p:cond delay="0"/>
+                                  </p:stCondLst>
+                                  <p:childTnLst>
+                                    <p:set>
+                                      <p:cBhvr>
+                                        <p:cTn id="71" dur="1" fill="hold">
+                                          <p:stCondLst>
+                                            <p:cond delay="0"/>
+                                          </p:stCondLst>
+                                        </p:cTn>
+                                        <p:tgtEl>
+                                          <p:spTgt spid="7"/>
+                                        </p:tgtEl>
+                                        <p:attrNameLst>
+                                          <p:attrName>style.visibility</p:attrName>
+                                        </p:attrNameLst>
+                                      </p:cBhvr>
+                                      <p:to>
+                                        <p:strVal val="visible"/>
+                                      </p:to>
+                                    </p:set>
+                                    <p:anim calcmode="lin" valueType="num">
+                                      <p:cBhvr>
+                                        <p:cTn id="72" dur="500" fill="hold"/>
+                                        <p:tgtEl>
+                                          <p:spTgt spid="7"/>
+                                        </p:tgtEl>
+                                        <p:attrNameLst>
+                                          <p:attrName>ppt_w</p:attrName>
+                                        </p:attrNameLst>
+                                      </p:cBhvr>
+                                      <p:tavLst>
+                                        <p:tav tm="0">
+                                          <p:val>
+                                            <p:fltVal val="0"/>
+                                          </p:val>
+                                        </p:tav>
+                                        <p:tav tm="100000">
+                                          <p:val>
+                                            <p:strVal val="#ppt_w"/>
+                                          </p:val>
+                                        </p:tav>
+                                      </p:tavLst>
+                                    </p:anim>
+                                    <p:anim calcmode="lin" valueType="num">
+                                      <p:cBhvr>
+                                        <p:cTn id="73" dur="500" fill="hold"/>
+                                        <p:tgtEl>
+                                          <p:spTgt spid="7"/>
+                                        </p:tgtEl>
+                                        <p:attrNameLst>
+                                          <p:attrName>ppt_h</p:attrName>
+                                        </p:attrNameLst>
+                                      </p:cBhvr>
+                                      <p:tavLst>
+                                        <p:tav tm="0">
+                                          <p:val>
+                                            <p:fltVal val="0"/>
+                                          </p:val>
+                                        </p:tav>
+                                        <p:tav tm="100000">
+                                          <p:val>
+                                            <p:strVal val="#ppt_h"/>
+                                          </p:val>
+                                        </p:tav>
+                                      </p:tavLst>
+                                    </p:anim>
+                                  </p:childTnLst>
+                                </p:cTn>
+                              </p:par>
+                            </p:childTnLst>
+                          </p:cTn>
+                        </p:par>
+                      </p:childTnLst>
+                    </p:cTn>
+                  </p:par>
+                </p:childTnLst>
+              </p:cTn>
+              <p:prevCondLst>
+                <p:cond evt="onPrev" delay="0">
+                  <p:tgtEl>
+                    <p:sldTgt/>
+                  </p:tgtEl>
+                </p:cond>
+              </p:prevCondLst>
+              <p:nextCondLst>
+                <p:cond evt="onNext" delay="0">
+                  <p:tgtEl>
+                    <p:sldTgt/>
+                  </p:tgtEl>
+                </p:cond>
+              </p:nextCondLst>
+            </p:seq>
+          </p:childTnLst>
+        </p:cTn>
+      </p:par>
+    </p:tnLst>
+    <p:bldLst>
+      <p:bldP spid="6" grpId="0" build="p"/>
+      <p:bldP spid="5" grpId="0" build="p"/>
+      <p:bldP spid="7" grpId="0" animBg="1"/>
+    </p:bldLst>
+  </p:timing>
+</p:sld>
+</file>
+
+<file path=ppt/slides/slide11.xml><?xml version="1.0" encoding="utf-8"?>
+<p:sld xmlns:a="http://schemas.openxmlformats.org/drawingml/2006/main" xmlns:r="http://schemas.openxmlformats.org/officeDocument/2006/relationships" xmlns:p="http://schemas.openxmlformats.org/presentationml/2006/main">
+  <p:cSld>
+    <p:spTree>
+      <p:nvGrpSpPr>
+        <p:cNvPr id="1" name=""/>
+        <p:cNvGrpSpPr/>
+        <p:nvPr/>
+      </p:nvGrpSpPr>
+      <p:grpSpPr>
+        <a:xfrm>
+          <a:off x="0" y="0"/>
+          <a:ext cx="0" cy="0"/>
+          <a:chOff x="0" y="0"/>
+          <a:chExt cx="0" cy="0"/>
+        </a:xfrm>
+      </p:grpSpPr>
+      <p:sp>
+        <p:nvSpPr>
+          <p:cNvPr id="6" name="Text Box 3"/>
+          <p:cNvSpPr txBox="1">
+            <a:spLocks noChangeArrowheads="1"/>
+          </p:cNvSpPr>
+          <p:nvPr/>
+        </p:nvSpPr>
+        <p:spPr bwMode="auto">
+          <a:xfrm>
+            <a:off x="152400" y="914400"/>
+            <a:ext cx="8915400" cy="4585871"/>
+          </a:xfrm>
+          <a:prstGeom prst="rect">
+            <a:avLst/>
+          </a:prstGeom>
+          <a:noFill/>
+          <a:ln w="38100">
+            <a:noFill/>
+            <a:miter lim="800000"/>
+            <a:headEnd/>
+            <a:tailEnd type="none" w="lg" len="lg"/>
+          </a:ln>
+        </p:spPr>
+        <p:txBody>
+          <a:bodyPr>
+            <a:spAutoFit/>
+          </a:bodyPr>
+          <a:lstStyle/>
+          <a:p>
+            <a:r>
+              <a:rPr lang="en-US" sz="3600" dirty="0"/>
+              <a:t>Example: </a:t>
+            </a:r>
+            <a:r>
+              <a:rPr lang="en-US" sz="3600" dirty="0">
+                <a:solidFill>
+                  <a:srgbClr val="0000CC"/>
+                </a:solidFill>
+              </a:rPr>
+              <a:t>a</a:t>
+            </a:r>
+            <a:r>
+              <a:rPr lang="en-US" sz="3600" dirty="0"/>
+              <a:t> = 899, </a:t>
+            </a:r>
+            <a:r>
+              <a:rPr lang="en-US" sz="3600" dirty="0">
+                <a:solidFill>
+                  <a:srgbClr val="0000CC"/>
+                </a:solidFill>
+              </a:rPr>
+              <a:t>b</a:t>
+            </a:r>
+            <a:r>
+              <a:rPr lang="en-US" sz="3600" dirty="0"/>
+              <a:t>=493</a:t>
+            </a:r>
+          </a:p>
+          <a:p>
+            <a:r>
+              <a:rPr lang="en-US" sz="3200" dirty="0"/>
+              <a:t>899 = 1·493 + </a:t>
+            </a:r>
+            <a:r>
+              <a:rPr lang="en-US" sz="3200" dirty="0" smtClean="0"/>
+              <a:t>406</a:t>
+            </a:r>
+            <a:endParaRPr lang="en-US" sz="3200" dirty="0"/>
+          </a:p>
+          <a:p>
+            <a:r>
+              <a:rPr lang="en-US" sz="3200" dirty="0"/>
+              <a:t>493 = 1·406 + </a:t>
+            </a:r>
+            <a:r>
+              <a:rPr lang="en-US" sz="3200" dirty="0" smtClean="0"/>
+              <a:t>87</a:t>
+            </a:r>
+            <a:endParaRPr lang="en-US" sz="2400" dirty="0"/>
+          </a:p>
+          <a:p>
+            <a:r>
+              <a:rPr lang="en-US" sz="3200" dirty="0"/>
+              <a:t>                           </a:t>
+            </a:r>
+          </a:p>
+          <a:p>
+            <a:r>
+              <a:rPr lang="en-US" sz="3200" dirty="0"/>
+              <a:t>406 = 4·87 + </a:t>
+            </a:r>
+            <a:r>
+              <a:rPr lang="en-US" sz="3200" dirty="0" smtClean="0"/>
+              <a:t>58</a:t>
+            </a:r>
+            <a:endParaRPr lang="en-US" sz="3200" dirty="0"/>
+          </a:p>
+          <a:p>
+            <a:r>
+              <a:rPr lang="en-US" sz="3200" dirty="0"/>
+              <a:t>                           </a:t>
+            </a:r>
+          </a:p>
+          <a:p>
+            <a:r>
+              <a:rPr lang="en-US" sz="3200" dirty="0"/>
+              <a:t>87   = 1·58 + </a:t>
+            </a:r>
+            <a:r>
+              <a:rPr lang="en-US" sz="3200" dirty="0" smtClean="0"/>
+              <a:t>29</a:t>
+            </a:r>
+            <a:endParaRPr lang="en-US" sz="3200" dirty="0"/>
+          </a:p>
+          <a:p>
+            <a:r>
+              <a:rPr lang="en-US" sz="3200" dirty="0"/>
+              <a:t>                            </a:t>
+            </a:r>
+          </a:p>
+          <a:p>
+            <a:r>
+              <a:rPr lang="en-US" sz="3200" dirty="0"/>
+              <a:t>58   = 2·29 + </a:t>
+            </a:r>
+            <a:r>
+              <a:rPr lang="en-US" sz="3200" dirty="0" smtClean="0"/>
+              <a:t>0</a:t>
+            </a:r>
+            <a:endParaRPr lang="en-US" sz="3200" dirty="0"/>
+          </a:p>
+        </p:txBody>
+      </p:sp>
+      <p:sp>
+        <p:nvSpPr>
+          <p:cNvPr id="30722" name="Rectangle 2"/>
+          <p:cNvSpPr>
+            <a:spLocks noGrp="1" noChangeArrowheads="1"/>
+          </p:cNvSpPr>
+          <p:nvPr>
+            <p:ph type="title"/>
+          </p:nvPr>
+        </p:nvSpPr>
+        <p:spPr>
+          <a:xfrm>
+            <a:off x="2286000" y="0"/>
+            <a:ext cx="5486400" cy="1143000"/>
+          </a:xfrm>
+        </p:spPr>
+        <p:txBody>
+          <a:bodyPr/>
+          <a:lstStyle/>
+          <a:p>
+            <a:pPr eaLnBrk="1" hangingPunct="1"/>
+            <a:r>
+              <a:rPr lang="en-US" sz="4800" dirty="0" smtClean="0"/>
+              <a:t>Finding </a:t>
+            </a:r>
+            <a:r>
+              <a:rPr lang="en-US" sz="5400" dirty="0" smtClean="0">
+                <a:solidFill>
+                  <a:srgbClr val="FF00FF"/>
+                </a:solidFill>
+              </a:rPr>
+              <a:t>s</a:t>
+            </a:r>
+            <a:r>
+              <a:rPr lang="en-US" sz="4800" dirty="0" smtClean="0"/>
+              <a:t> and </a:t>
+            </a:r>
+            <a:r>
+              <a:rPr lang="en-US" sz="5400" dirty="0" smtClean="0">
+                <a:solidFill>
+                  <a:srgbClr val="FF00FF"/>
+                </a:solidFill>
+              </a:rPr>
+              <a:t>t</a:t>
+            </a:r>
+            <a:endParaRPr lang="en-US" sz="4800" dirty="0" smtClean="0">
+              <a:solidFill>
+                <a:srgbClr val="FF00FF"/>
+              </a:solidFill>
+            </a:endParaRPr>
+          </a:p>
+        </p:txBody>
+      </p:sp>
+      <p:sp>
+        <p:nvSpPr>
+          <p:cNvPr id="30724" name="Slide Number Placeholder 3"/>
+          <p:cNvSpPr>
+            <a:spLocks noGrp="1"/>
+          </p:cNvSpPr>
+          <p:nvPr>
+            <p:ph type="sldNum" sz="quarter" idx="4"/>
+          </p:nvPr>
+        </p:nvSpPr>
+        <p:spPr>
+          <a:xfrm>
+            <a:off x="7772400" y="6553200"/>
+            <a:ext cx="1295400" cy="304800"/>
+          </a:xfrm>
+          <a:noFill/>
+        </p:spPr>
+        <p:txBody>
+          <a:bodyPr/>
+          <a:lstStyle/>
+          <a:p>
+            <a:r>
+              <a:rPr lang="en-US" dirty="0" smtClean="0">
+                <a:latin typeface="Comic Sans MS" pitchFamily="8" charset="0"/>
+              </a:rPr>
+              <a:t>pulverize.</a:t>
+            </a:r>
+            <a:fld id="{C0A36D86-A96B-4FB7-B793-96DB8299F076}" type="slidenum">
+              <a:rPr lang="en-US" sz="1200" smtClean="0">
+                <a:latin typeface="Comic Sans MS" pitchFamily="8" charset="0"/>
+              </a:rPr>
+              <a:pPr/>
+              <a:t>11</a:t>
+            </a:fld>
+            <a:endParaRPr lang="en-US" sz="1200" dirty="0" smtClean="0">
+              <a:latin typeface="Comic Sans MS" pitchFamily="8" charset="0"/>
+            </a:endParaRPr>
+          </a:p>
+        </p:txBody>
+      </p:sp>
+      <p:sp>
+        <p:nvSpPr>
+          <p:cNvPr id="5" name="Text Box 3"/>
+          <p:cNvSpPr txBox="1">
+            <a:spLocks noChangeArrowheads="1"/>
+          </p:cNvSpPr>
+          <p:nvPr/>
+        </p:nvSpPr>
+        <p:spPr bwMode="auto">
+          <a:xfrm>
+            <a:off x="3962400" y="1371600"/>
+            <a:ext cx="4953000" cy="4524315"/>
+          </a:xfrm>
+          <a:prstGeom prst="rect">
+            <a:avLst/>
+          </a:prstGeom>
+          <a:noFill/>
+          <a:ln w="38100">
+            <a:noFill/>
+            <a:miter lim="800000"/>
+            <a:headEnd/>
+            <a:tailEnd type="none" w="lg" len="lg"/>
+          </a:ln>
+        </p:spPr>
+        <p:txBody>
+          <a:bodyPr wrap="square">
+            <a:spAutoFit/>
+          </a:bodyPr>
+          <a:lstStyle/>
+          <a:p>
+            <a:r>
+              <a:rPr lang="en-US" sz="3200" dirty="0" smtClean="0"/>
+              <a:t>so </a:t>
+            </a:r>
+            <a:r>
+              <a:rPr lang="en-US" sz="3200" dirty="0"/>
+              <a:t>406 =</a:t>
+            </a:r>
+            <a:r>
+              <a:rPr lang="en-US" sz="3200" dirty="0">
+                <a:solidFill>
+                  <a:srgbClr val="FF00FF"/>
+                </a:solidFill>
+              </a:rPr>
+              <a:t> 1</a:t>
+            </a:r>
+            <a:r>
+              <a:rPr lang="en-US" sz="3600" dirty="0" smtClean="0">
+                <a:solidFill>
+                  <a:srgbClr val="0000FF"/>
+                </a:solidFill>
+              </a:rPr>
+              <a:t>·a</a:t>
+            </a:r>
+            <a:r>
+              <a:rPr lang="en-US" sz="3200" dirty="0" smtClean="0"/>
+              <a:t> </a:t>
+            </a:r>
+            <a:r>
+              <a:rPr lang="en-US" sz="3200" dirty="0"/>
+              <a:t>+ </a:t>
+            </a:r>
+            <a:r>
+              <a:rPr lang="en-US" sz="3200" dirty="0">
+                <a:solidFill>
+                  <a:srgbClr val="FF00FF"/>
+                </a:solidFill>
+              </a:rPr>
+              <a:t>-1</a:t>
+            </a:r>
+            <a:r>
+              <a:rPr lang="en-US" sz="3200" dirty="0" smtClean="0"/>
+              <a:t>·</a:t>
+            </a:r>
+            <a:r>
+              <a:rPr lang="en-US" sz="3200" dirty="0">
+                <a:solidFill>
+                  <a:srgbClr val="0000CC"/>
+                </a:solidFill>
+              </a:rPr>
+              <a:t>b</a:t>
+            </a:r>
+            <a:endParaRPr lang="en-US" sz="3200" dirty="0"/>
+          </a:p>
+          <a:p>
+            <a:r>
+              <a:rPr lang="en-US" sz="3200" dirty="0" smtClean="0"/>
+              <a:t>so   87 </a:t>
+            </a:r>
+            <a:r>
+              <a:rPr lang="en-US" sz="3200" dirty="0"/>
+              <a:t>= </a:t>
+            </a:r>
+            <a:r>
+              <a:rPr lang="en-US" sz="3200" dirty="0">
+                <a:solidFill>
+                  <a:srgbClr val="FF00FF"/>
+                </a:solidFill>
+              </a:rPr>
+              <a:t>1</a:t>
+            </a:r>
+            <a:r>
+              <a:rPr lang="en-US" sz="3200" dirty="0" smtClean="0"/>
+              <a:t>·</a:t>
+            </a:r>
+            <a:r>
+              <a:rPr lang="en-US" sz="3600" dirty="0">
+                <a:solidFill>
+                  <a:srgbClr val="0000CC"/>
+                </a:solidFill>
+              </a:rPr>
+              <a:t>b</a:t>
+            </a:r>
+            <a:r>
+              <a:rPr lang="en-US" sz="3200" dirty="0" smtClean="0"/>
+              <a:t> </a:t>
+            </a:r>
+            <a:r>
+              <a:rPr lang="en-US" sz="3200" dirty="0">
+                <a:solidFill>
+                  <a:srgbClr val="FF00FF"/>
+                </a:solidFill>
+              </a:rPr>
+              <a:t>–</a:t>
+            </a:r>
+            <a:r>
+              <a:rPr lang="en-US" sz="2400" dirty="0">
+                <a:solidFill>
+                  <a:srgbClr val="FF00FF"/>
+                </a:solidFill>
+              </a:rPr>
+              <a:t> </a:t>
+            </a:r>
+            <a:r>
+              <a:rPr lang="en-US" sz="3200" dirty="0">
+                <a:solidFill>
+                  <a:srgbClr val="FF00FF"/>
+                </a:solidFill>
+              </a:rPr>
+              <a:t>1</a:t>
+            </a:r>
+            <a:r>
+              <a:rPr lang="en-US" sz="3200" dirty="0"/>
+              <a:t>·406</a:t>
+            </a:r>
+            <a:endParaRPr lang="en-US" sz="2400" dirty="0"/>
+          </a:p>
+          <a:p>
+            <a:r>
+              <a:rPr lang="en-US" sz="3200" dirty="0" smtClean="0">
+                <a:solidFill>
+                  <a:srgbClr val="0000E5"/>
+                </a:solidFill>
+              </a:rPr>
+              <a:t>           </a:t>
+            </a:r>
+            <a:r>
+              <a:rPr lang="en-US" sz="3200" dirty="0" smtClean="0"/>
+              <a:t> =</a:t>
+            </a:r>
+            <a:r>
+              <a:rPr lang="en-US" sz="3200" dirty="0" smtClean="0">
+                <a:solidFill>
+                  <a:srgbClr val="0000E5"/>
+                </a:solidFill>
+              </a:rPr>
+              <a:t> </a:t>
+            </a:r>
+            <a:r>
+              <a:rPr lang="en-US" sz="3200" dirty="0" smtClean="0">
+                <a:solidFill>
+                  <a:srgbClr val="FF00FF"/>
+                </a:solidFill>
+              </a:rPr>
+              <a:t>-</a:t>
+            </a:r>
+            <a:r>
+              <a:rPr lang="en-US" sz="3200" dirty="0">
+                <a:solidFill>
+                  <a:srgbClr val="FF00FF"/>
+                </a:solidFill>
+              </a:rPr>
+              <a:t>1</a:t>
+            </a:r>
+            <a:r>
+              <a:rPr lang="en-US" sz="3200" dirty="0" smtClean="0"/>
+              <a:t>·</a:t>
+            </a:r>
+            <a:r>
+              <a:rPr lang="en-US" sz="3600" dirty="0" smtClean="0">
+                <a:solidFill>
+                  <a:srgbClr val="0000CC"/>
+                </a:solidFill>
+              </a:rPr>
+              <a:t>a</a:t>
+            </a:r>
+            <a:r>
+              <a:rPr lang="en-US" sz="3200" dirty="0" smtClean="0"/>
+              <a:t> </a:t>
+            </a:r>
+            <a:r>
+              <a:rPr lang="en-US" sz="3200" dirty="0"/>
+              <a:t>+ </a:t>
+            </a:r>
+            <a:r>
+              <a:rPr lang="en-US" sz="3200" dirty="0">
+                <a:solidFill>
+                  <a:srgbClr val="FF00FF"/>
+                </a:solidFill>
+              </a:rPr>
+              <a:t>2</a:t>
+            </a:r>
+            <a:r>
+              <a:rPr lang="en-US" sz="3200" dirty="0" smtClean="0"/>
+              <a:t>∙</a:t>
+            </a:r>
+            <a:r>
+              <a:rPr lang="en-US" sz="3600" dirty="0">
+                <a:solidFill>
+                  <a:srgbClr val="0000CC"/>
+                </a:solidFill>
+              </a:rPr>
+              <a:t>b</a:t>
+            </a:r>
+            <a:endParaRPr lang="en-US" sz="3200" dirty="0"/>
+          </a:p>
+          <a:p>
+            <a:r>
+              <a:rPr lang="en-US" sz="3200" dirty="0" smtClean="0"/>
+              <a:t>so   </a:t>
+            </a:r>
+            <a:r>
+              <a:rPr lang="en-US" sz="3200" dirty="0"/>
+              <a:t>58 = </a:t>
+            </a:r>
+            <a:r>
+              <a:rPr lang="en-US" sz="3200" dirty="0">
+                <a:solidFill>
+                  <a:srgbClr val="FF00FF"/>
+                </a:solidFill>
+              </a:rPr>
+              <a:t>1</a:t>
+            </a:r>
+            <a:r>
+              <a:rPr lang="en-US" sz="3200" dirty="0"/>
+              <a:t>·406 - </a:t>
+            </a:r>
+            <a:r>
+              <a:rPr lang="en-US" sz="3200" dirty="0">
+                <a:solidFill>
+                  <a:srgbClr val="FF00FF"/>
+                </a:solidFill>
+              </a:rPr>
+              <a:t>4</a:t>
+            </a:r>
+            <a:r>
+              <a:rPr lang="en-US" sz="3200" dirty="0"/>
+              <a:t>·87</a:t>
+            </a:r>
+          </a:p>
+          <a:p>
+            <a:r>
+              <a:rPr lang="en-US" sz="3200" dirty="0" smtClean="0"/>
+              <a:t>           = </a:t>
+            </a:r>
+            <a:r>
+              <a:rPr lang="en-US" sz="3200" dirty="0">
+                <a:solidFill>
+                  <a:srgbClr val="FF00FF"/>
+                </a:solidFill>
+              </a:rPr>
+              <a:t>5</a:t>
+            </a:r>
+            <a:r>
+              <a:rPr lang="en-US" sz="3200" dirty="0" smtClean="0"/>
+              <a:t>·</a:t>
+            </a:r>
+            <a:r>
+              <a:rPr lang="en-US" sz="3600" dirty="0" smtClean="0">
+                <a:solidFill>
+                  <a:srgbClr val="0000CC"/>
+                </a:solidFill>
+              </a:rPr>
+              <a:t>a</a:t>
+            </a:r>
+            <a:r>
+              <a:rPr lang="en-US" sz="3200" dirty="0" smtClean="0"/>
+              <a:t> </a:t>
+            </a:r>
+            <a:r>
+              <a:rPr lang="en-US" sz="3200" dirty="0"/>
+              <a:t>+ </a:t>
+            </a:r>
+            <a:r>
+              <a:rPr lang="en-US" sz="3200" dirty="0">
+                <a:solidFill>
+                  <a:srgbClr val="FF00FF"/>
+                </a:solidFill>
+              </a:rPr>
+              <a:t>-9</a:t>
+            </a:r>
+            <a:r>
+              <a:rPr lang="en-US" sz="3200" dirty="0" smtClean="0"/>
+              <a:t>·</a:t>
+            </a:r>
+            <a:r>
+              <a:rPr lang="en-US" sz="3600" dirty="0" smtClean="0">
+                <a:solidFill>
+                  <a:srgbClr val="0000CC"/>
+                </a:solidFill>
+              </a:rPr>
+              <a:t>b</a:t>
+            </a:r>
+            <a:endParaRPr lang="en-US" sz="3200" dirty="0"/>
+          </a:p>
+          <a:p>
+            <a:r>
+              <a:rPr lang="en-US" sz="3200" dirty="0" smtClean="0"/>
+              <a:t>so   29 </a:t>
+            </a:r>
+            <a:r>
+              <a:rPr lang="en-US" sz="3200" dirty="0"/>
+              <a:t>= </a:t>
+            </a:r>
+            <a:r>
+              <a:rPr lang="en-US" sz="3200" dirty="0">
+                <a:solidFill>
+                  <a:srgbClr val="FF00FF"/>
+                </a:solidFill>
+              </a:rPr>
+              <a:t>1</a:t>
+            </a:r>
+            <a:r>
+              <a:rPr lang="en-US" sz="3200" dirty="0"/>
+              <a:t>·87 </a:t>
+            </a:r>
+            <a:r>
+              <a:rPr lang="en-US" sz="3200" dirty="0">
+                <a:solidFill>
+                  <a:srgbClr val="FF00FF"/>
+                </a:solidFill>
+              </a:rPr>
+              <a:t>– 1</a:t>
+            </a:r>
+            <a:r>
+              <a:rPr lang="en-US" sz="3200" dirty="0"/>
+              <a:t>·58</a:t>
+            </a:r>
+          </a:p>
+          <a:p>
+            <a:r>
+              <a:rPr lang="en-US" sz="3200" dirty="0" smtClean="0"/>
+              <a:t>           </a:t>
+            </a:r>
+            <a:r>
+              <a:rPr lang="en-US" sz="3200" dirty="0"/>
+              <a:t>= </a:t>
+            </a:r>
+            <a:r>
+              <a:rPr lang="en-US" sz="3200" dirty="0">
+                <a:solidFill>
+                  <a:srgbClr val="FF00FF"/>
+                </a:solidFill>
+              </a:rPr>
+              <a:t>-</a:t>
+            </a:r>
+            <a:r>
+              <a:rPr lang="en-US" sz="3200" dirty="0" smtClean="0">
+                <a:solidFill>
+                  <a:srgbClr val="FF00FF"/>
+                </a:solidFill>
+              </a:rPr>
+              <a:t>6</a:t>
+            </a:r>
+            <a:r>
+              <a:rPr lang="en-US" sz="3200" dirty="0"/>
+              <a:t>·</a:t>
+            </a:r>
+            <a:r>
+              <a:rPr lang="en-US" sz="3600" dirty="0">
+                <a:solidFill>
+                  <a:srgbClr val="0000CC"/>
+                </a:solidFill>
+              </a:rPr>
+              <a:t>a</a:t>
+            </a:r>
+            <a:r>
+              <a:rPr lang="en-US" sz="3200" dirty="0" smtClean="0"/>
+              <a:t> </a:t>
+            </a:r>
+            <a:r>
+              <a:rPr lang="en-US" sz="3200" dirty="0"/>
+              <a:t>+ </a:t>
+            </a:r>
+            <a:r>
+              <a:rPr lang="en-US" sz="3200" dirty="0">
+                <a:solidFill>
+                  <a:srgbClr val="FF00FF"/>
+                </a:solidFill>
+              </a:rPr>
+              <a:t>11</a:t>
+            </a:r>
+            <a:r>
+              <a:rPr lang="en-US" sz="3200" dirty="0" smtClean="0"/>
+              <a:t>∙</a:t>
+            </a:r>
+            <a:r>
+              <a:rPr lang="en-US" sz="3600" dirty="0">
+                <a:solidFill>
+                  <a:srgbClr val="0000CC"/>
+                </a:solidFill>
+              </a:rPr>
+              <a:t>b</a:t>
+            </a:r>
+            <a:endParaRPr lang="en-US" sz="3200" dirty="0" smtClean="0"/>
+          </a:p>
+          <a:p>
+            <a:r>
+              <a:rPr lang="en-US" sz="3200" dirty="0" smtClean="0"/>
+              <a:t>       done</a:t>
+            </a:r>
+            <a:r>
+              <a:rPr lang="en-US" sz="3200" dirty="0"/>
+              <a:t>, </a:t>
+            </a:r>
+            <a:r>
+              <a:rPr lang="en-US" sz="4400" dirty="0" err="1">
+                <a:solidFill>
+                  <a:srgbClr val="008000"/>
+                </a:solidFill>
+              </a:rPr>
+              <a:t>gcd</a:t>
+            </a:r>
+            <a:r>
+              <a:rPr lang="en-US" sz="4400" dirty="0">
+                <a:solidFill>
+                  <a:srgbClr val="008000"/>
+                </a:solidFill>
+              </a:rPr>
+              <a:t> = 29</a:t>
+            </a:r>
+            <a:endParaRPr lang="en-US" sz="3200" dirty="0">
+              <a:solidFill>
+                <a:srgbClr val="008000"/>
+              </a:solidFill>
+            </a:endParaRPr>
+          </a:p>
+        </p:txBody>
+      </p:sp>
+      <p:sp>
+        <p:nvSpPr>
+          <p:cNvPr id="7" name="Oval 6"/>
+          <p:cNvSpPr/>
+          <p:nvPr/>
+        </p:nvSpPr>
+        <p:spPr bwMode="auto">
+          <a:xfrm>
+            <a:off x="5257800" y="4495800"/>
+            <a:ext cx="3124200" cy="838200"/>
+          </a:xfrm>
+          <a:prstGeom prst="ellipse">
+            <a:avLst/>
+          </a:prstGeom>
+          <a:noFill/>
+          <a:ln w="50800" cap="flat" cmpd="sng" algn="ctr">
+            <a:solidFill>
+              <a:srgbClr val="0000FF"/>
+            </a:solidFill>
+            <a:prstDash val="sysDash"/>
+            <a:round/>
+            <a:headEnd type="none" w="med" len="med"/>
+            <a:tailEnd type="none" w="lg" len="lg"/>
+          </a:ln>
+          <a:effectLst/>
+        </p:spPr>
+        <p:txBody>
+          <a:bodyPr vert="horz" wrap="square" lIns="91440" tIns="45720" rIns="91440" bIns="45720" numCol="1" rtlCol="0" anchor="t" anchorCtr="0" compatLnSpc="1">
+            <a:prstTxWarp prst="textNoShape">
+              <a:avLst/>
+            </a:prstTxWarp>
+          </a:bodyPr>
+          <a:lstStyle/>
+          <a:p>
+            <a:pPr marL="0" marR="0" indent="0" algn="l" defTabSz="914400" rtl="0" eaLnBrk="1" fontAlgn="base" latinLnBrk="0" hangingPunct="1">
+              <a:lnSpc>
+                <a:spcPct val="100000"/>
+              </a:lnSpc>
+              <a:spcBef>
+                <a:spcPct val="0"/>
+              </a:spcBef>
+              <a:spcAft>
+                <a:spcPct val="0"/>
+              </a:spcAft>
+              <a:buClrTx/>
+              <a:buSzTx/>
+              <a:buFontTx/>
+              <a:buNone/>
+              <a:tabLst/>
+            </a:pPr>
+            <a:endParaRPr kumimoji="0" lang="en-US" sz="4000" b="0" i="0" u="none" strike="noStrike" cap="none" normalizeH="0" baseline="0" smtClean="0">
+              <a:ln>
+                <a:noFill/>
+              </a:ln>
+              <a:solidFill>
+                <a:schemeClr val="tx1"/>
+              </a:solidFill>
+              <a:effectLst/>
+              <a:latin typeface="Comic Sans MS" pitchFamily="66" charset="0"/>
+            </a:endParaRPr>
+          </a:p>
+        </p:txBody>
+      </p:sp>
+      <p:sp>
+        <p:nvSpPr>
+          <p:cNvPr id="8" name="Text Box 4"/>
+          <p:cNvSpPr txBox="1">
+            <a:spLocks noChangeArrowheads="1"/>
+          </p:cNvSpPr>
+          <p:nvPr/>
+        </p:nvSpPr>
+        <p:spPr bwMode="auto">
+          <a:xfrm>
+            <a:off x="397425" y="5553670"/>
+            <a:ext cx="4860375" cy="923330"/>
+          </a:xfrm>
+          <a:prstGeom prst="rect">
+            <a:avLst/>
+          </a:prstGeom>
+          <a:noFill/>
+          <a:ln w="38100">
+            <a:noFill/>
+            <a:miter lim="800000"/>
+            <a:headEnd/>
+            <a:tailEnd type="none" w="lg" len="lg"/>
+          </a:ln>
+        </p:spPr>
+        <p:txBody>
+          <a:bodyPr wrap="none">
+            <a:spAutoFit/>
+          </a:bodyPr>
+          <a:lstStyle/>
+          <a:p>
+            <a:r>
+              <a:rPr lang="en-US" sz="5400" b="1" dirty="0">
+                <a:solidFill>
+                  <a:srgbClr val="008000"/>
+                </a:solidFill>
+              </a:rPr>
+              <a:t>the </a:t>
+            </a:r>
+            <a:r>
+              <a:rPr lang="en-US" sz="5400" b="1" dirty="0" err="1">
+                <a:solidFill>
+                  <a:srgbClr val="008000"/>
+                </a:solidFill>
+              </a:rPr>
+              <a:t>Pulverizer</a:t>
+            </a:r>
+            <a:endParaRPr lang="en-US" sz="5400" b="1" dirty="0">
+              <a:solidFill>
+                <a:srgbClr val="008000"/>
+              </a:solidFill>
+            </a:endParaRPr>
+          </a:p>
+        </p:txBody>
+      </p:sp>
+      <p:sp>
+        <p:nvSpPr>
+          <p:cNvPr id="9" name="TextBox 8"/>
+          <p:cNvSpPr txBox="1"/>
+          <p:nvPr/>
+        </p:nvSpPr>
+        <p:spPr>
+          <a:xfrm>
+            <a:off x="5257800" y="5631359"/>
+            <a:ext cx="3385863" cy="769441"/>
+          </a:xfrm>
+          <a:prstGeom prst="rect">
+            <a:avLst/>
+          </a:prstGeom>
+          <a:noFill/>
+        </p:spPr>
+        <p:txBody>
+          <a:bodyPr wrap="none" rtlCol="0">
+            <a:spAutoFit/>
+          </a:bodyPr>
+          <a:lstStyle/>
+          <a:p>
+            <a:r>
+              <a:rPr lang="en-US" sz="4400" dirty="0" smtClean="0">
+                <a:solidFill>
+                  <a:srgbClr val="FF00FF"/>
+                </a:solidFill>
+              </a:rPr>
+              <a:t>s</a:t>
+            </a:r>
+            <a:r>
+              <a:rPr lang="en-US" sz="4400" dirty="0" smtClean="0"/>
+              <a:t> = </a:t>
+            </a:r>
+            <a:r>
+              <a:rPr lang="en-US" sz="4400" dirty="0" smtClean="0">
+                <a:solidFill>
+                  <a:srgbClr val="FF00FF"/>
+                </a:solidFill>
+              </a:rPr>
+              <a:t>-6</a:t>
+            </a:r>
+            <a:r>
+              <a:rPr lang="en-US" sz="4400" dirty="0" smtClean="0"/>
+              <a:t>,</a:t>
+            </a:r>
+            <a:r>
+              <a:rPr lang="en-US" sz="4400" dirty="0" smtClean="0">
+                <a:solidFill>
+                  <a:srgbClr val="FF00FF"/>
+                </a:solidFill>
+              </a:rPr>
+              <a:t> t</a:t>
+            </a:r>
+            <a:r>
+              <a:rPr lang="en-US" sz="4400" dirty="0" smtClean="0"/>
+              <a:t> = </a:t>
+            </a:r>
+            <a:r>
+              <a:rPr lang="en-US" sz="4400" dirty="0" smtClean="0">
+                <a:solidFill>
+                  <a:srgbClr val="FF00FF"/>
+                </a:solidFill>
+              </a:rPr>
+              <a:t>11</a:t>
+            </a:r>
+          </a:p>
+        </p:txBody>
+      </p:sp>
+    </p:spTree>
+    <p:extLst>
+      <p:ext uri="{BB962C8B-B14F-4D97-AF65-F5344CB8AC3E}">
+        <p14:creationId xmlns:p14="http://schemas.microsoft.com/office/powerpoint/2010/main" val="3514566115"/>
+      </p:ext>
+    </p:extLst>
+  </p:cSld>
+  <p:clrMapOvr>
+    <a:masterClrMapping/>
+  </p:clrMapOvr>
+  <mc:AlternateContent xmlns:mc="http://schemas.openxmlformats.org/markup-compatibility/2006">
+    <mc:Choice xmlns:p14="http://schemas.microsoft.com/office/powerpoint/2010/main" Requires="p14">
+      <p:transition spd="med" p14:dur="700" advClick="0">
+        <p:fade/>
+      </p:transition>
+    </mc:Choice>
+    <mc:Fallback>
+      <p:transition xmlns:p14="http://schemas.microsoft.com/office/powerpoint/2010/main" spd="med" advClick="0">
+        <p:fade/>
+      </p:transition>
+    </mc:Fallback>
+  </mc:AlternateContent>
+  <p:timing>
+    <p:tnLst>
+      <p:par>
+        <p:cTn xmlns:p14="http://schemas.microsoft.com/office/powerpoint/2010/main" id="1" dur="indefinite" restart="never" nodeType="tmRoot">
+          <p:childTnLst>
+            <p:seq concurrent="1" nextAc="seek">
+              <p:cTn id="2" dur="indefinite" nodeType="mainSeq">
+                <p:childTnLst>
+                  <p:par>
+                    <p:cTn id="3" fill="hold">
+                      <p:stCondLst>
+                        <p:cond delay="indefinite"/>
+                        <p:cond evt="onBegin" delay="0">
+                          <p:tn val="2"/>
+                        </p:cond>
+                      </p:stCondLst>
+                      <p:childTnLst>
+                        <p:par>
+                          <p:cTn id="4" fill="hold">
+                            <p:stCondLst>
+                              <p:cond delay="0"/>
+                            </p:stCondLst>
+                            <p:childTnLst>
+                              <p:par>
+                                <p:cTn id="5" presetID="22" presetClass="entr" presetSubtype="8" fill="hold" grpId="0" nodeType="afterEffect">
+                                  <p:stCondLst>
+                                    <p:cond delay="0"/>
+                                  </p:stCondLst>
+                                  <p:childTnLst>
+                                    <p:set>
+                                      <p:cBhvr>
+                                        <p:cTn id="6" dur="1" fill="hold">
+                                          <p:stCondLst>
+                                            <p:cond delay="0"/>
+                                          </p:stCondLst>
+                                        </p:cTn>
+                                        <p:tgtEl>
+                                          <p:spTgt spid="9"/>
+                                        </p:tgtEl>
+                                        <p:attrNameLst>
+                                          <p:attrName>style.visibility</p:attrName>
+                                        </p:attrNameLst>
+                                      </p:cBhvr>
+                                      <p:to>
+                                        <p:strVal val="visible"/>
+                                      </p:to>
+                                    </p:set>
+                                    <p:animEffect transition="in" filter="wipe(left)">
+                                      <p:cBhvr>
+                                        <p:cTn id="7" dur="1000"/>
+                                        <p:tgtEl>
+                                          <p:spTgt spid="9"/>
+                                        </p:tgtEl>
+                                      </p:cBhvr>
+                                    </p:animEffect>
+                                  </p:childTnLst>
+                                </p:cTn>
+                              </p:par>
+                            </p:childTnLst>
+                          </p:cTn>
+                        </p:par>
+                      </p:childTnLst>
+                    </p:cTn>
+                  </p:par>
+                </p:childTnLst>
+              </p:cTn>
+              <p:prevCondLst>
+                <p:cond evt="onPrev" delay="0">
+                  <p:tgtEl>
+                    <p:sldTgt/>
+                  </p:tgtEl>
+                </p:cond>
+              </p:prevCondLst>
+              <p:nextCondLst>
+                <p:cond evt="onNext" delay="0">
+                  <p:tgtEl>
+                    <p:sldTgt/>
+                  </p:tgtEl>
+                </p:cond>
+              </p:nextCondLst>
+            </p:seq>
+          </p:childTnLst>
+        </p:cTn>
+      </p:par>
+    </p:tnLst>
+    <p:bldLst>
+      <p:bldP spid="9" grpId="0"/>
+    </p:bldLst>
+  </p:timing>
+</p:sld>
+</file>
+
+<file path=ppt/slides/slide12.xml><?xml version="1.0" encoding="utf-8"?>
+<p:sld xmlns:a="http://schemas.openxmlformats.org/drawingml/2006/main" xmlns:r="http://schemas.openxmlformats.org/officeDocument/2006/relationships" xmlns:p="http://schemas.openxmlformats.org/presentationml/2006/main">
+  <p:cSld>
+    <p:spTree>
+      <p:nvGrpSpPr>
+        <p:cNvPr id="1" name=""/>
+        <p:cNvGrpSpPr/>
+        <p:nvPr/>
+      </p:nvGrpSpPr>
+      <p:grpSpPr>
+        <a:xfrm>
+          <a:off x="0" y="0"/>
+          <a:ext cx="0" cy="0"/>
+          <a:chOff x="0" y="0"/>
+          <a:chExt cx="0" cy="0"/>
+        </a:xfrm>
+      </p:grpSpPr>
+      <p:sp>
+        <p:nvSpPr>
+          <p:cNvPr id="791555" name="Text Box 3"/>
+          <p:cNvSpPr txBox="1">
+            <a:spLocks noChangeArrowheads="1"/>
+          </p:cNvSpPr>
+          <p:nvPr/>
+        </p:nvSpPr>
+        <p:spPr bwMode="auto">
+          <a:xfrm>
+            <a:off x="152400" y="1524000"/>
+            <a:ext cx="8915400" cy="3754874"/>
+          </a:xfrm>
+          <a:prstGeom prst="rect">
+            <a:avLst/>
+          </a:prstGeom>
+          <a:noFill/>
+          <a:ln w="38100">
+            <a:noFill/>
+            <a:miter lim="800000"/>
+            <a:headEnd/>
+            <a:tailEnd type="none" w="lg" len="lg"/>
+          </a:ln>
+        </p:spPr>
+        <p:txBody>
+          <a:bodyPr wrap="square">
+            <a:spAutoFit/>
+          </a:bodyPr>
+          <a:lstStyle/>
+          <a:p>
+            <a:pPr algn="ctr"/>
+            <a:r>
+              <a:rPr lang="en-US" dirty="0"/>
+              <a:t> </a:t>
+            </a:r>
+            <a:r>
+              <a:rPr lang="en-US" sz="4400" dirty="0"/>
+              <a:t>gcd(899,493) = </a:t>
+            </a:r>
+            <a:r>
+              <a:rPr lang="en-US" sz="4400" b="1" dirty="0">
+                <a:solidFill>
+                  <a:srgbClr val="FF00FF"/>
+                </a:solidFill>
+                <a:latin typeface="Euclid Symbol" charset="2"/>
+                <a:cs typeface="Euclid Symbol" charset="2"/>
+              </a:rPr>
+              <a:t>-</a:t>
+            </a:r>
+            <a:r>
+              <a:rPr lang="en-US" sz="4400" dirty="0">
+                <a:solidFill>
+                  <a:srgbClr val="FF00FF"/>
+                </a:solidFill>
+              </a:rPr>
+              <a:t>6</a:t>
+            </a:r>
+            <a:r>
+              <a:rPr lang="en-US" sz="4400" dirty="0"/>
+              <a:t>·899 </a:t>
+            </a:r>
+            <a:r>
+              <a:rPr lang="en-US" sz="4400" b="1" dirty="0" smtClean="0">
+                <a:solidFill>
+                  <a:schemeClr val="accent1">
+                    <a:lumMod val="50000"/>
+                  </a:schemeClr>
+                </a:solidFill>
+                <a:latin typeface="Euclid Symbol" charset="2"/>
+                <a:cs typeface="Euclid Symbol" charset="2"/>
+              </a:rPr>
+              <a:t>+</a:t>
+            </a:r>
+            <a:r>
+              <a:rPr lang="en-US" sz="4400" dirty="0" smtClean="0"/>
+              <a:t> </a:t>
+            </a:r>
+            <a:r>
+              <a:rPr lang="en-US" sz="4400" dirty="0">
+                <a:solidFill>
+                  <a:srgbClr val="FF00FF"/>
+                </a:solidFill>
+              </a:rPr>
+              <a:t>11</a:t>
+            </a:r>
+            <a:r>
+              <a:rPr lang="en-US" sz="4400" dirty="0"/>
+              <a:t>∙493</a:t>
+            </a:r>
+            <a:endParaRPr lang="en-US" dirty="0"/>
+          </a:p>
+          <a:p>
+            <a:r>
+              <a:rPr lang="en-US" sz="4800" dirty="0"/>
+              <a:t>get positive </a:t>
+            </a:r>
+            <a:r>
+              <a:rPr lang="en-US" sz="4800" dirty="0" err="1"/>
+              <a:t>coeff</a:t>
+            </a:r>
+            <a:r>
+              <a:rPr lang="en-US" sz="4800" dirty="0"/>
+              <a:t>. for 899?:</a:t>
+            </a:r>
+          </a:p>
+          <a:p>
+            <a:r>
+              <a:rPr lang="en-US" dirty="0">
+                <a:solidFill>
+                  <a:srgbClr val="008000"/>
+                </a:solidFill>
+              </a:rPr>
+              <a:t> </a:t>
+            </a:r>
+            <a:r>
+              <a:rPr lang="en-US" sz="4400" dirty="0" smtClean="0"/>
+              <a:t>=</a:t>
+            </a:r>
+            <a:r>
+              <a:rPr lang="en-US" sz="4400" dirty="0" smtClean="0">
+                <a:solidFill>
+                  <a:srgbClr val="008000"/>
+                </a:solidFill>
+              </a:rPr>
+              <a:t>(</a:t>
+            </a:r>
+            <a:r>
+              <a:rPr lang="en-US" sz="4400" dirty="0">
+                <a:solidFill>
+                  <a:srgbClr val="FF00FF"/>
+                </a:solidFill>
+              </a:rPr>
+              <a:t>-6</a:t>
+            </a:r>
+            <a:r>
+              <a:rPr lang="en-US" sz="4400" dirty="0">
+                <a:solidFill>
+                  <a:srgbClr val="008000"/>
+                </a:solidFill>
+              </a:rPr>
+              <a:t>+493k)</a:t>
+            </a:r>
+            <a:r>
+              <a:rPr lang="en-US" sz="4400" dirty="0"/>
+              <a:t>·899 </a:t>
+            </a:r>
+            <a:r>
+              <a:rPr lang="en-US" sz="4400" b="1" dirty="0">
+                <a:solidFill>
+                  <a:schemeClr val="accent1">
+                    <a:lumMod val="50000"/>
+                  </a:schemeClr>
+                </a:solidFill>
+                <a:latin typeface="Euclid Symbol" charset="2"/>
+                <a:cs typeface="Euclid Symbol" charset="2"/>
+              </a:rPr>
+              <a:t>+</a:t>
+            </a:r>
+            <a:r>
+              <a:rPr lang="en-US" sz="4400" dirty="0" smtClean="0"/>
+              <a:t> </a:t>
+            </a:r>
+            <a:r>
+              <a:rPr lang="en-US" sz="4400" dirty="0" smtClean="0">
+                <a:solidFill>
+                  <a:srgbClr val="008000"/>
+                </a:solidFill>
+              </a:rPr>
+              <a:t>(</a:t>
+            </a:r>
+            <a:r>
+              <a:rPr lang="en-US" sz="4400" dirty="0" smtClean="0">
+                <a:solidFill>
+                  <a:srgbClr val="FF00FF"/>
+                </a:solidFill>
+              </a:rPr>
+              <a:t>11</a:t>
+            </a:r>
+            <a:r>
+              <a:rPr lang="en-US" sz="4400" dirty="0" smtClean="0">
+                <a:solidFill>
+                  <a:srgbClr val="008000"/>
+                </a:solidFill>
+              </a:rPr>
+              <a:t>-</a:t>
+            </a:r>
+            <a:r>
+              <a:rPr lang="en-US" sz="4400" dirty="0">
+                <a:solidFill>
+                  <a:srgbClr val="008000"/>
+                </a:solidFill>
+              </a:rPr>
+              <a:t>899k)</a:t>
+            </a:r>
+            <a:r>
+              <a:rPr lang="en-US" sz="4400" dirty="0"/>
+              <a:t>∙</a:t>
+            </a:r>
+            <a:r>
+              <a:rPr lang="en-US" sz="4400" dirty="0" smtClean="0"/>
+              <a:t>493</a:t>
+            </a:r>
+            <a:endParaRPr lang="en-US" sz="4400" dirty="0"/>
+          </a:p>
+          <a:p>
+            <a:r>
+              <a:rPr lang="en-US" sz="4800" dirty="0" smtClean="0"/>
+              <a:t>let </a:t>
+            </a:r>
+            <a:r>
+              <a:rPr lang="en-US" sz="4800" dirty="0" smtClean="0">
+                <a:solidFill>
+                  <a:srgbClr val="008000"/>
+                </a:solidFill>
+              </a:rPr>
+              <a:t>k</a:t>
+            </a:r>
+            <a:r>
+              <a:rPr lang="en-US" sz="4800" dirty="0" smtClean="0"/>
+              <a:t> be </a:t>
+            </a:r>
+            <a:r>
+              <a:rPr lang="en-US" sz="4800" dirty="0" smtClean="0">
+                <a:solidFill>
+                  <a:srgbClr val="0000FF"/>
+                </a:solidFill>
+              </a:rPr>
+              <a:t>1</a:t>
+            </a:r>
+            <a:r>
+              <a:rPr lang="en-US" sz="4800" dirty="0"/>
+              <a:t>: </a:t>
+            </a:r>
+            <a:endParaRPr lang="en-US" sz="4800" dirty="0" smtClean="0"/>
+          </a:p>
+          <a:p>
+            <a:pPr algn="ctr"/>
+            <a:r>
+              <a:rPr lang="en-US" sz="5400" dirty="0" smtClean="0">
+                <a:solidFill>
+                  <a:srgbClr val="0000CC"/>
+                </a:solidFill>
+              </a:rPr>
+              <a:t>= </a:t>
+            </a:r>
+            <a:r>
+              <a:rPr lang="en-US" sz="5400" dirty="0" smtClean="0">
+                <a:solidFill>
+                  <a:srgbClr val="FF00FF"/>
+                </a:solidFill>
+              </a:rPr>
+              <a:t>487</a:t>
+            </a:r>
+            <a:r>
+              <a:rPr lang="en-US" sz="5400" dirty="0"/>
+              <a:t>·899 </a:t>
+            </a:r>
+            <a:r>
+              <a:rPr lang="en-US" sz="5400" b="1" dirty="0" smtClean="0">
+                <a:solidFill>
+                  <a:srgbClr val="0000CC"/>
+                </a:solidFill>
+                <a:latin typeface="Euclid Symbol" charset="2"/>
+                <a:cs typeface="Euclid Symbol" charset="2"/>
+              </a:rPr>
+              <a:t>-</a:t>
+            </a:r>
+            <a:r>
+              <a:rPr lang="en-US" sz="5400" dirty="0" smtClean="0">
+                <a:solidFill>
+                  <a:srgbClr val="0000CC"/>
+                </a:solidFill>
+              </a:rPr>
+              <a:t> </a:t>
+            </a:r>
+            <a:r>
+              <a:rPr lang="en-US" sz="5400" dirty="0" smtClean="0">
+                <a:solidFill>
+                  <a:srgbClr val="FF00FF"/>
+                </a:solidFill>
+              </a:rPr>
+              <a:t>888</a:t>
+            </a:r>
+            <a:r>
+              <a:rPr lang="en-US" sz="5400" dirty="0"/>
+              <a:t>∙</a:t>
+            </a:r>
+            <a:r>
+              <a:rPr lang="en-US" sz="5400" dirty="0" smtClean="0"/>
+              <a:t>493</a:t>
+            </a:r>
+            <a:endParaRPr lang="en-US" sz="5400" dirty="0"/>
+          </a:p>
+        </p:txBody>
+      </p:sp>
+      <p:sp>
+        <p:nvSpPr>
+          <p:cNvPr id="33796" name="Slide Number Placeholder 3"/>
+          <p:cNvSpPr>
+            <a:spLocks noGrp="1"/>
+          </p:cNvSpPr>
+          <p:nvPr>
+            <p:ph type="sldNum" sz="quarter" idx="4"/>
+          </p:nvPr>
+        </p:nvSpPr>
+        <p:spPr>
+          <a:xfrm>
+            <a:off x="7772400" y="6553200"/>
+            <a:ext cx="1295400" cy="304800"/>
+          </a:xfrm>
+          <a:noFill/>
+        </p:spPr>
+        <p:txBody>
+          <a:bodyPr/>
+          <a:lstStyle/>
+          <a:p>
+            <a:r>
+              <a:rPr lang="en-US" dirty="0" smtClean="0">
+                <a:latin typeface="Comic Sans MS" pitchFamily="8" charset="0"/>
+              </a:rPr>
+              <a:t>pulverize.</a:t>
+            </a:r>
+            <a:fld id="{0B31A3FA-1C63-4F3C-BCF4-B7AE1EB41B06}" type="slidenum">
+              <a:rPr lang="en-US" sz="1200" smtClean="0">
+                <a:latin typeface="Comic Sans MS" pitchFamily="8" charset="0"/>
+              </a:rPr>
+              <a:pPr/>
+              <a:t>12</a:t>
+            </a:fld>
+            <a:endParaRPr lang="en-US" sz="1200" dirty="0" smtClean="0">
+              <a:latin typeface="Comic Sans MS" pitchFamily="8" charset="0"/>
+            </a:endParaRPr>
+          </a:p>
+        </p:txBody>
+      </p:sp>
+      <p:sp>
+        <p:nvSpPr>
+          <p:cNvPr id="6" name="Rectangle 2"/>
+          <p:cNvSpPr>
+            <a:spLocks noGrp="1" noChangeArrowheads="1"/>
+          </p:cNvSpPr>
+          <p:nvPr>
+            <p:ph type="title"/>
+          </p:nvPr>
+        </p:nvSpPr>
+        <p:spPr>
+          <a:xfrm>
+            <a:off x="2286000" y="0"/>
+            <a:ext cx="6172200" cy="1143000"/>
+          </a:xfrm>
+        </p:spPr>
+        <p:txBody>
+          <a:bodyPr/>
+          <a:lstStyle/>
+          <a:p>
+            <a:pPr eaLnBrk="1" hangingPunct="1"/>
+            <a:r>
+              <a:rPr lang="en-US" sz="4800" dirty="0" smtClean="0"/>
+              <a:t>Finding </a:t>
+            </a:r>
+            <a:r>
+              <a:rPr lang="en-US" sz="5400" dirty="0" smtClean="0">
+                <a:solidFill>
+                  <a:srgbClr val="FF00FF"/>
+                </a:solidFill>
+              </a:rPr>
+              <a:t>s</a:t>
+            </a:r>
+            <a:r>
+              <a:rPr lang="en-US" sz="5400" dirty="0" smtClean="0">
+                <a:solidFill>
+                  <a:srgbClr val="0000FF"/>
+                </a:solidFill>
+                <a:latin typeface="Euclid Symbol" charset="2"/>
+                <a:cs typeface="Euclid Symbol" charset="2"/>
+              </a:rPr>
+              <a:t>&gt;</a:t>
+            </a:r>
+            <a:r>
+              <a:rPr lang="en-US" sz="5400" b="0" dirty="0" smtClean="0">
+                <a:solidFill>
+                  <a:srgbClr val="0000FF"/>
+                </a:solidFill>
+                <a:latin typeface="Comic Sans MS"/>
+                <a:cs typeface="Comic Sans MS"/>
+              </a:rPr>
+              <a:t>0</a:t>
+            </a:r>
+            <a:r>
+              <a:rPr lang="en-US" sz="4800" dirty="0" smtClean="0"/>
+              <a:t> and </a:t>
+            </a:r>
+            <a:r>
+              <a:rPr lang="en-US" sz="5400" dirty="0" smtClean="0">
+                <a:solidFill>
+                  <a:srgbClr val="FF00FF"/>
+                </a:solidFill>
+              </a:rPr>
+              <a:t>t</a:t>
+            </a:r>
+            <a:endParaRPr lang="en-US" sz="4800" dirty="0" smtClean="0">
+              <a:solidFill>
+                <a:srgbClr val="FF00FF"/>
+              </a:solidFill>
+            </a:endParaRPr>
+          </a:p>
+        </p:txBody>
+      </p:sp>
+    </p:spTree>
+  </p:cSld>
+  <p:clrMapOvr>
+    <a:masterClrMapping/>
+  </p:clrMapOvr>
+  <p:transition xmlns:p14="http://schemas.microsoft.com/office/powerpoint/2010/main" spd="slow" advClick="0">
+    <p:fade thruBlk="1"/>
+  </p:transition>
+  <p:timing>
+    <p:tnLst>
+      <p:par>
+        <p:cTn xmlns:p14="http://schemas.microsoft.com/office/powerpoint/2010/main" id="1" dur="indefinite" restart="never" nodeType="tmRoot">
+          <p:childTnLst>
+            <p:seq concurrent="1" nextAc="seek">
+              <p:cTn id="2" dur="indefinite" nodeType="mainSeq">
+                <p:childTnLst>
+                  <p:par>
+                    <p:cTn id="3" fill="hold">
+                      <p:stCondLst>
+                        <p:cond delay="indefinite"/>
+                      </p:stCondLst>
+                      <p:childTnLst>
+                        <p:par>
+                          <p:cTn id="4" fill="hold">
+                            <p:stCondLst>
+                              <p:cond delay="0"/>
+                            </p:stCondLst>
+                            <p:childTnLst>
+                              <p:par>
+                                <p:cTn id="5" presetID="9" presetClass="entr" presetSubtype="0" fill="hold" grpId="0" nodeType="clickEffect">
+                                  <p:stCondLst>
+                                    <p:cond delay="0"/>
+                                  </p:stCondLst>
+                                  <p:childTnLst>
+                                    <p:set>
+                                      <p:cBhvr>
+                                        <p:cTn id="6" dur="1" fill="hold">
+                                          <p:stCondLst>
+                                            <p:cond delay="0"/>
+                                          </p:stCondLst>
+                                        </p:cTn>
+                                        <p:tgtEl>
+                                          <p:spTgt spid="791555">
+                                            <p:txEl>
+                                              <p:pRg st="1" end="1"/>
+                                            </p:txEl>
+                                          </p:spTgt>
+                                        </p:tgtEl>
+                                        <p:attrNameLst>
+                                          <p:attrName>style.visibility</p:attrName>
+                                        </p:attrNameLst>
+                                      </p:cBhvr>
+                                      <p:to>
+                                        <p:strVal val="visible"/>
+                                      </p:to>
+                                    </p:set>
+                                    <p:animEffect transition="in" filter="dissolve">
+                                      <p:cBhvr>
+                                        <p:cTn id="7" dur="500"/>
+                                        <p:tgtEl>
+                                          <p:spTgt spid="791555">
+                                            <p:txEl>
+                                              <p:pRg st="1" end="1"/>
+                                            </p:txEl>
+                                          </p:spTgt>
+                                        </p:tgtEl>
+                                      </p:cBhvr>
+                                    </p:animEffect>
+                                  </p:childTnLst>
+                                </p:cTn>
+                              </p:par>
+                            </p:childTnLst>
+                          </p:cTn>
+                        </p:par>
+                      </p:childTnLst>
+                    </p:cTn>
+                  </p:par>
+                  <p:par>
+                    <p:cTn id="8" fill="hold">
+                      <p:stCondLst>
+                        <p:cond delay="indefinite"/>
+                      </p:stCondLst>
+                      <p:childTnLst>
+                        <p:par>
+                          <p:cTn id="9" fill="hold">
+                            <p:stCondLst>
+                              <p:cond delay="0"/>
+                            </p:stCondLst>
+                            <p:childTnLst>
+                              <p:par>
+                                <p:cTn id="10" presetID="22" presetClass="entr" presetSubtype="8" fill="hold" grpId="0" nodeType="clickEffect">
+                                  <p:stCondLst>
+                                    <p:cond delay="0"/>
+                                  </p:stCondLst>
+                                  <p:childTnLst>
+                                    <p:set>
+                                      <p:cBhvr>
+                                        <p:cTn id="11" dur="1" fill="hold">
+                                          <p:stCondLst>
+                                            <p:cond delay="0"/>
+                                          </p:stCondLst>
+                                        </p:cTn>
+                                        <p:tgtEl>
+                                          <p:spTgt spid="791555">
+                                            <p:txEl>
+                                              <p:pRg st="2" end="2"/>
+                                            </p:txEl>
+                                          </p:spTgt>
+                                        </p:tgtEl>
+                                        <p:attrNameLst>
+                                          <p:attrName>style.visibility</p:attrName>
+                                        </p:attrNameLst>
+                                      </p:cBhvr>
+                                      <p:to>
+                                        <p:strVal val="visible"/>
+                                      </p:to>
+                                    </p:set>
+                                    <p:animEffect transition="in" filter="wipe(left)">
+                                      <p:cBhvr>
+                                        <p:cTn id="12" dur="1000"/>
+                                        <p:tgtEl>
+                                          <p:spTgt spid="791555">
+                                            <p:txEl>
+                                              <p:pRg st="2" end="2"/>
+                                            </p:txEl>
+                                          </p:spTgt>
+                                        </p:tgtEl>
+                                      </p:cBhvr>
+                                    </p:animEffect>
+                                  </p:childTnLst>
+                                </p:cTn>
+                              </p:par>
+                            </p:childTnLst>
+                          </p:cTn>
+                        </p:par>
+                      </p:childTnLst>
+                    </p:cTn>
+                  </p:par>
+                  <p:par>
+                    <p:cTn id="13" fill="hold">
+                      <p:stCondLst>
+                        <p:cond delay="indefinite"/>
+                      </p:stCondLst>
+                      <p:childTnLst>
+                        <p:par>
+                          <p:cTn id="14" fill="hold">
+                            <p:stCondLst>
+                              <p:cond delay="0"/>
+                            </p:stCondLst>
+                            <p:childTnLst>
+                              <p:par>
+                                <p:cTn id="15" presetID="9" presetClass="entr" presetSubtype="0" fill="hold" grpId="0" nodeType="clickEffect">
+                                  <p:stCondLst>
+                                    <p:cond delay="0"/>
+                                  </p:stCondLst>
+                                  <p:childTnLst>
+                                    <p:set>
+                                      <p:cBhvr>
+                                        <p:cTn id="16" dur="1" fill="hold">
+                                          <p:stCondLst>
+                                            <p:cond delay="0"/>
+                                          </p:stCondLst>
+                                        </p:cTn>
+                                        <p:tgtEl>
+                                          <p:spTgt spid="791555">
+                                            <p:txEl>
+                                              <p:pRg st="3" end="3"/>
+                                            </p:txEl>
+                                          </p:spTgt>
+                                        </p:tgtEl>
+                                        <p:attrNameLst>
+                                          <p:attrName>style.visibility</p:attrName>
+                                        </p:attrNameLst>
+                                      </p:cBhvr>
+                                      <p:to>
+                                        <p:strVal val="visible"/>
+                                      </p:to>
+                                    </p:set>
+                                    <p:animEffect transition="in" filter="dissolve">
+                                      <p:cBhvr>
+                                        <p:cTn id="17" dur="500"/>
+                                        <p:tgtEl>
+                                          <p:spTgt spid="791555">
+                                            <p:txEl>
+                                              <p:pRg st="3" end="3"/>
+                                            </p:txEl>
+                                          </p:spTgt>
+                                        </p:tgtEl>
+                                      </p:cBhvr>
+                                    </p:animEffect>
+                                  </p:childTnLst>
+                                </p:cTn>
+                              </p:par>
+                            </p:childTnLst>
+                          </p:cTn>
+                        </p:par>
+                      </p:childTnLst>
+                    </p:cTn>
+                  </p:par>
+                  <p:par>
+                    <p:cTn id="18" fill="hold">
+                      <p:stCondLst>
+                        <p:cond delay="indefinite"/>
+                      </p:stCondLst>
+                      <p:childTnLst>
+                        <p:par>
+                          <p:cTn id="19" fill="hold">
+                            <p:stCondLst>
+                              <p:cond delay="0"/>
+                            </p:stCondLst>
+                            <p:childTnLst>
+                              <p:par>
+                                <p:cTn id="20" presetID="9" presetClass="entr" presetSubtype="0" fill="hold" grpId="0" nodeType="clickEffect">
+                                  <p:stCondLst>
+                                    <p:cond delay="0"/>
+                                  </p:stCondLst>
+                                  <p:childTnLst>
+                                    <p:set>
+                                      <p:cBhvr>
+                                        <p:cTn id="21" dur="1" fill="hold">
+                                          <p:stCondLst>
+                                            <p:cond delay="0"/>
+                                          </p:stCondLst>
+                                        </p:cTn>
+                                        <p:tgtEl>
+                                          <p:spTgt spid="791555">
+                                            <p:txEl>
+                                              <p:pRg st="4" end="4"/>
+                                            </p:txEl>
+                                          </p:spTgt>
+                                        </p:tgtEl>
+                                        <p:attrNameLst>
+                                          <p:attrName>style.visibility</p:attrName>
+                                        </p:attrNameLst>
+                                      </p:cBhvr>
+                                      <p:to>
+                                        <p:strVal val="visible"/>
+                                      </p:to>
+                                    </p:set>
+                                    <p:animEffect transition="in" filter="dissolve">
+                                      <p:cBhvr>
+                                        <p:cTn id="22" dur="500"/>
+                                        <p:tgtEl>
+                                          <p:spTgt spid="791555">
+                                            <p:txEl>
+                                              <p:pRg st="4" end="4"/>
+                                            </p:txEl>
+                                          </p:spTgt>
+                                        </p:tgtEl>
+                                      </p:cBhvr>
+                                    </p:animEffect>
+                                  </p:childTnLst>
+                                </p:cTn>
+                              </p:par>
+                            </p:childTnLst>
+                          </p:cTn>
+                        </p:par>
+                      </p:childTnLst>
+                    </p:cTn>
+                  </p:par>
+                </p:childTnLst>
+              </p:cTn>
+              <p:prevCondLst>
+                <p:cond evt="onPrev" delay="0">
+                  <p:tgtEl>
+                    <p:sldTgt/>
+                  </p:tgtEl>
+                </p:cond>
+              </p:prevCondLst>
+              <p:nextCondLst>
+                <p:cond evt="onNext" delay="0">
+                  <p:tgtEl>
+                    <p:sldTgt/>
+                  </p:tgtEl>
+                </p:cond>
+              </p:nextCondLst>
+            </p:seq>
+          </p:childTnLst>
+        </p:cTn>
+      </p:par>
+    </p:tnLst>
+    <p:bldLst>
+      <p:bldP spid="791555" grpId="0" build="p"/>
+    </p:bldLst>
+  </p:timing>
+</p:sld>
+</file>
+
+<file path=ppt/slides/slide13.xml><?xml version="1.0" encoding="utf-8"?>
+<p:sld xmlns:a="http://schemas.openxmlformats.org/drawingml/2006/main" xmlns:r="http://schemas.openxmlformats.org/officeDocument/2006/relationships" xmlns:p="http://schemas.openxmlformats.org/presentationml/2006/main">
+  <p:cSld>
+    <p:spTree>
+      <p:nvGrpSpPr>
+        <p:cNvPr id="1" name=""/>
+        <p:cNvGrpSpPr/>
+        <p:nvPr/>
+      </p:nvGrpSpPr>
+      <p:grpSpPr>
+        <a:xfrm>
+          <a:off x="0" y="0"/>
+          <a:ext cx="0" cy="0"/>
+          <a:chOff x="0" y="0"/>
+          <a:chExt cx="0" cy="0"/>
+        </a:xfrm>
+      </p:grpSpPr>
+      <p:sp>
+        <p:nvSpPr>
+          <p:cNvPr id="2" name="Title 1"/>
+          <p:cNvSpPr>
+            <a:spLocks noGrp="1"/>
+          </p:cNvSpPr>
+          <p:nvPr>
+            <p:ph type="title"/>
+          </p:nvPr>
+        </p:nvSpPr>
+        <p:spPr/>
+        <p:txBody>
+          <a:bodyPr/>
+          <a:lstStyle/>
+          <a:p>
+            <a:r>
+              <a:rPr lang="en-US" dirty="0" err="1" smtClean="0"/>
+              <a:t>Pulverizer</a:t>
+            </a:r>
+            <a:r>
+              <a:rPr lang="en-US" dirty="0" smtClean="0"/>
+              <a:t> is efficient</a:t>
+            </a:r>
+            <a:endParaRPr lang="en-US" dirty="0"/>
+          </a:p>
+        </p:txBody>
+      </p:sp>
+      <p:sp>
+        <p:nvSpPr>
+          <p:cNvPr id="3" name="Content Placeholder 2"/>
+          <p:cNvSpPr>
+            <a:spLocks noGrp="1"/>
+          </p:cNvSpPr>
+          <p:nvPr>
+            <p:ph idx="1"/>
+          </p:nvPr>
+        </p:nvSpPr>
+        <p:spPr>
+          <a:xfrm>
+            <a:off x="152400" y="838200"/>
+            <a:ext cx="8915400" cy="5257800"/>
+          </a:xfrm>
+        </p:spPr>
+        <p:txBody>
+          <a:bodyPr/>
+          <a:lstStyle/>
+          <a:p>
+            <a:r>
+              <a:rPr lang="en-US" sz="4800" dirty="0" smtClean="0"/>
+              <a:t>Same number of transitions as</a:t>
+            </a:r>
+          </a:p>
+          <a:p>
+            <a:r>
+              <a:rPr lang="en-US" sz="4800" dirty="0" smtClean="0"/>
+              <a:t>Euclid</a:t>
+            </a:r>
+            <a:endParaRPr lang="en-US" sz="5400" dirty="0"/>
+          </a:p>
+        </p:txBody>
+      </p:sp>
+      <p:sp>
+        <p:nvSpPr>
+          <p:cNvPr id="4" name="Slide Number Placeholder 3"/>
+          <p:cNvSpPr>
+            <a:spLocks noGrp="1"/>
+          </p:cNvSpPr>
+          <p:nvPr>
+            <p:ph type="sldNum" sz="quarter" idx="4"/>
+          </p:nvPr>
+        </p:nvSpPr>
+        <p:spPr/>
+        <p:txBody>
+          <a:bodyPr/>
+          <a:lstStyle/>
+          <a:p>
+            <a:pPr>
+              <a:defRPr/>
+            </a:pPr>
+            <a:r>
+              <a:rPr lang="en-US" smtClean="0"/>
+              <a:t>pulverize</a:t>
+            </a:r>
+            <a:r>
+              <a:rPr lang="en-US" sz="1200" smtClean="0"/>
+              <a:t>.</a:t>
+            </a:r>
+            <a:fld id="{1C5A3C10-33AF-4A87-9059-D1C83461B876}" type="slidenum">
+              <a:rPr lang="en-US" sz="1200" smtClean="0"/>
+              <a:pPr>
+                <a:defRPr/>
+              </a:pPr>
+              <a:t>13</a:t>
+            </a:fld>
+            <a:endParaRPr lang="en-US" sz="1200" dirty="0"/>
+          </a:p>
+        </p:txBody>
+      </p:sp>
+    </p:spTree>
+    <p:extLst>
+      <p:ext uri="{BB962C8B-B14F-4D97-AF65-F5344CB8AC3E}">
+        <p14:creationId xmlns:p14="http://schemas.microsoft.com/office/powerpoint/2010/main" val="963636543"/>
+      </p:ext>
+    </p:extLst>
+  </p:cSld>
+  <p:clrMapOvr>
+    <a:masterClrMapping/>
+  </p:clrMapOvr>
+  <p:transition xmlns:p14="http://schemas.microsoft.com/office/powerpoint/2010/main" spd="slow" advClick="0">
+    <p:fade thruBlk="1"/>
+  </p:transition>
+  <p:timing>
+    <p:tnLst>
+      <p:par>
+        <p:cTn xmlns:p14="http://schemas.microsoft.com/office/powerpoint/2010/main" id="1" dur="indefinite" restart="never" nodeType="tmRoot">
+          <p:childTnLst>
+            <p:seq concurrent="1" nextAc="seek">
+              <p:cTn id="2" dur="indefinite" nodeType="mainSeq">
+                <p:childTnLst>
+                  <p:par>
+                    <p:cTn id="3" fill="hold">
+                      <p:stCondLst>
+                        <p:cond delay="indefinite"/>
+                      </p:stCondLst>
+                      <p:childTnLst>
+                        <p:par>
+                          <p:cTn id="4" fill="hold">
+                            <p:stCondLst>
+                              <p:cond delay="0"/>
+                            </p:stCondLst>
+                            <p:childTnLst>
+                              <p:par>
+                                <p:cTn id="5" presetID="10" presetClass="entr" presetSubtype="0" fill="hold" grpId="0" nodeType="clickEffect">
+                                  <p:stCondLst>
+                                    <p:cond delay="0"/>
+                                  </p:stCondLst>
+                                  <p:childTnLst>
+                                    <p:set>
+                                      <p:cBhvr>
+                                        <p:cTn id="6" dur="1" fill="hold">
+                                          <p:stCondLst>
+                                            <p:cond delay="0"/>
+                                          </p:stCondLst>
+                                        </p:cTn>
+                                        <p:tgtEl>
+                                          <p:spTgt spid="3">
+                                            <p:txEl>
+                                              <p:pRg st="0" end="0"/>
+                                            </p:txEl>
+                                          </p:spTgt>
+                                        </p:tgtEl>
+                                        <p:attrNameLst>
+                                          <p:attrName>style.visibility</p:attrName>
+                                        </p:attrNameLst>
+                                      </p:cBhvr>
+                                      <p:to>
+                                        <p:strVal val="visible"/>
+                                      </p:to>
+                                    </p:set>
+                                    <p:animEffect transition="in" filter="fade">
+                                      <p:cBhvr>
+                                        <p:cTn id="7" dur="500"/>
+                                        <p:tgtEl>
+                                          <p:spTgt spid="3">
+                                            <p:txEl>
+                                              <p:pRg st="0" end="0"/>
+                                            </p:txEl>
+                                          </p:spTgt>
+                                        </p:tgtEl>
+                                      </p:cBhvr>
+                                    </p:animEffect>
+                                  </p:childTnLst>
+                                </p:cTn>
+                              </p:par>
+                              <p:par>
+                                <p:cTn id="8" presetID="10" presetClass="entr" presetSubtype="0" fill="hold" grpId="0" nodeType="withEffect">
+                                  <p:stCondLst>
+                                    <p:cond delay="0"/>
+                                  </p:stCondLst>
+                                  <p:childTnLst>
+                                    <p:set>
+                                      <p:cBhvr>
+                                        <p:cTn id="9" dur="1" fill="hold">
+                                          <p:stCondLst>
+                                            <p:cond delay="0"/>
+                                          </p:stCondLst>
+                                        </p:cTn>
+                                        <p:tgtEl>
+                                          <p:spTgt spid="3">
+                                            <p:txEl>
+                                              <p:pRg st="1" end="1"/>
+                                            </p:txEl>
+                                          </p:spTgt>
+                                        </p:tgtEl>
+                                        <p:attrNameLst>
+                                          <p:attrName>style.visibility</p:attrName>
+                                        </p:attrNameLst>
+                                      </p:cBhvr>
+                                      <p:to>
+                                        <p:strVal val="visible"/>
+                                      </p:to>
+                                    </p:set>
+                                    <p:animEffect transition="in" filter="fade">
+                                      <p:cBhvr>
+                                        <p:cTn id="10" dur="500"/>
+                                        <p:tgtEl>
+                                          <p:spTgt spid="3">
+                                            <p:txEl>
+                                              <p:pRg st="1" end="1"/>
+                                            </p:txEl>
+                                          </p:spTgt>
+                                        </p:tgtEl>
+                                      </p:cBhvr>
+                                    </p:animEffect>
+                                  </p:childTnLst>
+                                </p:cTn>
+                              </p:par>
+                            </p:childTnLst>
+                          </p:cTn>
+                        </p:par>
+                      </p:childTnLst>
+                    </p:cTn>
+                  </p:par>
+                </p:childTnLst>
+              </p:cTn>
+              <p:prevCondLst>
+                <p:cond evt="onPrev" delay="0">
+                  <p:tgtEl>
+                    <p:sldTgt/>
+                  </p:tgtEl>
+                </p:cond>
+              </p:prevCondLst>
+              <p:nextCondLst>
+                <p:cond evt="onNext" delay="0">
+                  <p:tgtEl>
+                    <p:sldTgt/>
+                  </p:tgtEl>
+                </p:cond>
+              </p:nextCondLst>
+            </p:seq>
+          </p:childTnLst>
+        </p:cTn>
+      </p:par>
+    </p:tnLst>
+    <p:bldLst>
+      <p:bldP spid="3" grpId="0" build="p"/>
+    </p:bldLst>
+  </p:timing>
+</p:sld>
+</file>
+
+<file path=ppt/slides/slide14.xml><?xml version="1.0" encoding="utf-8"?>
+<p:sld xmlns:a="http://schemas.openxmlformats.org/drawingml/2006/main" xmlns:r="http://schemas.openxmlformats.org/officeDocument/2006/relationships" xmlns:p="http://schemas.openxmlformats.org/presentationml/2006/main">
+  <p:cSld>
+    <p:spTree>
+      <p:nvGrpSpPr>
+        <p:cNvPr id="1" name=""/>
+        <p:cNvGrpSpPr/>
+        <p:nvPr/>
+      </p:nvGrpSpPr>
+      <p:grpSpPr>
+        <a:xfrm>
+          <a:off x="0" y="0"/>
+          <a:ext cx="0" cy="0"/>
+          <a:chOff x="0" y="0"/>
+          <a:chExt cx="0" cy="0"/>
+        </a:xfrm>
+      </p:grpSpPr>
+      <p:sp>
+        <p:nvSpPr>
+          <p:cNvPr id="2" name="Title 1"/>
+          <p:cNvSpPr>
+            <a:spLocks noGrp="1"/>
+          </p:cNvSpPr>
+          <p:nvPr>
+            <p:ph type="title"/>
+          </p:nvPr>
+        </p:nvSpPr>
+        <p:spPr/>
+        <p:txBody>
+          <a:bodyPr/>
+          <a:lstStyle/>
+          <a:p>
+            <a:r>
+              <a:rPr lang="en-US" dirty="0" err="1" smtClean="0"/>
+              <a:t>Pulverizer</a:t>
+            </a:r>
+            <a:r>
+              <a:rPr lang="en-US" dirty="0" smtClean="0"/>
+              <a:t> is efficient</a:t>
+            </a:r>
+            <a:endParaRPr lang="en-US" dirty="0"/>
+          </a:p>
+        </p:txBody>
+      </p:sp>
+      <p:sp>
+        <p:nvSpPr>
+          <p:cNvPr id="3" name="Content Placeholder 2"/>
+          <p:cNvSpPr>
+            <a:spLocks noGrp="1"/>
+          </p:cNvSpPr>
+          <p:nvPr>
+            <p:ph idx="1"/>
+          </p:nvPr>
+        </p:nvSpPr>
+        <p:spPr>
+          <a:xfrm>
+            <a:off x="152400" y="838200"/>
+            <a:ext cx="8915400" cy="5257800"/>
+          </a:xfrm>
+        </p:spPr>
+        <p:txBody>
+          <a:bodyPr/>
+          <a:lstStyle/>
+          <a:p>
+            <a:r>
+              <a:rPr lang="en-US" sz="4800" dirty="0" smtClean="0"/>
+              <a:t>Same number of transitions as</a:t>
+            </a:r>
+          </a:p>
+          <a:p>
+            <a:r>
+              <a:rPr lang="en-US" sz="4800" dirty="0" smtClean="0"/>
+              <a:t>Euclid, a few more adds/</a:t>
+            </a:r>
+            <a:r>
+              <a:rPr lang="en-US" sz="4800" dirty="0" err="1" smtClean="0"/>
+              <a:t>mults</a:t>
+            </a:r>
+            <a:r>
+              <a:rPr lang="en-US" sz="4800" dirty="0" smtClean="0"/>
+              <a:t> </a:t>
+            </a:r>
+          </a:p>
+          <a:p>
+            <a:r>
+              <a:rPr lang="en-US" sz="5400" dirty="0" smtClean="0"/>
+              <a:t>per transition.</a:t>
+            </a:r>
+          </a:p>
+          <a:p>
+            <a:r>
+              <a:rPr lang="en-US" sz="5400" dirty="0" smtClean="0"/>
+              <a:t>So halts after at most</a:t>
+            </a:r>
+          </a:p>
+          <a:p>
+            <a:r>
+              <a:rPr lang="en-US" sz="5400" dirty="0" smtClean="0"/>
+              <a:t>                     operations</a:t>
+            </a:r>
+            <a:endParaRPr lang="en-US" sz="5400" dirty="0"/>
+          </a:p>
+        </p:txBody>
+      </p:sp>
+      <p:sp>
+        <p:nvSpPr>
+          <p:cNvPr id="4" name="Slide Number Placeholder 3"/>
+          <p:cNvSpPr>
+            <a:spLocks noGrp="1"/>
+          </p:cNvSpPr>
+          <p:nvPr>
+            <p:ph type="sldNum" sz="quarter" idx="4"/>
+          </p:nvPr>
+        </p:nvSpPr>
+        <p:spPr/>
+        <p:txBody>
+          <a:bodyPr/>
+          <a:lstStyle/>
+          <a:p>
+            <a:pPr>
+              <a:defRPr/>
+            </a:pPr>
+            <a:r>
+              <a:rPr lang="en-US" smtClean="0"/>
+              <a:t>pulverize</a:t>
+            </a:r>
+            <a:r>
+              <a:rPr lang="en-US" sz="1200" smtClean="0"/>
+              <a:t>.</a:t>
+            </a:r>
+            <a:fld id="{1C5A3C10-33AF-4A87-9059-D1C83461B876}" type="slidenum">
+              <a:rPr lang="en-US" sz="1200" smtClean="0"/>
+              <a:pPr>
+                <a:defRPr/>
+              </a:pPr>
+              <a:t>14</a:t>
+            </a:fld>
+            <a:endParaRPr lang="en-US" sz="1200" dirty="0"/>
+          </a:p>
+        </p:txBody>
+      </p:sp>
+      <p:graphicFrame>
+        <p:nvGraphicFramePr>
+          <p:cNvPr id="5" name="Object 4"/>
+          <p:cNvGraphicFramePr>
+            <a:graphicFrameLocks noChangeAspect="1"/>
+          </p:cNvGraphicFramePr>
+          <p:nvPr>
+            <p:extLst>
+              <p:ext uri="{D42A27DB-BD31-4B8C-83A1-F6EECF244321}">
+                <p14:modId xmlns:p14="http://schemas.microsoft.com/office/powerpoint/2010/main" val="1987156403"/>
+              </p:ext>
+            </p:extLst>
+          </p:nvPr>
+        </p:nvGraphicFramePr>
+        <p:xfrm>
+          <a:off x="1476375" y="4278312"/>
+          <a:ext cx="2762250" cy="1589088"/>
+        </p:xfrm>
+        <a:graphic>
+          <a:graphicData uri="http://schemas.openxmlformats.org/presentationml/2006/ole">
+            <mc:AlternateContent xmlns:mc="http://schemas.openxmlformats.org/markup-compatibility/2006">
+              <mc:Choice xmlns:v="urn:schemas-microsoft-com:vml" Requires="v">
+                <p:oleObj spid="_x0000_s3085" name="Equation" r:id="rId3" imgW="508000" imgH="292100" progId="Equation.DSMT4">
+                  <p:embed/>
+                </p:oleObj>
+              </mc:Choice>
+              <mc:Fallback>
+                <p:oleObj name="Equation" r:id="rId3" imgW="508000" imgH="292100" progId="Equation.DSMT4">
+                  <p:embed/>
+                  <p:pic>
+                    <p:nvPicPr>
+                      <p:cNvPr id="0" name=""/>
+                      <p:cNvPicPr/>
+                      <p:nvPr/>
+                    </p:nvPicPr>
+                    <p:blipFill>
+                      <a:blip r:embed="rId4"/>
+                      <a:stretch>
+                        <a:fillRect/>
+                      </a:stretch>
+                    </p:blipFill>
+                    <p:spPr>
+                      <a:xfrm>
+                        <a:off x="1476375" y="4278312"/>
+                        <a:ext cx="2762250" cy="1589088"/>
+                      </a:xfrm>
+                      <a:prstGeom prst="rect">
+                        <a:avLst/>
+                      </a:prstGeom>
+                    </p:spPr>
+                  </p:pic>
+                </p:oleObj>
+              </mc:Fallback>
+            </mc:AlternateContent>
+          </a:graphicData>
+        </a:graphic>
+      </p:graphicFrame>
+    </p:spTree>
+    <p:extLst>
+      <p:ext uri="{BB962C8B-B14F-4D97-AF65-F5344CB8AC3E}">
+        <p14:creationId xmlns:p14="http://schemas.microsoft.com/office/powerpoint/2010/main" val="2084915408"/>
+      </p:ext>
+    </p:extLst>
+  </p:cSld>
+  <p:clrMapOvr>
+    <a:masterClrMapping/>
+  </p:clrMapOvr>
+  <mc:AlternateContent xmlns:mc="http://schemas.openxmlformats.org/markup-compatibility/2006" xmlns:p14="http://schemas.microsoft.com/office/powerpoint/2010/main">
+    <mc:Choice Requires="p14">
+      <p:transition spd="med" p14:dur="700" advClick="0">
+        <p:fade/>
+      </p:transition>
+    </mc:Choice>
+    <mc:Fallback xmlns="">
+      <p:transition xmlns:p14="http://schemas.microsoft.com/office/powerpoint/2010/main" spd="med" advClick="0">
+        <p:fade/>
+      </p:transition>
+    </mc:Fallback>
+  </mc:AlternateContent>
+  <p:timing>
+    <p:tnLst>
+      <p:par>
+        <p:cTn xmlns:p14="http://schemas.microsoft.com/office/powerpoint/2010/main" id="1" dur="indefinite" restart="never" nodeType="tmRoot">
+          <p:childTnLst>
+            <p:seq concurrent="1" nextAc="seek">
+              <p:cTn id="2" dur="indefinite" nodeType="mainSeq">
+                <p:childTnLst>
+                  <p:par>
+                    <p:cTn id="3" fill="hold">
+                      <p:stCondLst>
+                        <p:cond delay="indefinite"/>
+                      </p:stCondLst>
+                      <p:childTnLst>
+                        <p:par>
+                          <p:cTn id="4" fill="hold">
+                            <p:stCondLst>
+                              <p:cond delay="0"/>
+                            </p:stCondLst>
+                            <p:childTnLst>
+                              <p:par>
+                                <p:cTn id="5" presetID="10" presetClass="entr" presetSubtype="0" fill="hold" grpId="0" nodeType="clickEffect">
+                                  <p:stCondLst>
+                                    <p:cond delay="0"/>
+                                  </p:stCondLst>
+                                  <p:childTnLst>
+                                    <p:set>
+                                      <p:cBhvr>
+                                        <p:cTn id="6" dur="1" fill="hold">
+                                          <p:stCondLst>
+                                            <p:cond delay="0"/>
+                                          </p:stCondLst>
+                                        </p:cTn>
+                                        <p:tgtEl>
+                                          <p:spTgt spid="3">
+                                            <p:txEl>
+                                              <p:pRg st="3" end="3"/>
+                                            </p:txEl>
+                                          </p:spTgt>
+                                        </p:tgtEl>
+                                        <p:attrNameLst>
+                                          <p:attrName>style.visibility</p:attrName>
+                                        </p:attrNameLst>
+                                      </p:cBhvr>
+                                      <p:to>
+                                        <p:strVal val="visible"/>
+                                      </p:to>
+                                    </p:set>
+                                    <p:animEffect transition="in" filter="fade">
+                                      <p:cBhvr>
+                                        <p:cTn id="7" dur="500"/>
+                                        <p:tgtEl>
+                                          <p:spTgt spid="3">
+                                            <p:txEl>
+                                              <p:pRg st="3" end="3"/>
+                                            </p:txEl>
+                                          </p:spTgt>
+                                        </p:tgtEl>
+                                      </p:cBhvr>
+                                    </p:animEffect>
+                                  </p:childTnLst>
+                                </p:cTn>
+                              </p:par>
+                            </p:childTnLst>
+                          </p:cTn>
+                        </p:par>
+                        <p:par>
+                          <p:cTn id="8" fill="hold">
+                            <p:stCondLst>
+                              <p:cond delay="500"/>
+                            </p:stCondLst>
+                            <p:childTnLst>
+                              <p:par>
+                                <p:cTn id="9" presetID="10" presetClass="entr" presetSubtype="0" fill="hold" grpId="0" nodeType="afterEffect">
+                                  <p:stCondLst>
+                                    <p:cond delay="0"/>
+                                  </p:stCondLst>
+                                  <p:childTnLst>
+                                    <p:set>
+                                      <p:cBhvr>
+                                        <p:cTn id="10" dur="1" fill="hold">
+                                          <p:stCondLst>
+                                            <p:cond delay="0"/>
+                                          </p:stCondLst>
+                                        </p:cTn>
+                                        <p:tgtEl>
+                                          <p:spTgt spid="3">
+                                            <p:txEl>
+                                              <p:pRg st="4" end="4"/>
+                                            </p:txEl>
+                                          </p:spTgt>
+                                        </p:tgtEl>
+                                        <p:attrNameLst>
+                                          <p:attrName>style.visibility</p:attrName>
+                                        </p:attrNameLst>
+                                      </p:cBhvr>
+                                      <p:to>
+                                        <p:strVal val="visible"/>
+                                      </p:to>
+                                    </p:set>
+                                    <p:animEffect transition="in" filter="fade">
+                                      <p:cBhvr>
+                                        <p:cTn id="11" dur="500"/>
+                                        <p:tgtEl>
+                                          <p:spTgt spid="3">
+                                            <p:txEl>
+                                              <p:pRg st="4" end="4"/>
+                                            </p:txEl>
+                                          </p:spTgt>
+                                        </p:tgtEl>
+                                      </p:cBhvr>
+                                    </p:animEffect>
+                                  </p:childTnLst>
+                                </p:cTn>
+                              </p:par>
+                              <p:par>
+                                <p:cTn id="12" presetID="10" presetClass="entr" presetSubtype="0" fill="hold" nodeType="withEffect">
+                                  <p:stCondLst>
+                                    <p:cond delay="0"/>
+                                  </p:stCondLst>
+                                  <p:childTnLst>
+                                    <p:set>
+                                      <p:cBhvr>
+                                        <p:cTn id="13" dur="1" fill="hold">
+                                          <p:stCondLst>
+                                            <p:cond delay="0"/>
+                                          </p:stCondLst>
+                                        </p:cTn>
+                                        <p:tgtEl>
+                                          <p:spTgt spid="5"/>
+                                        </p:tgtEl>
+                                        <p:attrNameLst>
+                                          <p:attrName>style.visibility</p:attrName>
+                                        </p:attrNameLst>
+                                      </p:cBhvr>
+                                      <p:to>
+                                        <p:strVal val="visible"/>
+                                      </p:to>
+                                    </p:set>
+                                    <p:animEffect transition="in" filter="fade">
+                                      <p:cBhvr>
+                                        <p:cTn id="14" dur="500"/>
+                                        <p:tgtEl>
+                                          <p:spTgt spid="5"/>
+                                        </p:tgtEl>
+                                      </p:cBhvr>
+                                    </p:animEffect>
+                                  </p:childTnLst>
+                                </p:cTn>
+                              </p:par>
+                            </p:childTnLst>
+                          </p:cTn>
+                        </p:par>
+                      </p:childTnLst>
+                    </p:cTn>
+                  </p:par>
+                </p:childTnLst>
+              </p:cTn>
+              <p:prevCondLst>
+                <p:cond evt="onPrev" delay="0">
+                  <p:tgtEl>
+                    <p:sldTgt/>
+                  </p:tgtEl>
+                </p:cond>
+              </p:prevCondLst>
+              <p:nextCondLst>
+                <p:cond evt="onNext" delay="0">
+                  <p:tgtEl>
+                    <p:sldTgt/>
+                  </p:tgtEl>
+                </p:cond>
+              </p:nextCondLst>
+            </p:seq>
+          </p:childTnLst>
+        </p:cTn>
+      </p:par>
+    </p:tnLst>
+    <p:bldLst>
+      <p:bldP spid="3" grpId="0" build="p"/>
+    </p:bldLst>
+  </p:timing>
+</p:sld>
+</file>
+
+<file path=ppt/slides/slide15.xml><?xml version="1.0" encoding="utf-8"?>
+<p:sld xmlns:a="http://schemas.openxmlformats.org/drawingml/2006/main" xmlns:r="http://schemas.openxmlformats.org/officeDocument/2006/relationships" xmlns:p="http://schemas.openxmlformats.org/presentationml/2006/main" show="0">
+  <p:cSld>
+    <p:spTree>
+      <p:nvGrpSpPr>
+        <p:cNvPr id="1" name=""/>
+        <p:cNvGrpSpPr/>
+        <p:nvPr/>
+      </p:nvGrpSpPr>
+      <p:grpSpPr>
+        <a:xfrm>
+          <a:off x="0" y="0"/>
+          <a:ext cx="0" cy="0"/>
+          <a:chOff x="0" y="0"/>
+          <a:chExt cx="0" cy="0"/>
+        </a:xfrm>
+      </p:grpSpPr>
+      <p:sp>
+        <p:nvSpPr>
+          <p:cNvPr id="6" name="Text Box 3"/>
+          <p:cNvSpPr txBox="1">
+            <a:spLocks noChangeArrowheads="1"/>
+          </p:cNvSpPr>
+          <p:nvPr/>
+        </p:nvSpPr>
+        <p:spPr bwMode="auto">
+          <a:xfrm>
+            <a:off x="152400" y="1166842"/>
+            <a:ext cx="8915400" cy="4585871"/>
+          </a:xfrm>
+          <a:prstGeom prst="rect">
+            <a:avLst/>
+          </a:prstGeom>
+          <a:noFill/>
+          <a:ln w="38100">
+            <a:noFill/>
+            <a:miter lim="800000"/>
+            <a:headEnd/>
+            <a:tailEnd type="none" w="lg" len="lg"/>
+          </a:ln>
+        </p:spPr>
+        <p:txBody>
+          <a:bodyPr>
+            <a:spAutoFit/>
+          </a:bodyPr>
+          <a:lstStyle/>
+          <a:p>
+            <a:r>
+              <a:rPr lang="en-US" sz="3600" dirty="0"/>
+              <a:t>Example: </a:t>
+            </a:r>
+            <a:r>
+              <a:rPr lang="en-US" sz="3600" dirty="0">
+                <a:solidFill>
+                  <a:srgbClr val="0000CC"/>
+                </a:solidFill>
+              </a:rPr>
+              <a:t>a</a:t>
+            </a:r>
+            <a:r>
+              <a:rPr lang="en-US" sz="3600" dirty="0"/>
+              <a:t> = 899, </a:t>
+            </a:r>
+            <a:r>
+              <a:rPr lang="en-US" sz="3600" dirty="0">
+                <a:solidFill>
+                  <a:srgbClr val="0000CC"/>
+                </a:solidFill>
+              </a:rPr>
+              <a:t>b</a:t>
+            </a:r>
+            <a:r>
+              <a:rPr lang="en-US" sz="3600" dirty="0"/>
+              <a:t>=493</a:t>
+            </a:r>
+          </a:p>
+          <a:p>
+            <a:r>
+              <a:rPr lang="en-US" sz="3200" dirty="0"/>
+              <a:t>899 = 1·493 + </a:t>
+            </a:r>
+            <a:r>
+              <a:rPr lang="en-US" sz="3200" dirty="0" smtClean="0"/>
+              <a:t>406</a:t>
+            </a:r>
+            <a:endParaRPr lang="en-US" sz="3200" dirty="0"/>
+          </a:p>
+          <a:p>
+            <a:r>
+              <a:rPr lang="en-US" sz="3200" dirty="0"/>
+              <a:t>493 = 1·406 + </a:t>
+            </a:r>
+            <a:r>
+              <a:rPr lang="en-US" sz="3200" dirty="0" smtClean="0"/>
+              <a:t>87</a:t>
+            </a:r>
+            <a:endParaRPr lang="en-US" sz="2400" dirty="0"/>
+          </a:p>
+          <a:p>
+            <a:r>
+              <a:rPr lang="en-US" sz="3200" dirty="0"/>
+              <a:t>                           </a:t>
+            </a:r>
+          </a:p>
+          <a:p>
+            <a:r>
+              <a:rPr lang="en-US" sz="3200" dirty="0"/>
+              <a:t>406 = 4·87 + </a:t>
+            </a:r>
+            <a:r>
+              <a:rPr lang="en-US" sz="3200" dirty="0" smtClean="0"/>
+              <a:t>58</a:t>
+            </a:r>
+            <a:endParaRPr lang="en-US" sz="3200" dirty="0"/>
+          </a:p>
+          <a:p>
+            <a:r>
+              <a:rPr lang="en-US" sz="3200" dirty="0"/>
+              <a:t>                           </a:t>
+            </a:r>
+          </a:p>
+          <a:p>
+            <a:r>
+              <a:rPr lang="en-US" sz="3200" dirty="0"/>
+              <a:t>87   = 1·58 + </a:t>
+            </a:r>
+            <a:r>
+              <a:rPr lang="en-US" sz="3200" dirty="0" smtClean="0"/>
+              <a:t>29</a:t>
+            </a:r>
+            <a:endParaRPr lang="en-US" sz="3200" dirty="0"/>
+          </a:p>
+          <a:p>
+            <a:r>
+              <a:rPr lang="en-US" sz="3200" dirty="0"/>
+              <a:t>                            </a:t>
+            </a:r>
+          </a:p>
+          <a:p>
+            <a:r>
+              <a:rPr lang="en-US" sz="3200" dirty="0"/>
+              <a:t>58   = 2·29 + </a:t>
+            </a:r>
+            <a:r>
+              <a:rPr lang="en-US" sz="3200" dirty="0" smtClean="0"/>
+              <a:t>0</a:t>
+            </a:r>
+            <a:endParaRPr lang="en-US" sz="3200" dirty="0"/>
+          </a:p>
+        </p:txBody>
+      </p:sp>
+      <p:sp>
+        <p:nvSpPr>
+          <p:cNvPr id="30722" name="Rectangle 2"/>
+          <p:cNvSpPr>
+            <a:spLocks noGrp="1" noChangeArrowheads="1"/>
+          </p:cNvSpPr>
+          <p:nvPr>
+            <p:ph type="title"/>
+          </p:nvPr>
+        </p:nvSpPr>
+        <p:spPr>
+          <a:xfrm>
+            <a:off x="2286000" y="0"/>
+            <a:ext cx="5486400" cy="1143000"/>
+          </a:xfrm>
+        </p:spPr>
+        <p:txBody>
+          <a:bodyPr/>
+          <a:lstStyle/>
+          <a:p>
+            <a:pPr eaLnBrk="1" hangingPunct="1"/>
+            <a:r>
+              <a:rPr lang="en-US" sz="4800" dirty="0" smtClean="0"/>
+              <a:t>Finding </a:t>
+            </a:r>
+            <a:r>
+              <a:rPr lang="en-US" sz="5400" dirty="0" smtClean="0">
+                <a:solidFill>
+                  <a:srgbClr val="FF00FF"/>
+                </a:solidFill>
+              </a:rPr>
+              <a:t>s</a:t>
+            </a:r>
+            <a:r>
+              <a:rPr lang="en-US" sz="4800" dirty="0" smtClean="0"/>
+              <a:t> and </a:t>
+            </a:r>
+            <a:r>
+              <a:rPr lang="en-US" sz="5400" dirty="0" smtClean="0">
+                <a:solidFill>
+                  <a:srgbClr val="FF00FF"/>
+                </a:solidFill>
+              </a:rPr>
+              <a:t>t</a:t>
+            </a:r>
+            <a:endParaRPr lang="en-US" sz="4800" dirty="0" smtClean="0">
+              <a:solidFill>
+                <a:srgbClr val="FF00FF"/>
+              </a:solidFill>
+            </a:endParaRPr>
+          </a:p>
+        </p:txBody>
+      </p:sp>
+      <p:sp>
+        <p:nvSpPr>
+          <p:cNvPr id="30724" name="Slide Number Placeholder 3"/>
+          <p:cNvSpPr>
+            <a:spLocks noGrp="1"/>
+          </p:cNvSpPr>
+          <p:nvPr>
+            <p:ph type="sldNum" sz="quarter" idx="4"/>
+          </p:nvPr>
+        </p:nvSpPr>
+        <p:spPr>
+          <a:xfrm>
+            <a:off x="7772400" y="6553200"/>
+            <a:ext cx="1295400" cy="304800"/>
+          </a:xfrm>
+          <a:noFill/>
+        </p:spPr>
+        <p:txBody>
+          <a:bodyPr/>
+          <a:lstStyle/>
+          <a:p>
+            <a:r>
+              <a:rPr lang="en-US" dirty="0" smtClean="0">
+                <a:latin typeface="Comic Sans MS" pitchFamily="8" charset="0"/>
+              </a:rPr>
+              <a:t>pulverize.</a:t>
+            </a:r>
+            <a:fld id="{C0A36D86-A96B-4FB7-B793-96DB8299F076}" type="slidenum">
+              <a:rPr lang="en-US" sz="1200" smtClean="0">
+                <a:latin typeface="Comic Sans MS" pitchFamily="8" charset="0"/>
+              </a:rPr>
+              <a:pPr/>
+              <a:t>15</a:t>
+            </a:fld>
+            <a:endParaRPr lang="en-US" sz="1200" dirty="0" smtClean="0">
+              <a:latin typeface="Comic Sans MS" pitchFamily="8" charset="0"/>
+            </a:endParaRPr>
+          </a:p>
+        </p:txBody>
+      </p:sp>
+      <p:sp>
+        <p:nvSpPr>
+          <p:cNvPr id="5" name="Text Box 3"/>
+          <p:cNvSpPr txBox="1">
+            <a:spLocks noChangeArrowheads="1"/>
+          </p:cNvSpPr>
+          <p:nvPr/>
+        </p:nvSpPr>
+        <p:spPr bwMode="auto">
+          <a:xfrm>
+            <a:off x="3962400" y="1683127"/>
+            <a:ext cx="4953000" cy="4216539"/>
+          </a:xfrm>
+          <a:prstGeom prst="rect">
+            <a:avLst/>
+          </a:prstGeom>
+          <a:noFill/>
+          <a:ln w="38100">
+            <a:noFill/>
+            <a:miter lim="800000"/>
+            <a:headEnd/>
+            <a:tailEnd type="none" w="lg" len="lg"/>
+          </a:ln>
+        </p:spPr>
+        <p:txBody>
+          <a:bodyPr wrap="square">
+            <a:spAutoFit/>
+          </a:bodyPr>
+          <a:lstStyle/>
+          <a:p>
+            <a:r>
+              <a:rPr lang="en-US" sz="3200" dirty="0" smtClean="0"/>
+              <a:t>so </a:t>
+            </a:r>
+            <a:r>
+              <a:rPr lang="en-US" sz="3200" dirty="0"/>
+              <a:t>406 =</a:t>
+            </a:r>
+            <a:r>
+              <a:rPr lang="en-US" sz="3200" dirty="0">
+                <a:solidFill>
+                  <a:srgbClr val="FF00FF"/>
+                </a:solidFill>
+              </a:rPr>
+              <a:t> 1</a:t>
+            </a:r>
+            <a:r>
               <a:rPr lang="en-US" sz="3200" dirty="0"/>
               <a:t>·899 + </a:t>
             </a:r>
@@ -4873,13 +9133,89 @@
               <a:t>, </a:t>
             </a:r>
             <a:r>
-              <a:rPr lang="en-US" sz="3200" dirty="0" err="1"/>
+              <a:rPr lang="en-US" sz="4400" dirty="0" err="1">
+                <a:solidFill>
+                  <a:srgbClr val="008000"/>
+                </a:solidFill>
+              </a:rPr>
               <a:t>gcd</a:t>
             </a:r>
             <a:r>
-              <a:rPr lang="en-US" sz="3200" dirty="0"/>
+              <a:rPr lang="en-US" sz="4400" dirty="0">
+                <a:solidFill>
+                  <a:srgbClr val="008000"/>
+                </a:solidFill>
+              </a:rPr>
               <a:t> = 29</a:t>
             </a:r>
+            <a:endParaRPr lang="en-US" sz="3200" dirty="0">
+              <a:solidFill>
+                <a:srgbClr val="008000"/>
+              </a:solidFill>
+            </a:endParaRPr>
+          </a:p>
+        </p:txBody>
+      </p:sp>
+      <p:sp>
+        <p:nvSpPr>
+          <p:cNvPr id="7" name="Oval 6"/>
+          <p:cNvSpPr/>
+          <p:nvPr/>
+        </p:nvSpPr>
+        <p:spPr bwMode="auto">
+          <a:xfrm>
+            <a:off x="5562600" y="4419600"/>
+            <a:ext cx="3276600" cy="990600"/>
+          </a:xfrm>
+          <a:prstGeom prst="ellipse">
+            <a:avLst/>
+          </a:prstGeom>
+          <a:noFill/>
+          <a:ln w="50800" cap="flat" cmpd="sng" algn="ctr">
+            <a:solidFill>
+              <a:srgbClr val="0000FF"/>
+            </a:solidFill>
+            <a:prstDash val="sysDash"/>
+            <a:round/>
+            <a:headEnd type="none" w="med" len="med"/>
+            <a:tailEnd type="none" w="lg" len="lg"/>
+          </a:ln>
+          <a:effectLst/>
+        </p:spPr>
+        <p:txBody>
+          <a:bodyPr vert="horz" wrap="square" lIns="91440" tIns="45720" rIns="91440" bIns="45720" numCol="1" rtlCol="0" anchor="t" anchorCtr="0" compatLnSpc="1">
+            <a:prstTxWarp prst="textNoShape">
+              <a:avLst/>
+            </a:prstTxWarp>
+          </a:bodyPr>
+          <a:lstStyle/>
+          <a:p>
+            <a:pPr marL="0" marR="0" indent="0" algn="l" defTabSz="914400" rtl="0" eaLnBrk="1" fontAlgn="base" latinLnBrk="0" hangingPunct="1">
+              <a:lnSpc>
+                <a:spcPct val="100000"/>
+              </a:lnSpc>
+              <a:spcBef>
+                <a:spcPct val="0"/>
+              </a:spcBef>
+              <a:spcAft>
+                <a:spcPct val="0"/>
+              </a:spcAft>
+              <a:buClrTx/>
+              <a:buSzTx/>
+              <a:buFontTx/>
+              <a:buNone/>
+              <a:tabLst/>
+            </a:pPr>
+            <a:endParaRPr kumimoji="0" lang="en-US" sz="4000" b="0" i="0" u="none" strike="noStrike" cap="none" normalizeH="0" baseline="0" smtClean="0">
+              <a:ln>
+                <a:noFill/>
+              </a:ln>
+              <a:solidFill>
+                <a:schemeClr val="tx1"/>
+              </a:solidFill>
+              <a:effectLst/>
+              <a:latin typeface="Comic Sans MS" pitchFamily="66" charset="0"/>
+            </a:endParaRPr>
           </a:p>
         </p:txBody>
       </p:sp>
@@ -5697,6 +10033,97 @@
                       </p:childTnLst>
                     </p:cTn>
                   </p:par>
+                  <p:par>
+                    <p:cTn id="68" fill="hold">
+                      <p:stCondLst>
+                        <p:cond delay="indefinite"/>
+                      </p:stCondLst>
+                      <p:childTnLst>
+                        <p:par>
+                          <p:cTn id="69" fill="hold">
+                            <p:stCondLst>
+                              <p:cond delay="0"/>
+                            </p:stCondLst>
+                            <p:childTnLst>
+                              <p:par>
+                                <p:cTn id="70" presetID="23" presetClass="entr" presetSubtype="16" fill="hold" grpId="0" nodeType="clickEffect">
+                                  <p:stCondLst>
+                                    <p:cond delay="0"/>
+                                  </p:stCondLst>
+                                  <p:childTnLst>
+                                    <p:set>
+                                      <p:cBhvr>
+                                        <p:cTn id="71" dur="1" fill="hold">
+                                          <p:stCondLst>
+                                            <p:cond delay="0"/>
+                                          </p:stCondLst>
+                                        </p:cTn>
+                                        <p:tgtEl>
+                                          <p:spTgt spid="7"/>
+                                        </p:tgtEl>
+                                        <p:attrNameLst>
+                                          <p:attrName>style.visibility</p:attrName>
+                                        </p:attrNameLst>
+                                      </p:cBhvr>
+                                      <p:to>
+                                        <p:strVal val="visible"/>
+                                      </p:to>
+                                    </p:set>
+                                    <p:anim calcmode="lin" valueType="num">
+                                      <p:cBhvr>
+                                        <p:cTn id="72" dur="500" fill="hold"/>
+                                        <p:tgtEl>
+                                          <p:spTgt spid="7"/>
+                                        </p:tgtEl>
+                                        <p:attrNameLst>
+                                          <p:attrName>ppt_w</p:attrName>
+                                        </p:attrNameLst>
+                                      </p:cBhvr>
+                                      <p:tavLst>
+                                        <p:tav tm="0">
+                                          <p:val>
+                                            <p:fltVal val="0"/>
+                                          </p:val>
+                                        </p:tav>
+                                        <p:tav tm="100000">
+                                          <p:val>
+                                            <p:strVal val="#ppt_w"/>
+                                          </p:val>
+                                        </p:tav>
+                                      </p:tavLst>
+                                    </p:anim>
+                                    <p:anim calcmode="lin" valueType="num">
+                                      <p:cBhvr>
+                                        <p:cTn id="73" dur="500" fill="hold"/>
+                                        <p:tgtEl>
+                                          <p:spTgt spid="7"/>
+                                        </p:tgtEl>
+                                        <p:attrNameLst>
+                                          <p:attrName>ppt_h</p:attrName>
+                                        </p:attrNameLst>
+                                      </p:cBhvr>
+                                      <p:tavLst>
+                                        <p:tav tm="0">
+                                          <p:val>
+                                            <p:fltVal val="0"/>
+                                          </p:val>
+                                        </p:tav>
+                                        <p:tav tm="100000">
+                                          <p:val>
+                                            <p:strVal val="#ppt_h"/>
+                                          </p:val>
+                                        </p:tav>
+                                      </p:tavLst>
+                                    </p:anim>
+                                  </p:childTnLst>
+                                </p:cTn>
+                              </p:par>
+                            </p:childTnLst>
+                          </p:cTn>
+                        </p:par>
+                      </p:childTnLst>
+                    </p:cTn>
+                  </p:par>
                 </p:childTnLst>
               </p:cTn>
               <p:prevCondLst>
@@ -5721,740 +10148,13 @@
     <p:bldLst>
       <p:bldP spid="6" grpId="0" uiExpand="1" build="p"/>
       <p:bldP spid="5" grpId="0" build="p"/>
+      <p:bldP spid="7" grpId="0" animBg="1"/>
     </p:bldLst>
   </p:timing>
 </p:sld>
 </file>
 
-<file path=ppt/slides/slide11.xml><?xml version="1.0" encoding="utf-8"?>
-<p:sld xmlns:a="http://schemas.openxmlformats.org/drawingml/2006/main" xmlns:r="http://schemas.openxmlformats.org/officeDocument/2006/relationships" xmlns:p="http://schemas.openxmlformats.org/presentationml/2006/main">
-  <p:cSld>
-    <p:spTree>
-      <p:nvGrpSpPr>
-        <p:cNvPr id="1" name=""/>
-        <p:cNvGrpSpPr/>
-        <p:nvPr/>
-      </p:nvGrpSpPr>
-      <p:grpSpPr>
-        <a:xfrm>
-          <a:off x="0" y="0"/>
-          <a:ext cx="0" cy="0"/>
-          <a:chOff x="0" y="0"/>
-          <a:chExt cx="0" cy="0"/>
-        </a:xfrm>
-      </p:grpSpPr>
-      <p:sp>
-        <p:nvSpPr>
-          <p:cNvPr id="6" name="Text Box 3"/>
-          <p:cNvSpPr txBox="1">
-            <a:spLocks noChangeArrowheads="1"/>
-          </p:cNvSpPr>
-          <p:nvPr/>
-        </p:nvSpPr>
-        <p:spPr bwMode="auto">
-          <a:xfrm>
-            <a:off x="152400" y="1166842"/>
-            <a:ext cx="8915400" cy="4585871"/>
-          </a:xfrm>
-          <a:prstGeom prst="rect">
-            <a:avLst/>
-          </a:prstGeom>
-          <a:noFill/>
-          <a:ln w="38100">
-            <a:noFill/>
-            <a:miter lim="800000"/>
-            <a:headEnd/>
-            <a:tailEnd type="none" w="lg" len="lg"/>
-          </a:ln>
-        </p:spPr>
-        <p:txBody>
-          <a:bodyPr>
-            <a:spAutoFit/>
-          </a:bodyPr>
-          <a:lstStyle/>
-          <a:p>
-            <a:r>
-              <a:rPr lang="en-US" sz="3600" dirty="0"/>
-              <a:t>Example: </a:t>
-            </a:r>
-            <a:r>
-              <a:rPr lang="en-US" sz="3600" dirty="0">
-                <a:solidFill>
-                  <a:srgbClr val="0000CC"/>
-                </a:solidFill>
-              </a:rPr>
-              <a:t>a</a:t>
-            </a:r>
-            <a:r>
-              <a:rPr lang="en-US" sz="3600" dirty="0"/>
-              <a:t> = 899, </a:t>
-            </a:r>
-            <a:r>
-              <a:rPr lang="en-US" sz="3600" dirty="0">
-                <a:solidFill>
-                  <a:srgbClr val="0000CC"/>
-                </a:solidFill>
-              </a:rPr>
-              <a:t>b</a:t>
-            </a:r>
-            <a:r>
-              <a:rPr lang="en-US" sz="3600" dirty="0"/>
-              <a:t>=493</a:t>
-            </a:r>
-          </a:p>
-          <a:p>
-            <a:r>
-              <a:rPr lang="en-US" sz="3200" dirty="0"/>
-              <a:t>899 = 1·493 + </a:t>
-            </a:r>
-            <a:r>
-              <a:rPr lang="en-US" sz="3200" dirty="0" smtClean="0"/>
-              <a:t>406</a:t>
-            </a:r>
-            <a:endParaRPr lang="en-US" sz="3200" dirty="0"/>
-          </a:p>
-          <a:p>
-            <a:r>
-              <a:rPr lang="en-US" sz="3200" dirty="0"/>
-              <a:t>493 = 1·406 + </a:t>
-            </a:r>
-            <a:r>
-              <a:rPr lang="en-US" sz="3200" dirty="0" smtClean="0"/>
-              <a:t>87</a:t>
-            </a:r>
-            <a:endParaRPr lang="en-US" sz="2400" dirty="0"/>
-          </a:p>
-          <a:p>
-            <a:r>
-              <a:rPr lang="en-US" sz="3200" dirty="0"/>
-              <a:t>                           </a:t>
-            </a:r>
-          </a:p>
-          <a:p>
-            <a:r>
-              <a:rPr lang="en-US" sz="3200" dirty="0"/>
-              <a:t>406 = 4·87 + </a:t>
-            </a:r>
-            <a:r>
-              <a:rPr lang="en-US" sz="3200" dirty="0" smtClean="0"/>
-              <a:t>58</a:t>
-            </a:r>
-            <a:endParaRPr lang="en-US" sz="3200" dirty="0"/>
-          </a:p>
-          <a:p>
-            <a:r>
-              <a:rPr lang="en-US" sz="3200" dirty="0"/>
-              <a:t>                           </a:t>
-            </a:r>
-          </a:p>
-          <a:p>
-            <a:r>
-              <a:rPr lang="en-US" sz="3200" dirty="0"/>
-              <a:t>87   = 1·58 + </a:t>
-            </a:r>
-            <a:r>
-              <a:rPr lang="en-US" sz="3200" dirty="0" smtClean="0"/>
-              <a:t>29</a:t>
-            </a:r>
-            <a:endParaRPr lang="en-US" sz="3200" dirty="0"/>
-          </a:p>
-          <a:p>
-            <a:r>
-              <a:rPr lang="en-US" sz="3200" dirty="0"/>
-              <a:t>                            </a:t>
-            </a:r>
-          </a:p>
-          <a:p>
-            <a:r>
-              <a:rPr lang="en-US" sz="3200" dirty="0"/>
-              <a:t>58   = 2·29 + </a:t>
-            </a:r>
-            <a:r>
-              <a:rPr lang="en-US" sz="3200" dirty="0" smtClean="0"/>
-              <a:t>0</a:t>
-            </a:r>
-            <a:endParaRPr lang="en-US" sz="3200" dirty="0"/>
-          </a:p>
-        </p:txBody>
-      </p:sp>
-      <p:sp>
-        <p:nvSpPr>
-          <p:cNvPr id="30722" name="Rectangle 2"/>
-          <p:cNvSpPr>
-            <a:spLocks noGrp="1" noChangeArrowheads="1"/>
-          </p:cNvSpPr>
-          <p:nvPr>
-            <p:ph type="title"/>
-          </p:nvPr>
-        </p:nvSpPr>
-        <p:spPr>
-          <a:xfrm>
-            <a:off x="2286000" y="0"/>
-            <a:ext cx="5486400" cy="1143000"/>
-          </a:xfrm>
-        </p:spPr>
-        <p:txBody>
-          <a:bodyPr/>
-          <a:lstStyle/>
-          <a:p>
-            <a:pPr eaLnBrk="1" hangingPunct="1"/>
-            <a:r>
-              <a:rPr lang="en-US" sz="4800" dirty="0" smtClean="0"/>
-              <a:t>Finding </a:t>
-            </a:r>
-            <a:r>
-              <a:rPr lang="en-US" sz="5400" dirty="0" smtClean="0">
-                <a:solidFill>
-                  <a:srgbClr val="FF00FF"/>
-                </a:solidFill>
-              </a:rPr>
-              <a:t>s</a:t>
-            </a:r>
-            <a:r>
-              <a:rPr lang="en-US" sz="4800" dirty="0" smtClean="0"/>
-              <a:t> and </a:t>
-            </a:r>
-            <a:r>
-              <a:rPr lang="en-US" sz="5400" dirty="0" smtClean="0">
-                <a:solidFill>
-                  <a:srgbClr val="FF00FF"/>
-                </a:solidFill>
-              </a:rPr>
-              <a:t>t</a:t>
-            </a:r>
-            <a:endParaRPr lang="en-US" sz="4800" dirty="0" smtClean="0">
-              <a:solidFill>
-                <a:srgbClr val="FF00FF"/>
-              </a:solidFill>
-            </a:endParaRPr>
-          </a:p>
-        </p:txBody>
-      </p:sp>
-      <p:sp>
-        <p:nvSpPr>
-          <p:cNvPr id="30724" name="Slide Number Placeholder 3"/>
-          <p:cNvSpPr>
-            <a:spLocks noGrp="1"/>
-          </p:cNvSpPr>
-          <p:nvPr>
-            <p:ph type="sldNum" sz="quarter" idx="4"/>
-          </p:nvPr>
-        </p:nvSpPr>
-        <p:spPr>
-          <a:xfrm>
-            <a:off x="7772400" y="6553200"/>
-            <a:ext cx="1295400" cy="304800"/>
-          </a:xfrm>
-          <a:noFill/>
-        </p:spPr>
-        <p:txBody>
-          <a:bodyPr/>
-          <a:lstStyle/>
-          <a:p>
-            <a:r>
-              <a:rPr lang="en-US" dirty="0" smtClean="0">
-                <a:latin typeface="Comic Sans MS" pitchFamily="8" charset="0"/>
-              </a:rPr>
-              <a:t>pulverize.</a:t>
-            </a:r>
-            <a:fld id="{C0A36D86-A96B-4FB7-B793-96DB8299F076}" type="slidenum">
-              <a:rPr lang="en-US" sz="1200" smtClean="0">
-                <a:latin typeface="Comic Sans MS" pitchFamily="8" charset="0"/>
-              </a:rPr>
-              <a:pPr/>
-              <a:t>11</a:t>
-            </a:fld>
-            <a:endParaRPr lang="en-US" sz="1200" dirty="0" smtClean="0">
-              <a:latin typeface="Comic Sans MS" pitchFamily="8" charset="0"/>
-            </a:endParaRPr>
-          </a:p>
-        </p:txBody>
-      </p:sp>
-      <p:sp>
-        <p:nvSpPr>
-          <p:cNvPr id="5" name="Text Box 3"/>
-          <p:cNvSpPr txBox="1">
-            <a:spLocks noChangeArrowheads="1"/>
-          </p:cNvSpPr>
-          <p:nvPr/>
-        </p:nvSpPr>
-        <p:spPr bwMode="auto">
-          <a:xfrm>
-            <a:off x="3962400" y="1683127"/>
-            <a:ext cx="4953000" cy="4108073"/>
-          </a:xfrm>
-          <a:prstGeom prst="rect">
-            <a:avLst/>
-          </a:prstGeom>
-          <a:noFill/>
-          <a:ln w="38100">
-            <a:noFill/>
-            <a:miter lim="800000"/>
-            <a:headEnd/>
-            <a:tailEnd type="none" w="lg" len="lg"/>
-          </a:ln>
-        </p:spPr>
-        <p:txBody>
-          <a:bodyPr wrap="square">
-            <a:spAutoFit/>
-          </a:bodyPr>
-          <a:lstStyle/>
-          <a:p>
-            <a:r>
-              <a:rPr lang="en-US" sz="3200" dirty="0" smtClean="0"/>
-              <a:t>so </a:t>
-            </a:r>
-            <a:r>
-              <a:rPr lang="en-US" sz="3200" dirty="0"/>
-              <a:t>406 =</a:t>
-            </a:r>
-            <a:r>
-              <a:rPr lang="en-US" sz="3200" dirty="0">
-                <a:solidFill>
-                  <a:srgbClr val="FF00FF"/>
-                </a:solidFill>
-              </a:rPr>
-              <a:t> 1</a:t>
-            </a:r>
-            <a:r>
-              <a:rPr lang="en-US" sz="3200" dirty="0"/>
-              <a:t>·899 + </a:t>
-            </a:r>
-            <a:r>
-              <a:rPr lang="en-US" sz="3200" dirty="0">
-                <a:solidFill>
-                  <a:srgbClr val="FF00FF"/>
-                </a:solidFill>
-              </a:rPr>
-              <a:t>-1</a:t>
-            </a:r>
-            <a:r>
-              <a:rPr lang="en-US" sz="3200" dirty="0"/>
-              <a:t>·493</a:t>
-            </a:r>
-          </a:p>
-          <a:p>
-            <a:r>
-              <a:rPr lang="en-US" sz="3200" dirty="0" smtClean="0"/>
-              <a:t>so   87 </a:t>
-            </a:r>
-            <a:r>
-              <a:rPr lang="en-US" sz="3200" dirty="0"/>
-              <a:t>= </a:t>
-            </a:r>
-            <a:r>
-              <a:rPr lang="en-US" sz="3200" dirty="0">
-                <a:solidFill>
-                  <a:srgbClr val="FF00FF"/>
-                </a:solidFill>
-              </a:rPr>
-              <a:t>1</a:t>
-            </a:r>
-            <a:r>
-              <a:rPr lang="en-US" sz="3200" dirty="0"/>
-              <a:t>·493 </a:t>
-            </a:r>
-            <a:r>
-              <a:rPr lang="en-US" sz="3200" dirty="0">
-                <a:solidFill>
-                  <a:srgbClr val="FF00FF"/>
-                </a:solidFill>
-              </a:rPr>
-              <a:t>–</a:t>
-            </a:r>
-            <a:r>
-              <a:rPr lang="en-US" sz="2400" dirty="0">
-                <a:solidFill>
-                  <a:srgbClr val="FF00FF"/>
-                </a:solidFill>
-              </a:rPr>
-              <a:t> </a:t>
-            </a:r>
-            <a:r>
-              <a:rPr lang="en-US" sz="3200" dirty="0">
-                <a:solidFill>
-                  <a:srgbClr val="FF00FF"/>
-                </a:solidFill>
-              </a:rPr>
-              <a:t>1</a:t>
-            </a:r>
-            <a:r>
-              <a:rPr lang="en-US" sz="3200" dirty="0"/>
-              <a:t>·406</a:t>
-            </a:r>
-            <a:endParaRPr lang="en-US" sz="2400" dirty="0"/>
-          </a:p>
-          <a:p>
-            <a:r>
-              <a:rPr lang="en-US" sz="3200" dirty="0" smtClean="0">
-                <a:solidFill>
-                  <a:srgbClr val="0000E5"/>
-                </a:solidFill>
-              </a:rPr>
-              <a:t>           </a:t>
-            </a:r>
-            <a:r>
-              <a:rPr lang="en-US" sz="3200" dirty="0" smtClean="0"/>
-              <a:t> =</a:t>
-            </a:r>
-            <a:r>
-              <a:rPr lang="en-US" sz="3200" dirty="0" smtClean="0">
-                <a:solidFill>
-                  <a:srgbClr val="0000E5"/>
-                </a:solidFill>
-              </a:rPr>
-              <a:t> </a:t>
-            </a:r>
-            <a:r>
-              <a:rPr lang="en-US" sz="3200" dirty="0" smtClean="0">
-                <a:solidFill>
-                  <a:srgbClr val="FF00FF"/>
-                </a:solidFill>
-              </a:rPr>
-              <a:t>-</a:t>
-            </a:r>
-            <a:r>
-              <a:rPr lang="en-US" sz="3200" dirty="0">
-                <a:solidFill>
-                  <a:srgbClr val="FF00FF"/>
-                </a:solidFill>
-              </a:rPr>
-              <a:t>1</a:t>
-            </a:r>
-            <a:r>
-              <a:rPr lang="en-US" sz="3200" dirty="0"/>
-              <a:t>·899 + </a:t>
-            </a:r>
-            <a:r>
-              <a:rPr lang="en-US" sz="3200" dirty="0">
-                <a:solidFill>
-                  <a:srgbClr val="FF00FF"/>
-                </a:solidFill>
-              </a:rPr>
-              <a:t>2</a:t>
-            </a:r>
-            <a:r>
-              <a:rPr lang="en-US" sz="3200" dirty="0"/>
-              <a:t>∙493</a:t>
-            </a:r>
-          </a:p>
-          <a:p>
-            <a:r>
-              <a:rPr lang="en-US" sz="3200" dirty="0" smtClean="0"/>
-              <a:t>so   </a:t>
-            </a:r>
-            <a:r>
-              <a:rPr lang="en-US" sz="3200" dirty="0"/>
-              <a:t>58 = </a:t>
-            </a:r>
-            <a:r>
-              <a:rPr lang="en-US" sz="3200" dirty="0">
-                <a:solidFill>
-                  <a:srgbClr val="FF00FF"/>
-                </a:solidFill>
-              </a:rPr>
-              <a:t>1</a:t>
-            </a:r>
-            <a:r>
-              <a:rPr lang="en-US" sz="3200" dirty="0"/>
-              <a:t>·406 - </a:t>
-            </a:r>
-            <a:r>
-              <a:rPr lang="en-US" sz="3200" dirty="0">
-                <a:solidFill>
-                  <a:srgbClr val="FF00FF"/>
-                </a:solidFill>
-              </a:rPr>
-              <a:t>4</a:t>
-            </a:r>
-            <a:r>
-              <a:rPr lang="en-US" sz="3200" dirty="0"/>
-              <a:t>·87</a:t>
-            </a:r>
-          </a:p>
-          <a:p>
-            <a:r>
-              <a:rPr lang="en-US" sz="3200" dirty="0" smtClean="0"/>
-              <a:t>           = </a:t>
-            </a:r>
-            <a:r>
-              <a:rPr lang="en-US" sz="3200" dirty="0">
-                <a:solidFill>
-                  <a:srgbClr val="FF00FF"/>
-                </a:solidFill>
-              </a:rPr>
-              <a:t>5</a:t>
-            </a:r>
-            <a:r>
-              <a:rPr lang="en-US" sz="3200" dirty="0"/>
-              <a:t>·899 + </a:t>
-            </a:r>
-            <a:r>
-              <a:rPr lang="en-US" sz="3200" dirty="0">
-                <a:solidFill>
-                  <a:srgbClr val="FF00FF"/>
-                </a:solidFill>
-              </a:rPr>
-              <a:t>-9</a:t>
-            </a:r>
-            <a:r>
-              <a:rPr lang="en-US" sz="3200" dirty="0"/>
-              <a:t>·493</a:t>
-            </a:r>
-          </a:p>
-          <a:p>
-            <a:r>
-              <a:rPr lang="en-US" sz="3200" dirty="0" smtClean="0"/>
-              <a:t>so   29 </a:t>
-            </a:r>
-            <a:r>
-              <a:rPr lang="en-US" sz="3200" dirty="0"/>
-              <a:t>= </a:t>
-            </a:r>
-            <a:r>
-              <a:rPr lang="en-US" sz="3200" dirty="0">
-                <a:solidFill>
-                  <a:srgbClr val="FF00FF"/>
-                </a:solidFill>
-              </a:rPr>
-              <a:t>1</a:t>
-            </a:r>
-            <a:r>
-              <a:rPr lang="en-US" sz="3200" dirty="0"/>
-              <a:t>·87 </a:t>
-            </a:r>
-            <a:r>
-              <a:rPr lang="en-US" sz="3200" dirty="0">
-                <a:solidFill>
-                  <a:srgbClr val="FF00FF"/>
-                </a:solidFill>
-              </a:rPr>
-              <a:t>– 1</a:t>
-            </a:r>
-            <a:r>
-              <a:rPr lang="en-US" sz="3200" dirty="0"/>
-              <a:t>·58</a:t>
-            </a:r>
-          </a:p>
-          <a:p>
-            <a:r>
-              <a:rPr lang="en-US" sz="3200" dirty="0" smtClean="0"/>
-              <a:t>           </a:t>
-            </a:r>
-            <a:r>
-              <a:rPr lang="en-US" sz="3200" dirty="0"/>
-              <a:t>= </a:t>
-            </a:r>
-            <a:r>
-              <a:rPr lang="en-US" sz="3200" dirty="0">
-                <a:solidFill>
-                  <a:srgbClr val="FF00FF"/>
-                </a:solidFill>
-              </a:rPr>
-              <a:t>-6</a:t>
-            </a:r>
-            <a:r>
-              <a:rPr lang="en-US" sz="3200" dirty="0">
-                <a:solidFill>
-                  <a:srgbClr val="000000"/>
-                </a:solidFill>
-              </a:rPr>
-              <a:t>·</a:t>
-            </a:r>
-            <a:r>
-              <a:rPr lang="en-US" sz="3200" dirty="0"/>
-              <a:t>899 + </a:t>
-            </a:r>
-            <a:r>
-              <a:rPr lang="en-US" sz="3200" dirty="0">
-                <a:solidFill>
-                  <a:srgbClr val="FF00FF"/>
-                </a:solidFill>
-              </a:rPr>
-              <a:t>11</a:t>
-            </a:r>
-            <a:r>
-              <a:rPr lang="en-US" sz="3200" dirty="0"/>
-              <a:t>∙493</a:t>
-            </a:r>
-            <a:endParaRPr lang="en-US" sz="3200" dirty="0" smtClean="0"/>
-          </a:p>
-          <a:p>
-            <a:r>
-              <a:rPr lang="en-US" sz="3200" dirty="0" smtClean="0"/>
-              <a:t>       done</a:t>
-            </a:r>
-            <a:r>
-              <a:rPr lang="en-US" sz="3200" dirty="0"/>
-              <a:t>, </a:t>
-            </a:r>
-            <a:r>
-              <a:rPr lang="en-US" sz="3200" dirty="0" err="1"/>
-              <a:t>gcd</a:t>
-            </a:r>
-            <a:r>
-              <a:rPr lang="en-US" sz="3200" dirty="0"/>
-              <a:t> = 29</a:t>
-            </a:r>
-          </a:p>
-        </p:txBody>
-      </p:sp>
-      <p:sp>
-        <p:nvSpPr>
-          <p:cNvPr id="7" name="Text Box 4"/>
-          <p:cNvSpPr txBox="1">
-            <a:spLocks noChangeArrowheads="1"/>
-          </p:cNvSpPr>
-          <p:nvPr/>
-        </p:nvSpPr>
-        <p:spPr bwMode="auto">
-          <a:xfrm>
-            <a:off x="364362" y="5553670"/>
-            <a:ext cx="4860375" cy="923330"/>
-          </a:xfrm>
-          <a:prstGeom prst="rect">
-            <a:avLst/>
-          </a:prstGeom>
-          <a:noFill/>
-          <a:ln w="38100">
-            <a:noFill/>
-            <a:miter lim="800000"/>
-            <a:headEnd/>
-            <a:tailEnd type="none" w="lg" len="lg"/>
-          </a:ln>
-        </p:spPr>
-        <p:txBody>
-          <a:bodyPr wrap="none">
-            <a:spAutoFit/>
-          </a:bodyPr>
-          <a:lstStyle/>
-          <a:p>
-            <a:r>
-              <a:rPr lang="en-US" sz="5400" b="1" dirty="0">
-                <a:solidFill>
-                  <a:srgbClr val="008000"/>
-                </a:solidFill>
-              </a:rPr>
-              <a:t>the </a:t>
-            </a:r>
-            <a:r>
-              <a:rPr lang="en-US" sz="5400" b="1" dirty="0" err="1">
-                <a:solidFill>
-                  <a:srgbClr val="008000"/>
-                </a:solidFill>
-              </a:rPr>
-              <a:t>Pulverizer</a:t>
-            </a:r>
-            <a:endParaRPr lang="en-US" sz="5400" b="1" dirty="0">
-              <a:solidFill>
-                <a:srgbClr val="008000"/>
-              </a:solidFill>
-            </a:endParaRPr>
-          </a:p>
-        </p:txBody>
-      </p:sp>
-      <p:sp>
-        <p:nvSpPr>
-          <p:cNvPr id="8" name="TextBox 7"/>
-          <p:cNvSpPr txBox="1"/>
-          <p:nvPr/>
-        </p:nvSpPr>
-        <p:spPr>
-          <a:xfrm>
-            <a:off x="5300937" y="5638800"/>
-            <a:ext cx="3385863" cy="769441"/>
-          </a:xfrm>
-          <a:prstGeom prst="rect">
-            <a:avLst/>
-          </a:prstGeom>
-          <a:noFill/>
-        </p:spPr>
-        <p:txBody>
-          <a:bodyPr wrap="none" rtlCol="0">
-            <a:spAutoFit/>
-          </a:bodyPr>
-          <a:lstStyle/>
-          <a:p>
-            <a:r>
-              <a:rPr lang="en-US" sz="4400" dirty="0" smtClean="0">
-                <a:solidFill>
-                  <a:srgbClr val="FF00FF"/>
-                </a:solidFill>
-              </a:rPr>
-              <a:t>s</a:t>
-            </a:r>
-            <a:r>
-              <a:rPr lang="en-US" sz="4400" dirty="0" smtClean="0"/>
-              <a:t> = </a:t>
-            </a:r>
-            <a:r>
-              <a:rPr lang="en-US" sz="4400" dirty="0" smtClean="0">
-                <a:solidFill>
-                  <a:srgbClr val="FF00FF"/>
-                </a:solidFill>
-              </a:rPr>
-              <a:t>-6</a:t>
-            </a:r>
-            <a:r>
-              <a:rPr lang="en-US" sz="4400" dirty="0" smtClean="0"/>
-              <a:t>,</a:t>
-            </a:r>
-            <a:r>
-              <a:rPr lang="en-US" sz="4400" dirty="0" smtClean="0">
-                <a:solidFill>
-                  <a:srgbClr val="FF00FF"/>
-                </a:solidFill>
-              </a:rPr>
-              <a:t> t</a:t>
-            </a:r>
-            <a:r>
-              <a:rPr lang="en-US" sz="4400" dirty="0" smtClean="0"/>
-              <a:t> = </a:t>
-            </a:r>
-            <a:r>
-              <a:rPr lang="en-US" sz="4400" dirty="0" smtClean="0">
-                <a:solidFill>
-                  <a:srgbClr val="FF00FF"/>
-                </a:solidFill>
-              </a:rPr>
-              <a:t>11</a:t>
-            </a:r>
-          </a:p>
-        </p:txBody>
-      </p:sp>
-    </p:spTree>
-    <p:extLst>
-      <p:ext uri="{BB962C8B-B14F-4D97-AF65-F5344CB8AC3E}">
-        <p14:creationId xmlns:p14="http://schemas.microsoft.com/office/powerpoint/2010/main" val="1361487316"/>
-      </p:ext>
-    </p:extLst>
-  </p:cSld>
-  <p:clrMapOvr>
-    <a:masterClrMapping/>
-  </p:clrMapOvr>
-  <mc:AlternateContent xmlns:mc="http://schemas.openxmlformats.org/markup-compatibility/2006" xmlns:p14="http://schemas.microsoft.com/office/powerpoint/2010/main">
-    <mc:Choice Requires="p14">
-      <p:transition spd="med" p14:dur="700" advClick="0">
-        <p:fade/>
-      </p:transition>
-    </mc:Choice>
-    <mc:Fallback xmlns="">
-      <p:transition xmlns:p14="http://schemas.microsoft.com/office/powerpoint/2010/main" spd="med" advClick="0">
-        <p:fade/>
-      </p:transition>
-    </mc:Fallback>
-  </mc:AlternateContent>
-  <p:timing>
-    <p:tnLst>
-      <p:par>
-        <p:cTn xmlns:p14="http://schemas.microsoft.com/office/powerpoint/2010/main" id="1" dur="indefinite" restart="never" nodeType="tmRoot"/>
-      </p:par>
-    </p:tnLst>
-  </p:timing>
-</p:sld>
-</file>
-
-<file path=ppt/slides/slide12.xml><?xml version="1.0" encoding="utf-8"?>
+<file path=ppt/slides/slide16.xml><?xml version="1.0" encoding="utf-8"?>
 <p:sld xmlns:a="http://schemas.openxmlformats.org/drawingml/2006/main" xmlns:r="http://schemas.openxmlformats.org/officeDocument/2006/relationships" xmlns:p="http://schemas.openxmlformats.org/presentationml/2006/main" show="0">
   <p:cSld>
     <p:spTree>
@@ -6690,7 +10390,811 @@
                 <a:latin typeface="Comic Sans MS" pitchFamily="8" charset="0"/>
               </a:rPr>
               <a:pPr/>
-              <a:t>12</a:t>
+              <a:t>16</a:t>
+            </a:fld>
+            <a:endParaRPr lang="en-US" sz="1200" dirty="0" smtClean="0">
+              <a:latin typeface="Comic Sans MS" pitchFamily="8" charset="0"/>
+            </a:endParaRPr>
+          </a:p>
+        </p:txBody>
+      </p:sp>
+      <p:sp>
+        <p:nvSpPr>
+          <p:cNvPr id="5" name="Text Box 3"/>
+          <p:cNvSpPr txBox="1">
+            <a:spLocks noChangeArrowheads="1"/>
+          </p:cNvSpPr>
+          <p:nvPr/>
+        </p:nvSpPr>
+        <p:spPr bwMode="auto">
+          <a:xfrm>
+            <a:off x="3962400" y="1683127"/>
+            <a:ext cx="4953000" cy="4216539"/>
+          </a:xfrm>
+          <a:prstGeom prst="rect">
+            <a:avLst/>
+          </a:prstGeom>
+          <a:noFill/>
+          <a:ln w="38100">
+            <a:noFill/>
+            <a:miter lim="800000"/>
+            <a:headEnd/>
+            <a:tailEnd type="none" w="lg" len="lg"/>
+          </a:ln>
+        </p:spPr>
+        <p:txBody>
+          <a:bodyPr wrap="square">
+            <a:spAutoFit/>
+          </a:bodyPr>
+          <a:lstStyle/>
+          <a:p>
+            <a:r>
+              <a:rPr lang="en-US" sz="3200" dirty="0" smtClean="0"/>
+              <a:t>so </a:t>
+            </a:r>
+            <a:r>
+              <a:rPr lang="en-US" sz="3200" dirty="0"/>
+              <a:t>406 =</a:t>
+            </a:r>
+            <a:r>
+              <a:rPr lang="en-US" sz="3200" dirty="0">
+                <a:solidFill>
+                  <a:srgbClr val="FF00FF"/>
+                </a:solidFill>
+              </a:rPr>
+              <a:t> 1</a:t>
+            </a:r>
+            <a:r>
+              <a:rPr lang="en-US" sz="3200" dirty="0"/>
+              <a:t>·899 + </a:t>
+            </a:r>
+            <a:r>
+              <a:rPr lang="en-US" sz="3200" dirty="0">
+                <a:solidFill>
+                  <a:srgbClr val="FF00FF"/>
+                </a:solidFill>
+              </a:rPr>
+              <a:t>-1</a:t>
+            </a:r>
+            <a:r>
+              <a:rPr lang="en-US" sz="3200" dirty="0"/>
+              <a:t>·493</a:t>
+            </a:r>
+          </a:p>
+          <a:p>
+            <a:r>
+              <a:rPr lang="en-US" sz="3200" dirty="0" smtClean="0"/>
+              <a:t>so   87 </a:t>
+            </a:r>
+            <a:r>
+              <a:rPr lang="en-US" sz="3200" dirty="0"/>
+              <a:t>= </a:t>
+            </a:r>
+            <a:r>
+              <a:rPr lang="en-US" sz="3200" dirty="0">
+                <a:solidFill>
+                  <a:srgbClr val="FF00FF"/>
+                </a:solidFill>
+              </a:rPr>
+              <a:t>1</a:t>
+            </a:r>
+            <a:r>
+              <a:rPr lang="en-US" sz="3200" dirty="0"/>
+              <a:t>·493 </a:t>
+            </a:r>
+            <a:r>
+              <a:rPr lang="en-US" sz="3200" dirty="0">
+                <a:solidFill>
+                  <a:srgbClr val="FF00FF"/>
+                </a:solidFill>
+              </a:rPr>
+              <a:t>–</a:t>
+            </a:r>
+            <a:r>
+              <a:rPr lang="en-US" sz="2400" dirty="0">
+                <a:solidFill>
+                  <a:srgbClr val="FF00FF"/>
+                </a:solidFill>
+              </a:rPr>
+              <a:t> </a:t>
+            </a:r>
+            <a:r>
+              <a:rPr lang="en-US" sz="3200" dirty="0">
+                <a:solidFill>
+                  <a:srgbClr val="FF00FF"/>
+                </a:solidFill>
+              </a:rPr>
+              <a:t>1</a:t>
+            </a:r>
+            <a:r>
+              <a:rPr lang="en-US" sz="3200" dirty="0"/>
+              <a:t>·406</a:t>
+            </a:r>
+            <a:endParaRPr lang="en-US" sz="2400" dirty="0"/>
+          </a:p>
+          <a:p>
+            <a:r>
+              <a:rPr lang="en-US" sz="3200" dirty="0" smtClean="0">
+                <a:solidFill>
+                  <a:srgbClr val="0000E5"/>
+                </a:solidFill>
+              </a:rPr>
+              <a:t>           </a:t>
+            </a:r>
+            <a:r>
+              <a:rPr lang="en-US" sz="3200" dirty="0" smtClean="0"/>
+              <a:t> =</a:t>
+            </a:r>
+            <a:r>
+              <a:rPr lang="en-US" sz="3200" dirty="0" smtClean="0">
+                <a:solidFill>
+                  <a:srgbClr val="0000E5"/>
+                </a:solidFill>
+              </a:rPr>
+              <a:t> </a:t>
+            </a:r>
+            <a:r>
+              <a:rPr lang="en-US" sz="3200" dirty="0" smtClean="0">
+                <a:solidFill>
+                  <a:srgbClr val="FF00FF"/>
+                </a:solidFill>
+              </a:rPr>
+              <a:t>-</a:t>
+            </a:r>
+            <a:r>
+              <a:rPr lang="en-US" sz="3200" dirty="0">
+                <a:solidFill>
+                  <a:srgbClr val="FF00FF"/>
+                </a:solidFill>
+              </a:rPr>
+              <a:t>1</a:t>
+            </a:r>
+            <a:r>
+              <a:rPr lang="en-US" sz="3200" dirty="0"/>
+              <a:t>·899 + </a:t>
+            </a:r>
+            <a:r>
+              <a:rPr lang="en-US" sz="3200" dirty="0">
+                <a:solidFill>
+                  <a:srgbClr val="FF00FF"/>
+                </a:solidFill>
+              </a:rPr>
+              <a:t>2</a:t>
+            </a:r>
+            <a:r>
+              <a:rPr lang="en-US" sz="3200" dirty="0"/>
+              <a:t>∙493</a:t>
+            </a:r>
+          </a:p>
+          <a:p>
+            <a:r>
+              <a:rPr lang="en-US" sz="3200" dirty="0" smtClean="0"/>
+              <a:t>so   </a:t>
+            </a:r>
+            <a:r>
+              <a:rPr lang="en-US" sz="3200" dirty="0"/>
+              <a:t>58 = </a:t>
+            </a:r>
+            <a:r>
+              <a:rPr lang="en-US" sz="3200" dirty="0">
+                <a:solidFill>
+                  <a:srgbClr val="FF00FF"/>
+                </a:solidFill>
+              </a:rPr>
+              <a:t>1</a:t>
+            </a:r>
+            <a:r>
+              <a:rPr lang="en-US" sz="3200" dirty="0"/>
+              <a:t>·406 - </a:t>
+            </a:r>
+            <a:r>
+              <a:rPr lang="en-US" sz="3200" dirty="0">
+                <a:solidFill>
+                  <a:srgbClr val="FF00FF"/>
+                </a:solidFill>
+              </a:rPr>
+              <a:t>4</a:t>
+            </a:r>
+            <a:r>
+              <a:rPr lang="en-US" sz="3200" dirty="0"/>
+              <a:t>·87</a:t>
+            </a:r>
+          </a:p>
+          <a:p>
+            <a:r>
+              <a:rPr lang="en-US" sz="3200" dirty="0" smtClean="0"/>
+              <a:t>           = </a:t>
+            </a:r>
+            <a:r>
+              <a:rPr lang="en-US" sz="3200" dirty="0">
+                <a:solidFill>
+                  <a:srgbClr val="FF00FF"/>
+                </a:solidFill>
+              </a:rPr>
+              <a:t>5</a:t>
+            </a:r>
+            <a:r>
+              <a:rPr lang="en-US" sz="3200" dirty="0"/>
+              <a:t>·899 + </a:t>
+            </a:r>
+            <a:r>
+              <a:rPr lang="en-US" sz="3200" dirty="0">
+                <a:solidFill>
+                  <a:srgbClr val="FF00FF"/>
+                </a:solidFill>
+              </a:rPr>
+              <a:t>-9</a:t>
+            </a:r>
+            <a:r>
+              <a:rPr lang="en-US" sz="3200" dirty="0"/>
+              <a:t>·493</a:t>
+            </a:r>
+          </a:p>
+          <a:p>
+            <a:r>
+              <a:rPr lang="en-US" sz="3200" dirty="0" smtClean="0"/>
+              <a:t>so   29 </a:t>
+            </a:r>
+            <a:r>
+              <a:rPr lang="en-US" sz="3200" dirty="0"/>
+              <a:t>= </a:t>
+            </a:r>
+            <a:r>
+              <a:rPr lang="en-US" sz="3200" dirty="0">
+                <a:solidFill>
+                  <a:srgbClr val="FF00FF"/>
+                </a:solidFill>
+              </a:rPr>
+              <a:t>1</a:t>
+            </a:r>
+            <a:r>
+              <a:rPr lang="en-US" sz="3200" dirty="0"/>
+              <a:t>·87 </a:t>
+            </a:r>
+            <a:r>
+              <a:rPr lang="en-US" sz="3200" dirty="0">
+                <a:solidFill>
+                  <a:srgbClr val="FF00FF"/>
+                </a:solidFill>
+              </a:rPr>
+              <a:t>– 1</a:t>
+            </a:r>
+            <a:r>
+              <a:rPr lang="en-US" sz="3200" dirty="0"/>
+              <a:t>·58</a:t>
+            </a:r>
+          </a:p>
+          <a:p>
+            <a:r>
+              <a:rPr lang="en-US" sz="3200" dirty="0" smtClean="0"/>
+              <a:t>           </a:t>
+            </a:r>
+            <a:r>
+              <a:rPr lang="en-US" sz="3200" dirty="0"/>
+              <a:t>= </a:t>
+            </a:r>
+            <a:r>
+              <a:rPr lang="en-US" sz="3200" dirty="0">
+                <a:solidFill>
+                  <a:srgbClr val="FF00FF"/>
+                </a:solidFill>
+              </a:rPr>
+              <a:t>-6</a:t>
+            </a:r>
+            <a:r>
+              <a:rPr lang="en-US" sz="3200" dirty="0">
+                <a:solidFill>
+                  <a:srgbClr val="000000"/>
+                </a:solidFill>
+              </a:rPr>
+              <a:t>·</a:t>
+            </a:r>
+            <a:r>
+              <a:rPr lang="en-US" sz="3200" dirty="0"/>
+              <a:t>899 + </a:t>
+            </a:r>
+            <a:r>
+              <a:rPr lang="en-US" sz="3200" dirty="0">
+                <a:solidFill>
+                  <a:srgbClr val="FF00FF"/>
+                </a:solidFill>
+              </a:rPr>
+              <a:t>11</a:t>
+            </a:r>
+            <a:r>
+              <a:rPr lang="en-US" sz="3200" dirty="0"/>
+              <a:t>∙493</a:t>
+            </a:r>
+            <a:endParaRPr lang="en-US" sz="3200" dirty="0" smtClean="0"/>
+          </a:p>
+          <a:p>
+            <a:r>
+              <a:rPr lang="en-US" sz="3200" dirty="0" smtClean="0"/>
+              <a:t>       done</a:t>
+            </a:r>
+            <a:r>
+              <a:rPr lang="en-US" sz="3200" dirty="0"/>
+              <a:t>, </a:t>
+            </a:r>
+            <a:r>
+              <a:rPr lang="en-US" sz="4400" dirty="0" err="1">
+                <a:solidFill>
+                  <a:srgbClr val="008000"/>
+                </a:solidFill>
+              </a:rPr>
+              <a:t>gcd</a:t>
+            </a:r>
+            <a:r>
+              <a:rPr lang="en-US" sz="4400" dirty="0">
+                <a:solidFill>
+                  <a:srgbClr val="008000"/>
+                </a:solidFill>
+              </a:rPr>
+              <a:t> = 29</a:t>
+            </a:r>
+            <a:endParaRPr lang="en-US" dirty="0">
+              <a:solidFill>
+                <a:srgbClr val="008000"/>
+              </a:solidFill>
+            </a:endParaRPr>
+          </a:p>
+        </p:txBody>
+      </p:sp>
+      <p:sp>
+        <p:nvSpPr>
+          <p:cNvPr id="7" name="Text Box 4"/>
+          <p:cNvSpPr txBox="1">
+            <a:spLocks noChangeArrowheads="1"/>
+          </p:cNvSpPr>
+          <p:nvPr/>
+        </p:nvSpPr>
+        <p:spPr bwMode="auto">
+          <a:xfrm>
+            <a:off x="397425" y="5553670"/>
+            <a:ext cx="4860375" cy="923330"/>
+          </a:xfrm>
+          <a:prstGeom prst="rect">
+            <a:avLst/>
+          </a:prstGeom>
+          <a:noFill/>
+          <a:ln w="38100">
+            <a:noFill/>
+            <a:miter lim="800000"/>
+            <a:headEnd/>
+            <a:tailEnd type="none" w="lg" len="lg"/>
+          </a:ln>
+        </p:spPr>
+        <p:txBody>
+          <a:bodyPr wrap="none">
+            <a:spAutoFit/>
+          </a:bodyPr>
+          <a:lstStyle/>
+          <a:p>
+            <a:r>
+              <a:rPr lang="en-US" sz="5400" b="1" dirty="0">
+                <a:solidFill>
+                  <a:srgbClr val="008000"/>
+                </a:solidFill>
+              </a:rPr>
+              <a:t>the </a:t>
+            </a:r>
+            <a:r>
+              <a:rPr lang="en-US" sz="5400" b="1" dirty="0" err="1">
+                <a:solidFill>
+                  <a:srgbClr val="008000"/>
+                </a:solidFill>
+              </a:rPr>
+              <a:t>Pulverizer</a:t>
+            </a:r>
+            <a:endParaRPr lang="en-US" sz="5400" b="1" dirty="0">
+              <a:solidFill>
+                <a:srgbClr val="008000"/>
+              </a:solidFill>
+            </a:endParaRPr>
+          </a:p>
+        </p:txBody>
+      </p:sp>
+      <p:sp>
+        <p:nvSpPr>
+          <p:cNvPr id="8" name="TextBox 7"/>
+          <p:cNvSpPr txBox="1"/>
+          <p:nvPr/>
+        </p:nvSpPr>
+        <p:spPr>
+          <a:xfrm>
+            <a:off x="5300937" y="5638800"/>
+            <a:ext cx="3385863" cy="769441"/>
+          </a:xfrm>
+          <a:prstGeom prst="rect">
+            <a:avLst/>
+          </a:prstGeom>
+          <a:noFill/>
+        </p:spPr>
+        <p:txBody>
+          <a:bodyPr wrap="none" rtlCol="0">
+            <a:spAutoFit/>
+          </a:bodyPr>
+          <a:lstStyle/>
+          <a:p>
+            <a:r>
+              <a:rPr lang="en-US" sz="4400" dirty="0" smtClean="0">
+                <a:solidFill>
+                  <a:srgbClr val="FF00FF"/>
+                </a:solidFill>
+              </a:rPr>
+              <a:t>s</a:t>
+            </a:r>
+            <a:r>
+              <a:rPr lang="en-US" sz="4400" dirty="0" smtClean="0"/>
+              <a:t> = </a:t>
+            </a:r>
+            <a:r>
+              <a:rPr lang="en-US" sz="4400" dirty="0" smtClean="0">
+                <a:solidFill>
+                  <a:srgbClr val="FF00FF"/>
+                </a:solidFill>
+              </a:rPr>
+              <a:t>-6</a:t>
+            </a:r>
+            <a:r>
+              <a:rPr lang="en-US" sz="4400" dirty="0" smtClean="0"/>
+              <a:t>,</a:t>
+            </a:r>
+            <a:r>
+              <a:rPr lang="en-US" sz="4400" dirty="0" smtClean="0">
+                <a:solidFill>
+                  <a:srgbClr val="FF00FF"/>
+                </a:solidFill>
+              </a:rPr>
+              <a:t> t</a:t>
+            </a:r>
+            <a:r>
+              <a:rPr lang="en-US" sz="4400" dirty="0" smtClean="0"/>
+              <a:t> = </a:t>
+            </a:r>
+            <a:r>
+              <a:rPr lang="en-US" sz="4400" dirty="0" smtClean="0">
+                <a:solidFill>
+                  <a:srgbClr val="FF00FF"/>
+                </a:solidFill>
+              </a:rPr>
+              <a:t>11</a:t>
+            </a:r>
+          </a:p>
+        </p:txBody>
+      </p:sp>
+      <p:sp>
+        <p:nvSpPr>
+          <p:cNvPr id="9" name="Oval 8"/>
+          <p:cNvSpPr/>
+          <p:nvPr/>
+        </p:nvSpPr>
+        <p:spPr bwMode="auto">
+          <a:xfrm>
+            <a:off x="5562600" y="4419600"/>
+            <a:ext cx="3276600" cy="990600"/>
+          </a:xfrm>
+          <a:prstGeom prst="ellipse">
+            <a:avLst/>
+          </a:prstGeom>
+          <a:noFill/>
+          <a:ln w="50800" cap="flat" cmpd="sng" algn="ctr">
+            <a:solidFill>
+              <a:srgbClr val="0000FF"/>
+            </a:solidFill>
+            <a:prstDash val="sysDash"/>
+            <a:round/>
+            <a:headEnd type="none" w="med" len="med"/>
+            <a:tailEnd type="none" w="lg" len="lg"/>
+          </a:ln>
+          <a:effectLst/>
+        </p:spPr>
+        <p:txBody>
+          <a:bodyPr vert="horz" wrap="square" lIns="91440" tIns="45720" rIns="91440" bIns="45720" numCol="1" rtlCol="0" anchor="t" anchorCtr="0" compatLnSpc="1">
+            <a:prstTxWarp prst="textNoShape">
+              <a:avLst/>
+            </a:prstTxWarp>
+          </a:bodyPr>
+          <a:lstStyle/>
+          <a:p>
+            <a:pPr marL="0" marR="0" indent="0" algn="l" defTabSz="914400" rtl="0" eaLnBrk="1" fontAlgn="base" latinLnBrk="0" hangingPunct="1">
+              <a:lnSpc>
+                <a:spcPct val="100000"/>
+              </a:lnSpc>
+              <a:spcBef>
+                <a:spcPct val="0"/>
+              </a:spcBef>
+              <a:spcAft>
+                <a:spcPct val="0"/>
+              </a:spcAft>
+              <a:buClrTx/>
+              <a:buSzTx/>
+              <a:buFontTx/>
+              <a:buNone/>
+              <a:tabLst/>
+            </a:pPr>
+            <a:endParaRPr kumimoji="0" lang="en-US" sz="4000" b="0" i="0" u="none" strike="noStrike" cap="none" normalizeH="0" baseline="0" smtClean="0">
+              <a:ln>
+                <a:noFill/>
+              </a:ln>
+              <a:solidFill>
+                <a:schemeClr val="tx1"/>
+              </a:solidFill>
+              <a:effectLst/>
+              <a:latin typeface="Comic Sans MS" pitchFamily="66" charset="0"/>
+            </a:endParaRPr>
+          </a:p>
+        </p:txBody>
+      </p:sp>
+    </p:spTree>
+    <p:extLst>
+      <p:ext uri="{BB962C8B-B14F-4D97-AF65-F5344CB8AC3E}">
+        <p14:creationId xmlns:p14="http://schemas.microsoft.com/office/powerpoint/2010/main" val="1361487316"/>
+      </p:ext>
+    </p:extLst>
+  </p:cSld>
+  <p:clrMapOvr>
+    <a:masterClrMapping/>
+  </p:clrMapOvr>
+  <mc:AlternateContent xmlns:mc="http://schemas.openxmlformats.org/markup-compatibility/2006">
+    <mc:Choice xmlns:p14="http://schemas.microsoft.com/office/powerpoint/2010/main" Requires="p14">
+      <p:transition spd="med" p14:dur="700" advClick="0">
+        <p:fade/>
+      </p:transition>
+    </mc:Choice>
+    <mc:Fallback>
+      <p:transition xmlns:p14="http://schemas.microsoft.com/office/powerpoint/2010/main" spd="med" advClick="0">
+        <p:fade/>
+      </p:transition>
+    </mc:Fallback>
+  </mc:AlternateContent>
+  <p:timing>
+    <p:tnLst>
+      <p:par>
+        <p:cTn xmlns:p14="http://schemas.microsoft.com/office/powerpoint/2010/main" id="1" dur="indefinite" restart="never" nodeType="tmRoot"/>
+      </p:par>
+    </p:tnLst>
+  </p:timing>
+</p:sld>
+</file>
+
+<file path=ppt/slides/slide17.xml><?xml version="1.0" encoding="utf-8"?>
+<p:sld xmlns:a="http://schemas.openxmlformats.org/drawingml/2006/main" xmlns:r="http://schemas.openxmlformats.org/officeDocument/2006/relationships" xmlns:p="http://schemas.openxmlformats.org/presentationml/2006/main" show="0">
+  <p:cSld>
+    <p:spTree>
+      <p:nvGrpSpPr>
+        <p:cNvPr id="1" name=""/>
+        <p:cNvGrpSpPr/>
+        <p:nvPr/>
+      </p:nvGrpSpPr>
+      <p:grpSpPr>
+        <a:xfrm>
+          <a:off x="0" y="0"/>
+          <a:ext cx="0" cy="0"/>
+          <a:chOff x="0" y="0"/>
+          <a:chExt cx="0" cy="0"/>
+        </a:xfrm>
+      </p:grpSpPr>
+      <p:sp>
+        <p:nvSpPr>
+          <p:cNvPr id="6" name="Text Box 3"/>
+          <p:cNvSpPr txBox="1">
+            <a:spLocks noChangeArrowheads="1"/>
+          </p:cNvSpPr>
+          <p:nvPr/>
+        </p:nvSpPr>
+        <p:spPr bwMode="auto">
+          <a:xfrm>
+            <a:off x="152400" y="1166842"/>
+            <a:ext cx="8915400" cy="4585871"/>
+          </a:xfrm>
+          <a:prstGeom prst="rect">
+            <a:avLst/>
+          </a:prstGeom>
+          <a:noFill/>
+          <a:ln w="38100">
+            <a:noFill/>
+            <a:miter lim="800000"/>
+            <a:headEnd/>
+            <a:tailEnd type="none" w="lg" len="lg"/>
+          </a:ln>
+        </p:spPr>
+        <p:txBody>
+          <a:bodyPr>
+            <a:spAutoFit/>
+          </a:bodyPr>
+          <a:lstStyle/>
+          <a:p>
+            <a:r>
+              <a:rPr lang="en-US" sz="3600" dirty="0"/>
+              <a:t>Example: </a:t>
+            </a:r>
+            <a:r>
+              <a:rPr lang="en-US" sz="3600" dirty="0">
+                <a:solidFill>
+                  <a:srgbClr val="0000CC"/>
+                </a:solidFill>
+              </a:rPr>
+              <a:t>a</a:t>
+            </a:r>
+            <a:r>
+              <a:rPr lang="en-US" sz="3600" dirty="0"/>
+              <a:t> = 899, </a:t>
+            </a:r>
+            <a:r>
+              <a:rPr lang="en-US" sz="3600" dirty="0">
+                <a:solidFill>
+                  <a:srgbClr val="0000CC"/>
+                </a:solidFill>
+              </a:rPr>
+              <a:t>b</a:t>
+            </a:r>
+            <a:r>
+              <a:rPr lang="en-US" sz="3600" dirty="0"/>
+              <a:t>=493</a:t>
+            </a:r>
+          </a:p>
+          <a:p>
+            <a:r>
+              <a:rPr lang="en-US" sz="3200" dirty="0"/>
+              <a:t>899 = 1·493 + </a:t>
+            </a:r>
+            <a:r>
+              <a:rPr lang="en-US" sz="3200" dirty="0" smtClean="0"/>
+              <a:t>406</a:t>
+            </a:r>
+            <a:endParaRPr lang="en-US" sz="3200" dirty="0"/>
+          </a:p>
+          <a:p>
+            <a:r>
+              <a:rPr lang="en-US" sz="3200" dirty="0"/>
+              <a:t>493 = 1·406 + </a:t>
+            </a:r>
+            <a:r>
+              <a:rPr lang="en-US" sz="3200" dirty="0" smtClean="0"/>
+              <a:t>87</a:t>
+            </a:r>
+            <a:endParaRPr lang="en-US" sz="2400" dirty="0"/>
+          </a:p>
+          <a:p>
+            <a:r>
+              <a:rPr lang="en-US" sz="3200" dirty="0"/>
+              <a:t>                           </a:t>
+            </a:r>
+          </a:p>
+          <a:p>
+            <a:r>
+              <a:rPr lang="en-US" sz="3200" dirty="0"/>
+              <a:t>406 = 4·87 + </a:t>
+            </a:r>
+            <a:r>
+              <a:rPr lang="en-US" sz="3200" dirty="0" smtClean="0"/>
+              <a:t>58</a:t>
+            </a:r>
+            <a:endParaRPr lang="en-US" sz="3200" dirty="0"/>
+          </a:p>
+          <a:p>
+            <a:r>
+              <a:rPr lang="en-US" sz="3200" dirty="0"/>
+              <a:t>                           </a:t>
+            </a:r>
+          </a:p>
+          <a:p>
+            <a:r>
+              <a:rPr lang="en-US" sz="3200" dirty="0"/>
+              <a:t>87   = 1·58 + </a:t>
+            </a:r>
+            <a:r>
+              <a:rPr lang="en-US" sz="3200" dirty="0" smtClean="0"/>
+              <a:t>29</a:t>
+            </a:r>
+            <a:endParaRPr lang="en-US" sz="3200" dirty="0"/>
+          </a:p>
+          <a:p>
+            <a:r>
+              <a:rPr lang="en-US" sz="3200" dirty="0"/>
+              <a:t>                            </a:t>
+            </a:r>
+          </a:p>
+          <a:p>
+            <a:r>
+              <a:rPr lang="en-US" sz="3200" dirty="0"/>
+              <a:t>58   = 2·29 + </a:t>
+            </a:r>
+            <a:r>
+              <a:rPr lang="en-US" sz="3200" dirty="0" smtClean="0"/>
+              <a:t>0</a:t>
+            </a:r>
+            <a:endParaRPr lang="en-US" sz="3200" dirty="0"/>
+          </a:p>
+        </p:txBody>
+      </p:sp>
+      <p:sp>
+        <p:nvSpPr>
+          <p:cNvPr id="30722" name="Rectangle 2"/>
+          <p:cNvSpPr>
+            <a:spLocks noGrp="1" noChangeArrowheads="1"/>
+          </p:cNvSpPr>
+          <p:nvPr>
+            <p:ph type="title"/>
+          </p:nvPr>
+        </p:nvSpPr>
+        <p:spPr>
+          <a:xfrm>
+            <a:off x="2286000" y="0"/>
+            <a:ext cx="5486400" cy="1143000"/>
+          </a:xfrm>
+        </p:spPr>
+        <p:txBody>
+          <a:bodyPr/>
+          <a:lstStyle/>
+          <a:p>
+            <a:pPr eaLnBrk="1" hangingPunct="1"/>
+            <a:r>
+              <a:rPr lang="en-US" sz="4800" dirty="0" smtClean="0"/>
+              <a:t>Finding </a:t>
+            </a:r>
+            <a:r>
+              <a:rPr lang="en-US" sz="5400" dirty="0" smtClean="0">
+                <a:solidFill>
+                  <a:srgbClr val="FF00FF"/>
+                </a:solidFill>
+              </a:rPr>
+              <a:t>s</a:t>
+            </a:r>
+            <a:r>
+              <a:rPr lang="en-US" sz="4800" dirty="0" smtClean="0"/>
+              <a:t> and </a:t>
+            </a:r>
+            <a:r>
+              <a:rPr lang="en-US" sz="5400" dirty="0" smtClean="0">
+                <a:solidFill>
+                  <a:srgbClr val="FF00FF"/>
+                </a:solidFill>
+              </a:rPr>
+              <a:t>t</a:t>
+            </a:r>
+            <a:endParaRPr lang="en-US" sz="4800" dirty="0" smtClean="0">
+              <a:solidFill>
+                <a:srgbClr val="FF00FF"/>
+              </a:solidFill>
+            </a:endParaRPr>
+          </a:p>
+        </p:txBody>
+      </p:sp>
+      <p:sp>
+        <p:nvSpPr>
+          <p:cNvPr id="30724" name="Slide Number Placeholder 3"/>
+          <p:cNvSpPr>
+            <a:spLocks noGrp="1"/>
+          </p:cNvSpPr>
+          <p:nvPr>
+            <p:ph type="sldNum" sz="quarter" idx="4"/>
+          </p:nvPr>
+        </p:nvSpPr>
+        <p:spPr>
+          <a:xfrm>
+            <a:off x="7772400" y="6553200"/>
+            <a:ext cx="1295400" cy="304800"/>
+          </a:xfrm>
+          <a:noFill/>
+        </p:spPr>
+        <p:txBody>
+          <a:bodyPr/>
+          <a:lstStyle/>
+          <a:p>
+            <a:r>
+              <a:rPr lang="en-US" dirty="0" smtClean="0">
+                <a:latin typeface="Comic Sans MS" pitchFamily="8" charset="0"/>
+              </a:rPr>
+              <a:t>pulverize.</a:t>
+            </a:r>
+            <a:fld id="{C0A36D86-A96B-4FB7-B793-96DB8299F076}" type="slidenum">
+              <a:rPr lang="en-US" sz="1200" smtClean="0">
+                <a:latin typeface="Comic Sans MS" pitchFamily="8" charset="0"/>
+              </a:rPr>
+              <a:pPr/>
+              <a:t>17</a:t>
             </a:fld>
             <a:endParaRPr lang="en-US" sz="1200" dirty="0" smtClean="0">
               <a:latin typeface="Comic Sans MS" pitchFamily="8" charset="0"/>
@@ -7883,694 +12387,7 @@
 </p:sld>
 </file>
 
-<file path=ppt/slides/slide13.xml><?xml version="1.0" encoding="utf-8"?>
-<p:sld xmlns:a="http://schemas.openxmlformats.org/drawingml/2006/main" xmlns:r="http://schemas.openxmlformats.org/officeDocument/2006/relationships" xmlns:p="http://schemas.openxmlformats.org/presentationml/2006/main">
-  <p:cSld>
-    <p:spTree>
-      <p:nvGrpSpPr>
-        <p:cNvPr id="1" name=""/>
-        <p:cNvGrpSpPr/>
-        <p:nvPr/>
-      </p:nvGrpSpPr>
-      <p:grpSpPr>
-        <a:xfrm>
-          <a:off x="0" y="0"/>
-          <a:ext cx="0" cy="0"/>
-          <a:chOff x="0" y="0"/>
-          <a:chExt cx="0" cy="0"/>
-        </a:xfrm>
-      </p:grpSpPr>
-      <p:sp>
-        <p:nvSpPr>
-          <p:cNvPr id="791555" name="Text Box 3"/>
-          <p:cNvSpPr txBox="1">
-            <a:spLocks noChangeArrowheads="1"/>
-          </p:cNvSpPr>
-          <p:nvPr/>
-        </p:nvSpPr>
-        <p:spPr bwMode="auto">
-          <a:xfrm>
-            <a:off x="152400" y="1524000"/>
-            <a:ext cx="8915400" cy="3754874"/>
-          </a:xfrm>
-          <a:prstGeom prst="rect">
-            <a:avLst/>
-          </a:prstGeom>
-          <a:noFill/>
-          <a:ln w="38100">
-            <a:noFill/>
-            <a:miter lim="800000"/>
-            <a:headEnd/>
-            <a:tailEnd type="none" w="lg" len="lg"/>
-          </a:ln>
-        </p:spPr>
-        <p:txBody>
-          <a:bodyPr wrap="square">
-            <a:spAutoFit/>
-          </a:bodyPr>
-          <a:lstStyle/>
-          <a:p>
-            <a:pPr algn="ctr"/>
-            <a:r>
-              <a:rPr lang="en-US" dirty="0"/>
-              <a:t> </a:t>
-            </a:r>
-            <a:r>
-              <a:rPr lang="en-US" sz="4400" dirty="0"/>
-              <a:t>gcd(899,493) = </a:t>
-            </a:r>
-            <a:r>
-              <a:rPr lang="en-US" sz="4400" b="1" dirty="0">
-                <a:solidFill>
-                  <a:srgbClr val="FF00FF"/>
-                </a:solidFill>
-                <a:latin typeface="Euclid Symbol" charset="2"/>
-                <a:cs typeface="Euclid Symbol" charset="2"/>
-              </a:rPr>
-              <a:t>-</a:t>
-            </a:r>
-            <a:r>
-              <a:rPr lang="en-US" sz="4400" dirty="0">
-                <a:solidFill>
-                  <a:srgbClr val="FF00FF"/>
-                </a:solidFill>
-              </a:rPr>
-              <a:t>6</a:t>
-            </a:r>
-            <a:r>
-              <a:rPr lang="en-US" sz="4400" dirty="0"/>
-              <a:t>·899 </a:t>
-            </a:r>
-            <a:r>
-              <a:rPr lang="en-US" sz="4400" b="1" dirty="0" smtClean="0">
-                <a:solidFill>
-                  <a:schemeClr val="accent1">
-                    <a:lumMod val="50000"/>
-                  </a:schemeClr>
-                </a:solidFill>
-                <a:latin typeface="Euclid Symbol" charset="2"/>
-                <a:cs typeface="Euclid Symbol" charset="2"/>
-              </a:rPr>
-              <a:t>+</a:t>
-            </a:r>
-            <a:r>
-              <a:rPr lang="en-US" sz="4400" dirty="0" smtClean="0"/>
-              <a:t> </a:t>
-            </a:r>
-            <a:r>
-              <a:rPr lang="en-US" sz="4400" dirty="0">
-                <a:solidFill>
-                  <a:srgbClr val="FF00FF"/>
-                </a:solidFill>
-              </a:rPr>
-              <a:t>11</a:t>
-            </a:r>
-            <a:r>
-              <a:rPr lang="en-US" sz="4400" dirty="0"/>
-              <a:t>∙493</a:t>
-            </a:r>
-            <a:endParaRPr lang="en-US" dirty="0"/>
-          </a:p>
-          <a:p>
-            <a:r>
-              <a:rPr lang="en-US" sz="4800" dirty="0"/>
-              <a:t>get positive </a:t>
-            </a:r>
-            <a:r>
-              <a:rPr lang="en-US" sz="4800" dirty="0" err="1"/>
-              <a:t>coeff</a:t>
-            </a:r>
-            <a:r>
-              <a:rPr lang="en-US" sz="4800" dirty="0"/>
-              <a:t>. for 899?:</a:t>
-            </a:r>
-          </a:p>
-          <a:p>
-            <a:r>
-              <a:rPr lang="en-US" dirty="0">
-                <a:solidFill>
-                  <a:srgbClr val="008000"/>
-                </a:solidFill>
-              </a:rPr>
-              <a:t> </a:t>
-            </a:r>
-            <a:r>
-              <a:rPr lang="en-US" sz="4400" dirty="0" smtClean="0"/>
-              <a:t>=</a:t>
-            </a:r>
-            <a:r>
-              <a:rPr lang="en-US" sz="4400" dirty="0" smtClean="0">
-                <a:solidFill>
-                  <a:srgbClr val="008000"/>
-                </a:solidFill>
-              </a:rPr>
-              <a:t>(</a:t>
-            </a:r>
-            <a:r>
-              <a:rPr lang="en-US" sz="4400" dirty="0">
-                <a:solidFill>
-                  <a:srgbClr val="FF00FF"/>
-                </a:solidFill>
-              </a:rPr>
-              <a:t>-6</a:t>
-            </a:r>
-            <a:r>
-              <a:rPr lang="en-US" sz="4400" dirty="0">
-                <a:solidFill>
-                  <a:srgbClr val="008000"/>
-                </a:solidFill>
-              </a:rPr>
-              <a:t>+493k)</a:t>
-            </a:r>
-            <a:r>
-              <a:rPr lang="en-US" sz="4400" dirty="0"/>
-              <a:t>·899 </a:t>
-            </a:r>
-            <a:r>
-              <a:rPr lang="en-US" sz="4400" b="1" dirty="0">
-                <a:solidFill>
-                  <a:schemeClr val="accent1">
-                    <a:lumMod val="50000"/>
-                  </a:schemeClr>
-                </a:solidFill>
-                <a:latin typeface="Euclid Symbol" charset="2"/>
-                <a:cs typeface="Euclid Symbol" charset="2"/>
-              </a:rPr>
-              <a:t>+</a:t>
-            </a:r>
-            <a:r>
-              <a:rPr lang="en-US" sz="4400" dirty="0" smtClean="0"/>
-              <a:t> </a:t>
-            </a:r>
-            <a:r>
-              <a:rPr lang="en-US" sz="4400" dirty="0" smtClean="0">
-                <a:solidFill>
-                  <a:srgbClr val="008000"/>
-                </a:solidFill>
-              </a:rPr>
-              <a:t>(</a:t>
-            </a:r>
-            <a:r>
-              <a:rPr lang="en-US" sz="4400" dirty="0" smtClean="0">
-                <a:solidFill>
-                  <a:srgbClr val="FF00FF"/>
-                </a:solidFill>
-              </a:rPr>
-              <a:t>11</a:t>
-            </a:r>
-            <a:r>
-              <a:rPr lang="en-US" sz="4400" dirty="0" smtClean="0">
-                <a:solidFill>
-                  <a:srgbClr val="008000"/>
-                </a:solidFill>
-              </a:rPr>
-              <a:t>-</a:t>
-            </a:r>
-            <a:r>
-              <a:rPr lang="en-US" sz="4400" dirty="0">
-                <a:solidFill>
-                  <a:srgbClr val="008000"/>
-                </a:solidFill>
-              </a:rPr>
-              <a:t>899k)</a:t>
-            </a:r>
-            <a:r>
-              <a:rPr lang="en-US" sz="4400" dirty="0"/>
-              <a:t>∙</a:t>
-            </a:r>
-            <a:r>
-              <a:rPr lang="en-US" sz="4400" dirty="0" smtClean="0"/>
-              <a:t>493</a:t>
-            </a:r>
-            <a:endParaRPr lang="en-US" sz="4400" dirty="0"/>
-          </a:p>
-          <a:p>
-            <a:r>
-              <a:rPr lang="en-US" sz="4800" dirty="0" smtClean="0"/>
-              <a:t>let </a:t>
-            </a:r>
-            <a:r>
-              <a:rPr lang="en-US" sz="4800" dirty="0" smtClean="0">
-                <a:solidFill>
-                  <a:srgbClr val="008000"/>
-                </a:solidFill>
-              </a:rPr>
-              <a:t>k</a:t>
-            </a:r>
-            <a:r>
-              <a:rPr lang="en-US" sz="4800" dirty="0" smtClean="0"/>
-              <a:t> be </a:t>
-            </a:r>
-            <a:r>
-              <a:rPr lang="en-US" sz="4800" dirty="0" smtClean="0">
-                <a:solidFill>
-                  <a:srgbClr val="0000FF"/>
-                </a:solidFill>
-              </a:rPr>
-              <a:t>1</a:t>
-            </a:r>
-            <a:r>
-              <a:rPr lang="en-US" sz="4800" dirty="0"/>
-              <a:t>: </a:t>
-            </a:r>
-            <a:endParaRPr lang="en-US" sz="4800" dirty="0" smtClean="0"/>
-          </a:p>
-          <a:p>
-            <a:pPr algn="ctr"/>
-            <a:r>
-              <a:rPr lang="en-US" sz="5400" dirty="0" smtClean="0">
-                <a:solidFill>
-                  <a:srgbClr val="0000CC"/>
-                </a:solidFill>
-              </a:rPr>
-              <a:t>= 487</a:t>
-            </a:r>
-            <a:r>
-              <a:rPr lang="en-US" sz="5400" dirty="0"/>
-              <a:t>·899 </a:t>
-            </a:r>
-            <a:r>
-              <a:rPr lang="en-US" sz="5400" dirty="0" smtClean="0">
-                <a:solidFill>
-                  <a:srgbClr val="0000CC"/>
-                </a:solidFill>
-              </a:rPr>
-              <a:t>- 888</a:t>
-            </a:r>
-            <a:r>
-              <a:rPr lang="en-US" sz="5400" dirty="0"/>
-              <a:t>∙</a:t>
-            </a:r>
-            <a:r>
-              <a:rPr lang="en-US" sz="5400" dirty="0" smtClean="0"/>
-              <a:t>493</a:t>
-            </a:r>
-            <a:endParaRPr lang="en-US" sz="5400" dirty="0"/>
-          </a:p>
-        </p:txBody>
-      </p:sp>
-      <p:sp>
-        <p:nvSpPr>
-          <p:cNvPr id="33796" name="Slide Number Placeholder 3"/>
-          <p:cNvSpPr>
-            <a:spLocks noGrp="1"/>
-          </p:cNvSpPr>
-          <p:nvPr>
-            <p:ph type="sldNum" sz="quarter" idx="4"/>
-          </p:nvPr>
-        </p:nvSpPr>
-        <p:spPr>
-          <a:xfrm>
-            <a:off x="7772400" y="6553200"/>
-            <a:ext cx="1295400" cy="304800"/>
-          </a:xfrm>
-          <a:noFill/>
-        </p:spPr>
-        <p:txBody>
-          <a:bodyPr/>
-          <a:lstStyle/>
-          <a:p>
-            <a:r>
-              <a:rPr lang="en-US" dirty="0" smtClean="0">
-                <a:latin typeface="Comic Sans MS" pitchFamily="8" charset="0"/>
-              </a:rPr>
-              <a:t>pulverize.</a:t>
-            </a:r>
-            <a:fld id="{0B31A3FA-1C63-4F3C-BCF4-B7AE1EB41B06}" type="slidenum">
-              <a:rPr lang="en-US" sz="1200" smtClean="0">
-                <a:latin typeface="Comic Sans MS" pitchFamily="8" charset="0"/>
-              </a:rPr>
-              <a:pPr/>
-              <a:t>13</a:t>
-            </a:fld>
-            <a:endParaRPr lang="en-US" sz="1200" dirty="0" smtClean="0">
-              <a:latin typeface="Comic Sans MS" pitchFamily="8" charset="0"/>
-            </a:endParaRPr>
-          </a:p>
-        </p:txBody>
-      </p:sp>
-      <p:sp>
-        <p:nvSpPr>
-          <p:cNvPr id="6" name="Rectangle 2"/>
-          <p:cNvSpPr>
-            <a:spLocks noGrp="1" noChangeArrowheads="1"/>
-          </p:cNvSpPr>
-          <p:nvPr>
-            <p:ph type="title"/>
-          </p:nvPr>
-        </p:nvSpPr>
-        <p:spPr>
-          <a:xfrm>
-            <a:off x="2286000" y="0"/>
-            <a:ext cx="6172200" cy="1143000"/>
-          </a:xfrm>
-        </p:spPr>
-        <p:txBody>
-          <a:bodyPr/>
-          <a:lstStyle/>
-          <a:p>
-            <a:pPr eaLnBrk="1" hangingPunct="1"/>
-            <a:r>
-              <a:rPr lang="en-US" sz="4800" dirty="0" smtClean="0"/>
-              <a:t>Finding </a:t>
-            </a:r>
-            <a:r>
-              <a:rPr lang="en-US" sz="5400" dirty="0" smtClean="0">
-                <a:solidFill>
-                  <a:srgbClr val="FF00FF"/>
-                </a:solidFill>
-              </a:rPr>
-              <a:t>s</a:t>
-            </a:r>
-            <a:r>
-              <a:rPr lang="en-US" sz="5400" dirty="0" smtClean="0">
-                <a:solidFill>
-                  <a:srgbClr val="0000FF"/>
-                </a:solidFill>
-                <a:latin typeface="Euclid Symbol" charset="2"/>
-                <a:cs typeface="Euclid Symbol" charset="2"/>
-              </a:rPr>
-              <a:t>&gt;</a:t>
-            </a:r>
-            <a:r>
-              <a:rPr lang="en-US" sz="5400" b="0" dirty="0" smtClean="0">
-                <a:solidFill>
-                  <a:srgbClr val="0000FF"/>
-                </a:solidFill>
-                <a:latin typeface="Comic Sans MS"/>
-                <a:cs typeface="Comic Sans MS"/>
-              </a:rPr>
-              <a:t>0</a:t>
-            </a:r>
-            <a:r>
-              <a:rPr lang="en-US" sz="4800" dirty="0" smtClean="0"/>
-              <a:t> and </a:t>
-            </a:r>
-            <a:r>
-              <a:rPr lang="en-US" sz="5400" dirty="0" smtClean="0">
-                <a:solidFill>
-                  <a:srgbClr val="FF00FF"/>
-                </a:solidFill>
-              </a:rPr>
-              <a:t>t</a:t>
-            </a:r>
-            <a:endParaRPr lang="en-US" sz="4800" dirty="0" smtClean="0">
-              <a:solidFill>
-                <a:srgbClr val="FF00FF"/>
-              </a:solidFill>
-            </a:endParaRPr>
-          </a:p>
-        </p:txBody>
-      </p:sp>
-    </p:spTree>
-  </p:cSld>
-  <p:clrMapOvr>
-    <a:masterClrMapping/>
-  </p:clrMapOvr>
-  <p:transition xmlns:p14="http://schemas.microsoft.com/office/powerpoint/2010/main" spd="slow" advClick="0">
-    <p:fade thruBlk="1"/>
-  </p:transition>
-  <p:timing>
-    <p:tnLst>
-      <p:par>
-        <p:cTn xmlns:p14="http://schemas.microsoft.com/office/powerpoint/2010/main" id="1" dur="indefinite" restart="never" nodeType="tmRoot">
-          <p:childTnLst>
-            <p:seq concurrent="1" nextAc="seek">
-              <p:cTn id="2" dur="indefinite" nodeType="mainSeq">
-                <p:childTnLst>
-                  <p:par>
-                    <p:cTn id="3" fill="hold">
-                      <p:stCondLst>
-                        <p:cond delay="indefinite"/>
-                      </p:stCondLst>
-                      <p:childTnLst>
-                        <p:par>
-                          <p:cTn id="4" fill="hold">
-                            <p:stCondLst>
-                              <p:cond delay="0"/>
-                            </p:stCondLst>
-                            <p:childTnLst>
-                              <p:par>
-                                <p:cTn id="5" presetID="9" presetClass="entr" presetSubtype="0" fill="hold" grpId="0" nodeType="clickEffect">
-                                  <p:stCondLst>
-                                    <p:cond delay="0"/>
-                                  </p:stCondLst>
-                                  <p:childTnLst>
-                                    <p:set>
-                                      <p:cBhvr>
-                                        <p:cTn id="6" dur="1" fill="hold">
-                                          <p:stCondLst>
-                                            <p:cond delay="0"/>
-                                          </p:stCondLst>
-                                        </p:cTn>
-                                        <p:tgtEl>
-                                          <p:spTgt spid="791555">
-                                            <p:txEl>
-                                              <p:pRg st="1" end="1"/>
-                                            </p:txEl>
-                                          </p:spTgt>
-                                        </p:tgtEl>
-                                        <p:attrNameLst>
-                                          <p:attrName>style.visibility</p:attrName>
-                                        </p:attrNameLst>
-                                      </p:cBhvr>
-                                      <p:to>
-                                        <p:strVal val="visible"/>
-                                      </p:to>
-                                    </p:set>
-                                    <p:animEffect transition="in" filter="dissolve">
-                                      <p:cBhvr>
-                                        <p:cTn id="7" dur="500"/>
-                                        <p:tgtEl>
-                                          <p:spTgt spid="791555">
-                                            <p:txEl>
-                                              <p:pRg st="1" end="1"/>
-                                            </p:txEl>
-                                          </p:spTgt>
-                                        </p:tgtEl>
-                                      </p:cBhvr>
-                                    </p:animEffect>
-                                  </p:childTnLst>
-                                </p:cTn>
-                              </p:par>
-                            </p:childTnLst>
-                          </p:cTn>
-                        </p:par>
-                      </p:childTnLst>
-                    </p:cTn>
-                  </p:par>
-                  <p:par>
-                    <p:cTn id="8" fill="hold">
-                      <p:stCondLst>
-                        <p:cond delay="indefinite"/>
-                      </p:stCondLst>
-                      <p:childTnLst>
-                        <p:par>
-                          <p:cTn id="9" fill="hold">
-                            <p:stCondLst>
-                              <p:cond delay="0"/>
-                            </p:stCondLst>
-                            <p:childTnLst>
-                              <p:par>
-                                <p:cTn id="10" presetID="22" presetClass="entr" presetSubtype="8" fill="hold" grpId="0" nodeType="clickEffect">
-                                  <p:stCondLst>
-                                    <p:cond delay="0"/>
-                                  </p:stCondLst>
-                                  <p:childTnLst>
-                                    <p:set>
-                                      <p:cBhvr>
-                                        <p:cTn id="11" dur="1" fill="hold">
-                                          <p:stCondLst>
-                                            <p:cond delay="0"/>
-                                          </p:stCondLst>
-                                        </p:cTn>
-                                        <p:tgtEl>
-                                          <p:spTgt spid="791555">
-                                            <p:txEl>
-                                              <p:pRg st="2" end="2"/>
-                                            </p:txEl>
-                                          </p:spTgt>
-                                        </p:tgtEl>
-                                        <p:attrNameLst>
-                                          <p:attrName>style.visibility</p:attrName>
-                                        </p:attrNameLst>
-                                      </p:cBhvr>
-                                      <p:to>
-                                        <p:strVal val="visible"/>
-                                      </p:to>
-                                    </p:set>
-                                    <p:animEffect transition="in" filter="wipe(left)">
-                                      <p:cBhvr>
-                                        <p:cTn id="12" dur="1000"/>
-                                        <p:tgtEl>
-                                          <p:spTgt spid="791555">
-                                            <p:txEl>
-                                              <p:pRg st="2" end="2"/>
-                                            </p:txEl>
-                                          </p:spTgt>
-                                        </p:tgtEl>
-                                      </p:cBhvr>
-                                    </p:animEffect>
-                                  </p:childTnLst>
-                                </p:cTn>
-                              </p:par>
-                            </p:childTnLst>
-                          </p:cTn>
-                        </p:par>
-                      </p:childTnLst>
-                    </p:cTn>
-                  </p:par>
-                  <p:par>
-                    <p:cTn id="13" fill="hold">
-                      <p:stCondLst>
-                        <p:cond delay="indefinite"/>
-                      </p:stCondLst>
-                      <p:childTnLst>
-                        <p:par>
-                          <p:cTn id="14" fill="hold">
-                            <p:stCondLst>
-                              <p:cond delay="0"/>
-                            </p:stCondLst>
-                            <p:childTnLst>
-                              <p:par>
-                                <p:cTn id="15" presetID="9" presetClass="entr" presetSubtype="0" fill="hold" grpId="0" nodeType="clickEffect">
-                                  <p:stCondLst>
-                                    <p:cond delay="0"/>
-                                  </p:stCondLst>
-                                  <p:childTnLst>
-                                    <p:set>
-                                      <p:cBhvr>
-                                        <p:cTn id="16" dur="1" fill="hold">
-                                          <p:stCondLst>
-                                            <p:cond delay="0"/>
-                                          </p:stCondLst>
-                                        </p:cTn>
-                                        <p:tgtEl>
-                                          <p:spTgt spid="791555">
-                                            <p:txEl>
-                                              <p:pRg st="3" end="3"/>
-                                            </p:txEl>
-                                          </p:spTgt>
-                                        </p:tgtEl>
-                                        <p:attrNameLst>
-                                          <p:attrName>style.visibility</p:attrName>
-                                        </p:attrNameLst>
-                                      </p:cBhvr>
-                                      <p:to>
-                                        <p:strVal val="visible"/>
-                                      </p:to>
-                                    </p:set>
-                                    <p:animEffect transition="in" filter="dissolve">
-                                      <p:cBhvr>
-                                        <p:cTn id="17" dur="500"/>
-                                        <p:tgtEl>
-                                          <p:spTgt spid="791555">
-                                            <p:txEl>
-                                              <p:pRg st="3" end="3"/>
-                                            </p:txEl>
-                                          </p:spTgt>
-                                        </p:tgtEl>
-                                      </p:cBhvr>
-                                    </p:animEffect>
-                                  </p:childTnLst>
-                                </p:cTn>
-                              </p:par>
-                            </p:childTnLst>
-                          </p:cTn>
-                        </p:par>
-                      </p:childTnLst>
-                    </p:cTn>
-                  </p:par>
-                  <p:par>
-                    <p:cTn id="18" fill="hold">
-                      <p:stCondLst>
-                        <p:cond delay="indefinite"/>
-                      </p:stCondLst>
-                      <p:childTnLst>
-                        <p:par>
-                          <p:cTn id="19" fill="hold">
-                            <p:stCondLst>
-                              <p:cond delay="0"/>
-                            </p:stCondLst>
-                            <p:childTnLst>
-                              <p:par>
-                                <p:cTn id="20" presetID="9" presetClass="entr" presetSubtype="0" fill="hold" grpId="0" nodeType="clickEffect">
-                                  <p:stCondLst>
-                                    <p:cond delay="0"/>
-                                  </p:stCondLst>
-                                  <p:childTnLst>
-                                    <p:set>
-                                      <p:cBhvr>
-                                        <p:cTn id="21" dur="1" fill="hold">
-                                          <p:stCondLst>
-                                            <p:cond delay="0"/>
-                                          </p:stCondLst>
-                                        </p:cTn>
-                                        <p:tgtEl>
-                                          <p:spTgt spid="791555">
-                                            <p:txEl>
-                                              <p:pRg st="4" end="4"/>
-                                            </p:txEl>
-                                          </p:spTgt>
-                                        </p:tgtEl>
-                                        <p:attrNameLst>
-                                          <p:attrName>style.visibility</p:attrName>
-                                        </p:attrNameLst>
-                                      </p:cBhvr>
-                                      <p:to>
-                                        <p:strVal val="visible"/>
-                                      </p:to>
-                                    </p:set>
-                                    <p:animEffect transition="in" filter="dissolve">
-                                      <p:cBhvr>
-                                        <p:cTn id="22" dur="500"/>
-                                        <p:tgtEl>
-                                          <p:spTgt spid="791555">
-                                            <p:txEl>
-                                              <p:pRg st="4" end="4"/>
-                                            </p:txEl>
-                                          </p:spTgt>
-                                        </p:tgtEl>
-                                      </p:cBhvr>
-                                    </p:animEffect>
-                                  </p:childTnLst>
-                                </p:cTn>
-                              </p:par>
-                            </p:childTnLst>
-                          </p:cTn>
-                        </p:par>
-                      </p:childTnLst>
-                    </p:cTn>
-                  </p:par>
-                </p:childTnLst>
-              </p:cTn>
-              <p:prevCondLst>
-                <p:cond evt="onPrev" delay="0">
-                  <p:tgtEl>
-                    <p:sldTgt/>
-                  </p:tgtEl>
-                </p:cond>
-              </p:prevCondLst>
-              <p:nextCondLst>
-                <p:cond evt="onNext" delay="0">
-                  <p:tgtEl>
-                    <p:sldTgt/>
-                  </p:tgtEl>
-                </p:cond>
-              </p:nextCondLst>
-            </p:seq>
-          </p:childTnLst>
-        </p:cTn>
-      </p:par>
-    </p:tnLst>
-    <p:bldLst>
-      <p:bldP spid="791555" grpId="0" build="p"/>
-    </p:bldLst>
-  </p:timing>
-</p:sld>
-</file>
-
-<file path=ppt/slides/slide14.xml><?xml version="1.0" encoding="utf-8"?>
+<file path=ppt/slides/slide18.xml><?xml version="1.0" encoding="utf-8"?>
 <p:sld xmlns:a="http://schemas.openxmlformats.org/drawingml/2006/main" xmlns:r="http://schemas.openxmlformats.org/officeDocument/2006/relationships" xmlns:p="http://schemas.openxmlformats.org/presentationml/2006/main" show="0">
   <p:cSld>
     <p:spTree>
@@ -8709,7 +12526,7 @@
               <a:pPr>
                 <a:defRPr/>
               </a:pPr>
-              <a:t>14</a:t>
+              <a:t>18</a:t>
             </a:fld>
             <a:endParaRPr lang="en-US" sz="1200" dirty="0"/>
           </a:p>
@@ -8737,7 +12554,7 @@
           <a:graphicData uri="http://schemas.openxmlformats.org/presentationml/2006/ole">
             <mc:AlternateContent xmlns:mc="http://schemas.openxmlformats.org/markup-compatibility/2006">
               <mc:Choice xmlns:v="urn:schemas-microsoft-com:vml" Requires="v">
-                <p:oleObj spid="_x0000_s1041" name="Equation" r:id="rId3" imgW="406400" imgH="292100" progId="Equation.DSMT4">
+                <p:oleObj spid="_x0000_s1049" name="Equation" r:id="rId3" imgW="406400" imgH="292100" progId="Equation.DSMT4">
                   <p:embed/>
                 </p:oleObj>
               </mc:Choice>
@@ -9134,679 +12951,7 @@
 </p:sld>
 </file>
 
-<file path=ppt/slides/slide15.xml><?xml version="1.0" encoding="utf-8"?>
-<p:sld xmlns:a="http://schemas.openxmlformats.org/drawingml/2006/main" xmlns:r="http://schemas.openxmlformats.org/officeDocument/2006/relationships" xmlns:p="http://schemas.openxmlformats.org/presentationml/2006/main">
-  <p:cSld>
-    <p:spTree>
-      <p:nvGrpSpPr>
-        <p:cNvPr id="1" name=""/>
-        <p:cNvGrpSpPr/>
-        <p:nvPr/>
-      </p:nvGrpSpPr>
-      <p:grpSpPr>
-        <a:xfrm>
-          <a:off x="0" y="0"/>
-          <a:ext cx="0" cy="0"/>
-          <a:chOff x="0" y="0"/>
-          <a:chExt cx="0" cy="0"/>
-        </a:xfrm>
-      </p:grpSpPr>
-      <p:sp>
-        <p:nvSpPr>
-          <p:cNvPr id="2" name="Title 1"/>
-          <p:cNvSpPr>
-            <a:spLocks noGrp="1"/>
-          </p:cNvSpPr>
-          <p:nvPr>
-            <p:ph type="title"/>
-          </p:nvPr>
-        </p:nvSpPr>
-        <p:spPr/>
-        <p:txBody>
-          <a:bodyPr/>
-          <a:lstStyle/>
-          <a:p>
-            <a:r>
-              <a:rPr lang="en-US" dirty="0" err="1" smtClean="0"/>
-              <a:t>Pulverizer</a:t>
-            </a:r>
-            <a:r>
-              <a:rPr lang="en-US" dirty="0" smtClean="0"/>
-              <a:t> is efficient</a:t>
-            </a:r>
-            <a:endParaRPr lang="en-US" dirty="0"/>
-          </a:p>
-        </p:txBody>
-      </p:sp>
-      <p:sp>
-        <p:nvSpPr>
-          <p:cNvPr id="3" name="Content Placeholder 2"/>
-          <p:cNvSpPr>
-            <a:spLocks noGrp="1"/>
-          </p:cNvSpPr>
-          <p:nvPr>
-            <p:ph idx="1"/>
-          </p:nvPr>
-        </p:nvSpPr>
-        <p:spPr>
-          <a:xfrm>
-            <a:off x="152400" y="838200"/>
-            <a:ext cx="8915400" cy="5257800"/>
-          </a:xfrm>
-        </p:spPr>
-        <p:txBody>
-          <a:bodyPr/>
-          <a:lstStyle/>
-          <a:p>
-            <a:r>
-              <a:rPr lang="en-US" sz="4800" dirty="0" smtClean="0"/>
-              <a:t>Same number of transitions as</a:t>
-            </a:r>
-          </a:p>
-          <a:p>
-            <a:r>
-              <a:rPr lang="en-US" sz="4800" dirty="0" smtClean="0"/>
-              <a:t>Euclid</a:t>
-            </a:r>
-            <a:endParaRPr lang="en-US" sz="5400" dirty="0"/>
-          </a:p>
-        </p:txBody>
-      </p:sp>
-      <p:sp>
-        <p:nvSpPr>
-          <p:cNvPr id="4" name="Slide Number Placeholder 3"/>
-          <p:cNvSpPr>
-            <a:spLocks noGrp="1"/>
-          </p:cNvSpPr>
-          <p:nvPr>
-            <p:ph type="sldNum" sz="quarter" idx="4"/>
-          </p:nvPr>
-        </p:nvSpPr>
-        <p:spPr/>
-        <p:txBody>
-          <a:bodyPr/>
-          <a:lstStyle/>
-          <a:p>
-            <a:pPr>
-              <a:defRPr/>
-            </a:pPr>
-            <a:r>
-              <a:rPr lang="en-US" smtClean="0"/>
-              <a:t>pulverize</a:t>
-            </a:r>
-            <a:r>
-              <a:rPr lang="en-US" sz="1200" smtClean="0"/>
-              <a:t>.</a:t>
-            </a:r>
-            <a:fld id="{1C5A3C10-33AF-4A87-9059-D1C83461B876}" type="slidenum">
-              <a:rPr lang="en-US" sz="1200" smtClean="0"/>
-              <a:pPr>
-                <a:defRPr/>
-              </a:pPr>
-              <a:t>15</a:t>
-            </a:fld>
-            <a:endParaRPr lang="en-US" sz="1200" dirty="0"/>
-          </a:p>
-        </p:txBody>
-      </p:sp>
-    </p:spTree>
-    <p:extLst>
-      <p:ext uri="{BB962C8B-B14F-4D97-AF65-F5344CB8AC3E}">
-        <p14:creationId xmlns:p14="http://schemas.microsoft.com/office/powerpoint/2010/main" val="963636543"/>
-      </p:ext>
-    </p:extLst>
-  </p:cSld>
-  <p:clrMapOvr>
-    <a:masterClrMapping/>
-  </p:clrMapOvr>
-  <p:transition xmlns:p14="http://schemas.microsoft.com/office/powerpoint/2010/main" spd="slow" advClick="0">
-    <p:fade thruBlk="1"/>
-  </p:transition>
-  <p:timing>
-    <p:tnLst>
-      <p:par>
-        <p:cTn xmlns:p14="http://schemas.microsoft.com/office/powerpoint/2010/main" id="1" dur="indefinite" restart="never" nodeType="tmRoot">
-          <p:childTnLst>
-            <p:seq concurrent="1" nextAc="seek">
-              <p:cTn id="2" dur="indefinite" nodeType="mainSeq">
-                <p:childTnLst>
-                  <p:par>
-                    <p:cTn id="3" fill="hold">
-                      <p:stCondLst>
-                        <p:cond delay="indefinite"/>
-                      </p:stCondLst>
-                      <p:childTnLst>
-                        <p:par>
-                          <p:cTn id="4" fill="hold">
-                            <p:stCondLst>
-                              <p:cond delay="0"/>
-                            </p:stCondLst>
-                            <p:childTnLst>
-                              <p:par>
-                                <p:cTn id="5" presetID="10" presetClass="entr" presetSubtype="0" fill="hold" grpId="0" nodeType="clickEffect">
-                                  <p:stCondLst>
-                                    <p:cond delay="0"/>
-                                  </p:stCondLst>
-                                  <p:childTnLst>
-                                    <p:set>
-                                      <p:cBhvr>
-                                        <p:cTn id="6" dur="1" fill="hold">
-                                          <p:stCondLst>
-                                            <p:cond delay="0"/>
-                                          </p:stCondLst>
-                                        </p:cTn>
-                                        <p:tgtEl>
-                                          <p:spTgt spid="3">
-                                            <p:txEl>
-                                              <p:pRg st="0" end="0"/>
-                                            </p:txEl>
-                                          </p:spTgt>
-                                        </p:tgtEl>
-                                        <p:attrNameLst>
-                                          <p:attrName>style.visibility</p:attrName>
-                                        </p:attrNameLst>
-                                      </p:cBhvr>
-                                      <p:to>
-                                        <p:strVal val="visible"/>
-                                      </p:to>
-                                    </p:set>
-                                    <p:animEffect transition="in" filter="fade">
-                                      <p:cBhvr>
-                                        <p:cTn id="7" dur="500"/>
-                                        <p:tgtEl>
-                                          <p:spTgt spid="3">
-                                            <p:txEl>
-                                              <p:pRg st="0" end="0"/>
-                                            </p:txEl>
-                                          </p:spTgt>
-                                        </p:tgtEl>
-                                      </p:cBhvr>
-                                    </p:animEffect>
-                                  </p:childTnLst>
-                                </p:cTn>
-                              </p:par>
-                              <p:par>
-                                <p:cTn id="8" presetID="10" presetClass="entr" presetSubtype="0" fill="hold" grpId="0" nodeType="withEffect">
-                                  <p:stCondLst>
-                                    <p:cond delay="0"/>
-                                  </p:stCondLst>
-                                  <p:childTnLst>
-                                    <p:set>
-                                      <p:cBhvr>
-                                        <p:cTn id="9" dur="1" fill="hold">
-                                          <p:stCondLst>
-                                            <p:cond delay="0"/>
-                                          </p:stCondLst>
-                                        </p:cTn>
-                                        <p:tgtEl>
-                                          <p:spTgt spid="3">
-                                            <p:txEl>
-                                              <p:pRg st="1" end="1"/>
-                                            </p:txEl>
-                                          </p:spTgt>
-                                        </p:tgtEl>
-                                        <p:attrNameLst>
-                                          <p:attrName>style.visibility</p:attrName>
-                                        </p:attrNameLst>
-                                      </p:cBhvr>
-                                      <p:to>
-                                        <p:strVal val="visible"/>
-                                      </p:to>
-                                    </p:set>
-                                    <p:animEffect transition="in" filter="fade">
-                                      <p:cBhvr>
-                                        <p:cTn id="10" dur="500"/>
-                                        <p:tgtEl>
-                                          <p:spTgt spid="3">
-                                            <p:txEl>
-                                              <p:pRg st="1" end="1"/>
-                                            </p:txEl>
-                                          </p:spTgt>
-                                        </p:tgtEl>
-                                      </p:cBhvr>
-                                    </p:animEffect>
-                                  </p:childTnLst>
-                                </p:cTn>
-                              </p:par>
-                            </p:childTnLst>
-                          </p:cTn>
-                        </p:par>
-                      </p:childTnLst>
-                    </p:cTn>
-                  </p:par>
-                </p:childTnLst>
-              </p:cTn>
-              <p:prevCondLst>
-                <p:cond evt="onPrev" delay="0">
-                  <p:tgtEl>
-                    <p:sldTgt/>
-                  </p:tgtEl>
-                </p:cond>
-              </p:prevCondLst>
-              <p:nextCondLst>
-                <p:cond evt="onNext" delay="0">
-                  <p:tgtEl>
-                    <p:sldTgt/>
-                  </p:tgtEl>
-                </p:cond>
-              </p:nextCondLst>
-            </p:seq>
-          </p:childTnLst>
-        </p:cTn>
-      </p:par>
-    </p:tnLst>
-    <p:bldLst>
-      <p:bldP spid="3" grpId="0" build="p"/>
-    </p:bldLst>
-  </p:timing>
-</p:sld>
-</file>
-
-<file path=ppt/slides/slide16.xml><?xml version="1.0" encoding="utf-8"?>
-<p:sld xmlns:a="http://schemas.openxmlformats.org/drawingml/2006/main" xmlns:r="http://schemas.openxmlformats.org/officeDocument/2006/relationships" xmlns:p="http://schemas.openxmlformats.org/presentationml/2006/main">
-  <p:cSld>
-    <p:spTree>
-      <p:nvGrpSpPr>
-        <p:cNvPr id="1" name=""/>
-        <p:cNvGrpSpPr/>
-        <p:nvPr/>
-      </p:nvGrpSpPr>
-      <p:grpSpPr>
-        <a:xfrm>
-          <a:off x="0" y="0"/>
-          <a:ext cx="0" cy="0"/>
-          <a:chOff x="0" y="0"/>
-          <a:chExt cx="0" cy="0"/>
-        </a:xfrm>
-      </p:grpSpPr>
-      <p:sp>
-        <p:nvSpPr>
-          <p:cNvPr id="2" name="Title 1"/>
-          <p:cNvSpPr>
-            <a:spLocks noGrp="1"/>
-          </p:cNvSpPr>
-          <p:nvPr>
-            <p:ph type="title"/>
-          </p:nvPr>
-        </p:nvSpPr>
-        <p:spPr/>
-        <p:txBody>
-          <a:bodyPr/>
-          <a:lstStyle/>
-          <a:p>
-            <a:r>
-              <a:rPr lang="en-US" dirty="0" err="1" smtClean="0"/>
-              <a:t>Pulverizer</a:t>
-            </a:r>
-            <a:r>
-              <a:rPr lang="en-US" dirty="0" smtClean="0"/>
-              <a:t> is efficient</a:t>
-            </a:r>
-            <a:endParaRPr lang="en-US" dirty="0"/>
-          </a:p>
-        </p:txBody>
-      </p:sp>
-      <p:sp>
-        <p:nvSpPr>
-          <p:cNvPr id="3" name="Content Placeholder 2"/>
-          <p:cNvSpPr>
-            <a:spLocks noGrp="1"/>
-          </p:cNvSpPr>
-          <p:nvPr>
-            <p:ph idx="1"/>
-          </p:nvPr>
-        </p:nvSpPr>
-        <p:spPr>
-          <a:xfrm>
-            <a:off x="152400" y="838200"/>
-            <a:ext cx="8915400" cy="5257800"/>
-          </a:xfrm>
-        </p:spPr>
-        <p:txBody>
-          <a:bodyPr/>
-          <a:lstStyle/>
-          <a:p>
-            <a:r>
-              <a:rPr lang="en-US" sz="4800" dirty="0" smtClean="0"/>
-              <a:t>Same number of transitions as</a:t>
-            </a:r>
-          </a:p>
-          <a:p>
-            <a:r>
-              <a:rPr lang="en-US" sz="4800" dirty="0" smtClean="0"/>
-              <a:t>Euclid, a few more adds/</a:t>
-            </a:r>
-            <a:r>
-              <a:rPr lang="en-US" sz="4800" dirty="0" err="1" smtClean="0"/>
-              <a:t>mults</a:t>
-            </a:r>
-            <a:r>
-              <a:rPr lang="en-US" sz="4800" dirty="0" smtClean="0"/>
-              <a:t> </a:t>
-            </a:r>
-          </a:p>
-          <a:p>
-            <a:r>
-              <a:rPr lang="en-US" sz="5400" dirty="0" smtClean="0"/>
-              <a:t>per transition.</a:t>
-            </a:r>
-          </a:p>
-          <a:p>
-            <a:r>
-              <a:rPr lang="en-US" sz="5400" dirty="0" smtClean="0"/>
-              <a:t>So halts after at most</a:t>
-            </a:r>
-          </a:p>
-          <a:p>
-            <a:r>
-              <a:rPr lang="en-US" sz="5400" dirty="0" smtClean="0"/>
-              <a:t>                     operations</a:t>
-            </a:r>
-            <a:endParaRPr lang="en-US" sz="5400" dirty="0"/>
-          </a:p>
-        </p:txBody>
-      </p:sp>
-      <p:sp>
-        <p:nvSpPr>
-          <p:cNvPr id="4" name="Slide Number Placeholder 3"/>
-          <p:cNvSpPr>
-            <a:spLocks noGrp="1"/>
-          </p:cNvSpPr>
-          <p:nvPr>
-            <p:ph type="sldNum" sz="quarter" idx="4"/>
-          </p:nvPr>
-        </p:nvSpPr>
-        <p:spPr/>
-        <p:txBody>
-          <a:bodyPr/>
-          <a:lstStyle/>
-          <a:p>
-            <a:pPr>
-              <a:defRPr/>
-            </a:pPr>
-            <a:r>
-              <a:rPr lang="en-US" smtClean="0"/>
-              <a:t>pulverize</a:t>
-            </a:r>
-            <a:r>
-              <a:rPr lang="en-US" sz="1200" smtClean="0"/>
-              <a:t>.</a:t>
-            </a:r>
-            <a:fld id="{1C5A3C10-33AF-4A87-9059-D1C83461B876}" type="slidenum">
-              <a:rPr lang="en-US" sz="1200" smtClean="0"/>
-              <a:pPr>
-                <a:defRPr/>
-              </a:pPr>
-              <a:t>16</a:t>
-            </a:fld>
-            <a:endParaRPr lang="en-US" sz="1200" dirty="0"/>
-          </a:p>
-        </p:txBody>
-      </p:sp>
-      <p:graphicFrame>
-        <p:nvGraphicFramePr>
-          <p:cNvPr id="5" name="Object 4"/>
-          <p:cNvGraphicFramePr>
-            <a:graphicFrameLocks noChangeAspect="1"/>
-          </p:cNvGraphicFramePr>
-          <p:nvPr>
-            <p:extLst>
-              <p:ext uri="{D42A27DB-BD31-4B8C-83A1-F6EECF244321}">
-                <p14:modId xmlns:p14="http://schemas.microsoft.com/office/powerpoint/2010/main" val="1987156403"/>
-              </p:ext>
-            </p:extLst>
-          </p:nvPr>
-        </p:nvGraphicFramePr>
-        <p:xfrm>
-          <a:off x="1476375" y="4278312"/>
-          <a:ext cx="2762250" cy="1589088"/>
-        </p:xfrm>
-        <a:graphic>
-          <a:graphicData uri="http://schemas.openxmlformats.org/presentationml/2006/ole">
-            <mc:AlternateContent xmlns:mc="http://schemas.openxmlformats.org/markup-compatibility/2006">
-              <mc:Choice xmlns:v="urn:schemas-microsoft-com:vml" Requires="v">
-                <p:oleObj spid="_x0000_s3077" name="Equation" r:id="rId3" imgW="508000" imgH="292100" progId="Equation.DSMT4">
-                  <p:embed/>
-                </p:oleObj>
-              </mc:Choice>
-              <mc:Fallback>
-                <p:oleObj name="Equation" r:id="rId3" imgW="508000" imgH="292100" progId="Equation.DSMT4">
-                  <p:embed/>
-                  <p:pic>
-                    <p:nvPicPr>
-                      <p:cNvPr id="0" name=""/>
-                      <p:cNvPicPr/>
-                      <p:nvPr/>
-                    </p:nvPicPr>
-                    <p:blipFill>
-                      <a:blip r:embed="rId4"/>
-                      <a:stretch>
-                        <a:fillRect/>
-                      </a:stretch>
-                    </p:blipFill>
-                    <p:spPr>
-                      <a:xfrm>
-                        <a:off x="1476375" y="4278312"/>
-                        <a:ext cx="2762250" cy="1589088"/>
-                      </a:xfrm>
-                      <a:prstGeom prst="rect">
-                        <a:avLst/>
-                      </a:prstGeom>
-                    </p:spPr>
-                  </p:pic>
-                </p:oleObj>
-              </mc:Fallback>
-            </mc:AlternateContent>
-          </a:graphicData>
-        </a:graphic>
-      </p:graphicFrame>
-    </p:spTree>
-    <p:extLst>
-      <p:ext uri="{BB962C8B-B14F-4D97-AF65-F5344CB8AC3E}">
-        <p14:creationId xmlns:p14="http://schemas.microsoft.com/office/powerpoint/2010/main" val="2084915408"/>
-      </p:ext>
-    </p:extLst>
-  </p:cSld>
-  <p:clrMapOvr>
-    <a:masterClrMapping/>
-  </p:clrMapOvr>
-  <mc:AlternateContent xmlns:mc="http://schemas.openxmlformats.org/markup-compatibility/2006" xmlns:p14="http://schemas.microsoft.com/office/powerpoint/2010/main">
-    <mc:Choice Requires="p14">
-      <p:transition spd="med" p14:dur="700" advClick="0">
-        <p:fade/>
-      </p:transition>
-    </mc:Choice>
-    <mc:Fallback xmlns="">
-      <p:transition xmlns:p14="http://schemas.microsoft.com/office/powerpoint/2010/main" spd="med" advClick="0">
-        <p:fade/>
-      </p:transition>
-    </mc:Fallback>
-  </mc:AlternateContent>
-  <p:timing>
-    <p:tnLst>
-      <p:par>
-        <p:cTn xmlns:p14="http://schemas.microsoft.com/office/powerpoint/2010/main" id="1" dur="indefinite" restart="never" nodeType="tmRoot">
-          <p:childTnLst>
-            <p:seq concurrent="1" nextAc="seek">
-              <p:cTn id="2" dur="indefinite" nodeType="mainSeq">
-                <p:childTnLst>
-                  <p:par>
-                    <p:cTn id="3" fill="hold">
-                      <p:stCondLst>
-                        <p:cond delay="indefinite"/>
-                      </p:stCondLst>
-                      <p:childTnLst>
-                        <p:par>
-                          <p:cTn id="4" fill="hold">
-                            <p:stCondLst>
-                              <p:cond delay="0"/>
-                            </p:stCondLst>
-                            <p:childTnLst>
-                              <p:par>
-                                <p:cTn id="5" presetID="10" presetClass="entr" presetSubtype="0" fill="hold" grpId="0" nodeType="clickEffect">
-                                  <p:stCondLst>
-                                    <p:cond delay="0"/>
-                                  </p:stCondLst>
-                                  <p:childTnLst>
-                                    <p:set>
-                                      <p:cBhvr>
-                                        <p:cTn id="6" dur="1" fill="hold">
-                                          <p:stCondLst>
-                                            <p:cond delay="0"/>
-                                          </p:stCondLst>
-                                        </p:cTn>
-                                        <p:tgtEl>
-                                          <p:spTgt spid="3">
-                                            <p:txEl>
-                                              <p:pRg st="3" end="3"/>
-                                            </p:txEl>
-                                          </p:spTgt>
-                                        </p:tgtEl>
-                                        <p:attrNameLst>
-                                          <p:attrName>style.visibility</p:attrName>
-                                        </p:attrNameLst>
-                                      </p:cBhvr>
-                                      <p:to>
-                                        <p:strVal val="visible"/>
-                                      </p:to>
-                                    </p:set>
-                                    <p:animEffect transition="in" filter="fade">
-                                      <p:cBhvr>
-                                        <p:cTn id="7" dur="500"/>
-                                        <p:tgtEl>
-                                          <p:spTgt spid="3">
-                                            <p:txEl>
-                                              <p:pRg st="3" end="3"/>
-                                            </p:txEl>
-                                          </p:spTgt>
-                                        </p:tgtEl>
-                                      </p:cBhvr>
-                                    </p:animEffect>
-                                  </p:childTnLst>
-                                </p:cTn>
-                              </p:par>
-                            </p:childTnLst>
-                          </p:cTn>
-                        </p:par>
-                        <p:par>
-                          <p:cTn id="8" fill="hold">
-                            <p:stCondLst>
-                              <p:cond delay="500"/>
-                            </p:stCondLst>
-                            <p:childTnLst>
-                              <p:par>
-                                <p:cTn id="9" presetID="10" presetClass="entr" presetSubtype="0" fill="hold" grpId="0" nodeType="afterEffect">
-                                  <p:stCondLst>
-                                    <p:cond delay="0"/>
-                                  </p:stCondLst>
-                                  <p:childTnLst>
-                                    <p:set>
-                                      <p:cBhvr>
-                                        <p:cTn id="10" dur="1" fill="hold">
-                                          <p:stCondLst>
-                                            <p:cond delay="0"/>
-                                          </p:stCondLst>
-                                        </p:cTn>
-                                        <p:tgtEl>
-                                          <p:spTgt spid="3">
-                                            <p:txEl>
-                                              <p:pRg st="4" end="4"/>
-                                            </p:txEl>
-                                          </p:spTgt>
-                                        </p:tgtEl>
-                                        <p:attrNameLst>
-                                          <p:attrName>style.visibility</p:attrName>
-                                        </p:attrNameLst>
-                                      </p:cBhvr>
-                                      <p:to>
-                                        <p:strVal val="visible"/>
-                                      </p:to>
-                                    </p:set>
-                                    <p:animEffect transition="in" filter="fade">
-                                      <p:cBhvr>
-                                        <p:cTn id="11" dur="500"/>
-                                        <p:tgtEl>
-                                          <p:spTgt spid="3">
-                                            <p:txEl>
-                                              <p:pRg st="4" end="4"/>
-                                            </p:txEl>
-                                          </p:spTgt>
-                                        </p:tgtEl>
-                                      </p:cBhvr>
-                                    </p:animEffect>
-                                  </p:childTnLst>
-                                </p:cTn>
-                              </p:par>
-                              <p:par>
-                                <p:cTn id="12" presetID="10" presetClass="entr" presetSubtype="0" fill="hold" nodeType="withEffect">
-                                  <p:stCondLst>
-                                    <p:cond delay="0"/>
-                                  </p:stCondLst>
-                                  <p:childTnLst>
-                                    <p:set>
-                                      <p:cBhvr>
-                                        <p:cTn id="13" dur="1" fill="hold">
-                                          <p:stCondLst>
-                                            <p:cond delay="0"/>
-                                          </p:stCondLst>
-                                        </p:cTn>
-                                        <p:tgtEl>
-                                          <p:spTgt spid="5"/>
-                                        </p:tgtEl>
-                                        <p:attrNameLst>
-                                          <p:attrName>style.visibility</p:attrName>
-                                        </p:attrNameLst>
-                                      </p:cBhvr>
-                                      <p:to>
-                                        <p:strVal val="visible"/>
-                                      </p:to>
-                                    </p:set>
-                                    <p:animEffect transition="in" filter="fade">
-                                      <p:cBhvr>
-                                        <p:cTn id="14" dur="500"/>
-                                        <p:tgtEl>
-                                          <p:spTgt spid="5"/>
-                                        </p:tgtEl>
-                                      </p:cBhvr>
-                                    </p:animEffect>
-                                  </p:childTnLst>
-                                </p:cTn>
-                              </p:par>
-                            </p:childTnLst>
-                          </p:cTn>
-                        </p:par>
-                      </p:childTnLst>
-                    </p:cTn>
-                  </p:par>
-                </p:childTnLst>
-              </p:cTn>
-              <p:prevCondLst>
-                <p:cond evt="onPrev" delay="0">
-                  <p:tgtEl>
-                    <p:sldTgt/>
-                  </p:tgtEl>
-                </p:cond>
-              </p:prevCondLst>
-              <p:nextCondLst>
-                <p:cond evt="onNext" delay="0">
-                  <p:tgtEl>
-                    <p:sldTgt/>
-                  </p:tgtEl>
-                </p:cond>
-              </p:nextCondLst>
-            </p:seq>
-          </p:childTnLst>
-        </p:cTn>
-      </p:par>
-    </p:tnLst>
-    <p:bldLst>
-      <p:bldP spid="3" grpId="0" build="p"/>
-    </p:bldLst>
-  </p:timing>
-</p:sld>
-</file>
-
-<file path=ppt/slides/slide17.xml><?xml version="1.0" encoding="utf-8"?>
+<file path=ppt/slides/slide19.xml><?xml version="1.0" encoding="utf-8"?>
 <p:sld xmlns:a="http://schemas.openxmlformats.org/drawingml/2006/main" xmlns:r="http://schemas.openxmlformats.org/officeDocument/2006/relationships" xmlns:p="http://schemas.openxmlformats.org/presentationml/2006/main" show="0">
   <p:cSld>
     <p:spTree>
@@ -10069,7 +13214,7 @@
                 <a:latin typeface="Comic Sans MS" pitchFamily="8" charset="0"/>
               </a:rPr>
               <a:pPr/>
-              <a:t>17</a:t>
+              <a:t>19</a:t>
             </a:fld>
             <a:endParaRPr lang="en-US" sz="1200" dirty="0" smtClean="0">
               <a:latin typeface="Comic Sans MS" pitchFamily="8" charset="0"/>
@@ -10194,7 +13339,604 @@
 </p:sld>
 </file>
 
-<file path=ppt/slides/slide18.xml><?xml version="1.0" encoding="utf-8"?>
+<file path=ppt/slides/slide2.xml><?xml version="1.0" encoding="utf-8"?>
+<p:sld xmlns:a="http://schemas.openxmlformats.org/drawingml/2006/main" xmlns:r="http://schemas.openxmlformats.org/officeDocument/2006/relationships" xmlns:p="http://schemas.openxmlformats.org/presentationml/2006/main">
+  <p:cSld>
+    <p:spTree>
+      <p:nvGrpSpPr>
+        <p:cNvPr id="1" name=""/>
+        <p:cNvGrpSpPr/>
+        <p:nvPr/>
+      </p:nvGrpSpPr>
+      <p:grpSpPr>
+        <a:xfrm>
+          <a:off x="0" y="0"/>
+          <a:ext cx="0" cy="0"/>
+          <a:chOff x="0" y="0"/>
+          <a:chExt cx="0" cy="0"/>
+        </a:xfrm>
+      </p:grpSpPr>
+      <p:sp>
+        <p:nvSpPr>
+          <p:cNvPr id="24578" name="Rectangle 2"/>
+          <p:cNvSpPr>
+            <a:spLocks noGrp="1" noChangeArrowheads="1"/>
+          </p:cNvSpPr>
+          <p:nvPr>
+            <p:ph type="title"/>
+          </p:nvPr>
+        </p:nvSpPr>
+        <p:spPr/>
+        <p:txBody>
+          <a:bodyPr/>
+          <a:lstStyle/>
+          <a:p>
+            <a:pPr eaLnBrk="1" hangingPunct="1"/>
+            <a:r>
+              <a:rPr lang="en-US" smtClean="0"/>
+              <a:t>GCD is a linear combination</a:t>
+            </a:r>
+          </a:p>
+        </p:txBody>
+      </p:sp>
+      <p:sp>
+        <p:nvSpPr>
+          <p:cNvPr id="24579" name="Rectangle 3"/>
+          <p:cNvSpPr>
+            <a:spLocks noGrp="1" noChangeArrowheads="1"/>
+          </p:cNvSpPr>
+          <p:nvPr>
+            <p:ph type="body" idx="1"/>
+          </p:nvPr>
+        </p:nvSpPr>
+        <p:spPr>
+          <a:xfrm>
+            <a:off x="228600" y="1143000"/>
+            <a:ext cx="8458200" cy="3810000"/>
+          </a:xfrm>
+        </p:spPr>
+        <p:txBody>
+          <a:bodyPr/>
+          <a:lstStyle/>
+          <a:p>
+            <a:pPr marL="0" indent="0" eaLnBrk="1" hangingPunct="1">
+              <a:buFontTx/>
+              <a:buNone/>
+            </a:pPr>
+            <a:r>
+              <a:rPr lang="en-US" sz="5400" b="1" dirty="0" smtClean="0"/>
+              <a:t>Theorem:</a:t>
+            </a:r>
+            <a:endParaRPr lang="en-US" sz="5400" dirty="0" smtClean="0"/>
+          </a:p>
+          <a:p>
+            <a:pPr marL="0" indent="0" eaLnBrk="1" hangingPunct="1">
+              <a:spcBef>
+                <a:spcPts val="0"/>
+              </a:spcBef>
+              <a:buFontTx/>
+              <a:buNone/>
+            </a:pPr>
+            <a:r>
+              <a:rPr lang="en-US" sz="6000" dirty="0" smtClean="0">
+                <a:solidFill>
+                  <a:srgbClr val="0000CC"/>
+                </a:solidFill>
+              </a:rPr>
+              <a:t>   </a:t>
+            </a:r>
+            <a:r>
+              <a:rPr lang="en-US" sz="6000" dirty="0" err="1" smtClean="0">
+                <a:solidFill>
+                  <a:srgbClr val="0000CC"/>
+                </a:solidFill>
+              </a:rPr>
+              <a:t>gcd</a:t>
+            </a:r>
+            <a:r>
+              <a:rPr lang="en-US" sz="6000" dirty="0" smtClean="0">
+                <a:solidFill>
+                  <a:srgbClr val="0000CC"/>
+                </a:solidFill>
+              </a:rPr>
+              <a:t>(</a:t>
+            </a:r>
+            <a:r>
+              <a:rPr lang="en-US" sz="6000" dirty="0" err="1" smtClean="0">
+                <a:solidFill>
+                  <a:srgbClr val="0000CC"/>
+                </a:solidFill>
+              </a:rPr>
+              <a:t>a,b</a:t>
+            </a:r>
+            <a:r>
+              <a:rPr lang="en-US" sz="6000" dirty="0" smtClean="0">
+                <a:solidFill>
+                  <a:srgbClr val="0000CC"/>
+                </a:solidFill>
+              </a:rPr>
+              <a:t>) </a:t>
+            </a:r>
+            <a:r>
+              <a:rPr lang="en-US" sz="6000" dirty="0" smtClean="0"/>
+              <a:t>is an integer </a:t>
+            </a:r>
+          </a:p>
+          <a:p>
+            <a:pPr marL="0" indent="0" eaLnBrk="1" hangingPunct="1">
+              <a:spcBef>
+                <a:spcPts val="0"/>
+              </a:spcBef>
+              <a:buFontTx/>
+              <a:buNone/>
+            </a:pPr>
+            <a:r>
+              <a:rPr lang="en-US" sz="6000" dirty="0" smtClean="0"/>
+              <a:t>   linear combination of</a:t>
+            </a:r>
+          </a:p>
+          <a:p>
+            <a:pPr marL="0" indent="0" eaLnBrk="1" hangingPunct="1">
+              <a:spcBef>
+                <a:spcPts val="0"/>
+              </a:spcBef>
+              <a:buFontTx/>
+              <a:buNone/>
+            </a:pPr>
+            <a:r>
+              <a:rPr lang="en-US" sz="6000" dirty="0" smtClean="0">
+                <a:solidFill>
+                  <a:srgbClr val="0000CC"/>
+                </a:solidFill>
+              </a:rPr>
+              <a:t>   a</a:t>
+            </a:r>
+            <a:r>
+              <a:rPr lang="en-US" sz="6000" i="1" dirty="0" smtClean="0">
+                <a:solidFill>
+                  <a:srgbClr val="0000CC"/>
+                </a:solidFill>
+              </a:rPr>
+              <a:t> </a:t>
+            </a:r>
+            <a:r>
+              <a:rPr lang="en-US" sz="6000" dirty="0" smtClean="0"/>
+              <a:t>and</a:t>
+            </a:r>
+            <a:r>
+              <a:rPr lang="en-US" sz="6000" i="1" dirty="0" smtClean="0">
+                <a:solidFill>
+                  <a:srgbClr val="0000CC"/>
+                </a:solidFill>
+              </a:rPr>
+              <a:t> </a:t>
+            </a:r>
+            <a:r>
+              <a:rPr lang="en-US" sz="6000" dirty="0" smtClean="0">
+                <a:solidFill>
+                  <a:srgbClr val="0000CC"/>
+                </a:solidFill>
+              </a:rPr>
+              <a:t>b</a:t>
+            </a:r>
+            <a:r>
+              <a:rPr lang="en-US" sz="6000" i="1" dirty="0" smtClean="0"/>
+              <a:t>.</a:t>
+            </a:r>
+            <a:endParaRPr lang="en-US" sz="6000" dirty="0" smtClean="0"/>
+          </a:p>
+        </p:txBody>
+      </p:sp>
+      <p:sp>
+        <p:nvSpPr>
+          <p:cNvPr id="24582" name="Slide Number Placeholder 3"/>
+          <p:cNvSpPr>
+            <a:spLocks noGrp="1"/>
+          </p:cNvSpPr>
+          <p:nvPr>
+            <p:ph type="sldNum" sz="quarter" idx="4"/>
+          </p:nvPr>
+        </p:nvSpPr>
+        <p:spPr>
+          <a:xfrm>
+            <a:off x="7772400" y="6553200"/>
+            <a:ext cx="1295400" cy="304800"/>
+          </a:xfrm>
+          <a:noFill/>
+        </p:spPr>
+        <p:txBody>
+          <a:bodyPr/>
+          <a:lstStyle/>
+          <a:p>
+            <a:r>
+              <a:rPr lang="en-US" dirty="0" smtClean="0">
+                <a:latin typeface="Comic Sans MS" pitchFamily="8" charset="0"/>
+              </a:rPr>
+              <a:t>pulverize.</a:t>
+            </a:r>
+            <a:fld id="{CCB45DB7-2069-4CDB-95A9-C4EF498CA91E}" type="slidenum">
+              <a:rPr lang="en-US" sz="1200" smtClean="0">
+                <a:latin typeface="Comic Sans MS" pitchFamily="8" charset="0"/>
+              </a:rPr>
+              <a:pPr/>
+              <a:t>2</a:t>
+            </a:fld>
+            <a:endParaRPr lang="en-US" sz="1200" dirty="0" smtClean="0">
+              <a:latin typeface="Comic Sans MS" pitchFamily="8" charset="0"/>
+            </a:endParaRPr>
+          </a:p>
+        </p:txBody>
+      </p:sp>
+      <p:sp>
+        <p:nvSpPr>
+          <p:cNvPr id="5" name="Rectangle 2"/>
+          <p:cNvSpPr txBox="1">
+            <a:spLocks noChangeArrowheads="1"/>
+          </p:cNvSpPr>
+          <p:nvPr/>
+        </p:nvSpPr>
+        <p:spPr bwMode="auto">
+          <a:xfrm>
+            <a:off x="1676400" y="4724400"/>
+            <a:ext cx="6324600" cy="1143000"/>
+          </a:xfrm>
+          <a:prstGeom prst="rect">
+            <a:avLst/>
+          </a:prstGeom>
+          <a:noFill/>
+          <a:ln w="9525">
+            <a:noFill/>
+            <a:miter lim="800000"/>
+            <a:headEnd/>
+            <a:tailEnd/>
+          </a:ln>
+        </p:spPr>
+        <p:txBody>
+          <a:bodyPr vert="horz" wrap="square" lIns="91440" tIns="45720" rIns="91440" bIns="45720" numCol="1" anchor="ctr" anchorCtr="0" compatLnSpc="1">
+            <a:prstTxWarp prst="textNoShape">
+              <a:avLst/>
+            </a:prstTxWarp>
+          </a:bodyPr>
+          <a:lstStyle>
+            <a:lvl1pPr algn="l" rtl="0" eaLnBrk="0" fontAlgn="base" hangingPunct="0">
+              <a:spcBef>
+                <a:spcPct val="0"/>
+              </a:spcBef>
+              <a:spcAft>
+                <a:spcPct val="0"/>
+              </a:spcAft>
+              <a:defRPr sz="4000" b="1">
+                <a:solidFill>
+                  <a:schemeClr val="tx2"/>
+                </a:solidFill>
+                <a:latin typeface="+mj-lt"/>
+                <a:ea typeface="+mj-ea"/>
+                <a:cs typeface="+mj-cs"/>
+              </a:defRPr>
+            </a:lvl1pPr>
+            <a:lvl2pPr algn="l" rtl="0" eaLnBrk="0" fontAlgn="base" hangingPunct="0">
+              <a:spcBef>
+                <a:spcPct val="0"/>
+              </a:spcBef>
+              <a:spcAft>
+                <a:spcPct val="0"/>
+              </a:spcAft>
+              <a:defRPr sz="4000" b="1">
+                <a:solidFill>
+                  <a:schemeClr val="tx2"/>
+                </a:solidFill>
+                <a:latin typeface="Comic Sans MS" pitchFamily="66" charset="0"/>
+              </a:defRPr>
+            </a:lvl2pPr>
+            <a:lvl3pPr algn="l" rtl="0" eaLnBrk="0" fontAlgn="base" hangingPunct="0">
+              <a:spcBef>
+                <a:spcPct val="0"/>
+              </a:spcBef>
+              <a:spcAft>
+                <a:spcPct val="0"/>
+              </a:spcAft>
+              <a:defRPr sz="4000" b="1">
+                <a:solidFill>
+                  <a:schemeClr val="tx2"/>
+                </a:solidFill>
+                <a:latin typeface="Comic Sans MS" pitchFamily="66" charset="0"/>
+              </a:defRPr>
+            </a:lvl3pPr>
+            <a:lvl4pPr algn="l" rtl="0" eaLnBrk="0" fontAlgn="base" hangingPunct="0">
+              <a:spcBef>
+                <a:spcPct val="0"/>
+              </a:spcBef>
+              <a:spcAft>
+                <a:spcPct val="0"/>
+              </a:spcAft>
+              <a:defRPr sz="4000" b="1">
+                <a:solidFill>
+                  <a:schemeClr val="tx2"/>
+                </a:solidFill>
+                <a:latin typeface="Comic Sans MS" pitchFamily="66" charset="0"/>
+              </a:defRPr>
+            </a:lvl4pPr>
+            <a:lvl5pPr algn="l" rtl="0" eaLnBrk="0" fontAlgn="base" hangingPunct="0">
+              <a:spcBef>
+                <a:spcPct val="0"/>
+              </a:spcBef>
+              <a:spcAft>
+                <a:spcPct val="0"/>
+              </a:spcAft>
+              <a:defRPr sz="4000" b="1">
+                <a:solidFill>
+                  <a:schemeClr val="tx2"/>
+                </a:solidFill>
+                <a:latin typeface="Comic Sans MS" pitchFamily="66" charset="0"/>
+              </a:defRPr>
+            </a:lvl5pPr>
+            <a:lvl6pPr marL="457200" algn="l" rtl="0" fontAlgn="base">
+              <a:spcBef>
+                <a:spcPct val="0"/>
+              </a:spcBef>
+              <a:spcAft>
+                <a:spcPct val="0"/>
+              </a:spcAft>
+              <a:defRPr sz="4000" b="1">
+                <a:solidFill>
+                  <a:schemeClr val="tx2"/>
+                </a:solidFill>
+                <a:latin typeface="Comic Sans MS" pitchFamily="66" charset="0"/>
+              </a:defRPr>
+            </a:lvl6pPr>
+            <a:lvl7pPr marL="914400" algn="l" rtl="0" fontAlgn="base">
+              <a:spcBef>
+                <a:spcPct val="0"/>
+              </a:spcBef>
+              <a:spcAft>
+                <a:spcPct val="0"/>
+              </a:spcAft>
+              <a:defRPr sz="4000" b="1">
+                <a:solidFill>
+                  <a:schemeClr val="tx2"/>
+                </a:solidFill>
+                <a:latin typeface="Comic Sans MS" pitchFamily="66" charset="0"/>
+              </a:defRPr>
+            </a:lvl7pPr>
+            <a:lvl8pPr marL="1371600" algn="l" rtl="0" fontAlgn="base">
+              <a:spcBef>
+                <a:spcPct val="0"/>
+              </a:spcBef>
+              <a:spcAft>
+                <a:spcPct val="0"/>
+              </a:spcAft>
+              <a:defRPr sz="4000" b="1">
+                <a:solidFill>
+                  <a:schemeClr val="tx2"/>
+                </a:solidFill>
+                <a:latin typeface="Comic Sans MS" pitchFamily="66" charset="0"/>
+              </a:defRPr>
+            </a:lvl8pPr>
+            <a:lvl9pPr marL="1828800" algn="l" rtl="0" fontAlgn="base">
+              <a:spcBef>
+                <a:spcPct val="0"/>
+              </a:spcBef>
+              <a:spcAft>
+                <a:spcPct val="0"/>
+              </a:spcAft>
+              <a:defRPr sz="4000" b="1">
+                <a:solidFill>
+                  <a:schemeClr val="tx2"/>
+                </a:solidFill>
+                <a:latin typeface="Comic Sans MS" pitchFamily="66" charset="0"/>
+              </a:defRPr>
+            </a:lvl9pPr>
+          </a:lstStyle>
+          <a:p>
+            <a:pPr eaLnBrk="1" hangingPunct="1"/>
+            <a:r>
+              <a:rPr lang="en-US" sz="5400" dirty="0" err="1" smtClean="0">
+                <a:solidFill>
+                  <a:schemeClr val="tx1"/>
+                </a:solidFill>
+              </a:rPr>
+              <a:t>gcd</a:t>
+            </a:r>
+            <a:r>
+              <a:rPr lang="en-US" sz="5400" dirty="0" smtClean="0">
+                <a:solidFill>
+                  <a:schemeClr val="tx1"/>
+                </a:solidFill>
+              </a:rPr>
+              <a:t>(</a:t>
+            </a:r>
+            <a:r>
+              <a:rPr lang="en-US" sz="5400" dirty="0" err="1" smtClean="0">
+                <a:solidFill>
+                  <a:schemeClr val="accent1">
+                    <a:lumMod val="50000"/>
+                  </a:schemeClr>
+                </a:solidFill>
+              </a:rPr>
+              <a:t>a</a:t>
+            </a:r>
+            <a:r>
+              <a:rPr lang="en-US" sz="5400" dirty="0" err="1" smtClean="0">
+                <a:solidFill>
+                  <a:schemeClr val="tx1"/>
+                </a:solidFill>
+              </a:rPr>
+              <a:t>,</a:t>
+            </a:r>
+            <a:r>
+              <a:rPr lang="en-US" sz="5400" dirty="0" err="1" smtClean="0">
+                <a:solidFill>
+                  <a:schemeClr val="accent1">
+                    <a:lumMod val="50000"/>
+                  </a:schemeClr>
+                </a:solidFill>
+              </a:rPr>
+              <a:t>b</a:t>
+            </a:r>
+            <a:r>
+              <a:rPr lang="en-US" sz="5400" dirty="0" smtClean="0">
+                <a:solidFill>
+                  <a:schemeClr val="tx1"/>
+                </a:solidFill>
+              </a:rPr>
+              <a:t>) = </a:t>
+            </a:r>
+            <a:r>
+              <a:rPr lang="en-US" sz="5400" dirty="0" err="1" smtClean="0">
+                <a:solidFill>
+                  <a:srgbClr val="FF00FF"/>
+                </a:solidFill>
+              </a:rPr>
+              <a:t>s</a:t>
+            </a:r>
+            <a:r>
+              <a:rPr lang="en-US" sz="5400" dirty="0" err="1" smtClean="0">
+                <a:solidFill>
+                  <a:schemeClr val="accent1">
+                    <a:lumMod val="50000"/>
+                  </a:schemeClr>
+                </a:solidFill>
+              </a:rPr>
+              <a:t>a</a:t>
+            </a:r>
+            <a:r>
+              <a:rPr lang="en-US" sz="5400" dirty="0" err="1" smtClean="0">
+                <a:solidFill>
+                  <a:schemeClr val="accent1">
+                    <a:lumMod val="50000"/>
+                  </a:schemeClr>
+                </a:solidFill>
+                <a:latin typeface="Euclid Symbol" charset="2"/>
+                <a:cs typeface="Euclid Symbol" charset="2"/>
+              </a:rPr>
+              <a:t>+</a:t>
+            </a:r>
+            <a:r>
+              <a:rPr lang="en-US" sz="5400" dirty="0" err="1" smtClean="0">
+                <a:solidFill>
+                  <a:srgbClr val="FF00FF"/>
+                </a:solidFill>
+              </a:rPr>
+              <a:t>t</a:t>
+            </a:r>
+            <a:r>
+              <a:rPr lang="en-US" sz="5400" dirty="0" err="1" smtClean="0">
+                <a:solidFill>
+                  <a:schemeClr val="accent1">
+                    <a:lumMod val="50000"/>
+                  </a:schemeClr>
+                </a:solidFill>
+              </a:rPr>
+              <a:t>b</a:t>
+            </a:r>
+            <a:endParaRPr lang="en-US" sz="5400" dirty="0" smtClean="0">
+              <a:solidFill>
+                <a:schemeClr val="accent1">
+                  <a:lumMod val="50000"/>
+                </a:schemeClr>
+              </a:solidFill>
+            </a:endParaRPr>
+          </a:p>
+        </p:txBody>
+      </p:sp>
+    </p:spTree>
+  </p:cSld>
+  <p:clrMapOvr>
+    <a:masterClrMapping/>
+  </p:clrMapOvr>
+  <p:transition xmlns:p14="http://schemas.microsoft.com/office/powerpoint/2010/main" spd="slow" advClick="0">
+    <p:fade thruBlk="1"/>
+  </p:transition>
+  <p:timing>
+    <p:tnLst>
+      <p:par>
+        <p:cTn xmlns:p14="http://schemas.microsoft.com/office/powerpoint/2010/main" id="1" dur="indefinite" restart="never" nodeType="tmRoot">
+          <p:childTnLst>
+            <p:seq concurrent="1" nextAc="seek">
+              <p:cTn id="2" dur="indefinite" nodeType="mainSeq">
+                <p:childTnLst>
+                  <p:par>
+                    <p:cTn id="3" fill="hold">
+                      <p:stCondLst>
+                        <p:cond delay="indefinite"/>
+                      </p:stCondLst>
+                      <p:childTnLst>
+                        <p:par>
+                          <p:cTn id="4" fill="hold">
+                            <p:stCondLst>
+                              <p:cond delay="0"/>
+                            </p:stCondLst>
+                            <p:childTnLst>
+                              <p:par>
+                                <p:cTn id="5" presetID="22" presetClass="entr" presetSubtype="8" fill="hold" grpId="0" nodeType="clickEffect">
+                                  <p:stCondLst>
+                                    <p:cond delay="0"/>
+                                  </p:stCondLst>
+                                  <p:childTnLst>
+                                    <p:set>
+                                      <p:cBhvr>
+                                        <p:cTn id="6" dur="1" fill="hold">
+                                          <p:stCondLst>
+                                            <p:cond delay="0"/>
+                                          </p:stCondLst>
+                                        </p:cTn>
+                                        <p:tgtEl>
+                                          <p:spTgt spid="5"/>
+                                        </p:tgtEl>
+                                        <p:attrNameLst>
+                                          <p:attrName>style.visibility</p:attrName>
+                                        </p:attrNameLst>
+                                      </p:cBhvr>
+                                      <p:to>
+                                        <p:strVal val="visible"/>
+                                      </p:to>
+                                    </p:set>
+                                    <p:animEffect transition="in" filter="wipe(left)">
+                                      <p:cBhvr>
+                                        <p:cTn id="7" dur="1000"/>
+                                        <p:tgtEl>
+                                          <p:spTgt spid="5"/>
+                                        </p:tgtEl>
+                                      </p:cBhvr>
+                                    </p:animEffect>
+                                  </p:childTnLst>
+                                </p:cTn>
+                              </p:par>
+                            </p:childTnLst>
+                          </p:cTn>
+                        </p:par>
+                      </p:childTnLst>
+                    </p:cTn>
+                  </p:par>
+                </p:childTnLst>
+              </p:cTn>
+              <p:prevCondLst>
+                <p:cond evt="onPrev" delay="0">
+                  <p:tgtEl>
+                    <p:sldTgt/>
+                  </p:tgtEl>
+                </p:cond>
+              </p:prevCondLst>
+              <p:nextCondLst>
+                <p:cond evt="onNext" delay="0">
+                  <p:tgtEl>
+                    <p:sldTgt/>
+                  </p:tgtEl>
+                </p:cond>
+              </p:nextCondLst>
+            </p:seq>
+          </p:childTnLst>
+        </p:cTn>
+      </p:par>
+    </p:tnLst>
+    <p:bldLst>
+      <p:bldP spid="5" grpId="0"/>
+    </p:bldLst>
+  </p:timing>
+</p:sld>
+</file>
+
+<file path=ppt/slides/slide20.xml><?xml version="1.0" encoding="utf-8"?>
 <p:sld xmlns:a="http://schemas.openxmlformats.org/drawingml/2006/main" xmlns:r="http://schemas.openxmlformats.org/officeDocument/2006/relationships" xmlns:p="http://schemas.openxmlformats.org/presentationml/2006/main" show="0">
   <p:cSld>
     <p:spTree>
@@ -10568,7 +14310,7 @@
                 <a:latin typeface="Comic Sans MS" pitchFamily="8" charset="0"/>
               </a:rPr>
               <a:pPr/>
-              <a:t>18</a:t>
+              <a:t>20</a:t>
             </a:fld>
             <a:endParaRPr lang="en-US" sz="1200" dirty="0" smtClean="0">
               <a:latin typeface="Comic Sans MS" pitchFamily="8" charset="0"/>
@@ -10795,7 +14537,7 @@
 </p:sld>
 </file>
 
-<file path=ppt/slides/slide19.xml><?xml version="1.0" encoding="utf-8"?>
+<file path=ppt/slides/slide21.xml><?xml version="1.0" encoding="utf-8"?>
 <p:sld xmlns:a="http://schemas.openxmlformats.org/drawingml/2006/main" xmlns:r="http://schemas.openxmlformats.org/officeDocument/2006/relationships" xmlns:p="http://schemas.openxmlformats.org/presentationml/2006/main" show="0">
   <p:cSld>
     <p:spTree>
@@ -11038,7 +14780,7 @@
                 <a:latin typeface="Comic Sans MS" pitchFamily="8" charset="0"/>
               </a:rPr>
               <a:pPr/>
-              <a:t>19</a:t>
+              <a:t>21</a:t>
             </a:fld>
             <a:endParaRPr lang="en-US" sz="1200" dirty="0" smtClean="0">
               <a:latin typeface="Comic Sans MS" pitchFamily="8" charset="0"/>
@@ -11295,253 +15037,7 @@
 </p:sld>
 </file>
 
-<file path=ppt/slides/slide2.xml><?xml version="1.0" encoding="utf-8"?>
-<p:sld xmlns:a="http://schemas.openxmlformats.org/drawingml/2006/main" xmlns:r="http://schemas.openxmlformats.org/officeDocument/2006/relationships" xmlns:p="http://schemas.openxmlformats.org/presentationml/2006/main">
-  <p:cSld>
-    <p:spTree>
-      <p:nvGrpSpPr>
-        <p:cNvPr id="1" name=""/>
-        <p:cNvGrpSpPr/>
-        <p:nvPr/>
-      </p:nvGrpSpPr>
-      <p:grpSpPr>
-        <a:xfrm>
-          <a:off x="0" y="0"/>
-          <a:ext cx="0" cy="0"/>
-          <a:chOff x="0" y="0"/>
-          <a:chExt cx="0" cy="0"/>
-        </a:xfrm>
-      </p:grpSpPr>
-      <p:sp>
-        <p:nvSpPr>
-          <p:cNvPr id="24578" name="Rectangle 2"/>
-          <p:cNvSpPr>
-            <a:spLocks noGrp="1" noChangeArrowheads="1"/>
-          </p:cNvSpPr>
-          <p:nvPr>
-            <p:ph type="title"/>
-          </p:nvPr>
-        </p:nvSpPr>
-        <p:spPr/>
-        <p:txBody>
-          <a:bodyPr/>
-          <a:lstStyle/>
-          <a:p>
-            <a:pPr eaLnBrk="1" hangingPunct="1"/>
-            <a:r>
-              <a:rPr lang="en-US" smtClean="0"/>
-              <a:t>GCD is a linear combination</a:t>
-            </a:r>
-          </a:p>
-        </p:txBody>
-      </p:sp>
-      <p:sp>
-        <p:nvSpPr>
-          <p:cNvPr id="24579" name="Rectangle 3"/>
-          <p:cNvSpPr>
-            <a:spLocks noGrp="1" noChangeArrowheads="1"/>
-          </p:cNvSpPr>
-          <p:nvPr>
-            <p:ph type="body" idx="1"/>
-          </p:nvPr>
-        </p:nvSpPr>
-        <p:spPr>
-          <a:xfrm>
-            <a:off x="152400" y="1524000"/>
-            <a:ext cx="8458200" cy="3810000"/>
-          </a:xfrm>
-        </p:spPr>
-        <p:txBody>
-          <a:bodyPr/>
-          <a:lstStyle/>
-          <a:p>
-            <a:pPr marL="0" indent="0" eaLnBrk="1" hangingPunct="1">
-              <a:buFontTx/>
-              <a:buNone/>
-            </a:pPr>
-            <a:r>
-              <a:rPr lang="en-US" sz="5400" b="1" dirty="0" smtClean="0"/>
-              <a:t>Theorem:</a:t>
-            </a:r>
-            <a:endParaRPr lang="en-US" sz="5400" dirty="0" smtClean="0"/>
-          </a:p>
-          <a:p>
-            <a:pPr marL="0" indent="0" eaLnBrk="1" hangingPunct="1">
-              <a:spcBef>
-                <a:spcPts val="0"/>
-              </a:spcBef>
-              <a:buFontTx/>
-              <a:buNone/>
-            </a:pPr>
-            <a:r>
-              <a:rPr lang="en-US" sz="6000" dirty="0" smtClean="0">
-                <a:solidFill>
-                  <a:srgbClr val="0000CC"/>
-                </a:solidFill>
-              </a:rPr>
-              <a:t>   </a:t>
-            </a:r>
-            <a:r>
-              <a:rPr lang="en-US" sz="6000" dirty="0" err="1" smtClean="0">
-                <a:solidFill>
-                  <a:srgbClr val="0000CC"/>
-                </a:solidFill>
-              </a:rPr>
-              <a:t>gcd</a:t>
-            </a:r>
-            <a:r>
-              <a:rPr lang="en-US" sz="6000" dirty="0" smtClean="0">
-                <a:solidFill>
-                  <a:srgbClr val="0000CC"/>
-                </a:solidFill>
-              </a:rPr>
-              <a:t>(</a:t>
-            </a:r>
-            <a:r>
-              <a:rPr lang="en-US" sz="6000" dirty="0" err="1" smtClean="0">
-                <a:solidFill>
-                  <a:srgbClr val="0000CC"/>
-                </a:solidFill>
-              </a:rPr>
-              <a:t>a,b</a:t>
-            </a:r>
-            <a:r>
-              <a:rPr lang="en-US" sz="6000" dirty="0" smtClean="0">
-                <a:solidFill>
-                  <a:srgbClr val="0000CC"/>
-                </a:solidFill>
-              </a:rPr>
-              <a:t>) </a:t>
-            </a:r>
-            <a:r>
-              <a:rPr lang="en-US" sz="6000" dirty="0" smtClean="0"/>
-              <a:t>is an integer </a:t>
-            </a:r>
-          </a:p>
-          <a:p>
-            <a:pPr marL="0" indent="0" eaLnBrk="1" hangingPunct="1">
-              <a:spcBef>
-                <a:spcPts val="0"/>
-              </a:spcBef>
-              <a:buFontTx/>
-              <a:buNone/>
-            </a:pPr>
-            <a:r>
-              <a:rPr lang="en-US" sz="6000" dirty="0" smtClean="0"/>
-              <a:t>   linear combination of</a:t>
-            </a:r>
-          </a:p>
-          <a:p>
-            <a:pPr marL="0" indent="0" eaLnBrk="1" hangingPunct="1">
-              <a:spcBef>
-                <a:spcPts val="0"/>
-              </a:spcBef>
-              <a:buFontTx/>
-              <a:buNone/>
-            </a:pPr>
-            <a:r>
-              <a:rPr lang="en-US" sz="6000" dirty="0" smtClean="0">
-                <a:solidFill>
-                  <a:srgbClr val="0000CC"/>
-                </a:solidFill>
-              </a:rPr>
-              <a:t>   a</a:t>
-            </a:r>
-            <a:r>
-              <a:rPr lang="en-US" sz="6000" i="1" dirty="0" smtClean="0">
-                <a:solidFill>
-                  <a:srgbClr val="0000CC"/>
-                </a:solidFill>
-              </a:rPr>
-              <a:t> </a:t>
-            </a:r>
-            <a:r>
-              <a:rPr lang="en-US" sz="6000" dirty="0" smtClean="0"/>
-              <a:t>and</a:t>
-            </a:r>
-            <a:r>
-              <a:rPr lang="en-US" sz="6000" i="1" dirty="0" smtClean="0">
-                <a:solidFill>
-                  <a:srgbClr val="0000CC"/>
-                </a:solidFill>
-              </a:rPr>
-              <a:t> </a:t>
-            </a:r>
-            <a:r>
-              <a:rPr lang="en-US" sz="6000" dirty="0" smtClean="0">
-                <a:solidFill>
-                  <a:srgbClr val="0000CC"/>
-                </a:solidFill>
-              </a:rPr>
-              <a:t>b</a:t>
-            </a:r>
-            <a:r>
-              <a:rPr lang="en-US" sz="6000" i="1" dirty="0" smtClean="0"/>
-              <a:t>.</a:t>
-            </a:r>
-            <a:endParaRPr lang="en-US" sz="6000" dirty="0" smtClean="0"/>
-          </a:p>
-        </p:txBody>
-      </p:sp>
-      <p:sp>
-        <p:nvSpPr>
-          <p:cNvPr id="24582" name="Slide Number Placeholder 3"/>
-          <p:cNvSpPr>
-            <a:spLocks noGrp="1"/>
-          </p:cNvSpPr>
-          <p:nvPr>
-            <p:ph type="sldNum" sz="quarter" idx="4"/>
-          </p:nvPr>
-        </p:nvSpPr>
-        <p:spPr>
-          <a:xfrm>
-            <a:off x="7772400" y="6553200"/>
-            <a:ext cx="1295400" cy="304800"/>
-          </a:xfrm>
-          <a:noFill/>
-        </p:spPr>
-        <p:txBody>
-          <a:bodyPr/>
-          <a:lstStyle/>
-          <a:p>
-            <a:r>
-              <a:rPr lang="en-US" dirty="0" smtClean="0">
-                <a:latin typeface="Comic Sans MS" pitchFamily="8" charset="0"/>
-              </a:rPr>
-              <a:t>pulverize.</a:t>
-            </a:r>
-            <a:fld id="{CCB45DB7-2069-4CDB-95A9-C4EF498CA91E}" type="slidenum">
-              <a:rPr lang="en-US" sz="1200" smtClean="0">
-                <a:latin typeface="Comic Sans MS" pitchFamily="8" charset="0"/>
-              </a:rPr>
-              <a:pPr/>
-              <a:t>2</a:t>
-            </a:fld>
-            <a:endParaRPr lang="en-US" sz="1200" dirty="0" smtClean="0">
-              <a:latin typeface="Comic Sans MS" pitchFamily="8" charset="0"/>
-            </a:endParaRPr>
-          </a:p>
-        </p:txBody>
-      </p:sp>
-    </p:spTree>
-  </p:cSld>
-  <p:clrMapOvr>
-    <a:masterClrMapping/>
-  </p:clrMapOvr>
-  <p:transition xmlns:p14="http://schemas.microsoft.com/office/powerpoint/2010/main" spd="slow" advClick="0">
-    <p:fade thruBlk="1"/>
-  </p:transition>
-  <p:timing>
-    <p:tnLst>
-      <p:par>
-        <p:cTn xmlns:p14="http://schemas.microsoft.com/office/powerpoint/2010/main" id="1" dur="indefinite" restart="never" nodeType="tmRoot"/>
-      </p:par>
-    </p:tnLst>
-  </p:timing>
-</p:sld>
-</file>
-
-<file path=ppt/slides/slide20.xml><?xml version="1.0" encoding="utf-8"?>
+<file path=ppt/slides/slide22.xml><?xml version="1.0" encoding="utf-8"?>
 <p:sld xmlns:a="http://schemas.openxmlformats.org/drawingml/2006/main" xmlns:r="http://schemas.openxmlformats.org/officeDocument/2006/relationships" xmlns:p="http://schemas.openxmlformats.org/presentationml/2006/main" show="0">
   <p:cSld>
     <p:spTree>
@@ -11799,7 +15295,7 @@
                 <a:latin typeface="Comic Sans MS" pitchFamily="8" charset="0"/>
               </a:rPr>
               <a:pPr/>
-              <a:t>20</a:t>
+              <a:t>22</a:t>
             </a:fld>
             <a:endParaRPr lang="en-US" sz="1200" dirty="0" smtClean="0">
               <a:latin typeface="Comic Sans MS" pitchFamily="8" charset="0"/>
@@ -12273,7 +15769,7 @@
 </p:sld>
 </file>
 
-<file path=ppt/slides/slide21.xml><?xml version="1.0" encoding="utf-8"?>
+<file path=ppt/slides/slide23.xml><?xml version="1.0" encoding="utf-8"?>
 <p:sld xmlns:a="http://schemas.openxmlformats.org/drawingml/2006/main" xmlns:r="http://schemas.openxmlformats.org/officeDocument/2006/relationships" xmlns:p="http://schemas.openxmlformats.org/presentationml/2006/main" show="0">
   <p:cSld>
     <p:spTree>
@@ -12647,7 +16143,7 @@
                 <a:latin typeface="Comic Sans MS" pitchFamily="8" charset="0"/>
               </a:rPr>
               <a:pPr/>
-              <a:t>21</a:t>
+              <a:t>23</a:t>
             </a:fld>
             <a:endParaRPr lang="en-US" sz="1200" dirty="0" smtClean="0">
               <a:latin typeface="Comic Sans MS" pitchFamily="8" charset="0"/>
@@ -12914,7 +16410,7 @@
 </p:sld>
 </file>
 
-<file path=ppt/slides/slide22.xml><?xml version="1.0" encoding="utf-8"?>
+<file path=ppt/slides/slide24.xml><?xml version="1.0" encoding="utf-8"?>
 <p:sld xmlns:a="http://schemas.openxmlformats.org/drawingml/2006/main" xmlns:r="http://schemas.openxmlformats.org/officeDocument/2006/relationships" xmlns:p="http://schemas.openxmlformats.org/presentationml/2006/main" show="0">
   <p:cSld>
     <p:spTree>
@@ -13115,7 +16611,7 @@
                 <a:latin typeface="Comic Sans MS" pitchFamily="8" charset="0"/>
               </a:rPr>
               <a:pPr/>
-              <a:t>22</a:t>
+              <a:t>24</a:t>
             </a:fld>
             <a:endParaRPr lang="en-US" sz="1200" dirty="0" smtClean="0">
               <a:latin typeface="Comic Sans MS" pitchFamily="8" charset="0"/>
@@ -13472,7 +16968,7 @@
 </p:sld>
 </file>
 
-<file path=ppt/slides/slide23.xml><?xml version="1.0" encoding="utf-8"?>
+<file path=ppt/slides/slide25.xml><?xml version="1.0" encoding="utf-8"?>
 <p:sld xmlns:a="http://schemas.openxmlformats.org/drawingml/2006/main" xmlns:r="http://schemas.openxmlformats.org/officeDocument/2006/relationships" xmlns:p="http://schemas.openxmlformats.org/presentationml/2006/main" show="0">
   <p:cSld>
     <p:spTree>
@@ -13815,7 +17311,7 @@
                 <a:latin typeface="Comic Sans MS" pitchFamily="8" charset="0"/>
               </a:rPr>
               <a:pPr/>
-              <a:t>23</a:t>
+              <a:t>25</a:t>
             </a:fld>
             <a:endParaRPr lang="en-US" sz="1200" dirty="0" smtClean="0">
               <a:latin typeface="Comic Sans MS" pitchFamily="8" charset="0"/>

--- a/spring15/slidesS15/pulverizer.pptx
+++ b/spring15/slidesS15/pulverizer.pptx
@@ -1257,74 +1257,70 @@
       </p:grpSpPr>
       <p:sp>
         <p:nvSpPr>
-          <p:cNvPr id="65538" name="Rectangle 7"/>
+          <p:cNvPr id="2" name="Slide Image Placeholder 1"/>
           <p:cNvSpPr>
-            <a:spLocks noGrp="1" noChangeArrowheads="1"/>
-          </p:cNvSpPr>
-          <p:nvPr>
-            <p:ph type="sldNum" sz="quarter" idx="5"/>
-          </p:nvPr>
-        </p:nvSpPr>
-        <p:spPr>
-          <a:noFill/>
-        </p:spPr>
-        <p:txBody>
-          <a:bodyPr/>
-          <a:lstStyle/>
-          <a:p>
-            <a:fld id="{EEC78EEE-97B5-4226-9E7C-A9D1AB189F42}" type="slidenum">
-              <a:rPr lang="en-US" smtClean="0">
-                <a:latin typeface="Times New Roman" pitchFamily="8" charset="0"/>
-              </a:rPr>
-              <a:pPr/>
-              <a:t>15</a:t>
-            </a:fld>
-            <a:endParaRPr lang="en-US" smtClean="0">
-              <a:latin typeface="Times New Roman" pitchFamily="8" charset="0"/>
-            </a:endParaRPr>
-          </a:p>
-        </p:txBody>
-      </p:sp>
-      <p:sp>
-        <p:nvSpPr>
-          <p:cNvPr id="65539" name="Rectangle 2"/>
-          <p:cNvSpPr>
-            <a:spLocks noGrp="1" noRot="1" noChangeAspect="1" noChangeArrowheads="1" noTextEdit="1"/>
+            <a:spLocks noGrp="1" noRot="1" noChangeAspect="1"/>
           </p:cNvSpPr>
           <p:nvPr>
             <p:ph type="sldImg"/>
           </p:nvPr>
         </p:nvSpPr>
-        <p:spPr>
-          <a:ln/>
-        </p:spPr>
+        <p:spPr/>
       </p:sp>
       <p:sp>
         <p:nvSpPr>
-          <p:cNvPr id="65540" name="Rectangle 3"/>
+          <p:cNvPr id="3" name="Notes Placeholder 2"/>
           <p:cNvSpPr>
-            <a:spLocks noGrp="1" noChangeArrowheads="1"/>
+            <a:spLocks noGrp="1"/>
           </p:cNvSpPr>
           <p:nvPr>
             <p:ph type="body" idx="1"/>
           </p:nvPr>
         </p:nvSpPr>
-        <p:spPr>
-          <a:noFill/>
-          <a:ln/>
-        </p:spPr>
+        <p:spPr/>
         <p:txBody>
           <a:bodyPr/>
           <a:lstStyle/>
           <a:p>
-            <a:pPr eaLnBrk="1" hangingPunct="1"/>
-            <a:endParaRPr lang="en-US" smtClean="0">
-              <a:latin typeface="Times New Roman" pitchFamily="8" charset="0"/>
-            </a:endParaRPr>
+            <a:endParaRPr lang="en-US"/>
+          </a:p>
+        </p:txBody>
+      </p:sp>
+      <p:sp>
+        <p:nvSpPr>
+          <p:cNvPr id="4" name="Slide Number Placeholder 3"/>
+          <p:cNvSpPr>
+            <a:spLocks noGrp="1"/>
+          </p:cNvSpPr>
+          <p:nvPr>
+            <p:ph type="sldNum" sz="quarter" idx="10"/>
+          </p:nvPr>
+        </p:nvSpPr>
+        <p:spPr/>
+        <p:txBody>
+          <a:bodyPr/>
+          <a:lstStyle/>
+          <a:p>
+            <a:pPr>
+              <a:defRPr/>
+            </a:pPr>
+            <a:fld id="{1953B675-4226-4AF9-9E43-532C9224C074}" type="slidenum">
+              <a:rPr lang="en-US" smtClean="0"/>
+              <a:pPr>
+                <a:defRPr/>
+              </a:pPr>
+              <a:t>13</a:t>
+            </a:fld>
+            <a:endParaRPr lang="en-US"/>
           </a:p>
         </p:txBody>
       </p:sp>
     </p:spTree>
+    <p:extLst>
+      <p:ext uri="{BB962C8B-B14F-4D97-AF65-F5344CB8AC3E}">
+        <p14:creationId xmlns:p14="http://schemas.microsoft.com/office/powerpoint/2010/main" val="1885514804"/>
+      </p:ext>
+    </p:extLst>
   </p:cSld>
   <p:clrMapOvr>
     <a:masterClrMapping/>
@@ -1351,74 +1347,70 @@
       </p:grpSpPr>
       <p:sp>
         <p:nvSpPr>
-          <p:cNvPr id="65538" name="Rectangle 7"/>
+          <p:cNvPr id="2" name="Slide Image Placeholder 1"/>
           <p:cNvSpPr>
-            <a:spLocks noGrp="1" noChangeArrowheads="1"/>
-          </p:cNvSpPr>
-          <p:nvPr>
-            <p:ph type="sldNum" sz="quarter" idx="5"/>
-          </p:nvPr>
-        </p:nvSpPr>
-        <p:spPr>
-          <a:noFill/>
-        </p:spPr>
-        <p:txBody>
-          <a:bodyPr/>
-          <a:lstStyle/>
-          <a:p>
-            <a:fld id="{EEC78EEE-97B5-4226-9E7C-A9D1AB189F42}" type="slidenum">
-              <a:rPr lang="en-US" smtClean="0">
-                <a:latin typeface="Times New Roman" pitchFamily="8" charset="0"/>
-              </a:rPr>
-              <a:pPr/>
-              <a:t>16</a:t>
-            </a:fld>
-            <a:endParaRPr lang="en-US" smtClean="0">
-              <a:latin typeface="Times New Roman" pitchFamily="8" charset="0"/>
-            </a:endParaRPr>
-          </a:p>
-        </p:txBody>
-      </p:sp>
-      <p:sp>
-        <p:nvSpPr>
-          <p:cNvPr id="65539" name="Rectangle 2"/>
-          <p:cNvSpPr>
-            <a:spLocks noGrp="1" noRot="1" noChangeAspect="1" noChangeArrowheads="1" noTextEdit="1"/>
+            <a:spLocks noGrp="1" noRot="1" noChangeAspect="1"/>
           </p:cNvSpPr>
           <p:nvPr>
             <p:ph type="sldImg"/>
           </p:nvPr>
         </p:nvSpPr>
-        <p:spPr>
-          <a:ln/>
-        </p:spPr>
+        <p:spPr/>
       </p:sp>
       <p:sp>
         <p:nvSpPr>
-          <p:cNvPr id="65540" name="Rectangle 3"/>
+          <p:cNvPr id="3" name="Notes Placeholder 2"/>
           <p:cNvSpPr>
-            <a:spLocks noGrp="1" noChangeArrowheads="1"/>
+            <a:spLocks noGrp="1"/>
           </p:cNvSpPr>
           <p:nvPr>
             <p:ph type="body" idx="1"/>
           </p:nvPr>
         </p:nvSpPr>
-        <p:spPr>
-          <a:noFill/>
-          <a:ln/>
-        </p:spPr>
+        <p:spPr/>
         <p:txBody>
           <a:bodyPr/>
           <a:lstStyle/>
           <a:p>
-            <a:pPr eaLnBrk="1" hangingPunct="1"/>
-            <a:endParaRPr lang="en-US" smtClean="0">
-              <a:latin typeface="Times New Roman" pitchFamily="8" charset="0"/>
-            </a:endParaRPr>
+            <a:endParaRPr lang="en-US"/>
+          </a:p>
+        </p:txBody>
+      </p:sp>
+      <p:sp>
+        <p:nvSpPr>
+          <p:cNvPr id="4" name="Slide Number Placeholder 3"/>
+          <p:cNvSpPr>
+            <a:spLocks noGrp="1"/>
+          </p:cNvSpPr>
+          <p:nvPr>
+            <p:ph type="sldNum" sz="quarter" idx="10"/>
+          </p:nvPr>
+        </p:nvSpPr>
+        <p:spPr/>
+        <p:txBody>
+          <a:bodyPr/>
+          <a:lstStyle/>
+          <a:p>
+            <a:pPr>
+              <a:defRPr/>
+            </a:pPr>
+            <a:fld id="{1953B675-4226-4AF9-9E43-532C9224C074}" type="slidenum">
+              <a:rPr lang="en-US" smtClean="0"/>
+              <a:pPr>
+                <a:defRPr/>
+              </a:pPr>
+              <a:t>14</a:t>
+            </a:fld>
+            <a:endParaRPr lang="en-US"/>
           </a:p>
         </p:txBody>
       </p:sp>
     </p:spTree>
+    <p:extLst>
+      <p:ext uri="{BB962C8B-B14F-4D97-AF65-F5344CB8AC3E}">
+        <p14:creationId xmlns:p14="http://schemas.microsoft.com/office/powerpoint/2010/main" val="790529269"/>
+      </p:ext>
+    </p:extLst>
   </p:cSld>
   <p:clrMapOvr>
     <a:masterClrMapping/>
@@ -1465,7 +1457,7 @@
                 <a:latin typeface="Times New Roman" pitchFamily="8" charset="0"/>
               </a:rPr>
               <a:pPr/>
-              <a:t>17</a:t>
+              <a:t>15</a:t>
             </a:fld>
             <a:endParaRPr lang="en-US" smtClean="0">
               <a:latin typeface="Times New Roman" pitchFamily="8" charset="0"/>
@@ -1539,6 +1531,194 @@
       </p:grpSpPr>
       <p:sp>
         <p:nvSpPr>
+          <p:cNvPr id="65538" name="Rectangle 7"/>
+          <p:cNvSpPr>
+            <a:spLocks noGrp="1" noChangeArrowheads="1"/>
+          </p:cNvSpPr>
+          <p:nvPr>
+            <p:ph type="sldNum" sz="quarter" idx="5"/>
+          </p:nvPr>
+        </p:nvSpPr>
+        <p:spPr>
+          <a:noFill/>
+        </p:spPr>
+        <p:txBody>
+          <a:bodyPr/>
+          <a:lstStyle/>
+          <a:p>
+            <a:fld id="{EEC78EEE-97B5-4226-9E7C-A9D1AB189F42}" type="slidenum">
+              <a:rPr lang="en-US" smtClean="0">
+                <a:latin typeface="Times New Roman" pitchFamily="8" charset="0"/>
+              </a:rPr>
+              <a:pPr/>
+              <a:t>16</a:t>
+            </a:fld>
+            <a:endParaRPr lang="en-US" smtClean="0">
+              <a:latin typeface="Times New Roman" pitchFamily="8" charset="0"/>
+            </a:endParaRPr>
+          </a:p>
+        </p:txBody>
+      </p:sp>
+      <p:sp>
+        <p:nvSpPr>
+          <p:cNvPr id="65539" name="Rectangle 2"/>
+          <p:cNvSpPr>
+            <a:spLocks noGrp="1" noRot="1" noChangeAspect="1" noChangeArrowheads="1" noTextEdit="1"/>
+          </p:cNvSpPr>
+          <p:nvPr>
+            <p:ph type="sldImg"/>
+          </p:nvPr>
+        </p:nvSpPr>
+        <p:spPr>
+          <a:ln/>
+        </p:spPr>
+      </p:sp>
+      <p:sp>
+        <p:nvSpPr>
+          <p:cNvPr id="65540" name="Rectangle 3"/>
+          <p:cNvSpPr>
+            <a:spLocks noGrp="1" noChangeArrowheads="1"/>
+          </p:cNvSpPr>
+          <p:nvPr>
+            <p:ph type="body" idx="1"/>
+          </p:nvPr>
+        </p:nvSpPr>
+        <p:spPr>
+          <a:noFill/>
+          <a:ln/>
+        </p:spPr>
+        <p:txBody>
+          <a:bodyPr/>
+          <a:lstStyle/>
+          <a:p>
+            <a:pPr eaLnBrk="1" hangingPunct="1"/>
+            <a:endParaRPr lang="en-US" smtClean="0">
+              <a:latin typeface="Times New Roman" pitchFamily="8" charset="0"/>
+            </a:endParaRPr>
+          </a:p>
+        </p:txBody>
+      </p:sp>
+    </p:spTree>
+  </p:cSld>
+  <p:clrMapOvr>
+    <a:masterClrMapping/>
+  </p:clrMapOvr>
+</p:notes>
+</file>
+
+<file path=ppt/notesSlides/notesSlide17.xml><?xml version="1.0" encoding="utf-8"?>
+<p:notes xmlns:a="http://schemas.openxmlformats.org/drawingml/2006/main" xmlns:r="http://schemas.openxmlformats.org/officeDocument/2006/relationships" xmlns:p="http://schemas.openxmlformats.org/presentationml/2006/main">
+  <p:cSld>
+    <p:spTree>
+      <p:nvGrpSpPr>
+        <p:cNvPr id="1" name=""/>
+        <p:cNvGrpSpPr/>
+        <p:nvPr/>
+      </p:nvGrpSpPr>
+      <p:grpSpPr>
+        <a:xfrm>
+          <a:off x="0" y="0"/>
+          <a:ext cx="0" cy="0"/>
+          <a:chOff x="0" y="0"/>
+          <a:chExt cx="0" cy="0"/>
+        </a:xfrm>
+      </p:grpSpPr>
+      <p:sp>
+        <p:nvSpPr>
+          <p:cNvPr id="65538" name="Rectangle 7"/>
+          <p:cNvSpPr>
+            <a:spLocks noGrp="1" noChangeArrowheads="1"/>
+          </p:cNvSpPr>
+          <p:nvPr>
+            <p:ph type="sldNum" sz="quarter" idx="5"/>
+          </p:nvPr>
+        </p:nvSpPr>
+        <p:spPr>
+          <a:noFill/>
+        </p:spPr>
+        <p:txBody>
+          <a:bodyPr/>
+          <a:lstStyle/>
+          <a:p>
+            <a:fld id="{EEC78EEE-97B5-4226-9E7C-A9D1AB189F42}" type="slidenum">
+              <a:rPr lang="en-US" smtClean="0">
+                <a:latin typeface="Times New Roman" pitchFamily="8" charset="0"/>
+              </a:rPr>
+              <a:pPr/>
+              <a:t>17</a:t>
+            </a:fld>
+            <a:endParaRPr lang="en-US" smtClean="0">
+              <a:latin typeface="Times New Roman" pitchFamily="8" charset="0"/>
+            </a:endParaRPr>
+          </a:p>
+        </p:txBody>
+      </p:sp>
+      <p:sp>
+        <p:nvSpPr>
+          <p:cNvPr id="65539" name="Rectangle 2"/>
+          <p:cNvSpPr>
+            <a:spLocks noGrp="1" noRot="1" noChangeAspect="1" noChangeArrowheads="1" noTextEdit="1"/>
+          </p:cNvSpPr>
+          <p:nvPr>
+            <p:ph type="sldImg"/>
+          </p:nvPr>
+        </p:nvSpPr>
+        <p:spPr>
+          <a:ln/>
+        </p:spPr>
+      </p:sp>
+      <p:sp>
+        <p:nvSpPr>
+          <p:cNvPr id="65540" name="Rectangle 3"/>
+          <p:cNvSpPr>
+            <a:spLocks noGrp="1" noChangeArrowheads="1"/>
+          </p:cNvSpPr>
+          <p:nvPr>
+            <p:ph type="body" idx="1"/>
+          </p:nvPr>
+        </p:nvSpPr>
+        <p:spPr>
+          <a:noFill/>
+          <a:ln/>
+        </p:spPr>
+        <p:txBody>
+          <a:bodyPr/>
+          <a:lstStyle/>
+          <a:p>
+            <a:pPr eaLnBrk="1" hangingPunct="1"/>
+            <a:endParaRPr lang="en-US" smtClean="0">
+              <a:latin typeface="Times New Roman" pitchFamily="8" charset="0"/>
+            </a:endParaRPr>
+          </a:p>
+        </p:txBody>
+      </p:sp>
+    </p:spTree>
+  </p:cSld>
+  <p:clrMapOvr>
+    <a:masterClrMapping/>
+  </p:clrMapOvr>
+</p:notes>
+</file>
+
+<file path=ppt/notesSlides/notesSlide18.xml><?xml version="1.0" encoding="utf-8"?>
+<p:notes xmlns:a="http://schemas.openxmlformats.org/drawingml/2006/main" xmlns:r="http://schemas.openxmlformats.org/officeDocument/2006/relationships" xmlns:p="http://schemas.openxmlformats.org/presentationml/2006/main">
+  <p:cSld>
+    <p:spTree>
+      <p:nvGrpSpPr>
+        <p:cNvPr id="1" name=""/>
+        <p:cNvGrpSpPr/>
+        <p:nvPr/>
+      </p:nvGrpSpPr>
+      <p:grpSpPr>
+        <a:xfrm>
+          <a:off x="0" y="0"/>
+          <a:ext cx="0" cy="0"/>
+          <a:chOff x="0" y="0"/>
+          <a:chExt cx="0" cy="0"/>
+        </a:xfrm>
+      </p:grpSpPr>
+      <p:sp>
+        <p:nvSpPr>
           <p:cNvPr id="58370" name="Rectangle 7"/>
           <p:cNvSpPr>
             <a:spLocks noGrp="1" noChangeArrowheads="1"/>
@@ -1614,7 +1794,7 @@
 </p:notes>
 </file>
 
-<file path=ppt/notesSlides/notesSlide17.xml><?xml version="1.0" encoding="utf-8"?>
+<file path=ppt/notesSlides/notesSlide19.xml><?xml version="1.0" encoding="utf-8"?>
 <p:notes xmlns:a="http://schemas.openxmlformats.org/drawingml/2006/main" xmlns:r="http://schemas.openxmlformats.org/officeDocument/2006/relationships" xmlns:p="http://schemas.openxmlformats.org/presentationml/2006/main">
   <p:cSld>
     <p:spTree>
@@ -1678,194 +1858,6 @@
       <p:sp>
         <p:nvSpPr>
           <p:cNvPr id="59396" name="Rectangle 3"/>
-          <p:cNvSpPr>
-            <a:spLocks noGrp="1" noChangeArrowheads="1"/>
-          </p:cNvSpPr>
-          <p:nvPr>
-            <p:ph type="body" idx="1"/>
-          </p:nvPr>
-        </p:nvSpPr>
-        <p:spPr>
-          <a:noFill/>
-          <a:ln/>
-        </p:spPr>
-        <p:txBody>
-          <a:bodyPr/>
-          <a:lstStyle/>
-          <a:p>
-            <a:pPr eaLnBrk="1" hangingPunct="1"/>
-            <a:endParaRPr lang="en-US" smtClean="0">
-              <a:latin typeface="Times New Roman" pitchFamily="8" charset="0"/>
-            </a:endParaRPr>
-          </a:p>
-        </p:txBody>
-      </p:sp>
-    </p:spTree>
-  </p:cSld>
-  <p:clrMapOvr>
-    <a:masterClrMapping/>
-  </p:clrMapOvr>
-</p:notes>
-</file>
-
-<file path=ppt/notesSlides/notesSlide18.xml><?xml version="1.0" encoding="utf-8"?>
-<p:notes xmlns:a="http://schemas.openxmlformats.org/drawingml/2006/main" xmlns:r="http://schemas.openxmlformats.org/officeDocument/2006/relationships" xmlns:p="http://schemas.openxmlformats.org/presentationml/2006/main">
-  <p:cSld>
-    <p:spTree>
-      <p:nvGrpSpPr>
-        <p:cNvPr id="1" name=""/>
-        <p:cNvGrpSpPr/>
-        <p:nvPr/>
-      </p:nvGrpSpPr>
-      <p:grpSpPr>
-        <a:xfrm>
-          <a:off x="0" y="0"/>
-          <a:ext cx="0" cy="0"/>
-          <a:chOff x="0" y="0"/>
-          <a:chExt cx="0" cy="0"/>
-        </a:xfrm>
-      </p:grpSpPr>
-      <p:sp>
-        <p:nvSpPr>
-          <p:cNvPr id="60418" name="Rectangle 7"/>
-          <p:cNvSpPr>
-            <a:spLocks noGrp="1" noChangeArrowheads="1"/>
-          </p:cNvSpPr>
-          <p:nvPr>
-            <p:ph type="sldNum" sz="quarter" idx="5"/>
-          </p:nvPr>
-        </p:nvSpPr>
-        <p:spPr>
-          <a:noFill/>
-        </p:spPr>
-        <p:txBody>
-          <a:bodyPr/>
-          <a:lstStyle/>
-          <a:p>
-            <a:fld id="{A0B9B419-2D8B-4E44-AB55-B9558F7E4787}" type="slidenum">
-              <a:rPr lang="en-US" smtClean="0">
-                <a:latin typeface="Times New Roman" pitchFamily="8" charset="0"/>
-              </a:rPr>
-              <a:pPr/>
-              <a:t>21</a:t>
-            </a:fld>
-            <a:endParaRPr lang="en-US" smtClean="0">
-              <a:latin typeface="Times New Roman" pitchFamily="8" charset="0"/>
-            </a:endParaRPr>
-          </a:p>
-        </p:txBody>
-      </p:sp>
-      <p:sp>
-        <p:nvSpPr>
-          <p:cNvPr id="60419" name="Rectangle 2"/>
-          <p:cNvSpPr>
-            <a:spLocks noGrp="1" noRot="1" noChangeAspect="1" noChangeArrowheads="1" noTextEdit="1"/>
-          </p:cNvSpPr>
-          <p:nvPr>
-            <p:ph type="sldImg"/>
-          </p:nvPr>
-        </p:nvSpPr>
-        <p:spPr>
-          <a:ln/>
-        </p:spPr>
-      </p:sp>
-      <p:sp>
-        <p:nvSpPr>
-          <p:cNvPr id="60420" name="Rectangle 3"/>
-          <p:cNvSpPr>
-            <a:spLocks noGrp="1" noChangeArrowheads="1"/>
-          </p:cNvSpPr>
-          <p:nvPr>
-            <p:ph type="body" idx="1"/>
-          </p:nvPr>
-        </p:nvSpPr>
-        <p:spPr>
-          <a:noFill/>
-          <a:ln/>
-        </p:spPr>
-        <p:txBody>
-          <a:bodyPr/>
-          <a:lstStyle/>
-          <a:p>
-            <a:pPr eaLnBrk="1" hangingPunct="1"/>
-            <a:endParaRPr lang="en-US" smtClean="0">
-              <a:latin typeface="Times New Roman" pitchFamily="8" charset="0"/>
-            </a:endParaRPr>
-          </a:p>
-        </p:txBody>
-      </p:sp>
-    </p:spTree>
-  </p:cSld>
-  <p:clrMapOvr>
-    <a:masterClrMapping/>
-  </p:clrMapOvr>
-</p:notes>
-</file>
-
-<file path=ppt/notesSlides/notesSlide19.xml><?xml version="1.0" encoding="utf-8"?>
-<p:notes xmlns:a="http://schemas.openxmlformats.org/drawingml/2006/main" xmlns:r="http://schemas.openxmlformats.org/officeDocument/2006/relationships" xmlns:p="http://schemas.openxmlformats.org/presentationml/2006/main">
-  <p:cSld>
-    <p:spTree>
-      <p:nvGrpSpPr>
-        <p:cNvPr id="1" name=""/>
-        <p:cNvGrpSpPr/>
-        <p:nvPr/>
-      </p:nvGrpSpPr>
-      <p:grpSpPr>
-        <a:xfrm>
-          <a:off x="0" y="0"/>
-          <a:ext cx="0" cy="0"/>
-          <a:chOff x="0" y="0"/>
-          <a:chExt cx="0" cy="0"/>
-        </a:xfrm>
-      </p:grpSpPr>
-      <p:sp>
-        <p:nvSpPr>
-          <p:cNvPr id="61442" name="Rectangle 7"/>
-          <p:cNvSpPr>
-            <a:spLocks noGrp="1" noChangeArrowheads="1"/>
-          </p:cNvSpPr>
-          <p:nvPr>
-            <p:ph type="sldNum" sz="quarter" idx="5"/>
-          </p:nvPr>
-        </p:nvSpPr>
-        <p:spPr>
-          <a:noFill/>
-        </p:spPr>
-        <p:txBody>
-          <a:bodyPr/>
-          <a:lstStyle/>
-          <a:p>
-            <a:fld id="{633011C0-825D-44C0-998E-D3D100C2C20D}" type="slidenum">
-              <a:rPr lang="en-US" smtClean="0">
-                <a:latin typeface="Times New Roman" pitchFamily="8" charset="0"/>
-              </a:rPr>
-              <a:pPr/>
-              <a:t>22</a:t>
-            </a:fld>
-            <a:endParaRPr lang="en-US" smtClean="0">
-              <a:latin typeface="Times New Roman" pitchFamily="8" charset="0"/>
-            </a:endParaRPr>
-          </a:p>
-        </p:txBody>
-      </p:sp>
-      <p:sp>
-        <p:nvSpPr>
-          <p:cNvPr id="61443" name="Rectangle 2"/>
-          <p:cNvSpPr>
-            <a:spLocks noGrp="1" noRot="1" noChangeAspect="1" noChangeArrowheads="1" noTextEdit="1"/>
-          </p:cNvSpPr>
-          <p:nvPr>
-            <p:ph type="sldImg"/>
-          </p:nvPr>
-        </p:nvSpPr>
-        <p:spPr>
-          <a:ln/>
-        </p:spPr>
-      </p:sp>
-      <p:sp>
-        <p:nvSpPr>
-          <p:cNvPr id="61444" name="Rectangle 3"/>
           <p:cNvSpPr>
             <a:spLocks noGrp="1" noChangeArrowheads="1"/>
           </p:cNvSpPr>
@@ -2009,6 +2001,100 @@
       </p:grpSpPr>
       <p:sp>
         <p:nvSpPr>
+          <p:cNvPr id="60418" name="Rectangle 7"/>
+          <p:cNvSpPr>
+            <a:spLocks noGrp="1" noChangeArrowheads="1"/>
+          </p:cNvSpPr>
+          <p:nvPr>
+            <p:ph type="sldNum" sz="quarter" idx="5"/>
+          </p:nvPr>
+        </p:nvSpPr>
+        <p:spPr>
+          <a:noFill/>
+        </p:spPr>
+        <p:txBody>
+          <a:bodyPr/>
+          <a:lstStyle/>
+          <a:p>
+            <a:fld id="{A0B9B419-2D8B-4E44-AB55-B9558F7E4787}" type="slidenum">
+              <a:rPr lang="en-US" smtClean="0">
+                <a:latin typeface="Times New Roman" pitchFamily="8" charset="0"/>
+              </a:rPr>
+              <a:pPr/>
+              <a:t>21</a:t>
+            </a:fld>
+            <a:endParaRPr lang="en-US" smtClean="0">
+              <a:latin typeface="Times New Roman" pitchFamily="8" charset="0"/>
+            </a:endParaRPr>
+          </a:p>
+        </p:txBody>
+      </p:sp>
+      <p:sp>
+        <p:nvSpPr>
+          <p:cNvPr id="60419" name="Rectangle 2"/>
+          <p:cNvSpPr>
+            <a:spLocks noGrp="1" noRot="1" noChangeAspect="1" noChangeArrowheads="1" noTextEdit="1"/>
+          </p:cNvSpPr>
+          <p:nvPr>
+            <p:ph type="sldImg"/>
+          </p:nvPr>
+        </p:nvSpPr>
+        <p:spPr>
+          <a:ln/>
+        </p:spPr>
+      </p:sp>
+      <p:sp>
+        <p:nvSpPr>
+          <p:cNvPr id="60420" name="Rectangle 3"/>
+          <p:cNvSpPr>
+            <a:spLocks noGrp="1" noChangeArrowheads="1"/>
+          </p:cNvSpPr>
+          <p:nvPr>
+            <p:ph type="body" idx="1"/>
+          </p:nvPr>
+        </p:nvSpPr>
+        <p:spPr>
+          <a:noFill/>
+          <a:ln/>
+        </p:spPr>
+        <p:txBody>
+          <a:bodyPr/>
+          <a:lstStyle/>
+          <a:p>
+            <a:pPr eaLnBrk="1" hangingPunct="1"/>
+            <a:endParaRPr lang="en-US" smtClean="0">
+              <a:latin typeface="Times New Roman" pitchFamily="8" charset="0"/>
+            </a:endParaRPr>
+          </a:p>
+        </p:txBody>
+      </p:sp>
+    </p:spTree>
+  </p:cSld>
+  <p:clrMapOvr>
+    <a:masterClrMapping/>
+  </p:clrMapOvr>
+</p:notes>
+</file>
+
+<file path=ppt/notesSlides/notesSlide21.xml><?xml version="1.0" encoding="utf-8"?>
+<p:notes xmlns:a="http://schemas.openxmlformats.org/drawingml/2006/main" xmlns:r="http://schemas.openxmlformats.org/officeDocument/2006/relationships" xmlns:p="http://schemas.openxmlformats.org/presentationml/2006/main">
+  <p:cSld>
+    <p:spTree>
+      <p:nvGrpSpPr>
+        <p:cNvPr id="1" name=""/>
+        <p:cNvGrpSpPr/>
+        <p:nvPr/>
+      </p:nvGrpSpPr>
+      <p:grpSpPr>
+        <a:xfrm>
+          <a:off x="0" y="0"/>
+          <a:ext cx="0" cy="0"/>
+          <a:chOff x="0" y="0"/>
+          <a:chExt cx="0" cy="0"/>
+        </a:xfrm>
+      </p:grpSpPr>
+      <p:sp>
+        <p:nvSpPr>
           <p:cNvPr id="61442" name="Rectangle 7"/>
           <p:cNvSpPr>
             <a:spLocks noGrp="1" noChangeArrowheads="1"/>
@@ -2029,7 +2115,7 @@
                 <a:latin typeface="Times New Roman" pitchFamily="8" charset="0"/>
               </a:rPr>
               <a:pPr/>
-              <a:t>23</a:t>
+              <a:t>22</a:t>
             </a:fld>
             <a:endParaRPr lang="en-US" smtClean="0">
               <a:latin typeface="Times New Roman" pitchFamily="8" charset="0"/>
@@ -2084,7 +2170,101 @@
 </p:notes>
 </file>
 
-<file path=ppt/notesSlides/notesSlide21.xml><?xml version="1.0" encoding="utf-8"?>
+<file path=ppt/notesSlides/notesSlide22.xml><?xml version="1.0" encoding="utf-8"?>
+<p:notes xmlns:a="http://schemas.openxmlformats.org/drawingml/2006/main" xmlns:r="http://schemas.openxmlformats.org/officeDocument/2006/relationships" xmlns:p="http://schemas.openxmlformats.org/presentationml/2006/main">
+  <p:cSld>
+    <p:spTree>
+      <p:nvGrpSpPr>
+        <p:cNvPr id="1" name=""/>
+        <p:cNvGrpSpPr/>
+        <p:nvPr/>
+      </p:nvGrpSpPr>
+      <p:grpSpPr>
+        <a:xfrm>
+          <a:off x="0" y="0"/>
+          <a:ext cx="0" cy="0"/>
+          <a:chOff x="0" y="0"/>
+          <a:chExt cx="0" cy="0"/>
+        </a:xfrm>
+      </p:grpSpPr>
+      <p:sp>
+        <p:nvSpPr>
+          <p:cNvPr id="61442" name="Rectangle 7"/>
+          <p:cNvSpPr>
+            <a:spLocks noGrp="1" noChangeArrowheads="1"/>
+          </p:cNvSpPr>
+          <p:nvPr>
+            <p:ph type="sldNum" sz="quarter" idx="5"/>
+          </p:nvPr>
+        </p:nvSpPr>
+        <p:spPr>
+          <a:noFill/>
+        </p:spPr>
+        <p:txBody>
+          <a:bodyPr/>
+          <a:lstStyle/>
+          <a:p>
+            <a:fld id="{633011C0-825D-44C0-998E-D3D100C2C20D}" type="slidenum">
+              <a:rPr lang="en-US" smtClean="0">
+                <a:latin typeface="Times New Roman" pitchFamily="8" charset="0"/>
+              </a:rPr>
+              <a:pPr/>
+              <a:t>23</a:t>
+            </a:fld>
+            <a:endParaRPr lang="en-US" smtClean="0">
+              <a:latin typeface="Times New Roman" pitchFamily="8" charset="0"/>
+            </a:endParaRPr>
+          </a:p>
+        </p:txBody>
+      </p:sp>
+      <p:sp>
+        <p:nvSpPr>
+          <p:cNvPr id="61443" name="Rectangle 2"/>
+          <p:cNvSpPr>
+            <a:spLocks noGrp="1" noRot="1" noChangeAspect="1" noChangeArrowheads="1" noTextEdit="1"/>
+          </p:cNvSpPr>
+          <p:nvPr>
+            <p:ph type="sldImg"/>
+          </p:nvPr>
+        </p:nvSpPr>
+        <p:spPr>
+          <a:ln/>
+        </p:spPr>
+      </p:sp>
+      <p:sp>
+        <p:nvSpPr>
+          <p:cNvPr id="61444" name="Rectangle 3"/>
+          <p:cNvSpPr>
+            <a:spLocks noGrp="1" noChangeArrowheads="1"/>
+          </p:cNvSpPr>
+          <p:nvPr>
+            <p:ph type="body" idx="1"/>
+          </p:nvPr>
+        </p:nvSpPr>
+        <p:spPr>
+          <a:noFill/>
+          <a:ln/>
+        </p:spPr>
+        <p:txBody>
+          <a:bodyPr/>
+          <a:lstStyle/>
+          <a:p>
+            <a:pPr eaLnBrk="1" hangingPunct="1"/>
+            <a:endParaRPr lang="en-US" smtClean="0">
+              <a:latin typeface="Times New Roman" pitchFamily="8" charset="0"/>
+            </a:endParaRPr>
+          </a:p>
+        </p:txBody>
+      </p:sp>
+    </p:spTree>
+  </p:cSld>
+  <p:clrMapOvr>
+    <a:masterClrMapping/>
+  </p:clrMapOvr>
+</p:notes>
+</file>
+
+<file path=ppt/notesSlides/notesSlide23.xml><?xml version="1.0" encoding="utf-8"?>
 <p:notes xmlns:a="http://schemas.openxmlformats.org/drawingml/2006/main" xmlns:r="http://schemas.openxmlformats.org/officeDocument/2006/relationships" xmlns:p="http://schemas.openxmlformats.org/presentationml/2006/main">
   <p:cSld>
     <p:spTree>
@@ -2178,7 +2358,7 @@
 </p:notes>
 </file>
 
-<file path=ppt/notesSlides/notesSlide22.xml><?xml version="1.0" encoding="utf-8"?>
+<file path=ppt/notesSlides/notesSlide24.xml><?xml version="1.0" encoding="utf-8"?>
 <p:notes xmlns:a="http://schemas.openxmlformats.org/drawingml/2006/main" xmlns:r="http://schemas.openxmlformats.org/officeDocument/2006/relationships" xmlns:p="http://schemas.openxmlformats.org/presentationml/2006/main">
   <p:cSld>
     <p:spTree>
@@ -3053,7 +3233,7 @@
         <p:spPr bwMode="auto">
           <a:xfrm>
             <a:off x="7772400" y="6553200"/>
-            <a:ext cx="1295400" cy="307777"/>
+            <a:ext cx="1295400" cy="492443"/>
           </a:xfrm>
           <a:prstGeom prst="rect">
             <a:avLst/>
@@ -3086,15 +3266,15 @@
               <a:defRPr/>
             </a:pPr>
             <a:r>
+              <a:rPr lang="en-US" dirty="0" err="1" smtClean="0"/>
+              <a:t>pulverizer</a:t>
+            </a:r>
+            <a:r>
               <a:rPr lang="en-US" dirty="0" smtClean="0"/>
-              <a:t>pulverize</a:t>
-            </a:r>
-            <a:r>
-              <a:rPr lang="en-US" sz="1200" dirty="0" smtClean="0"/>
               <a:t>.</a:t>
             </a:r>
             <a:fld id="{1C5A3C10-33AF-4A87-9059-D1C83461B876}" type="slidenum">
-              <a:rPr lang="en-US" sz="1200"/>
+              <a:rPr lang="en-US" sz="1200" smtClean="0"/>
               <a:pPr>
                 <a:defRPr/>
               </a:pPr>
@@ -3248,7 +3428,7 @@
         <p:spPr bwMode="auto">
           <a:xfrm>
             <a:off x="7772400" y="6553200"/>
-            <a:ext cx="1295400" cy="307777"/>
+            <a:ext cx="1295400" cy="492443"/>
           </a:xfrm>
           <a:prstGeom prst="rect">
             <a:avLst/>
@@ -3281,15 +3461,15 @@
               <a:defRPr/>
             </a:pPr>
             <a:r>
+              <a:rPr lang="en-US" dirty="0" err="1" smtClean="0"/>
+              <a:t>pulverizer</a:t>
+            </a:r>
+            <a:r>
               <a:rPr lang="en-US" dirty="0" smtClean="0"/>
-              <a:t>pulverize</a:t>
-            </a:r>
-            <a:r>
-              <a:rPr lang="en-US" sz="1200" dirty="0" smtClean="0"/>
               <a:t>.</a:t>
             </a:r>
             <a:fld id="{1C5A3C10-33AF-4A87-9059-D1C83461B876}" type="slidenum">
-              <a:rPr lang="en-US" sz="1200"/>
+              <a:rPr lang="en-US" sz="1200" smtClean="0"/>
               <a:pPr>
                 <a:defRPr/>
               </a:pPr>
@@ -3370,7 +3550,7 @@
         <p:spPr bwMode="auto">
           <a:xfrm>
             <a:off x="7772400" y="6553200"/>
-            <a:ext cx="1295400" cy="307777"/>
+            <a:ext cx="1295400" cy="492443"/>
           </a:xfrm>
           <a:prstGeom prst="rect">
             <a:avLst/>
@@ -3403,15 +3583,15 @@
               <a:defRPr/>
             </a:pPr>
             <a:r>
+              <a:rPr lang="en-US" dirty="0" err="1" smtClean="0"/>
+              <a:t>pulverizer</a:t>
+            </a:r>
+            <a:r>
               <a:rPr lang="en-US" dirty="0" smtClean="0"/>
-              <a:t>pulverize</a:t>
-            </a:r>
-            <a:r>
-              <a:rPr lang="en-US" sz="1200" dirty="0" smtClean="0"/>
               <a:t>.</a:t>
             </a:r>
             <a:fld id="{1C5A3C10-33AF-4A87-9059-D1C83461B876}" type="slidenum">
-              <a:rPr lang="en-US" sz="1200"/>
+              <a:rPr lang="en-US" sz="1200" smtClean="0"/>
               <a:pPr>
                 <a:defRPr/>
               </a:pPr>
@@ -3469,7 +3649,7 @@
         <p:spPr bwMode="auto">
           <a:xfrm>
             <a:off x="7772400" y="6553200"/>
-            <a:ext cx="1295400" cy="307777"/>
+            <a:ext cx="1295400" cy="492443"/>
           </a:xfrm>
           <a:prstGeom prst="rect">
             <a:avLst/>
@@ -3502,15 +3682,15 @@
               <a:defRPr/>
             </a:pPr>
             <a:r>
+              <a:rPr lang="en-US" dirty="0" err="1" smtClean="0"/>
+              <a:t>pulverizer</a:t>
+            </a:r>
+            <a:r>
               <a:rPr lang="en-US" dirty="0" smtClean="0"/>
-              <a:t>pulverize</a:t>
-            </a:r>
-            <a:r>
-              <a:rPr lang="en-US" sz="1200" dirty="0" smtClean="0"/>
               <a:t>.</a:t>
             </a:r>
             <a:fld id="{1C5A3C10-33AF-4A87-9059-D1C83461B876}" type="slidenum">
-              <a:rPr lang="en-US" sz="1200"/>
+              <a:rPr lang="en-US" sz="1200" smtClean="0"/>
               <a:pPr>
                 <a:defRPr/>
               </a:pPr>
@@ -3721,8 +3901,8 @@
               <a:defRPr/>
             </a:pPr>
             <a:r>
-              <a:rPr lang="en-US" dirty="0" smtClean="0"/>
-              <a:t>pulverize</a:t>
+              <a:rPr lang="en-US" dirty="0" err="1" smtClean="0"/>
+              <a:t>pulverizer</a:t>
             </a:r>
             <a:r>
               <a:rPr lang="en-US" sz="1200" dirty="0" smtClean="0"/>
@@ -3825,7 +4005,7 @@
               <a:t>Albert R Meyer            </a:t>
             </a:r>
             <a:r>
-              <a:rPr kumimoji="0" lang="en-US" sz="1200" b="0" i="0" u="none" strike="noStrike" kern="1200" cap="none" spc="0" normalizeH="0" baseline="0" noProof="0" smtClean="0">
+              <a:rPr kumimoji="0" lang="en-US" sz="1200" b="0" i="0" u="none" strike="noStrike" kern="1200" cap="none" spc="0" normalizeH="0" baseline="0" noProof="0" dirty="0" smtClean="0">
                 <a:ln>
                   <a:noFill/>
                 </a:ln>
@@ -3837,7 +4017,7 @@
                 <a:uFillTx/>
                 <a:latin typeface="Comic Sans MS" pitchFamily="66" charset="0"/>
               </a:rPr>
-              <a:t>March 4, 2015</a:t>
+              <a:t>March 6, 2015</a:t>
             </a:r>
             <a:endParaRPr kumimoji="0" lang="en-US" sz="1200" b="0" i="0" u="none" strike="noStrike" kern="1200" cap="none" spc="0" normalizeH="0" baseline="0" noProof="0" dirty="0">
               <a:ln>
@@ -4307,10 +4487,16 @@
           <a:lstStyle/>
           <a:p>
             <a:r>
+              <a:rPr lang="en-US" dirty="0" err="1" smtClean="0">
+                <a:latin typeface="Comic Sans MS" pitchFamily="8" charset="0"/>
+              </a:rPr>
+              <a:t>pulverizer</a:t>
+            </a:r>
+            <a:r>
               <a:rPr lang="en-US" dirty="0" smtClean="0">
                 <a:latin typeface="Comic Sans MS" pitchFamily="8" charset="0"/>
               </a:rPr>
-              <a:t>pulverize.</a:t>
+              <a:t>.</a:t>
             </a:r>
             <a:fld id="{E87B1E8C-6732-4812-A197-E0720F3AF026}" type="slidenum">
               <a:rPr lang="en-US" sz="1200" smtClean="0">
@@ -4478,7 +4664,91 @@
   <p:timing>
     <p:tnLst>
       <p:par>
-        <p:cTn xmlns:p14="http://schemas.microsoft.com/office/powerpoint/2010/main" id="1" dur="indefinite" restart="never" nodeType="tmRoot"/>
+        <p:cTn xmlns:p14="http://schemas.microsoft.com/office/powerpoint/2010/main" id="1" dur="indefinite" restart="never" nodeType="tmRoot">
+          <p:childTnLst>
+            <p:seq concurrent="1" nextAc="seek">
+              <p:cTn id="2" dur="indefinite" nodeType="mainSeq">
+                <p:childTnLst>
+                  <p:par>
+                    <p:cTn id="3" fill="hold">
+                      <p:stCondLst>
+                        <p:cond delay="indefinite"/>
+                      </p:stCondLst>
+                      <p:childTnLst>
+                        <p:par>
+                          <p:cTn id="4" fill="hold">
+                            <p:stCondLst>
+                              <p:cond delay="0"/>
+                            </p:stCondLst>
+                            <p:childTnLst>
+                              <p:par>
+                                <p:cTn id="5" presetID="10" presetClass="entr" presetSubtype="0" fill="hold" nodeType="clickEffect">
+                                  <p:stCondLst>
+                                    <p:cond delay="0"/>
+                                  </p:stCondLst>
+                                  <p:childTnLst>
+                                    <p:set>
+                                      <p:cBhvr>
+                                        <p:cTn id="6" dur="1" fill="hold">
+                                          <p:stCondLst>
+                                            <p:cond delay="0"/>
+                                          </p:stCondLst>
+                                        </p:cTn>
+                                        <p:tgtEl>
+                                          <p:spTgt spid="14339">
+                                            <p:txEl>
+                                              <p:pRg st="1" end="1"/>
+                                            </p:txEl>
+                                          </p:spTgt>
+                                        </p:tgtEl>
+                                        <p:attrNameLst>
+                                          <p:attrName>style.visibility</p:attrName>
+                                        </p:attrNameLst>
+                                      </p:cBhvr>
+                                      <p:to>
+                                        <p:strVal val="visible"/>
+                                      </p:to>
+                                    </p:set>
+                                    <p:animEffect transition="in" filter="fade">
+                                      <p:cBhvr>
+                                        <p:cTn id="7" dur="500"/>
+                                        <p:tgtEl>
+                                          <p:spTgt spid="14339">
+                                            <p:txEl>
+                                              <p:pRg st="1" end="1"/>
+                                            </p:txEl>
+                                          </p:spTgt>
+                                        </p:tgtEl>
+                                      </p:cBhvr>
+                                    </p:animEffect>
+                                  </p:childTnLst>
+                                </p:cTn>
+                              </p:par>
+                            </p:childTnLst>
+                          </p:cTn>
+                        </p:par>
+                      </p:childTnLst>
+                    </p:cTn>
+                  </p:par>
+                </p:childTnLst>
+              </p:cTn>
+              <p:prevCondLst>
+                <p:cond evt="onPrev" delay="0">
+                  <p:tgtEl>
+                    <p:sldTgt/>
+                  </p:tgtEl>
+                </p:cond>
+              </p:prevCondLst>
+              <p:nextCondLst>
+                <p:cond evt="onNext" delay="0">
+                  <p:tgtEl>
+                    <p:sldTgt/>
+                  </p:tgtEl>
+                </p:cond>
+              </p:nextCondLst>
+            </p:seq>
+          </p:childTnLst>
+        </p:cTn>
       </p:par>
     </p:tnLst>
   </p:timing>
@@ -4711,10 +4981,16 @@
           <a:lstStyle/>
           <a:p>
             <a:r>
+              <a:rPr lang="en-US" dirty="0" err="1" smtClean="0">
+                <a:latin typeface="Comic Sans MS" pitchFamily="8" charset="0"/>
+              </a:rPr>
+              <a:t>pulverizer</a:t>
+            </a:r>
+            <a:r>
               <a:rPr lang="en-US" dirty="0" smtClean="0">
                 <a:latin typeface="Comic Sans MS" pitchFamily="8" charset="0"/>
               </a:rPr>
-              <a:t>pulverize.</a:t>
+              <a:t>.</a:t>
             </a:r>
             <a:fld id="{C0A36D86-A96B-4FB7-B793-96DB8299F076}" type="slidenum">
               <a:rPr lang="en-US" sz="1200" smtClean="0">
@@ -4883,7 +5159,11 @@
                   <a:srgbClr val="0000E5"/>
                 </a:solidFill>
               </a:rPr>
-              <a:t>         </a:t>
+              <a:t>          </a:t>
+            </a:r>
+            <a:r>
+              <a:rPr lang="en-US" sz="3200" dirty="0" smtClean="0"/>
+              <a:t> =</a:t>
             </a:r>
             <a:r>
               <a:rPr lang="en-US" sz="3200" dirty="0" smtClean="0">
@@ -4892,30 +5172,85 @@
                 </a:solidFill>
               </a:rPr>
               <a:t> </a:t>
+            </a:r>
+            <a:r>
+              <a:rPr lang="en-US" sz="3200" dirty="0" smtClean="0">
+                <a:solidFill>
+                  <a:srgbClr val="FF00FF"/>
+                </a:solidFill>
+              </a:rPr>
+              <a:t>-</a:t>
+            </a:r>
+            <a:r>
+              <a:rPr lang="en-US" sz="3200" dirty="0">
+                <a:solidFill>
+                  <a:srgbClr val="FF00FF"/>
+                </a:solidFill>
+              </a:rPr>
+              <a:t>1</a:t>
+            </a:r>
+            <a:r>
+              <a:rPr lang="en-US" sz="3200" dirty="0" smtClean="0"/>
+              <a:t>·</a:t>
+            </a:r>
+            <a:r>
+              <a:rPr lang="en-US" sz="3600" dirty="0" smtClean="0">
+                <a:solidFill>
+                  <a:srgbClr val="0000CC"/>
+                </a:solidFill>
+              </a:rPr>
+              <a:t>a</a:t>
             </a:r>
             <a:r>
               <a:rPr lang="en-US" sz="3200" dirty="0" smtClean="0"/>
               <a:t> </a:t>
             </a:r>
             <a:r>
+              <a:rPr lang="en-US" sz="3200" dirty="0"/>
+              <a:t>+ </a:t>
+            </a:r>
+            <a:r>
+              <a:rPr lang="en-US" sz="3200" dirty="0">
+                <a:solidFill>
+                  <a:srgbClr val="FF00FF"/>
+                </a:solidFill>
+              </a:rPr>
+              <a:t>2</a:t>
+            </a:r>
+            <a:r>
               <a:rPr lang="en-US" sz="3200" dirty="0" smtClean="0"/>
-              <a:t>=</a:t>
-            </a:r>
-            <a:r>
-              <a:rPr lang="en-US" sz="3200" dirty="0" smtClean="0">
-                <a:solidFill>
-                  <a:srgbClr val="0000E5"/>
-                </a:solidFill>
-              </a:rPr>
-              <a:t> </a:t>
-            </a:r>
-            <a:r>
-              <a:rPr lang="en-US" sz="3200" dirty="0" smtClean="0">
+              <a:t>∙</a:t>
+            </a:r>
+            <a:r>
+              <a:rPr lang="en-US" sz="3600" dirty="0">
+                <a:solidFill>
+                  <a:srgbClr val="0000CC"/>
+                </a:solidFill>
+              </a:rPr>
+              <a:t>b</a:t>
+            </a:r>
+            <a:endParaRPr lang="en-US" sz="3200" dirty="0"/>
+          </a:p>
+          <a:p>
+            <a:r>
+              <a:rPr lang="en-US" sz="3200" dirty="0" smtClean="0"/>
+              <a:t>so   </a:t>
+            </a:r>
+            <a:r>
+              <a:rPr lang="en-US" sz="3200" dirty="0"/>
+              <a:t>58 = </a:t>
+            </a:r>
+            <a:r>
+              <a:rPr lang="en-US" sz="3200" dirty="0">
                 <a:solidFill>
                   <a:srgbClr val="FF00FF"/>
                 </a:solidFill>
               </a:rPr>
-              <a:t>-</a:t>
+              <a:t>1</a:t>
+            </a:r>
+            <a:r>
+              <a:rPr lang="en-US" sz="3200" dirty="0"/>
+              <a:t>·406 - </a:t>
             </a:r>
             <a:r>
               <a:rPr lang="en-US" sz="3200" dirty="0">
@@ -4923,7 +5258,25 @@
                   <a:srgbClr val="FF00FF"/>
                 </a:solidFill>
               </a:rPr>
-              <a:t>1</a:t>
+              <a:t>4</a:t>
+            </a:r>
+            <a:r>
+              <a:rPr lang="en-US" sz="3200" dirty="0"/>
+              <a:t>·87</a:t>
+            </a:r>
+          </a:p>
+          <a:p>
+            <a:r>
+              <a:rPr lang="en-US" sz="3200" dirty="0" smtClean="0"/>
+              <a:t>           = </a:t>
+            </a:r>
+            <a:r>
+              <a:rPr lang="en-US" sz="3200" dirty="0">
+                <a:solidFill>
+                  <a:srgbClr val="FF00FF"/>
+                </a:solidFill>
+              </a:rPr>
+              <a:t>5</a:t>
             </a:r>
             <a:r>
               <a:rPr lang="en-US" sz="3200" dirty="0" smtClean="0"/>
@@ -4951,68 +5304,7 @@
                   <a:srgbClr val="FF00FF"/>
                 </a:solidFill>
               </a:rPr>
-              <a:t>2</a:t>
-            </a:r>
-            <a:r>
-              <a:rPr lang="en-US" sz="3200" dirty="0" smtClean="0"/>
-              <a:t>∙</a:t>
-            </a:r>
-            <a:r>
-              <a:rPr lang="en-US" sz="3600" dirty="0">
-                <a:solidFill>
-                  <a:srgbClr val="0000CC"/>
-                </a:solidFill>
-              </a:rPr>
-              <a:t>b</a:t>
-            </a:r>
-            <a:endParaRPr lang="en-US" sz="3200" dirty="0"/>
-          </a:p>
-          <a:p>
-            <a:r>
-              <a:rPr lang="en-US" sz="3200" dirty="0" smtClean="0"/>
-              <a:t>so   </a:t>
-            </a:r>
-            <a:r>
-              <a:rPr lang="en-US" sz="3200" dirty="0"/>
-              <a:t>58 = </a:t>
-            </a:r>
-            <a:r>
-              <a:rPr lang="en-US" sz="3200" dirty="0">
-                <a:solidFill>
-                  <a:srgbClr val="FF00FF"/>
-                </a:solidFill>
-              </a:rPr>
-              <a:t>1</a:t>
-            </a:r>
-            <a:r>
-              <a:rPr lang="en-US" sz="3200" dirty="0"/>
-              <a:t>·406 - </a:t>
-            </a:r>
-            <a:r>
-              <a:rPr lang="en-US" sz="3200" dirty="0">
-                <a:solidFill>
-                  <a:srgbClr val="FF00FF"/>
-                </a:solidFill>
-              </a:rPr>
-              <a:t>4</a:t>
-            </a:r>
-            <a:r>
-              <a:rPr lang="en-US" sz="3200" dirty="0"/>
-              <a:t>·87</a:t>
-            </a:r>
-          </a:p>
-          <a:p>
-            <a:r>
-              <a:rPr lang="en-US" sz="3200" dirty="0" smtClean="0"/>
-              <a:t>           = </a:t>
-            </a:r>
-            <a:r>
-              <a:rPr lang="en-US" sz="3200" dirty="0">
-                <a:solidFill>
-                  <a:srgbClr val="FF00FF"/>
-                </a:solidFill>
-              </a:rPr>
-              <a:t>5</a:t>
+              <a:t>-9</a:t>
             </a:r>
             <a:r>
               <a:rPr lang="en-US" sz="3200" dirty="0" smtClean="0"/>
@@ -5024,34 +5316,6 @@
                   <a:srgbClr val="0000CC"/>
                 </a:solidFill>
               </a:rPr>
-              <a:t>a</a:t>
-            </a:r>
-            <a:r>
-              <a:rPr lang="en-US" sz="3200" dirty="0" smtClean="0"/>
-              <a:t> </a:t>
-            </a:r>
-            <a:r>
-              <a:rPr lang="en-US" sz="3200" dirty="0"/>
-              <a:t>+ </a:t>
-            </a:r>
-            <a:r>
-              <a:rPr lang="en-US" sz="3200" dirty="0">
-                <a:solidFill>
-                  <a:srgbClr val="FF00FF"/>
-                </a:solidFill>
-              </a:rPr>
-              <a:t>-9</a:t>
-            </a:r>
-            <a:r>
-              <a:rPr lang="en-US" sz="3200" dirty="0" smtClean="0"/>
-              <a:t>·</a:t>
-            </a:r>
-            <a:r>
-              <a:rPr lang="en-US" sz="3600" dirty="0" smtClean="0">
-                <a:solidFill>
-                  <a:srgbClr val="0000CC"/>
-                </a:solidFill>
-              </a:rPr>
               <a:t>b</a:t>
             </a:r>
             <a:endParaRPr lang="en-US" sz="3200" dirty="0"/>
@@ -5093,11 +5357,7 @@
           <a:p>
             <a:r>
               <a:rPr lang="en-US" sz="3200" dirty="0" smtClean="0"/>
-              <a:t>     </a:t>
-            </a:r>
-            <a:r>
-              <a:rPr lang="en-US" sz="3200" dirty="0" smtClean="0"/>
-              <a:t>      </a:t>
+              <a:t>           </a:t>
             </a:r>
             <a:r>
               <a:rPr lang="en-US" sz="3200" dirty="0"/>
@@ -6418,10 +6678,16 @@
           <a:lstStyle/>
           <a:p>
             <a:r>
+              <a:rPr lang="en-US" dirty="0" err="1" smtClean="0">
+                <a:latin typeface="Comic Sans MS" pitchFamily="8" charset="0"/>
+              </a:rPr>
+              <a:t>pulverizer</a:t>
+            </a:r>
+            <a:r>
               <a:rPr lang="en-US" dirty="0" smtClean="0">
                 <a:latin typeface="Comic Sans MS" pitchFamily="8" charset="0"/>
               </a:rPr>
-              <a:t>pulverize.</a:t>
+              <a:t>.</a:t>
             </a:r>
             <a:fld id="{C0A36D86-A96B-4FB7-B793-96DB8299F076}" type="slidenum">
               <a:rPr lang="en-US" sz="1200" smtClean="0">
@@ -7081,13 +7347,13 @@
   <p:clrMapOvr>
     <a:masterClrMapping/>
   </p:clrMapOvr>
-  <mc:AlternateContent xmlns:mc="http://schemas.openxmlformats.org/markup-compatibility/2006">
-    <mc:Choice xmlns:p14="http://schemas.microsoft.com/office/powerpoint/2010/main" Requires="p14">
+  <mc:AlternateContent xmlns:mc="http://schemas.openxmlformats.org/markup-compatibility/2006" xmlns:p14="http://schemas.microsoft.com/office/powerpoint/2010/main">
+    <mc:Choice Requires="p14">
       <p:transition spd="med" p14:dur="700" advClick="0">
         <p:fade/>
       </p:transition>
     </mc:Choice>
-    <mc:Fallback>
+    <mc:Fallback xmlns="">
       <p:transition xmlns:p14="http://schemas.microsoft.com/office/powerpoint/2010/main" spd="med" advClick="0">
         <p:fade/>
       </p:transition>
@@ -7519,10 +7785,16 @@
           <a:lstStyle/>
           <a:p>
             <a:r>
+              <a:rPr lang="en-US" dirty="0" err="1" smtClean="0">
+                <a:latin typeface="Comic Sans MS" pitchFamily="8" charset="0"/>
+              </a:rPr>
+              <a:t>pulverizer</a:t>
+            </a:r>
+            <a:r>
               <a:rPr lang="en-US" dirty="0" smtClean="0">
                 <a:latin typeface="Comic Sans MS" pitchFamily="8" charset="0"/>
               </a:rPr>
-              <a:t>pulverize.</a:t>
+              <a:t>.</a:t>
             </a:r>
             <a:fld id="{0B31A3FA-1C63-4F3C-BCF4-B7AE1EB41B06}" type="slidenum">
               <a:rPr lang="en-US" sz="1200" smtClean="0">
@@ -7995,11 +8267,11 @@
               <a:defRPr/>
             </a:pPr>
             <a:r>
-              <a:rPr lang="en-US" smtClean="0"/>
-              <a:t>pulverize</a:t>
-            </a:r>
-            <a:r>
-              <a:rPr lang="en-US" sz="1200" smtClean="0"/>
+              <a:rPr lang="en-US" dirty="0" err="1" smtClean="0"/>
+              <a:t>pulverizer</a:t>
+            </a:r>
+            <a:r>
+              <a:rPr lang="en-US" dirty="0" smtClean="0"/>
               <a:t>.</a:t>
             </a:r>
             <a:fld id="{1C5A3C10-33AF-4A87-9059-D1C83461B876}" type="slidenum">
@@ -8289,11 +8561,11 @@
               <a:defRPr/>
             </a:pPr>
             <a:r>
-              <a:rPr lang="en-US" smtClean="0"/>
-              <a:t>pulverize</a:t>
-            </a:r>
-            <a:r>
-              <a:rPr lang="en-US" sz="1200" smtClean="0"/>
+              <a:rPr lang="en-US" dirty="0" err="1" smtClean="0"/>
+              <a:t>pulverizer</a:t>
+            </a:r>
+            <a:r>
+              <a:rPr lang="en-US" dirty="0" smtClean="0"/>
               <a:t>.</a:t>
             </a:r>
             <a:fld id="{1C5A3C10-33AF-4A87-9059-D1C83461B876}" type="slidenum">
@@ -8316,25 +8588,25 @@
           <p:nvPr>
             <p:extLst>
               <p:ext uri="{D42A27DB-BD31-4B8C-83A1-F6EECF244321}">
-                <p14:modId xmlns:p14="http://schemas.microsoft.com/office/powerpoint/2010/main" val="1987156403"/>
+                <p14:modId xmlns:p14="http://schemas.microsoft.com/office/powerpoint/2010/main" val="1581311865"/>
               </p:ext>
             </p:extLst>
           </p:nvPr>
         </p:nvGraphicFramePr>
         <p:xfrm>
-          <a:off x="1476375" y="4278312"/>
-          <a:ext cx="2762250" cy="1589088"/>
+          <a:off x="1219200" y="4354513"/>
+          <a:ext cx="3108325" cy="1589087"/>
         </p:xfrm>
         <a:graphic>
           <a:graphicData uri="http://schemas.openxmlformats.org/presentationml/2006/ole">
             <mc:AlternateContent xmlns:mc="http://schemas.openxmlformats.org/markup-compatibility/2006">
               <mc:Choice xmlns:v="urn:schemas-microsoft-com:vml" Requires="v">
-                <p:oleObj spid="_x0000_s3085" name="Equation" r:id="rId3" imgW="508000" imgH="292100" progId="Equation.DSMT4">
+                <p:oleObj spid="_x0000_s3093" name="Equation" r:id="rId4" imgW="571500" imgH="292100" progId="Equation.DSMT4">
                   <p:embed/>
                 </p:oleObj>
               </mc:Choice>
               <mc:Fallback>
-                <p:oleObj name="Equation" r:id="rId3" imgW="508000" imgH="292100" progId="Equation.DSMT4">
+                <p:oleObj name="Equation" r:id="rId4" imgW="571500" imgH="292100" progId="Equation.DSMT4">
                   <p:embed/>
                   <p:pic>
                     <p:nvPicPr>
@@ -8343,15 +8615,15 @@
                       <p:nvPr/>
                     </p:nvPicPr>
                     <p:blipFill>
-                      <a:blip r:embed="rId4"/>
+                      <a:blip r:embed="rId5"/>
                       <a:stretch>
                         <a:fillRect/>
                       </a:stretch>
                     </p:blipFill>
                     <p:spPr>
                       <a:xfrm>
-                        <a:off x="1476375" y="4278312"/>
-                        <a:ext cx="2762250" cy="1589088"/>
+                        <a:off x="1219200" y="4354513"/>
+                        <a:ext cx="3108325" cy="1589087"/>
                       </a:xfrm>
                       <a:prstGeom prst="rect">
                         <a:avLst/>
@@ -8796,10 +9068,16 @@
           <a:lstStyle/>
           <a:p>
             <a:r>
+              <a:rPr lang="en-US" dirty="0" err="1" smtClean="0">
+                <a:latin typeface="Comic Sans MS" pitchFamily="8" charset="0"/>
+              </a:rPr>
+              <a:t>pulverizer</a:t>
+            </a:r>
+            <a:r>
               <a:rPr lang="en-US" dirty="0" smtClean="0">
                 <a:latin typeface="Comic Sans MS" pitchFamily="8" charset="0"/>
               </a:rPr>
-              <a:t>pulverize.</a:t>
+              <a:t>.</a:t>
             </a:r>
             <a:fld id="{C0A36D86-A96B-4FB7-B793-96DB8299F076}" type="slidenum">
               <a:rPr lang="en-US" sz="1200" smtClean="0">
@@ -10380,10 +10658,16 @@
           <a:lstStyle/>
           <a:p>
             <a:r>
+              <a:rPr lang="en-US" dirty="0" err="1" smtClean="0">
+                <a:latin typeface="Comic Sans MS" pitchFamily="8" charset="0"/>
+              </a:rPr>
+              <a:t>pulverizer</a:t>
+            </a:r>
+            <a:r>
               <a:rPr lang="en-US" dirty="0" smtClean="0">
                 <a:latin typeface="Comic Sans MS" pitchFamily="8" charset="0"/>
               </a:rPr>
-              <a:t>pulverize.</a:t>
+              <a:t>.</a:t>
             </a:r>
             <a:fld id="{C0A36D86-A96B-4FB7-B793-96DB8299F076}" type="slidenum">
               <a:rPr lang="en-US" sz="1200" smtClean="0">
@@ -11184,10 +11468,16 @@
           <a:lstStyle/>
           <a:p>
             <a:r>
+              <a:rPr lang="en-US" dirty="0" err="1" smtClean="0">
+                <a:latin typeface="Comic Sans MS" pitchFamily="8" charset="0"/>
+              </a:rPr>
+              <a:t>pulverizer</a:t>
+            </a:r>
+            <a:r>
               <a:rPr lang="en-US" dirty="0" smtClean="0">
                 <a:latin typeface="Comic Sans MS" pitchFamily="8" charset="0"/>
               </a:rPr>
-              <a:t>pulverize.</a:t>
+              <a:t>.</a:t>
             </a:r>
             <a:fld id="{C0A36D86-A96B-4FB7-B793-96DB8299F076}" type="slidenum">
               <a:rPr lang="en-US" sz="1200" smtClean="0">
@@ -12514,11 +12804,11 @@
               <a:defRPr/>
             </a:pPr>
             <a:r>
-              <a:rPr lang="en-US" smtClean="0"/>
-              <a:t>pulverize</a:t>
-            </a:r>
-            <a:r>
-              <a:rPr lang="en-US" sz="1200" smtClean="0"/>
+              <a:rPr lang="en-US" dirty="0" err="1" smtClean="0"/>
+              <a:t>pulverizer</a:t>
+            </a:r>
+            <a:r>
+              <a:rPr lang="en-US" dirty="0" smtClean="0"/>
               <a:t>.</a:t>
             </a:r>
             <a:fld id="{1C5A3C10-33AF-4A87-9059-D1C83461B876}" type="slidenum">
@@ -12554,7 +12844,7 @@
           <a:graphicData uri="http://schemas.openxmlformats.org/presentationml/2006/ole">
             <mc:AlternateContent xmlns:mc="http://schemas.openxmlformats.org/markup-compatibility/2006">
               <mc:Choice xmlns:v="urn:schemas-microsoft-com:vml" Requires="v">
-                <p:oleObj spid="_x0000_s1049" name="Equation" r:id="rId3" imgW="406400" imgH="292100" progId="Equation.DSMT4">
+                <p:oleObj spid="_x0000_s1057" name="Equation" r:id="rId3" imgW="406400" imgH="292100" progId="Equation.DSMT4">
                   <p:embed/>
                 </p:oleObj>
               </mc:Choice>
@@ -13204,10 +13494,16 @@
           <a:lstStyle/>
           <a:p>
             <a:r>
+              <a:rPr lang="en-US" dirty="0" err="1" smtClean="0">
+                <a:latin typeface="Comic Sans MS" pitchFamily="8" charset="0"/>
+              </a:rPr>
+              <a:t>pulverizer</a:t>
+            </a:r>
+            <a:r>
               <a:rPr lang="en-US" dirty="0" smtClean="0">
                 <a:latin typeface="Comic Sans MS" pitchFamily="8" charset="0"/>
               </a:rPr>
-              <a:t>pulverize.</a:t>
+              <a:t>.</a:t>
             </a:r>
             <a:fld id="{CCB45DB7-2069-4CDB-95A9-C4EF498CA91E}" type="slidenum">
               <a:rPr lang="en-US" sz="1200" smtClean="0">
@@ -13549,10 +13845,16 @@
           <a:lstStyle/>
           <a:p>
             <a:r>
+              <a:rPr lang="en-US" dirty="0" err="1" smtClean="0">
+                <a:latin typeface="Comic Sans MS" pitchFamily="8" charset="0"/>
+              </a:rPr>
+              <a:t>pulverizer</a:t>
+            </a:r>
+            <a:r>
               <a:rPr lang="en-US" dirty="0" smtClean="0">
                 <a:latin typeface="Comic Sans MS" pitchFamily="8" charset="0"/>
               </a:rPr>
-              <a:t>pulverize.</a:t>
+              <a:t>.</a:t>
             </a:r>
             <a:fld id="{CCB45DB7-2069-4CDB-95A9-C4EF498CA91E}" type="slidenum">
               <a:rPr lang="en-US" sz="1200" smtClean="0">
@@ -14300,10 +14602,16 @@
           <a:lstStyle/>
           <a:p>
             <a:r>
+              <a:rPr lang="en-US" dirty="0" err="1" smtClean="0">
+                <a:latin typeface="Comic Sans MS" pitchFamily="8" charset="0"/>
+              </a:rPr>
+              <a:t>pulverizer</a:t>
+            </a:r>
+            <a:r>
               <a:rPr lang="en-US" dirty="0" smtClean="0">
                 <a:latin typeface="Comic Sans MS" pitchFamily="8" charset="0"/>
               </a:rPr>
-              <a:t>pulverize.</a:t>
+              <a:t>.</a:t>
             </a:r>
             <a:fld id="{747A9357-8041-408C-AA30-B9E91B776969}" type="slidenum">
               <a:rPr lang="en-US" sz="1200" smtClean="0">
@@ -14770,10 +15078,16 @@
           <a:lstStyle/>
           <a:p>
             <a:r>
+              <a:rPr lang="en-US" dirty="0" err="1" smtClean="0">
+                <a:latin typeface="Comic Sans MS" pitchFamily="8" charset="0"/>
+              </a:rPr>
+              <a:t>pulverizer</a:t>
+            </a:r>
+            <a:r>
               <a:rPr lang="en-US" dirty="0" smtClean="0">
                 <a:latin typeface="Comic Sans MS" pitchFamily="8" charset="0"/>
               </a:rPr>
-              <a:t>pulverize.</a:t>
+              <a:t>.</a:t>
             </a:r>
             <a:fld id="{51C7A18E-EE52-411A-95D8-CFBE2265EDF3}" type="slidenum">
               <a:rPr lang="en-US" sz="1200" smtClean="0">
@@ -15285,10 +15599,16 @@
           <a:lstStyle/>
           <a:p>
             <a:r>
+              <a:rPr lang="en-US" dirty="0" err="1" smtClean="0">
+                <a:latin typeface="Comic Sans MS" pitchFamily="8" charset="0"/>
+              </a:rPr>
+              <a:t>pulverizer</a:t>
+            </a:r>
+            <a:r>
               <a:rPr lang="en-US" dirty="0" smtClean="0">
                 <a:latin typeface="Comic Sans MS" pitchFamily="8" charset="0"/>
               </a:rPr>
-              <a:t>pulverize.</a:t>
+              <a:t>.</a:t>
             </a:r>
             <a:fld id="{1A8F527B-ED42-49E8-BD15-2DCE6D46779E}" type="slidenum">
               <a:rPr lang="en-US" sz="1200" smtClean="0">
@@ -16133,10 +16453,16 @@
           <a:lstStyle/>
           <a:p>
             <a:r>
+              <a:rPr lang="en-US" dirty="0" err="1" smtClean="0">
+                <a:latin typeface="Comic Sans MS" pitchFamily="8" charset="0"/>
+              </a:rPr>
+              <a:t>pulverizer</a:t>
+            </a:r>
+            <a:r>
               <a:rPr lang="en-US" dirty="0" smtClean="0">
                 <a:latin typeface="Comic Sans MS" pitchFamily="8" charset="0"/>
               </a:rPr>
-              <a:t>pulverize.</a:t>
+              <a:t>.</a:t>
             </a:r>
             <a:fld id="{1A8F527B-ED42-49E8-BD15-2DCE6D46779E}" type="slidenum">
               <a:rPr lang="en-US" sz="1200" smtClean="0">
@@ -16601,10 +16927,16 @@
           <a:lstStyle/>
           <a:p>
             <a:r>
+              <a:rPr lang="en-US" dirty="0" err="1" smtClean="0">
+                <a:latin typeface="Comic Sans MS" pitchFamily="8" charset="0"/>
+              </a:rPr>
+              <a:t>pulverizer</a:t>
+            </a:r>
+            <a:r>
               <a:rPr lang="en-US" dirty="0" smtClean="0">
                 <a:latin typeface="Comic Sans MS" pitchFamily="8" charset="0"/>
               </a:rPr>
-              <a:t>pulverize.</a:t>
+              <a:t>.</a:t>
             </a:r>
             <a:fld id="{C0A36D86-A96B-4FB7-B793-96DB8299F076}" type="slidenum">
               <a:rPr lang="en-US" sz="1200" smtClean="0">
@@ -17301,10 +17633,16 @@
           <a:lstStyle/>
           <a:p>
             <a:r>
+              <a:rPr lang="en-US" dirty="0" err="1" smtClean="0">
+                <a:latin typeface="Comic Sans MS" pitchFamily="8" charset="0"/>
+              </a:rPr>
+              <a:t>pulverizer</a:t>
+            </a:r>
+            <a:r>
               <a:rPr lang="en-US" dirty="0" smtClean="0">
                 <a:latin typeface="Comic Sans MS" pitchFamily="8" charset="0"/>
               </a:rPr>
-              <a:t>pulverize.</a:t>
+              <a:t>.</a:t>
             </a:r>
             <a:fld id="{C0A36D86-A96B-4FB7-B793-96DB8299F076}" type="slidenum">
               <a:rPr lang="en-US" sz="1200" smtClean="0">
@@ -18268,10 +18606,16 @@
           <a:lstStyle/>
           <a:p>
             <a:r>
+              <a:rPr lang="en-US" dirty="0" err="1" smtClean="0">
+                <a:latin typeface="Comic Sans MS" pitchFamily="8" charset="0"/>
+              </a:rPr>
+              <a:t>pulverizer</a:t>
+            </a:r>
+            <a:r>
               <a:rPr lang="en-US" dirty="0" smtClean="0">
                 <a:latin typeface="Comic Sans MS" pitchFamily="8" charset="0"/>
               </a:rPr>
-              <a:t>pulverize.</a:t>
+              <a:t>.</a:t>
             </a:r>
             <a:fld id="{CCB45DB7-2069-4CDB-95A9-C4EF498CA91E}" type="slidenum">
               <a:rPr lang="en-US" sz="1200" smtClean="0">
@@ -18585,10 +18929,16 @@
           <a:lstStyle/>
           <a:p>
             <a:r>
+              <a:rPr lang="en-US" dirty="0" err="1" smtClean="0">
+                <a:latin typeface="Comic Sans MS" pitchFamily="8" charset="0"/>
+              </a:rPr>
+              <a:t>pulverizer</a:t>
+            </a:r>
+            <a:r>
               <a:rPr lang="en-US" dirty="0" smtClean="0">
                 <a:latin typeface="Comic Sans MS" pitchFamily="8" charset="0"/>
               </a:rPr>
-              <a:t>pulverize.</a:t>
+              <a:t>.</a:t>
             </a:r>
             <a:fld id="{3B96DCEE-1EFD-4F3F-AB3D-22B5C60B61F8}" type="slidenum">
               <a:rPr lang="en-US" sz="1200" smtClean="0">
@@ -19332,10 +19682,16 @@
           <a:lstStyle/>
           <a:p>
             <a:r>
+              <a:rPr lang="en-US" dirty="0" err="1" smtClean="0">
+                <a:latin typeface="Comic Sans MS" pitchFamily="8" charset="0"/>
+              </a:rPr>
+              <a:t>pulverizer</a:t>
+            </a:r>
+            <a:r>
               <a:rPr lang="en-US" dirty="0" smtClean="0">
                 <a:latin typeface="Comic Sans MS" pitchFamily="8" charset="0"/>
               </a:rPr>
-              <a:t>pulverize.</a:t>
+              <a:t>.</a:t>
             </a:r>
             <a:fld id="{3B96DCEE-1EFD-4F3F-AB3D-22B5C60B61F8}" type="slidenum">
               <a:rPr lang="en-US" sz="1200" smtClean="0">
@@ -20152,10 +20508,16 @@
           <a:lstStyle/>
           <a:p>
             <a:r>
+              <a:rPr lang="en-US" dirty="0" err="1" smtClean="0">
+                <a:latin typeface="Comic Sans MS" pitchFamily="8" charset="0"/>
+              </a:rPr>
+              <a:t>pulverizer</a:t>
+            </a:r>
+            <a:r>
               <a:rPr lang="en-US" dirty="0" smtClean="0">
                 <a:latin typeface="Comic Sans MS" pitchFamily="8" charset="0"/>
               </a:rPr>
-              <a:t>pulverize.</a:t>
+              <a:t>.</a:t>
             </a:r>
             <a:fld id="{3B96DCEE-1EFD-4F3F-AB3D-22B5C60B61F8}" type="slidenum">
               <a:rPr lang="en-US" sz="1200" smtClean="0">
@@ -20746,10 +21108,16 @@
           <a:lstStyle/>
           <a:p>
             <a:r>
+              <a:rPr lang="en-US" dirty="0" err="1" smtClean="0">
+                <a:latin typeface="Comic Sans MS" pitchFamily="8" charset="0"/>
+              </a:rPr>
+              <a:t>pulverizer</a:t>
+            </a:r>
+            <a:r>
               <a:rPr lang="en-US" dirty="0" smtClean="0">
                 <a:latin typeface="Comic Sans MS" pitchFamily="8" charset="0"/>
               </a:rPr>
-              <a:t>pulverize.</a:t>
+              <a:t>.</a:t>
             </a:r>
             <a:fld id="{3B96DCEE-1EFD-4F3F-AB3D-22B5C60B61F8}" type="slidenum">
               <a:rPr lang="en-US" sz="1200" smtClean="0">
@@ -20976,10 +21344,16 @@
           <a:lstStyle/>
           <a:p>
             <a:r>
+              <a:rPr lang="en-US" dirty="0" err="1" smtClean="0">
+                <a:latin typeface="Comic Sans MS" pitchFamily="8" charset="0"/>
+              </a:rPr>
+              <a:t>pulverizer</a:t>
+            </a:r>
+            <a:r>
               <a:rPr lang="en-US" dirty="0" smtClean="0">
                 <a:latin typeface="Comic Sans MS" pitchFamily="8" charset="0"/>
               </a:rPr>
-              <a:t>pulverize.</a:t>
+              <a:t>.</a:t>
             </a:r>
             <a:fld id="{3B96DCEE-1EFD-4F3F-AB3D-22B5C60B61F8}" type="slidenum">
               <a:rPr lang="en-US" sz="1200" smtClean="0">
@@ -21853,10 +22227,16 @@
           <a:lstStyle/>
           <a:p>
             <a:r>
+              <a:rPr lang="en-US" dirty="0" err="1" smtClean="0">
+                <a:latin typeface="Comic Sans MS" pitchFamily="8" charset="0"/>
+              </a:rPr>
+              <a:t>pulverizer</a:t>
+            </a:r>
+            <a:r>
               <a:rPr lang="en-US" dirty="0" smtClean="0">
                 <a:latin typeface="Comic Sans MS" pitchFamily="8" charset="0"/>
               </a:rPr>
-              <a:t>pulverize.</a:t>
+              <a:t>.</a:t>
             </a:r>
             <a:fld id="{3B96DCEE-1EFD-4F3F-AB3D-22B5C60B61F8}" type="slidenum">
               <a:rPr lang="en-US" sz="1200" smtClean="0">
